--- a/files/Development1CMedstar.pptx
+++ b/files/Development1CMedstar.pptx
@@ -113,7 +113,18 @@
   </p:defaultTextStyle>
   <p:extLst>
     <p:ext uri="{EFAFB233-063F-42B5-8137-9DF3F51BA10A}">
-      <p15:sldGuideLst xmlns:p15="http://schemas.microsoft.com/office/powerpoint/2012/main" xmlns=""/>
+      <p15:sldGuideLst xmlns:p15="http://schemas.microsoft.com/office/powerpoint/2012/main">
+        <p15:guide id="1" orient="horz" pos="2160">
+          <p15:clr>
+            <a:srgbClr val="A4A3A4"/>
+          </p15:clr>
+        </p15:guide>
+        <p15:guide id="2" pos="3840">
+          <p15:clr>
+            <a:srgbClr val="A4A3A4"/>
+          </p15:clr>
+        </p15:guide>
+      </p15:sldGuideLst>
     </p:ext>
   </p:extLst>
 </p:presentation>
@@ -2187,13 +2198,6 @@
         </dgm:presLayoutVars>
       </dgm:prSet>
       <dgm:spPr/>
-      <dgm:t>
-        <a:bodyPr/>
-        <a:lstStyle/>
-        <a:p>
-          <a:endParaRPr lang="ru-RU"/>
-        </a:p>
-      </dgm:t>
     </dgm:pt>
     <dgm:pt modelId="{49AFE1D8-248D-4FAD-9DDA-F23F806338FE}" type="pres">
       <dgm:prSet presAssocID="{45F98D66-9802-47DF-A22E-EA0CE47FD900}" presName="node" presStyleLbl="node1" presStyleIdx="0" presStyleCnt="5" custLinFactNeighborX="-10303" custLinFactNeighborY="-614">
@@ -2202,13 +2206,6 @@
         </dgm:presLayoutVars>
       </dgm:prSet>
       <dgm:spPr/>
-      <dgm:t>
-        <a:bodyPr/>
-        <a:lstStyle/>
-        <a:p>
-          <a:endParaRPr lang="ru-RU"/>
-        </a:p>
-      </dgm:t>
     </dgm:pt>
     <dgm:pt modelId="{5EF56D42-9515-4B73-9BF7-4153D28AE742}" type="pres">
       <dgm:prSet presAssocID="{09DAE5D8-C813-4B23-9B4C-7D4EA69F10E2}" presName="sibTrans" presStyleCnt="0"/>
@@ -2221,13 +2218,6 @@
         </dgm:presLayoutVars>
       </dgm:prSet>
       <dgm:spPr/>
-      <dgm:t>
-        <a:bodyPr/>
-        <a:lstStyle/>
-        <a:p>
-          <a:endParaRPr lang="ru-RU"/>
-        </a:p>
-      </dgm:t>
     </dgm:pt>
     <dgm:pt modelId="{E6DC9794-7683-474B-B843-A3B8102F4EDA}" type="pres">
       <dgm:prSet presAssocID="{7E158500-48FF-47C6-8820-996D5B76E070}" presName="sibTrans" presStyleCnt="0"/>
@@ -2240,13 +2230,6 @@
         </dgm:presLayoutVars>
       </dgm:prSet>
       <dgm:spPr/>
-      <dgm:t>
-        <a:bodyPr/>
-        <a:lstStyle/>
-        <a:p>
-          <a:endParaRPr lang="ru-RU"/>
-        </a:p>
-      </dgm:t>
     </dgm:pt>
     <dgm:pt modelId="{DEECDD76-6D6B-40B7-99F7-C35C9F0BD0BE}" type="pres">
       <dgm:prSet presAssocID="{7D31F90D-23E2-4083-A1DA-6D8B124829AA}" presName="sibTrans" presStyleCnt="0"/>
@@ -2259,13 +2242,6 @@
         </dgm:presLayoutVars>
       </dgm:prSet>
       <dgm:spPr/>
-      <dgm:t>
-        <a:bodyPr/>
-        <a:lstStyle/>
-        <a:p>
-          <a:endParaRPr lang="ru-RU"/>
-        </a:p>
-      </dgm:t>
     </dgm:pt>
     <dgm:pt modelId="{0E1E1F33-2D24-41F1-B7CB-72D8ECD681A1}" type="pres">
       <dgm:prSet presAssocID="{3F8D5A34-1F58-480B-AE7D-CE3D4CA9A0A7}" presName="sibTrans" presStyleCnt="0"/>
@@ -2278,26 +2254,19 @@
         </dgm:presLayoutVars>
       </dgm:prSet>
       <dgm:spPr/>
-      <dgm:t>
-        <a:bodyPr/>
-        <a:lstStyle/>
-        <a:p>
-          <a:endParaRPr lang="ru-RU"/>
-        </a:p>
-      </dgm:t>
     </dgm:pt>
   </dgm:ptLst>
   <dgm:cxnLst>
     <dgm:cxn modelId="{FC97DB05-F785-4659-A827-E8CDE6D25EDE}" type="presOf" srcId="{DAD11457-03D3-4C9D-BE27-E354FDD1E2E8}" destId="{08E2E911-4FCA-4FD1-80B4-A47D4C9B2056}" srcOrd="0" destOrd="0" presId="urn:microsoft.com/office/officeart/2005/8/layout/default"/>
+    <dgm:cxn modelId="{C6647F1B-4163-4586-8CF8-2777E9065AFA}" srcId="{D499EC4F-D7DA-4285-894A-7BC21FCAF2CC}" destId="{45F98D66-9802-47DF-A22E-EA0CE47FD900}" srcOrd="0" destOrd="0" parTransId="{CBA99D3D-01E5-4459-9A10-3D94407B0301}" sibTransId="{09DAE5D8-C813-4B23-9B4C-7D4EA69F10E2}"/>
+    <dgm:cxn modelId="{479EA926-FEC6-4091-94E9-663D4292E570}" type="presOf" srcId="{C0C1A9F8-7A16-4150-B46D-D92389F35EA0}" destId="{0B8D1F26-387E-4F4C-AAE8-C131F6B73A19}" srcOrd="0" destOrd="0" presId="urn:microsoft.com/office/officeart/2005/8/layout/default"/>
+    <dgm:cxn modelId="{5B7C145C-3FD5-4013-96DB-F3455D9EF7B2}" type="presOf" srcId="{7143FC7C-1A6B-4071-80B5-883473B5C7D0}" destId="{D8C8FEB9-278D-4A17-95A9-31AA2D645409}" srcOrd="0" destOrd="0" presId="urn:microsoft.com/office/officeart/2005/8/layout/default"/>
+    <dgm:cxn modelId="{48842E46-7BF4-4154-BC28-BC6CA3F41C61}" srcId="{D499EC4F-D7DA-4285-894A-7BC21FCAF2CC}" destId="{7143FC7C-1A6B-4071-80B5-883473B5C7D0}" srcOrd="4" destOrd="0" parTransId="{DB51D8E4-F8CF-4DA4-AC81-7D4B49FFF02F}" sibTransId="{6A1D9FA1-2E6B-4BB4-94D4-45B6042E0930}"/>
+    <dgm:cxn modelId="{48DEA2AC-D3AC-4037-85D5-60777F6BEB99}" type="presOf" srcId="{80C85C55-B790-449F-BDE8-6365A6A5725A}" destId="{D2ED130B-E255-4CA7-914F-F860F9C3E9BA}" srcOrd="0" destOrd="0" presId="urn:microsoft.com/office/officeart/2005/8/layout/default"/>
+    <dgm:cxn modelId="{1FCC73AF-FBAA-41FB-AD3A-7FBCE8BD37D8}" type="presOf" srcId="{D499EC4F-D7DA-4285-894A-7BC21FCAF2CC}" destId="{0BCA0F29-24C5-4A6E-98C3-963AE53172E3}" srcOrd="0" destOrd="0" presId="urn:microsoft.com/office/officeart/2005/8/layout/default"/>
+    <dgm:cxn modelId="{76499EB6-1AB7-428D-A288-07B3A678CD24}" srcId="{D499EC4F-D7DA-4285-894A-7BC21FCAF2CC}" destId="{C0C1A9F8-7A16-4150-B46D-D92389F35EA0}" srcOrd="3" destOrd="0" parTransId="{E40E0C9D-6C7F-4739-A64F-F9A019E36239}" sibTransId="{3F8D5A34-1F58-480B-AE7D-CE3D4CA9A0A7}"/>
+    <dgm:cxn modelId="{CA42F1B7-DE90-4F30-ADD2-C790F932080A}" srcId="{D499EC4F-D7DA-4285-894A-7BC21FCAF2CC}" destId="{DAD11457-03D3-4C9D-BE27-E354FDD1E2E8}" srcOrd="2" destOrd="0" parTransId="{880033B7-FB4C-4A67-BDB9-811A9A3ED98B}" sibTransId="{7D31F90D-23E2-4083-A1DA-6D8B124829AA}"/>
     <dgm:cxn modelId="{6859FDD7-0EB6-4C33-A794-AD90D685CB19}" type="presOf" srcId="{45F98D66-9802-47DF-A22E-EA0CE47FD900}" destId="{49AFE1D8-248D-4FAD-9DDA-F23F806338FE}" srcOrd="0" destOrd="0" presId="urn:microsoft.com/office/officeart/2005/8/layout/default"/>
-    <dgm:cxn modelId="{C6647F1B-4163-4586-8CF8-2777E9065AFA}" srcId="{D499EC4F-D7DA-4285-894A-7BC21FCAF2CC}" destId="{45F98D66-9802-47DF-A22E-EA0CE47FD900}" srcOrd="0" destOrd="0" parTransId="{CBA99D3D-01E5-4459-9A10-3D94407B0301}" sibTransId="{09DAE5D8-C813-4B23-9B4C-7D4EA69F10E2}"/>
-    <dgm:cxn modelId="{48842E46-7BF4-4154-BC28-BC6CA3F41C61}" srcId="{D499EC4F-D7DA-4285-894A-7BC21FCAF2CC}" destId="{7143FC7C-1A6B-4071-80B5-883473B5C7D0}" srcOrd="4" destOrd="0" parTransId="{DB51D8E4-F8CF-4DA4-AC81-7D4B49FFF02F}" sibTransId="{6A1D9FA1-2E6B-4BB4-94D4-45B6042E0930}"/>
-    <dgm:cxn modelId="{479EA926-FEC6-4091-94E9-663D4292E570}" type="presOf" srcId="{C0C1A9F8-7A16-4150-B46D-D92389F35EA0}" destId="{0B8D1F26-387E-4F4C-AAE8-C131F6B73A19}" srcOrd="0" destOrd="0" presId="urn:microsoft.com/office/officeart/2005/8/layout/default"/>
-    <dgm:cxn modelId="{CA42F1B7-DE90-4F30-ADD2-C790F932080A}" srcId="{D499EC4F-D7DA-4285-894A-7BC21FCAF2CC}" destId="{DAD11457-03D3-4C9D-BE27-E354FDD1E2E8}" srcOrd="2" destOrd="0" parTransId="{880033B7-FB4C-4A67-BDB9-811A9A3ED98B}" sibTransId="{7D31F90D-23E2-4083-A1DA-6D8B124829AA}"/>
-    <dgm:cxn modelId="{48DEA2AC-D3AC-4037-85D5-60777F6BEB99}" type="presOf" srcId="{80C85C55-B790-449F-BDE8-6365A6A5725A}" destId="{D2ED130B-E255-4CA7-914F-F860F9C3E9BA}" srcOrd="0" destOrd="0" presId="urn:microsoft.com/office/officeart/2005/8/layout/default"/>
-    <dgm:cxn modelId="{76499EB6-1AB7-428D-A288-07B3A678CD24}" srcId="{D499EC4F-D7DA-4285-894A-7BC21FCAF2CC}" destId="{C0C1A9F8-7A16-4150-B46D-D92389F35EA0}" srcOrd="3" destOrd="0" parTransId="{E40E0C9D-6C7F-4739-A64F-F9A019E36239}" sibTransId="{3F8D5A34-1F58-480B-AE7D-CE3D4CA9A0A7}"/>
-    <dgm:cxn modelId="{5B7C145C-3FD5-4013-96DB-F3455D9EF7B2}" type="presOf" srcId="{7143FC7C-1A6B-4071-80B5-883473B5C7D0}" destId="{D8C8FEB9-278D-4A17-95A9-31AA2D645409}" srcOrd="0" destOrd="0" presId="urn:microsoft.com/office/officeart/2005/8/layout/default"/>
-    <dgm:cxn modelId="{1FCC73AF-FBAA-41FB-AD3A-7FBCE8BD37D8}" type="presOf" srcId="{D499EC4F-D7DA-4285-894A-7BC21FCAF2CC}" destId="{0BCA0F29-24C5-4A6E-98C3-963AE53172E3}" srcOrd="0" destOrd="0" presId="urn:microsoft.com/office/officeart/2005/8/layout/default"/>
     <dgm:cxn modelId="{7DCD44E5-79C0-400A-BE74-064E45069FAE}" srcId="{D499EC4F-D7DA-4285-894A-7BC21FCAF2CC}" destId="{80C85C55-B790-449F-BDE8-6365A6A5725A}" srcOrd="1" destOrd="0" parTransId="{F2E7FDB4-C1FE-43BA-89DF-642591656E87}" sibTransId="{7E158500-48FF-47C6-8820-996D5B76E070}"/>
     <dgm:cxn modelId="{E27268BA-975E-409A-9A5E-547E14CEA7DB}" type="presParOf" srcId="{0BCA0F29-24C5-4A6E-98C3-963AE53172E3}" destId="{49AFE1D8-248D-4FAD-9DDA-F23F806338FE}" srcOrd="0" destOrd="0" presId="urn:microsoft.com/office/officeart/2005/8/layout/default"/>
     <dgm:cxn modelId="{7058C847-2437-4677-A517-F669515D1C4B}" type="presParOf" srcId="{0BCA0F29-24C5-4A6E-98C3-963AE53172E3}" destId="{5EF56D42-9515-4B73-9BF7-4153D28AE742}" srcOrd="1" destOrd="0" presId="urn:microsoft.com/office/officeart/2005/8/layout/default"/>
@@ -2703,13 +2672,6 @@
         </dgm:presLayoutVars>
       </dgm:prSet>
       <dgm:spPr/>
-      <dgm:t>
-        <a:bodyPr/>
-        <a:lstStyle/>
-        <a:p>
-          <a:endParaRPr lang="ru-RU"/>
-        </a:p>
-      </dgm:t>
     </dgm:pt>
     <dgm:pt modelId="{F63AE52E-4EC3-4773-969F-EFD908F76D2C}" type="pres">
       <dgm:prSet presAssocID="{ED91F051-8592-47BE-8DBC-C7B3E3D4EC85}" presName="compNode" presStyleCnt="0"/>
@@ -2726,24 +2688,10 @@
         </dgm:presLayoutVars>
       </dgm:prSet>
       <dgm:spPr/>
-      <dgm:t>
-        <a:bodyPr/>
-        <a:lstStyle/>
-        <a:p>
-          <a:endParaRPr lang="ru-RU"/>
-        </a:p>
-      </dgm:t>
     </dgm:pt>
     <dgm:pt modelId="{956864DF-117B-4C5C-A418-C54E9FBD1E5B}" type="pres">
       <dgm:prSet presAssocID="{745EC707-1B17-492F-9A4C-3DFA39AFEDE0}" presName="sibTrans" presStyleLbl="bgSibTrans2D1" presStyleIdx="0" presStyleCnt="8"/>
       <dgm:spPr/>
-      <dgm:t>
-        <a:bodyPr/>
-        <a:lstStyle/>
-        <a:p>
-          <a:endParaRPr lang="ru-RU"/>
-        </a:p>
-      </dgm:t>
     </dgm:pt>
     <dgm:pt modelId="{92805E80-35E1-4AE2-AD77-21C162F7D3EA}" type="pres">
       <dgm:prSet presAssocID="{2D47AA27-BC66-4035-9695-D35FAF8FF36A}" presName="compNode" presStyleCnt="0"/>
@@ -2760,24 +2708,10 @@
         </dgm:presLayoutVars>
       </dgm:prSet>
       <dgm:spPr/>
-      <dgm:t>
-        <a:bodyPr/>
-        <a:lstStyle/>
-        <a:p>
-          <a:endParaRPr lang="ru-RU"/>
-        </a:p>
-      </dgm:t>
     </dgm:pt>
     <dgm:pt modelId="{A379B04A-683D-464F-9CED-E47DBED868EE}" type="pres">
       <dgm:prSet presAssocID="{8A14D7F0-FA14-420F-8021-725688B3CB96}" presName="sibTrans" presStyleLbl="bgSibTrans2D1" presStyleIdx="1" presStyleCnt="8"/>
       <dgm:spPr/>
-      <dgm:t>
-        <a:bodyPr/>
-        <a:lstStyle/>
-        <a:p>
-          <a:endParaRPr lang="ru-RU"/>
-        </a:p>
-      </dgm:t>
     </dgm:pt>
     <dgm:pt modelId="{792854EF-B23B-46C6-95A9-D00294FCB4B6}" type="pres">
       <dgm:prSet presAssocID="{DFB03E44-D359-495B-8ADD-CA5961CD5FF3}" presName="compNode" presStyleCnt="0"/>
@@ -2794,24 +2728,10 @@
         </dgm:presLayoutVars>
       </dgm:prSet>
       <dgm:spPr/>
-      <dgm:t>
-        <a:bodyPr/>
-        <a:lstStyle/>
-        <a:p>
-          <a:endParaRPr lang="ru-RU"/>
-        </a:p>
-      </dgm:t>
     </dgm:pt>
     <dgm:pt modelId="{1406FB6F-2FC8-4CB0-8CFC-1A7BC22033E4}" type="pres">
       <dgm:prSet presAssocID="{6860E388-4226-4065-AE40-B262A565B478}" presName="sibTrans" presStyleLbl="bgSibTrans2D1" presStyleIdx="2" presStyleCnt="8"/>
       <dgm:spPr/>
-      <dgm:t>
-        <a:bodyPr/>
-        <a:lstStyle/>
-        <a:p>
-          <a:endParaRPr lang="ru-RU"/>
-        </a:p>
-      </dgm:t>
     </dgm:pt>
     <dgm:pt modelId="{9B3144D9-39A2-4C00-AEAD-B42BDF78ABD7}" type="pres">
       <dgm:prSet presAssocID="{2A36C5A1-A57F-429C-A987-9BEA472F4728}" presName="compNode" presStyleCnt="0"/>
@@ -2828,24 +2748,10 @@
         </dgm:presLayoutVars>
       </dgm:prSet>
       <dgm:spPr/>
-      <dgm:t>
-        <a:bodyPr/>
-        <a:lstStyle/>
-        <a:p>
-          <a:endParaRPr lang="ru-RU"/>
-        </a:p>
-      </dgm:t>
     </dgm:pt>
     <dgm:pt modelId="{968B738F-90D6-4D87-97A6-0CF1D67080D2}" type="pres">
       <dgm:prSet presAssocID="{81F084DD-59C0-4051-A0A9-3F344E03F9F9}" presName="sibTrans" presStyleLbl="bgSibTrans2D1" presStyleIdx="3" presStyleCnt="8"/>
       <dgm:spPr/>
-      <dgm:t>
-        <a:bodyPr/>
-        <a:lstStyle/>
-        <a:p>
-          <a:endParaRPr lang="ru-RU"/>
-        </a:p>
-      </dgm:t>
     </dgm:pt>
     <dgm:pt modelId="{4F6ACE71-9F46-448A-B261-C69675DC6490}" type="pres">
       <dgm:prSet presAssocID="{D426F72B-C302-4A4C-A828-2C4FF1ED2697}" presName="compNode" presStyleCnt="0"/>
@@ -2862,24 +2768,10 @@
         </dgm:presLayoutVars>
       </dgm:prSet>
       <dgm:spPr/>
-      <dgm:t>
-        <a:bodyPr/>
-        <a:lstStyle/>
-        <a:p>
-          <a:endParaRPr lang="ru-RU"/>
-        </a:p>
-      </dgm:t>
     </dgm:pt>
     <dgm:pt modelId="{8C5A0BDB-5EAE-45C4-9B99-71268E45EB09}" type="pres">
       <dgm:prSet presAssocID="{88617056-1BC7-4D45-B5A8-2D79DD79B9BE}" presName="sibTrans" presStyleLbl="bgSibTrans2D1" presStyleIdx="4" presStyleCnt="8"/>
       <dgm:spPr/>
-      <dgm:t>
-        <a:bodyPr/>
-        <a:lstStyle/>
-        <a:p>
-          <a:endParaRPr lang="ru-RU"/>
-        </a:p>
-      </dgm:t>
     </dgm:pt>
     <dgm:pt modelId="{2BDBD1F4-F087-456B-B104-265CA779B09A}" type="pres">
       <dgm:prSet presAssocID="{11682877-4C00-4D07-94CA-592F0FC92E53}" presName="compNode" presStyleCnt="0"/>
@@ -2896,24 +2788,10 @@
         </dgm:presLayoutVars>
       </dgm:prSet>
       <dgm:spPr/>
-      <dgm:t>
-        <a:bodyPr/>
-        <a:lstStyle/>
-        <a:p>
-          <a:endParaRPr lang="ru-RU"/>
-        </a:p>
-      </dgm:t>
     </dgm:pt>
     <dgm:pt modelId="{21A0CD21-9764-48B3-9806-98E68A6B7397}" type="pres">
       <dgm:prSet presAssocID="{9F7C795B-1608-41F0-88AB-664D9BA9DF50}" presName="sibTrans" presStyleLbl="bgSibTrans2D1" presStyleIdx="5" presStyleCnt="8"/>
       <dgm:spPr/>
-      <dgm:t>
-        <a:bodyPr/>
-        <a:lstStyle/>
-        <a:p>
-          <a:endParaRPr lang="ru-RU"/>
-        </a:p>
-      </dgm:t>
     </dgm:pt>
     <dgm:pt modelId="{BC12869F-467D-43A1-B637-26E34E96E81C}" type="pres">
       <dgm:prSet presAssocID="{06AB3622-27DD-4776-8657-2A003A8E2725}" presName="compNode" presStyleCnt="0"/>
@@ -2930,24 +2808,10 @@
         </dgm:presLayoutVars>
       </dgm:prSet>
       <dgm:spPr/>
-      <dgm:t>
-        <a:bodyPr/>
-        <a:lstStyle/>
-        <a:p>
-          <a:endParaRPr lang="ru-RU"/>
-        </a:p>
-      </dgm:t>
     </dgm:pt>
     <dgm:pt modelId="{31F0744D-FFEF-41DD-BB6B-840096F20434}" type="pres">
       <dgm:prSet presAssocID="{F7AC82E0-C433-47CF-9228-F1A9DBCF319B}" presName="sibTrans" presStyleLbl="bgSibTrans2D1" presStyleIdx="6" presStyleCnt="8"/>
       <dgm:spPr/>
-      <dgm:t>
-        <a:bodyPr/>
-        <a:lstStyle/>
-        <a:p>
-          <a:endParaRPr lang="ru-RU"/>
-        </a:p>
-      </dgm:t>
     </dgm:pt>
     <dgm:pt modelId="{01F945A2-F4DF-4FD5-9AB9-C8FE13C9E27F}" type="pres">
       <dgm:prSet presAssocID="{8CBFFA8B-90AF-4380-889D-7AE8992E6521}" presName="compNode" presStyleCnt="0"/>
@@ -2964,24 +2828,10 @@
         </dgm:presLayoutVars>
       </dgm:prSet>
       <dgm:spPr/>
-      <dgm:t>
-        <a:bodyPr/>
-        <a:lstStyle/>
-        <a:p>
-          <a:endParaRPr lang="ru-RU"/>
-        </a:p>
-      </dgm:t>
     </dgm:pt>
     <dgm:pt modelId="{2998AD23-1642-4098-AB33-AB50CFB25119}" type="pres">
       <dgm:prSet presAssocID="{0AA99090-DB50-40B9-AB6C-2DD42C8C827C}" presName="sibTrans" presStyleLbl="bgSibTrans2D1" presStyleIdx="7" presStyleCnt="8"/>
       <dgm:spPr/>
-      <dgm:t>
-        <a:bodyPr/>
-        <a:lstStyle/>
-        <a:p>
-          <a:endParaRPr lang="ru-RU"/>
-        </a:p>
-      </dgm:t>
     </dgm:pt>
     <dgm:pt modelId="{F34921A2-ACBF-4BD3-B691-F0CACABC1290}" type="pres">
       <dgm:prSet presAssocID="{B2B07C10-D2A3-4A1B-8834-A8F4F2A1A26F}" presName="compNode" presStyleCnt="0"/>
@@ -2998,43 +2848,36 @@
         </dgm:presLayoutVars>
       </dgm:prSet>
       <dgm:spPr/>
-      <dgm:t>
-        <a:bodyPr/>
-        <a:lstStyle/>
-        <a:p>
-          <a:endParaRPr lang="ru-RU"/>
-        </a:p>
-      </dgm:t>
     </dgm:pt>
   </dgm:ptLst>
   <dgm:cxnLst>
+    <dgm:cxn modelId="{0FDA7900-DEAF-404E-857C-FD9D33D073B2}" type="presOf" srcId="{2D47AA27-BC66-4035-9695-D35FAF8FF36A}" destId="{DD2E1E03-E34D-4E1E-8374-10A0B7B6DDDF}" srcOrd="0" destOrd="0" presId="urn:microsoft.com/office/officeart/2005/8/layout/bProcess4"/>
+    <dgm:cxn modelId="{69A2450F-E797-4DD8-8451-3F0D2EE9DE3F}" srcId="{CB318EB8-47DF-4601-B469-D3AA399AA9E6}" destId="{2A36C5A1-A57F-429C-A987-9BEA472F4728}" srcOrd="3" destOrd="0" parTransId="{0DCFE5C1-619F-4EB5-B6C0-FFD8D53A8663}" sibTransId="{81F084DD-59C0-4051-A0A9-3F344E03F9F9}"/>
+    <dgm:cxn modelId="{9B285510-615D-484A-8AEF-5166E8A222D3}" srcId="{CB318EB8-47DF-4601-B469-D3AA399AA9E6}" destId="{8CBFFA8B-90AF-4380-889D-7AE8992E6521}" srcOrd="7" destOrd="0" parTransId="{2BE00A02-7EFF-4D6A-8935-D89DBE6605D9}" sibTransId="{0AA99090-DB50-40B9-AB6C-2DD42C8C827C}"/>
+    <dgm:cxn modelId="{47BD1520-3581-46BE-A1D6-E13987AEBE70}" type="presOf" srcId="{DFB03E44-D359-495B-8ADD-CA5961CD5FF3}" destId="{FE83AF00-C910-4E82-8B09-766A7DD0FB0E}" srcOrd="0" destOrd="0" presId="urn:microsoft.com/office/officeart/2005/8/layout/bProcess4"/>
+    <dgm:cxn modelId="{859CB627-264E-4876-A491-6198F3600D23}" type="presOf" srcId="{745EC707-1B17-492F-9A4C-3DFA39AFEDE0}" destId="{956864DF-117B-4C5C-A418-C54E9FBD1E5B}" srcOrd="0" destOrd="0" presId="urn:microsoft.com/office/officeart/2005/8/layout/bProcess4"/>
+    <dgm:cxn modelId="{56023932-061E-4170-828F-4FC445F133C8}" type="presOf" srcId="{8CBFFA8B-90AF-4380-889D-7AE8992E6521}" destId="{60A1BFB2-231D-43DB-969E-E9ADA46E5003}" srcOrd="0" destOrd="0" presId="urn:microsoft.com/office/officeart/2005/8/layout/bProcess4"/>
+    <dgm:cxn modelId="{67C75C33-1EDB-4F34-9023-CEEB3AA5A311}" type="presOf" srcId="{D426F72B-C302-4A4C-A828-2C4FF1ED2697}" destId="{69149619-889E-4D49-B2F9-835A26ECAD2C}" srcOrd="0" destOrd="0" presId="urn:microsoft.com/office/officeart/2005/8/layout/bProcess4"/>
     <dgm:cxn modelId="{312A833E-F410-48EB-904E-CD8830546855}" srcId="{CB318EB8-47DF-4601-B469-D3AA399AA9E6}" destId="{11682877-4C00-4D07-94CA-592F0FC92E53}" srcOrd="5" destOrd="0" parTransId="{74ED6884-4C5B-46D5-85F8-19828135BF76}" sibTransId="{9F7C795B-1608-41F0-88AB-664D9BA9DF50}"/>
-    <dgm:cxn modelId="{9B285510-615D-484A-8AEF-5166E8A222D3}" srcId="{CB318EB8-47DF-4601-B469-D3AA399AA9E6}" destId="{8CBFFA8B-90AF-4380-889D-7AE8992E6521}" srcOrd="7" destOrd="0" parTransId="{2BE00A02-7EFF-4D6A-8935-D89DBE6605D9}" sibTransId="{0AA99090-DB50-40B9-AB6C-2DD42C8C827C}"/>
-    <dgm:cxn modelId="{859CB627-264E-4876-A491-6198F3600D23}" type="presOf" srcId="{745EC707-1B17-492F-9A4C-3DFA39AFEDE0}" destId="{956864DF-117B-4C5C-A418-C54E9FBD1E5B}" srcOrd="0" destOrd="0" presId="urn:microsoft.com/office/officeart/2005/8/layout/bProcess4"/>
-    <dgm:cxn modelId="{47BD1520-3581-46BE-A1D6-E13987AEBE70}" type="presOf" srcId="{DFB03E44-D359-495B-8ADD-CA5961CD5FF3}" destId="{FE83AF00-C910-4E82-8B09-766A7DD0FB0E}" srcOrd="0" destOrd="0" presId="urn:microsoft.com/office/officeart/2005/8/layout/bProcess4"/>
+    <dgm:cxn modelId="{993E3160-742D-437C-B9D9-9C6C8AA3F89F}" type="presOf" srcId="{9F7C795B-1608-41F0-88AB-664D9BA9DF50}" destId="{21A0CD21-9764-48B3-9806-98E68A6B7397}" srcOrd="0" destOrd="0" presId="urn:microsoft.com/office/officeart/2005/8/layout/bProcess4"/>
+    <dgm:cxn modelId="{A4D2486B-6070-4C52-BCC2-1D9E2F556CEC}" type="presOf" srcId="{F7AC82E0-C433-47CF-9228-F1A9DBCF319B}" destId="{31F0744D-FFEF-41DD-BB6B-840096F20434}" srcOrd="0" destOrd="0" presId="urn:microsoft.com/office/officeart/2005/8/layout/bProcess4"/>
+    <dgm:cxn modelId="{368F2354-53D4-4693-BFD3-1D8783E60838}" srcId="{CB318EB8-47DF-4601-B469-D3AA399AA9E6}" destId="{B2B07C10-D2A3-4A1B-8834-A8F4F2A1A26F}" srcOrd="8" destOrd="0" parTransId="{7C98918B-51CB-4584-B5EA-7C383F4CECF2}" sibTransId="{BFFF9FF8-A578-45CA-8817-8E8DCF996A74}"/>
+    <dgm:cxn modelId="{24700E75-6678-4BE4-8525-96F7FB699F62}" type="presOf" srcId="{CB318EB8-47DF-4601-B469-D3AA399AA9E6}" destId="{3636945D-7D87-490A-8396-5EBCA2C2B95B}" srcOrd="0" destOrd="0" presId="urn:microsoft.com/office/officeart/2005/8/layout/bProcess4"/>
+    <dgm:cxn modelId="{6C93BD75-5424-4E12-93F7-F53169E7863C}" type="presOf" srcId="{0AA99090-DB50-40B9-AB6C-2DD42C8C827C}" destId="{2998AD23-1642-4098-AB33-AB50CFB25119}" srcOrd="0" destOrd="0" presId="urn:microsoft.com/office/officeart/2005/8/layout/bProcess4"/>
+    <dgm:cxn modelId="{E46B0456-3A2D-47FE-88BA-6F478D552FE3}" type="presOf" srcId="{6860E388-4226-4065-AE40-B262A565B478}" destId="{1406FB6F-2FC8-4CB0-8CFC-1A7BC22033E4}" srcOrd="0" destOrd="0" presId="urn:microsoft.com/office/officeart/2005/8/layout/bProcess4"/>
+    <dgm:cxn modelId="{93B04D76-8DA0-4232-B17C-E15D34BBA63A}" type="presOf" srcId="{2A36C5A1-A57F-429C-A987-9BEA472F4728}" destId="{BE13FA6A-C49D-487D-B0D5-A425098941EC}" srcOrd="0" destOrd="0" presId="urn:microsoft.com/office/officeart/2005/8/layout/bProcess4"/>
+    <dgm:cxn modelId="{17A8C17B-268E-415D-8B26-A49F56047C70}" type="presOf" srcId="{ED91F051-8592-47BE-8DBC-C7B3E3D4EC85}" destId="{92EE9E56-AA92-4207-A56D-651654B7662D}" srcOrd="0" destOrd="0" presId="urn:microsoft.com/office/officeart/2005/8/layout/bProcess4"/>
+    <dgm:cxn modelId="{B4E2EF87-0B90-430F-980B-E4322462177B}" type="presOf" srcId="{81F084DD-59C0-4051-A0A9-3F344E03F9F9}" destId="{968B738F-90D6-4D87-97A6-0CF1D67080D2}" srcOrd="0" destOrd="0" presId="urn:microsoft.com/office/officeart/2005/8/layout/bProcess4"/>
+    <dgm:cxn modelId="{3808E39E-74B7-4C23-AFE4-63041415536B}" srcId="{CB318EB8-47DF-4601-B469-D3AA399AA9E6}" destId="{ED91F051-8592-47BE-8DBC-C7B3E3D4EC85}" srcOrd="0" destOrd="0" parTransId="{84AF89DA-DD62-4347-99AA-3B1BE5D6C95C}" sibTransId="{745EC707-1B17-492F-9A4C-3DFA39AFEDE0}"/>
+    <dgm:cxn modelId="{D4C6F3A1-2F79-449E-ABA5-D10C82827032}" type="presOf" srcId="{11682877-4C00-4D07-94CA-592F0FC92E53}" destId="{E9A74DCC-AD8D-4A18-8794-9EB98D4C8087}" srcOrd="0" destOrd="0" presId="urn:microsoft.com/office/officeart/2005/8/layout/bProcess4"/>
+    <dgm:cxn modelId="{B15296A4-FA27-4621-8AB0-C34F743EC0E1}" type="presOf" srcId="{B2B07C10-D2A3-4A1B-8834-A8F4F2A1A26F}" destId="{03C31353-0D1A-4BC8-87A2-222CB1ED2FD9}" srcOrd="0" destOrd="0" presId="urn:microsoft.com/office/officeart/2005/8/layout/bProcess4"/>
+    <dgm:cxn modelId="{5C36DFA4-260B-4B3A-BFE1-ACC4A63D8230}" type="presOf" srcId="{8A14D7F0-FA14-420F-8021-725688B3CB96}" destId="{A379B04A-683D-464F-9CED-E47DBED868EE}" srcOrd="0" destOrd="0" presId="urn:microsoft.com/office/officeart/2005/8/layout/bProcess4"/>
+    <dgm:cxn modelId="{C9C189A9-A62A-4B09-8228-8251697B0F01}" srcId="{CB318EB8-47DF-4601-B469-D3AA399AA9E6}" destId="{06AB3622-27DD-4776-8657-2A003A8E2725}" srcOrd="6" destOrd="0" parTransId="{8B026D44-9AB3-47AC-A2EF-F42F681F35A4}" sibTransId="{F7AC82E0-C433-47CF-9228-F1A9DBCF319B}"/>
+    <dgm:cxn modelId="{A8D65FAF-ADC8-4F43-9D09-F1F5E31E88CB}" srcId="{CB318EB8-47DF-4601-B469-D3AA399AA9E6}" destId="{D426F72B-C302-4A4C-A828-2C4FF1ED2697}" srcOrd="4" destOrd="0" parTransId="{3629B4D0-99D3-454D-A83B-AB800A6DCCFC}" sibTransId="{88617056-1BC7-4D45-B5A8-2D79DD79B9BE}"/>
+    <dgm:cxn modelId="{17DC8CC1-30E7-4AA6-89B1-ECD913EA442F}" type="presOf" srcId="{88617056-1BC7-4D45-B5A8-2D79DD79B9BE}" destId="{8C5A0BDB-5EAE-45C4-9B99-71268E45EB09}" srcOrd="0" destOrd="0" presId="urn:microsoft.com/office/officeart/2005/8/layout/bProcess4"/>
     <dgm:cxn modelId="{F4D97FC6-D5C9-46BA-9DD5-BEF91642B43F}" srcId="{CB318EB8-47DF-4601-B469-D3AA399AA9E6}" destId="{2D47AA27-BC66-4035-9695-D35FAF8FF36A}" srcOrd="1" destOrd="0" parTransId="{B218B782-E9B0-48C8-A0DB-CC89FE823148}" sibTransId="{8A14D7F0-FA14-420F-8021-725688B3CB96}"/>
-    <dgm:cxn modelId="{B15296A4-FA27-4621-8AB0-C34F743EC0E1}" type="presOf" srcId="{B2B07C10-D2A3-4A1B-8834-A8F4F2A1A26F}" destId="{03C31353-0D1A-4BC8-87A2-222CB1ED2FD9}" srcOrd="0" destOrd="0" presId="urn:microsoft.com/office/officeart/2005/8/layout/bProcess4"/>
-    <dgm:cxn modelId="{B4E2EF87-0B90-430F-980B-E4322462177B}" type="presOf" srcId="{81F084DD-59C0-4051-A0A9-3F344E03F9F9}" destId="{968B738F-90D6-4D87-97A6-0CF1D67080D2}" srcOrd="0" destOrd="0" presId="urn:microsoft.com/office/officeart/2005/8/layout/bProcess4"/>
-    <dgm:cxn modelId="{24700E75-6678-4BE4-8525-96F7FB699F62}" type="presOf" srcId="{CB318EB8-47DF-4601-B469-D3AA399AA9E6}" destId="{3636945D-7D87-490A-8396-5EBCA2C2B95B}" srcOrd="0" destOrd="0" presId="urn:microsoft.com/office/officeart/2005/8/layout/bProcess4"/>
-    <dgm:cxn modelId="{A8D65FAF-ADC8-4F43-9D09-F1F5E31E88CB}" srcId="{CB318EB8-47DF-4601-B469-D3AA399AA9E6}" destId="{D426F72B-C302-4A4C-A828-2C4FF1ED2697}" srcOrd="4" destOrd="0" parTransId="{3629B4D0-99D3-454D-A83B-AB800A6DCCFC}" sibTransId="{88617056-1BC7-4D45-B5A8-2D79DD79B9BE}"/>
-    <dgm:cxn modelId="{E46B0456-3A2D-47FE-88BA-6F478D552FE3}" type="presOf" srcId="{6860E388-4226-4065-AE40-B262A565B478}" destId="{1406FB6F-2FC8-4CB0-8CFC-1A7BC22033E4}" srcOrd="0" destOrd="0" presId="urn:microsoft.com/office/officeart/2005/8/layout/bProcess4"/>
-    <dgm:cxn modelId="{17A8C17B-268E-415D-8B26-A49F56047C70}" type="presOf" srcId="{ED91F051-8592-47BE-8DBC-C7B3E3D4EC85}" destId="{92EE9E56-AA92-4207-A56D-651654B7662D}" srcOrd="0" destOrd="0" presId="urn:microsoft.com/office/officeart/2005/8/layout/bProcess4"/>
-    <dgm:cxn modelId="{368F2354-53D4-4693-BFD3-1D8783E60838}" srcId="{CB318EB8-47DF-4601-B469-D3AA399AA9E6}" destId="{B2B07C10-D2A3-4A1B-8834-A8F4F2A1A26F}" srcOrd="8" destOrd="0" parTransId="{7C98918B-51CB-4584-B5EA-7C383F4CECF2}" sibTransId="{BFFF9FF8-A578-45CA-8817-8E8DCF996A74}"/>
-    <dgm:cxn modelId="{6C93BD75-5424-4E12-93F7-F53169E7863C}" type="presOf" srcId="{0AA99090-DB50-40B9-AB6C-2DD42C8C827C}" destId="{2998AD23-1642-4098-AB33-AB50CFB25119}" srcOrd="0" destOrd="0" presId="urn:microsoft.com/office/officeart/2005/8/layout/bProcess4"/>
     <dgm:cxn modelId="{E7FA14E2-FFAC-448C-A8B1-96F3B00787C1}" srcId="{CB318EB8-47DF-4601-B469-D3AA399AA9E6}" destId="{DFB03E44-D359-495B-8ADD-CA5961CD5FF3}" srcOrd="2" destOrd="0" parTransId="{758D124B-C0A6-469C-BE6D-1696A48803B5}" sibTransId="{6860E388-4226-4065-AE40-B262A565B478}"/>
-    <dgm:cxn modelId="{56023932-061E-4170-828F-4FC445F133C8}" type="presOf" srcId="{8CBFFA8B-90AF-4380-889D-7AE8992E6521}" destId="{60A1BFB2-231D-43DB-969E-E9ADA46E5003}" srcOrd="0" destOrd="0" presId="urn:microsoft.com/office/officeart/2005/8/layout/bProcess4"/>
-    <dgm:cxn modelId="{17DC8CC1-30E7-4AA6-89B1-ECD913EA442F}" type="presOf" srcId="{88617056-1BC7-4D45-B5A8-2D79DD79B9BE}" destId="{8C5A0BDB-5EAE-45C4-9B99-71268E45EB09}" srcOrd="0" destOrd="0" presId="urn:microsoft.com/office/officeart/2005/8/layout/bProcess4"/>
-    <dgm:cxn modelId="{69A2450F-E797-4DD8-8451-3F0D2EE9DE3F}" srcId="{CB318EB8-47DF-4601-B469-D3AA399AA9E6}" destId="{2A36C5A1-A57F-429C-A987-9BEA472F4728}" srcOrd="3" destOrd="0" parTransId="{0DCFE5C1-619F-4EB5-B6C0-FFD8D53A8663}" sibTransId="{81F084DD-59C0-4051-A0A9-3F344E03F9F9}"/>
-    <dgm:cxn modelId="{993E3160-742D-437C-B9D9-9C6C8AA3F89F}" type="presOf" srcId="{9F7C795B-1608-41F0-88AB-664D9BA9DF50}" destId="{21A0CD21-9764-48B3-9806-98E68A6B7397}" srcOrd="0" destOrd="0" presId="urn:microsoft.com/office/officeart/2005/8/layout/bProcess4"/>
-    <dgm:cxn modelId="{C9C189A9-A62A-4B09-8228-8251697B0F01}" srcId="{CB318EB8-47DF-4601-B469-D3AA399AA9E6}" destId="{06AB3622-27DD-4776-8657-2A003A8E2725}" srcOrd="6" destOrd="0" parTransId="{8B026D44-9AB3-47AC-A2EF-F42F681F35A4}" sibTransId="{F7AC82E0-C433-47CF-9228-F1A9DBCF319B}"/>
-    <dgm:cxn modelId="{0FDA7900-DEAF-404E-857C-FD9D33D073B2}" type="presOf" srcId="{2D47AA27-BC66-4035-9695-D35FAF8FF36A}" destId="{DD2E1E03-E34D-4E1E-8374-10A0B7B6DDDF}" srcOrd="0" destOrd="0" presId="urn:microsoft.com/office/officeart/2005/8/layout/bProcess4"/>
     <dgm:cxn modelId="{8AD962FA-9F56-4781-9143-BFE59A644D28}" type="presOf" srcId="{06AB3622-27DD-4776-8657-2A003A8E2725}" destId="{52050AB5-19E9-467B-B4F8-9EBF62E25587}" srcOrd="0" destOrd="0" presId="urn:microsoft.com/office/officeart/2005/8/layout/bProcess4"/>
-    <dgm:cxn modelId="{3808E39E-74B7-4C23-AFE4-63041415536B}" srcId="{CB318EB8-47DF-4601-B469-D3AA399AA9E6}" destId="{ED91F051-8592-47BE-8DBC-C7B3E3D4EC85}" srcOrd="0" destOrd="0" parTransId="{84AF89DA-DD62-4347-99AA-3B1BE5D6C95C}" sibTransId="{745EC707-1B17-492F-9A4C-3DFA39AFEDE0}"/>
-    <dgm:cxn modelId="{5C36DFA4-260B-4B3A-BFE1-ACC4A63D8230}" type="presOf" srcId="{8A14D7F0-FA14-420F-8021-725688B3CB96}" destId="{A379B04A-683D-464F-9CED-E47DBED868EE}" srcOrd="0" destOrd="0" presId="urn:microsoft.com/office/officeart/2005/8/layout/bProcess4"/>
-    <dgm:cxn modelId="{93B04D76-8DA0-4232-B17C-E15D34BBA63A}" type="presOf" srcId="{2A36C5A1-A57F-429C-A987-9BEA472F4728}" destId="{BE13FA6A-C49D-487D-B0D5-A425098941EC}" srcOrd="0" destOrd="0" presId="urn:microsoft.com/office/officeart/2005/8/layout/bProcess4"/>
-    <dgm:cxn modelId="{A4D2486B-6070-4C52-BCC2-1D9E2F556CEC}" type="presOf" srcId="{F7AC82E0-C433-47CF-9228-F1A9DBCF319B}" destId="{31F0744D-FFEF-41DD-BB6B-840096F20434}" srcOrd="0" destOrd="0" presId="urn:microsoft.com/office/officeart/2005/8/layout/bProcess4"/>
-    <dgm:cxn modelId="{67C75C33-1EDB-4F34-9023-CEEB3AA5A311}" type="presOf" srcId="{D426F72B-C302-4A4C-A828-2C4FF1ED2697}" destId="{69149619-889E-4D49-B2F9-835A26ECAD2C}" srcOrd="0" destOrd="0" presId="urn:microsoft.com/office/officeart/2005/8/layout/bProcess4"/>
-    <dgm:cxn modelId="{D4C6F3A1-2F79-449E-ABA5-D10C82827032}" type="presOf" srcId="{11682877-4C00-4D07-94CA-592F0FC92E53}" destId="{E9A74DCC-AD8D-4A18-8794-9EB98D4C8087}" srcOrd="0" destOrd="0" presId="urn:microsoft.com/office/officeart/2005/8/layout/bProcess4"/>
     <dgm:cxn modelId="{FE9E7983-02FD-4A6E-8D03-6A6D996AB59E}" type="presParOf" srcId="{3636945D-7D87-490A-8396-5EBCA2C2B95B}" destId="{F63AE52E-4EC3-4773-969F-EFD908F76D2C}" srcOrd="0" destOrd="0" presId="urn:microsoft.com/office/officeart/2005/8/layout/bProcess4"/>
     <dgm:cxn modelId="{6C2D32D4-F3D8-4933-9606-E9F36E5FED74}" type="presParOf" srcId="{F63AE52E-4EC3-4773-969F-EFD908F76D2C}" destId="{83702479-1E94-4068-9D37-0A00F687D647}" srcOrd="0" destOrd="0" presId="urn:microsoft.com/office/officeart/2005/8/layout/bProcess4"/>
     <dgm:cxn modelId="{D4FCD99C-E02E-4AB2-9C33-84DB9D99F7E9}" type="presParOf" srcId="{F63AE52E-4EC3-4773-969F-EFD908F76D2C}" destId="{92EE9E56-AA92-4207-A56D-651654B7662D}" srcOrd="1" destOrd="0" presId="urn:microsoft.com/office/officeart/2005/8/layout/bProcess4"/>
@@ -3144,7 +2987,7 @@
         </a:bodyPr>
         <a:lstStyle/>
         <a:p>
-          <a:pPr lvl="0" algn="ctr" defTabSz="1244600">
+          <a:pPr marL="0" lvl="0" indent="0" algn="ctr" defTabSz="1244600">
             <a:lnSpc>
               <a:spcPct val="90000"/>
             </a:lnSpc>
@@ -3154,6 +2997,7 @@
             <a:spcAft>
               <a:spcPct val="35000"/>
             </a:spcAft>
+            <a:buNone/>
           </a:pPr>
           <a:r>
             <a:rPr lang="ru-RU" sz="2800" kern="1200" dirty="0">
@@ -3224,7 +3068,7 @@
         </a:bodyPr>
         <a:lstStyle/>
         <a:p>
-          <a:pPr lvl="0" algn="ctr" defTabSz="1244600">
+          <a:pPr marL="0" lvl="0" indent="0" algn="ctr" defTabSz="1244600">
             <a:lnSpc>
               <a:spcPct val="90000"/>
             </a:lnSpc>
@@ -3234,6 +3078,7 @@
             <a:spcAft>
               <a:spcPct val="35000"/>
             </a:spcAft>
+            <a:buNone/>
           </a:pPr>
           <a:r>
             <a:rPr lang="ru-RU" sz="2800" kern="1200" dirty="0">
@@ -3304,7 +3149,7 @@
         </a:bodyPr>
         <a:lstStyle/>
         <a:p>
-          <a:pPr lvl="0" algn="ctr" defTabSz="1244600">
+          <a:pPr marL="0" lvl="0" indent="0" algn="ctr" defTabSz="1244600">
             <a:lnSpc>
               <a:spcPct val="90000"/>
             </a:lnSpc>
@@ -3314,6 +3159,7 @@
             <a:spcAft>
               <a:spcPct val="35000"/>
             </a:spcAft>
+            <a:buNone/>
           </a:pPr>
           <a:r>
             <a:rPr lang="ru-RU" sz="2800" kern="1200" dirty="0">
@@ -3384,7 +3230,7 @@
         </a:bodyPr>
         <a:lstStyle/>
         <a:p>
-          <a:pPr lvl="0" algn="ctr" defTabSz="1244600">
+          <a:pPr marL="0" lvl="0" indent="0" algn="ctr" defTabSz="1244600">
             <a:lnSpc>
               <a:spcPct val="90000"/>
             </a:lnSpc>
@@ -3394,6 +3240,7 @@
             <a:spcAft>
               <a:spcPct val="35000"/>
             </a:spcAft>
+            <a:buNone/>
           </a:pPr>
           <a:r>
             <a:rPr lang="ru-RU" sz="2800" kern="1200" dirty="0">
@@ -3468,7 +3315,7 @@
         </a:bodyPr>
         <a:lstStyle/>
         <a:p>
-          <a:pPr lvl="0" algn="ctr" defTabSz="1244600">
+          <a:pPr marL="0" lvl="0" indent="0" algn="ctr" defTabSz="1244600">
             <a:lnSpc>
               <a:spcPct val="90000"/>
             </a:lnSpc>
@@ -3478,6 +3325,7 @@
             <a:spcAft>
               <a:spcPct val="35000"/>
             </a:spcAft>
+            <a:buNone/>
           </a:pPr>
           <a:r>
             <a:rPr lang="ru-RU" sz="2800" kern="1200" dirty="0">
@@ -3488,7 +3336,7 @@
           </a:r>
         </a:p>
         <a:p>
-          <a:pPr lvl="0" algn="ctr" defTabSz="1244600">
+          <a:pPr marL="0" lvl="0" indent="0" algn="ctr" defTabSz="1244600">
             <a:lnSpc>
               <a:spcPct val="90000"/>
             </a:lnSpc>
@@ -3498,6 +3346,7 @@
             <a:spcAft>
               <a:spcPct val="35000"/>
             </a:spcAft>
+            <a:buNone/>
           </a:pPr>
           <a:r>
             <a:rPr lang="ru-RU" sz="2800" kern="1200" dirty="0">
@@ -3623,7 +3472,7 @@
         </a:bodyPr>
         <a:lstStyle/>
         <a:p>
-          <a:pPr lvl="0" algn="ctr" defTabSz="1111250">
+          <a:pPr marL="0" lvl="0" indent="0" algn="ctr" defTabSz="1111250">
             <a:lnSpc>
               <a:spcPct val="90000"/>
             </a:lnSpc>
@@ -3633,6 +3482,7 @@
             <a:spcAft>
               <a:spcPct val="35000"/>
             </a:spcAft>
+            <a:buNone/>
           </a:pPr>
           <a:r>
             <a:rPr lang="ru-RU" sz="2500" kern="1200" dirty="0">
@@ -3746,7 +3596,7 @@
         </a:bodyPr>
         <a:lstStyle/>
         <a:p>
-          <a:pPr lvl="0" algn="ctr" defTabSz="1111250">
+          <a:pPr marL="0" lvl="0" indent="0" algn="ctr" defTabSz="1111250">
             <a:lnSpc>
               <a:spcPct val="90000"/>
             </a:lnSpc>
@@ -3756,6 +3606,7 @@
             <a:spcAft>
               <a:spcPct val="35000"/>
             </a:spcAft>
+            <a:buNone/>
           </a:pPr>
           <a:r>
             <a:rPr lang="ru-RU" sz="2500" kern="1200" dirty="0">
@@ -3869,7 +3720,7 @@
         </a:bodyPr>
         <a:lstStyle/>
         <a:p>
-          <a:pPr lvl="0" algn="ctr" defTabSz="1111250">
+          <a:pPr marL="0" lvl="0" indent="0" algn="ctr" defTabSz="1111250">
             <a:lnSpc>
               <a:spcPct val="90000"/>
             </a:lnSpc>
@@ -3879,6 +3730,7 @@
             <a:spcAft>
               <a:spcPct val="35000"/>
             </a:spcAft>
+            <a:buNone/>
           </a:pPr>
           <a:r>
             <a:rPr lang="ru-RU" sz="2500" kern="1200" dirty="0">
@@ -3992,7 +3844,7 @@
         </a:bodyPr>
         <a:lstStyle/>
         <a:p>
-          <a:pPr lvl="0" algn="ctr" defTabSz="1111250">
+          <a:pPr marL="0" lvl="0" indent="0" algn="ctr" defTabSz="1111250">
             <a:lnSpc>
               <a:spcPct val="90000"/>
             </a:lnSpc>
@@ -4002,6 +3854,7 @@
             <a:spcAft>
               <a:spcPct val="35000"/>
             </a:spcAft>
+            <a:buNone/>
           </a:pPr>
           <a:r>
             <a:rPr lang="ru-RU" sz="2500" kern="1200" dirty="0">
@@ -4115,7 +3968,7 @@
         </a:bodyPr>
         <a:lstStyle/>
         <a:p>
-          <a:pPr lvl="0" algn="ctr" defTabSz="1111250">
+          <a:pPr marL="0" lvl="0" indent="0" algn="ctr" defTabSz="1111250">
             <a:lnSpc>
               <a:spcPct val="90000"/>
             </a:lnSpc>
@@ -4125,6 +3978,7 @@
             <a:spcAft>
               <a:spcPct val="35000"/>
             </a:spcAft>
+            <a:buNone/>
           </a:pPr>
           <a:r>
             <a:rPr lang="ru-RU" sz="2500" kern="1200" dirty="0">
@@ -4238,7 +4092,7 @@
         </a:bodyPr>
         <a:lstStyle/>
         <a:p>
-          <a:pPr lvl="0" algn="ctr" defTabSz="1111250">
+          <a:pPr marL="0" lvl="0" indent="0" algn="ctr" defTabSz="1111250">
             <a:lnSpc>
               <a:spcPct val="90000"/>
             </a:lnSpc>
@@ -4248,6 +4102,7 @@
             <a:spcAft>
               <a:spcPct val="35000"/>
             </a:spcAft>
+            <a:buNone/>
           </a:pPr>
           <a:r>
             <a:rPr lang="ru-RU" sz="2500" kern="1200" dirty="0">
@@ -4361,7 +4216,7 @@
         </a:bodyPr>
         <a:lstStyle/>
         <a:p>
-          <a:pPr lvl="0" algn="ctr" defTabSz="1111250">
+          <a:pPr marL="0" lvl="0" indent="0" algn="ctr" defTabSz="1111250">
             <a:lnSpc>
               <a:spcPct val="90000"/>
             </a:lnSpc>
@@ -4371,6 +4226,7 @@
             <a:spcAft>
               <a:spcPct val="35000"/>
             </a:spcAft>
+            <a:buNone/>
           </a:pPr>
           <a:r>
             <a:rPr lang="ru-RU" sz="2500" kern="1200" dirty="0">
@@ -4484,7 +4340,7 @@
         </a:bodyPr>
         <a:lstStyle/>
         <a:p>
-          <a:pPr lvl="0" algn="ctr" defTabSz="1111250">
+          <a:pPr marL="0" lvl="0" indent="0" algn="ctr" defTabSz="1111250">
             <a:lnSpc>
               <a:spcPct val="90000"/>
             </a:lnSpc>
@@ -4494,6 +4350,7 @@
             <a:spcAft>
               <a:spcPct val="35000"/>
             </a:spcAft>
+            <a:buNone/>
           </a:pPr>
           <a:r>
             <a:rPr lang="ru-RU" sz="2500" kern="1200" dirty="0">
@@ -4566,7 +4423,7 @@
         </a:bodyPr>
         <a:lstStyle/>
         <a:p>
-          <a:pPr lvl="0" algn="ctr" defTabSz="1111250">
+          <a:pPr marL="0" lvl="0" indent="0" algn="ctr" defTabSz="1111250">
             <a:lnSpc>
               <a:spcPct val="90000"/>
             </a:lnSpc>
@@ -4576,6 +4433,7 @@
             <a:spcAft>
               <a:spcPct val="35000"/>
             </a:spcAft>
+            <a:buNone/>
           </a:pPr>
           <a:r>
             <a:rPr lang="ru-RU" sz="2500" kern="1200" dirty="0">
@@ -7075,7 +6933,7 @@
           <p:cNvPr id="2" name="Заголовок 1">
             <a:extLst>
               <a:ext uri="{FF2B5EF4-FFF2-40B4-BE49-F238E27FC236}">
-                <a16:creationId xmlns:a16="http://schemas.microsoft.com/office/drawing/2014/main" xmlns="" id="{5CB2B8FD-89A6-48EF-BD1F-100F0110C498}"/>
+                <a16:creationId xmlns:a16="http://schemas.microsoft.com/office/drawing/2014/main" id="{5CB2B8FD-89A6-48EF-BD1F-100F0110C498}"/>
               </a:ext>
             </a:extLst>
           </p:cNvPr>
@@ -7112,7 +6970,7 @@
           <p:cNvPr id="3" name="Подзаголовок 2">
             <a:extLst>
               <a:ext uri="{FF2B5EF4-FFF2-40B4-BE49-F238E27FC236}">
-                <a16:creationId xmlns:a16="http://schemas.microsoft.com/office/drawing/2014/main" xmlns="" id="{D745B12E-2E98-4BDC-95AB-35A02ECEFC49}"/>
+                <a16:creationId xmlns:a16="http://schemas.microsoft.com/office/drawing/2014/main" id="{D745B12E-2E98-4BDC-95AB-35A02ECEFC49}"/>
               </a:ext>
             </a:extLst>
           </p:cNvPr>
@@ -7182,7 +7040,7 @@
           <p:cNvPr id="4" name="Дата 3">
             <a:extLst>
               <a:ext uri="{FF2B5EF4-FFF2-40B4-BE49-F238E27FC236}">
-                <a16:creationId xmlns:a16="http://schemas.microsoft.com/office/drawing/2014/main" xmlns="" id="{009DB014-2D7D-48F0-A2C7-6D752D631DFE}"/>
+                <a16:creationId xmlns:a16="http://schemas.microsoft.com/office/drawing/2014/main" id="{009DB014-2D7D-48F0-A2C7-6D752D631DFE}"/>
               </a:ext>
             </a:extLst>
           </p:cNvPr>
@@ -7200,7 +7058,7 @@
           <a:p>
             <a:fld id="{ED21298E-1584-4BFF-A14E-BBA9BE444C70}" type="datetimeFigureOut">
               <a:rPr lang="ru-RU" smtClean="0"/>
-              <a:t>06.02.2020</a:t>
+              <a:t>09.02.2020</a:t>
             </a:fld>
             <a:endParaRPr lang="ru-RU"/>
           </a:p>
@@ -7211,7 +7069,7 @@
           <p:cNvPr id="5" name="Нижний колонтитул 4">
             <a:extLst>
               <a:ext uri="{FF2B5EF4-FFF2-40B4-BE49-F238E27FC236}">
-                <a16:creationId xmlns:a16="http://schemas.microsoft.com/office/drawing/2014/main" xmlns="" id="{0571F26E-6BAD-4DEB-B052-576A9E6D13F4}"/>
+                <a16:creationId xmlns:a16="http://schemas.microsoft.com/office/drawing/2014/main" id="{0571F26E-6BAD-4DEB-B052-576A9E6D13F4}"/>
               </a:ext>
             </a:extLst>
           </p:cNvPr>
@@ -7236,7 +7094,7 @@
           <p:cNvPr id="6" name="Номер слайда 5">
             <a:extLst>
               <a:ext uri="{FF2B5EF4-FFF2-40B4-BE49-F238E27FC236}">
-                <a16:creationId xmlns:a16="http://schemas.microsoft.com/office/drawing/2014/main" xmlns="" id="{37A7C60D-F91B-4F30-A3D0-46862723949C}"/>
+                <a16:creationId xmlns:a16="http://schemas.microsoft.com/office/drawing/2014/main" id="{37A7C60D-F91B-4F30-A3D0-46862723949C}"/>
               </a:ext>
             </a:extLst>
           </p:cNvPr>
@@ -7295,7 +7153,7 @@
           <p:cNvPr id="2" name="Заголовок 1">
             <a:extLst>
               <a:ext uri="{FF2B5EF4-FFF2-40B4-BE49-F238E27FC236}">
-                <a16:creationId xmlns:a16="http://schemas.microsoft.com/office/drawing/2014/main" xmlns="" id="{96781BF7-B0EF-40B1-8777-DD02D1AF10A0}"/>
+                <a16:creationId xmlns:a16="http://schemas.microsoft.com/office/drawing/2014/main" id="{96781BF7-B0EF-40B1-8777-DD02D1AF10A0}"/>
               </a:ext>
             </a:extLst>
           </p:cNvPr>
@@ -7323,7 +7181,7 @@
           <p:cNvPr id="3" name="Вертикальный текст 2">
             <a:extLst>
               <a:ext uri="{FF2B5EF4-FFF2-40B4-BE49-F238E27FC236}">
-                <a16:creationId xmlns:a16="http://schemas.microsoft.com/office/drawing/2014/main" xmlns="" id="{478F3499-F852-488B-A961-F9384F10734D}"/>
+                <a16:creationId xmlns:a16="http://schemas.microsoft.com/office/drawing/2014/main" id="{478F3499-F852-488B-A961-F9384F10734D}"/>
               </a:ext>
             </a:extLst>
           </p:cNvPr>
@@ -7380,7 +7238,7 @@
           <p:cNvPr id="4" name="Дата 3">
             <a:extLst>
               <a:ext uri="{FF2B5EF4-FFF2-40B4-BE49-F238E27FC236}">
-                <a16:creationId xmlns:a16="http://schemas.microsoft.com/office/drawing/2014/main" xmlns="" id="{EA69375C-9D5B-4FB9-8EFC-55797D79031B}"/>
+                <a16:creationId xmlns:a16="http://schemas.microsoft.com/office/drawing/2014/main" id="{EA69375C-9D5B-4FB9-8EFC-55797D79031B}"/>
               </a:ext>
             </a:extLst>
           </p:cNvPr>
@@ -7398,7 +7256,7 @@
           <a:p>
             <a:fld id="{ED21298E-1584-4BFF-A14E-BBA9BE444C70}" type="datetimeFigureOut">
               <a:rPr lang="ru-RU" smtClean="0"/>
-              <a:t>06.02.2020</a:t>
+              <a:t>09.02.2020</a:t>
             </a:fld>
             <a:endParaRPr lang="ru-RU"/>
           </a:p>
@@ -7409,7 +7267,7 @@
           <p:cNvPr id="5" name="Нижний колонтитул 4">
             <a:extLst>
               <a:ext uri="{FF2B5EF4-FFF2-40B4-BE49-F238E27FC236}">
-                <a16:creationId xmlns:a16="http://schemas.microsoft.com/office/drawing/2014/main" xmlns="" id="{3E6E4084-911B-439C-8769-7EBDC8BE8F1D}"/>
+                <a16:creationId xmlns:a16="http://schemas.microsoft.com/office/drawing/2014/main" id="{3E6E4084-911B-439C-8769-7EBDC8BE8F1D}"/>
               </a:ext>
             </a:extLst>
           </p:cNvPr>
@@ -7434,7 +7292,7 @@
           <p:cNvPr id="6" name="Номер слайда 5">
             <a:extLst>
               <a:ext uri="{FF2B5EF4-FFF2-40B4-BE49-F238E27FC236}">
-                <a16:creationId xmlns:a16="http://schemas.microsoft.com/office/drawing/2014/main" xmlns="" id="{32949BC1-329A-4E88-9DAA-E69A9FC63F5A}"/>
+                <a16:creationId xmlns:a16="http://schemas.microsoft.com/office/drawing/2014/main" id="{32949BC1-329A-4E88-9DAA-E69A9FC63F5A}"/>
               </a:ext>
             </a:extLst>
           </p:cNvPr>
@@ -7493,7 +7351,7 @@
           <p:cNvPr id="2" name="Вертикальный заголовок 1">
             <a:extLst>
               <a:ext uri="{FF2B5EF4-FFF2-40B4-BE49-F238E27FC236}">
-                <a16:creationId xmlns:a16="http://schemas.microsoft.com/office/drawing/2014/main" xmlns="" id="{DDD4AC77-C08F-4E46-A26A-267D52419B49}"/>
+                <a16:creationId xmlns:a16="http://schemas.microsoft.com/office/drawing/2014/main" id="{DDD4AC77-C08F-4E46-A26A-267D52419B49}"/>
               </a:ext>
             </a:extLst>
           </p:cNvPr>
@@ -7526,7 +7384,7 @@
           <p:cNvPr id="3" name="Вертикальный текст 2">
             <a:extLst>
               <a:ext uri="{FF2B5EF4-FFF2-40B4-BE49-F238E27FC236}">
-                <a16:creationId xmlns:a16="http://schemas.microsoft.com/office/drawing/2014/main" xmlns="" id="{3E91E481-D1C7-48AB-A4B7-5D766BF655C7}"/>
+                <a16:creationId xmlns:a16="http://schemas.microsoft.com/office/drawing/2014/main" id="{3E91E481-D1C7-48AB-A4B7-5D766BF655C7}"/>
               </a:ext>
             </a:extLst>
           </p:cNvPr>
@@ -7588,7 +7446,7 @@
           <p:cNvPr id="4" name="Дата 3">
             <a:extLst>
               <a:ext uri="{FF2B5EF4-FFF2-40B4-BE49-F238E27FC236}">
-                <a16:creationId xmlns:a16="http://schemas.microsoft.com/office/drawing/2014/main" xmlns="" id="{C7464A65-8020-4A9E-B943-B267BE822100}"/>
+                <a16:creationId xmlns:a16="http://schemas.microsoft.com/office/drawing/2014/main" id="{C7464A65-8020-4A9E-B943-B267BE822100}"/>
               </a:ext>
             </a:extLst>
           </p:cNvPr>
@@ -7606,7 +7464,7 @@
           <a:p>
             <a:fld id="{ED21298E-1584-4BFF-A14E-BBA9BE444C70}" type="datetimeFigureOut">
               <a:rPr lang="ru-RU" smtClean="0"/>
-              <a:t>06.02.2020</a:t>
+              <a:t>09.02.2020</a:t>
             </a:fld>
             <a:endParaRPr lang="ru-RU"/>
           </a:p>
@@ -7617,7 +7475,7 @@
           <p:cNvPr id="5" name="Нижний колонтитул 4">
             <a:extLst>
               <a:ext uri="{FF2B5EF4-FFF2-40B4-BE49-F238E27FC236}">
-                <a16:creationId xmlns:a16="http://schemas.microsoft.com/office/drawing/2014/main" xmlns="" id="{D2D5AE1F-2D76-452E-91DA-2C8D2579C054}"/>
+                <a16:creationId xmlns:a16="http://schemas.microsoft.com/office/drawing/2014/main" id="{D2D5AE1F-2D76-452E-91DA-2C8D2579C054}"/>
               </a:ext>
             </a:extLst>
           </p:cNvPr>
@@ -7642,7 +7500,7 @@
           <p:cNvPr id="6" name="Номер слайда 5">
             <a:extLst>
               <a:ext uri="{FF2B5EF4-FFF2-40B4-BE49-F238E27FC236}">
-                <a16:creationId xmlns:a16="http://schemas.microsoft.com/office/drawing/2014/main" xmlns="" id="{A51195D5-2BC1-454C-BE89-15914F8DB9C1}"/>
+                <a16:creationId xmlns:a16="http://schemas.microsoft.com/office/drawing/2014/main" id="{A51195D5-2BC1-454C-BE89-15914F8DB9C1}"/>
               </a:ext>
             </a:extLst>
           </p:cNvPr>
@@ -7701,7 +7559,7 @@
           <p:cNvPr id="2" name="Заголовок 1">
             <a:extLst>
               <a:ext uri="{FF2B5EF4-FFF2-40B4-BE49-F238E27FC236}">
-                <a16:creationId xmlns:a16="http://schemas.microsoft.com/office/drawing/2014/main" xmlns="" id="{BAADA8EA-7327-4FBF-BCEB-5A50AFAE23D5}"/>
+                <a16:creationId xmlns:a16="http://schemas.microsoft.com/office/drawing/2014/main" id="{BAADA8EA-7327-4FBF-BCEB-5A50AFAE23D5}"/>
               </a:ext>
             </a:extLst>
           </p:cNvPr>
@@ -7729,7 +7587,7 @@
           <p:cNvPr id="3" name="Объект 2">
             <a:extLst>
               <a:ext uri="{FF2B5EF4-FFF2-40B4-BE49-F238E27FC236}">
-                <a16:creationId xmlns:a16="http://schemas.microsoft.com/office/drawing/2014/main" xmlns="" id="{C2CD8544-95DE-4D6C-9497-A5C4C6F8589F}"/>
+                <a16:creationId xmlns:a16="http://schemas.microsoft.com/office/drawing/2014/main" id="{C2CD8544-95DE-4D6C-9497-A5C4C6F8589F}"/>
               </a:ext>
             </a:extLst>
           </p:cNvPr>
@@ -7786,7 +7644,7 @@
           <p:cNvPr id="4" name="Дата 3">
             <a:extLst>
               <a:ext uri="{FF2B5EF4-FFF2-40B4-BE49-F238E27FC236}">
-                <a16:creationId xmlns:a16="http://schemas.microsoft.com/office/drawing/2014/main" xmlns="" id="{8AEF3278-D0DE-415A-87A1-E433BBD70267}"/>
+                <a16:creationId xmlns:a16="http://schemas.microsoft.com/office/drawing/2014/main" id="{8AEF3278-D0DE-415A-87A1-E433BBD70267}"/>
               </a:ext>
             </a:extLst>
           </p:cNvPr>
@@ -7804,7 +7662,7 @@
           <a:p>
             <a:fld id="{ED21298E-1584-4BFF-A14E-BBA9BE444C70}" type="datetimeFigureOut">
               <a:rPr lang="ru-RU" smtClean="0"/>
-              <a:t>06.02.2020</a:t>
+              <a:t>09.02.2020</a:t>
             </a:fld>
             <a:endParaRPr lang="ru-RU"/>
           </a:p>
@@ -7815,7 +7673,7 @@
           <p:cNvPr id="5" name="Нижний колонтитул 4">
             <a:extLst>
               <a:ext uri="{FF2B5EF4-FFF2-40B4-BE49-F238E27FC236}">
-                <a16:creationId xmlns:a16="http://schemas.microsoft.com/office/drawing/2014/main" xmlns="" id="{599D35D6-2A2D-422E-9200-7025ADA70781}"/>
+                <a16:creationId xmlns:a16="http://schemas.microsoft.com/office/drawing/2014/main" id="{599D35D6-2A2D-422E-9200-7025ADA70781}"/>
               </a:ext>
             </a:extLst>
           </p:cNvPr>
@@ -7840,7 +7698,7 @@
           <p:cNvPr id="6" name="Номер слайда 5">
             <a:extLst>
               <a:ext uri="{FF2B5EF4-FFF2-40B4-BE49-F238E27FC236}">
-                <a16:creationId xmlns:a16="http://schemas.microsoft.com/office/drawing/2014/main" xmlns="" id="{AE12B28E-9133-4291-A388-A1EF419D6259}"/>
+                <a16:creationId xmlns:a16="http://schemas.microsoft.com/office/drawing/2014/main" id="{AE12B28E-9133-4291-A388-A1EF419D6259}"/>
               </a:ext>
             </a:extLst>
           </p:cNvPr>
@@ -7899,7 +7757,7 @@
           <p:cNvPr id="2" name="Заголовок 1">
             <a:extLst>
               <a:ext uri="{FF2B5EF4-FFF2-40B4-BE49-F238E27FC236}">
-                <a16:creationId xmlns:a16="http://schemas.microsoft.com/office/drawing/2014/main" xmlns="" id="{AAF6CA97-7B85-46CE-A992-582E5C5882FA}"/>
+                <a16:creationId xmlns:a16="http://schemas.microsoft.com/office/drawing/2014/main" id="{AAF6CA97-7B85-46CE-A992-582E5C5882FA}"/>
               </a:ext>
             </a:extLst>
           </p:cNvPr>
@@ -7936,7 +7794,7 @@
           <p:cNvPr id="3" name="Текст 2">
             <a:extLst>
               <a:ext uri="{FF2B5EF4-FFF2-40B4-BE49-F238E27FC236}">
-                <a16:creationId xmlns:a16="http://schemas.microsoft.com/office/drawing/2014/main" xmlns="" id="{9746A688-76CF-410C-98BE-BF1561DF9408}"/>
+                <a16:creationId xmlns:a16="http://schemas.microsoft.com/office/drawing/2014/main" id="{9746A688-76CF-410C-98BE-BF1561DF9408}"/>
               </a:ext>
             </a:extLst>
           </p:cNvPr>
@@ -8061,7 +7919,7 @@
           <p:cNvPr id="4" name="Дата 3">
             <a:extLst>
               <a:ext uri="{FF2B5EF4-FFF2-40B4-BE49-F238E27FC236}">
-                <a16:creationId xmlns:a16="http://schemas.microsoft.com/office/drawing/2014/main" xmlns="" id="{89C6B761-E6B7-4EA4-9431-86FEA9C30E67}"/>
+                <a16:creationId xmlns:a16="http://schemas.microsoft.com/office/drawing/2014/main" id="{89C6B761-E6B7-4EA4-9431-86FEA9C30E67}"/>
               </a:ext>
             </a:extLst>
           </p:cNvPr>
@@ -8079,7 +7937,7 @@
           <a:p>
             <a:fld id="{ED21298E-1584-4BFF-A14E-BBA9BE444C70}" type="datetimeFigureOut">
               <a:rPr lang="ru-RU" smtClean="0"/>
-              <a:t>06.02.2020</a:t>
+              <a:t>09.02.2020</a:t>
             </a:fld>
             <a:endParaRPr lang="ru-RU"/>
           </a:p>
@@ -8090,7 +7948,7 @@
           <p:cNvPr id="5" name="Нижний колонтитул 4">
             <a:extLst>
               <a:ext uri="{FF2B5EF4-FFF2-40B4-BE49-F238E27FC236}">
-                <a16:creationId xmlns:a16="http://schemas.microsoft.com/office/drawing/2014/main" xmlns="" id="{26E6707E-F432-4FD3-9814-140B792DDB51}"/>
+                <a16:creationId xmlns:a16="http://schemas.microsoft.com/office/drawing/2014/main" id="{26E6707E-F432-4FD3-9814-140B792DDB51}"/>
               </a:ext>
             </a:extLst>
           </p:cNvPr>
@@ -8115,7 +7973,7 @@
           <p:cNvPr id="6" name="Номер слайда 5">
             <a:extLst>
               <a:ext uri="{FF2B5EF4-FFF2-40B4-BE49-F238E27FC236}">
-                <a16:creationId xmlns:a16="http://schemas.microsoft.com/office/drawing/2014/main" xmlns="" id="{D1454FD1-12DA-493E-8E85-F3968FCAE91F}"/>
+                <a16:creationId xmlns:a16="http://schemas.microsoft.com/office/drawing/2014/main" id="{D1454FD1-12DA-493E-8E85-F3968FCAE91F}"/>
               </a:ext>
             </a:extLst>
           </p:cNvPr>
@@ -8174,7 +8032,7 @@
           <p:cNvPr id="2" name="Заголовок 1">
             <a:extLst>
               <a:ext uri="{FF2B5EF4-FFF2-40B4-BE49-F238E27FC236}">
-                <a16:creationId xmlns:a16="http://schemas.microsoft.com/office/drawing/2014/main" xmlns="" id="{315444EB-DD27-4ACF-84A4-27458DDA5B72}"/>
+                <a16:creationId xmlns:a16="http://schemas.microsoft.com/office/drawing/2014/main" id="{315444EB-DD27-4ACF-84A4-27458DDA5B72}"/>
               </a:ext>
             </a:extLst>
           </p:cNvPr>
@@ -8202,7 +8060,7 @@
           <p:cNvPr id="3" name="Объект 2">
             <a:extLst>
               <a:ext uri="{FF2B5EF4-FFF2-40B4-BE49-F238E27FC236}">
-                <a16:creationId xmlns:a16="http://schemas.microsoft.com/office/drawing/2014/main" xmlns="" id="{F9C95FE1-AF2F-473D-9233-4F735F0E8C57}"/>
+                <a16:creationId xmlns:a16="http://schemas.microsoft.com/office/drawing/2014/main" id="{F9C95FE1-AF2F-473D-9233-4F735F0E8C57}"/>
               </a:ext>
             </a:extLst>
           </p:cNvPr>
@@ -8264,7 +8122,7 @@
           <p:cNvPr id="4" name="Объект 3">
             <a:extLst>
               <a:ext uri="{FF2B5EF4-FFF2-40B4-BE49-F238E27FC236}">
-                <a16:creationId xmlns:a16="http://schemas.microsoft.com/office/drawing/2014/main" xmlns="" id="{C6683C0C-0E65-4D7E-84F4-4128719911E8}"/>
+                <a16:creationId xmlns:a16="http://schemas.microsoft.com/office/drawing/2014/main" id="{C6683C0C-0E65-4D7E-84F4-4128719911E8}"/>
               </a:ext>
             </a:extLst>
           </p:cNvPr>
@@ -8326,7 +8184,7 @@
           <p:cNvPr id="5" name="Дата 4">
             <a:extLst>
               <a:ext uri="{FF2B5EF4-FFF2-40B4-BE49-F238E27FC236}">
-                <a16:creationId xmlns:a16="http://schemas.microsoft.com/office/drawing/2014/main" xmlns="" id="{107041D5-E0DA-4ECB-B757-C60F78E2C029}"/>
+                <a16:creationId xmlns:a16="http://schemas.microsoft.com/office/drawing/2014/main" id="{107041D5-E0DA-4ECB-B757-C60F78E2C029}"/>
               </a:ext>
             </a:extLst>
           </p:cNvPr>
@@ -8344,7 +8202,7 @@
           <a:p>
             <a:fld id="{ED21298E-1584-4BFF-A14E-BBA9BE444C70}" type="datetimeFigureOut">
               <a:rPr lang="ru-RU" smtClean="0"/>
-              <a:t>06.02.2020</a:t>
+              <a:t>09.02.2020</a:t>
             </a:fld>
             <a:endParaRPr lang="ru-RU"/>
           </a:p>
@@ -8355,7 +8213,7 @@
           <p:cNvPr id="6" name="Нижний колонтитул 5">
             <a:extLst>
               <a:ext uri="{FF2B5EF4-FFF2-40B4-BE49-F238E27FC236}">
-                <a16:creationId xmlns:a16="http://schemas.microsoft.com/office/drawing/2014/main" xmlns="" id="{BC732B48-D48B-4442-A52E-FAC6087CCB73}"/>
+                <a16:creationId xmlns:a16="http://schemas.microsoft.com/office/drawing/2014/main" id="{BC732B48-D48B-4442-A52E-FAC6087CCB73}"/>
               </a:ext>
             </a:extLst>
           </p:cNvPr>
@@ -8380,7 +8238,7 @@
           <p:cNvPr id="7" name="Номер слайда 6">
             <a:extLst>
               <a:ext uri="{FF2B5EF4-FFF2-40B4-BE49-F238E27FC236}">
-                <a16:creationId xmlns:a16="http://schemas.microsoft.com/office/drawing/2014/main" xmlns="" id="{0351752F-388B-415C-A5D6-142ABF1D423C}"/>
+                <a16:creationId xmlns:a16="http://schemas.microsoft.com/office/drawing/2014/main" id="{0351752F-388B-415C-A5D6-142ABF1D423C}"/>
               </a:ext>
             </a:extLst>
           </p:cNvPr>
@@ -8439,7 +8297,7 @@
           <p:cNvPr id="2" name="Заголовок 1">
             <a:extLst>
               <a:ext uri="{FF2B5EF4-FFF2-40B4-BE49-F238E27FC236}">
-                <a16:creationId xmlns:a16="http://schemas.microsoft.com/office/drawing/2014/main" xmlns="" id="{8D6D9773-EAB7-4522-B083-A853D079228F}"/>
+                <a16:creationId xmlns:a16="http://schemas.microsoft.com/office/drawing/2014/main" id="{8D6D9773-EAB7-4522-B083-A853D079228F}"/>
               </a:ext>
             </a:extLst>
           </p:cNvPr>
@@ -8472,7 +8330,7 @@
           <p:cNvPr id="3" name="Текст 2">
             <a:extLst>
               <a:ext uri="{FF2B5EF4-FFF2-40B4-BE49-F238E27FC236}">
-                <a16:creationId xmlns:a16="http://schemas.microsoft.com/office/drawing/2014/main" xmlns="" id="{3308A4B2-14C4-4253-A7B4-3DABB9CD962F}"/>
+                <a16:creationId xmlns:a16="http://schemas.microsoft.com/office/drawing/2014/main" id="{3308A4B2-14C4-4253-A7B4-3DABB9CD962F}"/>
               </a:ext>
             </a:extLst>
           </p:cNvPr>
@@ -8543,7 +8401,7 @@
           <p:cNvPr id="4" name="Объект 3">
             <a:extLst>
               <a:ext uri="{FF2B5EF4-FFF2-40B4-BE49-F238E27FC236}">
-                <a16:creationId xmlns:a16="http://schemas.microsoft.com/office/drawing/2014/main" xmlns="" id="{6CD4AABE-86EC-43A7-A57A-617EE2C5E28E}"/>
+                <a16:creationId xmlns:a16="http://schemas.microsoft.com/office/drawing/2014/main" id="{6CD4AABE-86EC-43A7-A57A-617EE2C5E28E}"/>
               </a:ext>
             </a:extLst>
           </p:cNvPr>
@@ -8605,7 +8463,7 @@
           <p:cNvPr id="5" name="Текст 4">
             <a:extLst>
               <a:ext uri="{FF2B5EF4-FFF2-40B4-BE49-F238E27FC236}">
-                <a16:creationId xmlns:a16="http://schemas.microsoft.com/office/drawing/2014/main" xmlns="" id="{A8A47B22-AB87-4A14-90F0-872B0A15B4C2}"/>
+                <a16:creationId xmlns:a16="http://schemas.microsoft.com/office/drawing/2014/main" id="{A8A47B22-AB87-4A14-90F0-872B0A15B4C2}"/>
               </a:ext>
             </a:extLst>
           </p:cNvPr>
@@ -8676,7 +8534,7 @@
           <p:cNvPr id="6" name="Объект 5">
             <a:extLst>
               <a:ext uri="{FF2B5EF4-FFF2-40B4-BE49-F238E27FC236}">
-                <a16:creationId xmlns:a16="http://schemas.microsoft.com/office/drawing/2014/main" xmlns="" id="{DBFDFAFC-07B1-4821-8994-5D93BE5B8E9F}"/>
+                <a16:creationId xmlns:a16="http://schemas.microsoft.com/office/drawing/2014/main" id="{DBFDFAFC-07B1-4821-8994-5D93BE5B8E9F}"/>
               </a:ext>
             </a:extLst>
           </p:cNvPr>
@@ -8738,7 +8596,7 @@
           <p:cNvPr id="7" name="Дата 6">
             <a:extLst>
               <a:ext uri="{FF2B5EF4-FFF2-40B4-BE49-F238E27FC236}">
-                <a16:creationId xmlns:a16="http://schemas.microsoft.com/office/drawing/2014/main" xmlns="" id="{48CB04EB-A325-4A7A-94D3-A47681E13F19}"/>
+                <a16:creationId xmlns:a16="http://schemas.microsoft.com/office/drawing/2014/main" id="{48CB04EB-A325-4A7A-94D3-A47681E13F19}"/>
               </a:ext>
             </a:extLst>
           </p:cNvPr>
@@ -8756,7 +8614,7 @@
           <a:p>
             <a:fld id="{ED21298E-1584-4BFF-A14E-BBA9BE444C70}" type="datetimeFigureOut">
               <a:rPr lang="ru-RU" smtClean="0"/>
-              <a:t>06.02.2020</a:t>
+              <a:t>09.02.2020</a:t>
             </a:fld>
             <a:endParaRPr lang="ru-RU"/>
           </a:p>
@@ -8767,7 +8625,7 @@
           <p:cNvPr id="8" name="Нижний колонтитул 7">
             <a:extLst>
               <a:ext uri="{FF2B5EF4-FFF2-40B4-BE49-F238E27FC236}">
-                <a16:creationId xmlns:a16="http://schemas.microsoft.com/office/drawing/2014/main" xmlns="" id="{32242198-4708-4F79-8F13-C19DF2C7430C}"/>
+                <a16:creationId xmlns:a16="http://schemas.microsoft.com/office/drawing/2014/main" id="{32242198-4708-4F79-8F13-C19DF2C7430C}"/>
               </a:ext>
             </a:extLst>
           </p:cNvPr>
@@ -8792,7 +8650,7 @@
           <p:cNvPr id="9" name="Номер слайда 8">
             <a:extLst>
               <a:ext uri="{FF2B5EF4-FFF2-40B4-BE49-F238E27FC236}">
-                <a16:creationId xmlns:a16="http://schemas.microsoft.com/office/drawing/2014/main" xmlns="" id="{C0E194B7-CE46-4178-B910-DB128D53B2E2}"/>
+                <a16:creationId xmlns:a16="http://schemas.microsoft.com/office/drawing/2014/main" id="{C0E194B7-CE46-4178-B910-DB128D53B2E2}"/>
               </a:ext>
             </a:extLst>
           </p:cNvPr>
@@ -8851,7 +8709,7 @@
           <p:cNvPr id="2" name="Заголовок 1">
             <a:extLst>
               <a:ext uri="{FF2B5EF4-FFF2-40B4-BE49-F238E27FC236}">
-                <a16:creationId xmlns:a16="http://schemas.microsoft.com/office/drawing/2014/main" xmlns="" id="{2CF5E7D6-0917-4860-9C58-0359231040B4}"/>
+                <a16:creationId xmlns:a16="http://schemas.microsoft.com/office/drawing/2014/main" id="{2CF5E7D6-0917-4860-9C58-0359231040B4}"/>
               </a:ext>
             </a:extLst>
           </p:cNvPr>
@@ -8879,7 +8737,7 @@
           <p:cNvPr id="3" name="Дата 2">
             <a:extLst>
               <a:ext uri="{FF2B5EF4-FFF2-40B4-BE49-F238E27FC236}">
-                <a16:creationId xmlns:a16="http://schemas.microsoft.com/office/drawing/2014/main" xmlns="" id="{2F984C76-693E-4DB3-AE05-489C09C63839}"/>
+                <a16:creationId xmlns:a16="http://schemas.microsoft.com/office/drawing/2014/main" id="{2F984C76-693E-4DB3-AE05-489C09C63839}"/>
               </a:ext>
             </a:extLst>
           </p:cNvPr>
@@ -8897,7 +8755,7 @@
           <a:p>
             <a:fld id="{ED21298E-1584-4BFF-A14E-BBA9BE444C70}" type="datetimeFigureOut">
               <a:rPr lang="ru-RU" smtClean="0"/>
-              <a:t>06.02.2020</a:t>
+              <a:t>09.02.2020</a:t>
             </a:fld>
             <a:endParaRPr lang="ru-RU"/>
           </a:p>
@@ -8908,7 +8766,7 @@
           <p:cNvPr id="4" name="Нижний колонтитул 3">
             <a:extLst>
               <a:ext uri="{FF2B5EF4-FFF2-40B4-BE49-F238E27FC236}">
-                <a16:creationId xmlns:a16="http://schemas.microsoft.com/office/drawing/2014/main" xmlns="" id="{2B077F28-BAB7-4146-B5AF-E60ADEC0E10D}"/>
+                <a16:creationId xmlns:a16="http://schemas.microsoft.com/office/drawing/2014/main" id="{2B077F28-BAB7-4146-B5AF-E60ADEC0E10D}"/>
               </a:ext>
             </a:extLst>
           </p:cNvPr>
@@ -8933,7 +8791,7 @@
           <p:cNvPr id="5" name="Номер слайда 4">
             <a:extLst>
               <a:ext uri="{FF2B5EF4-FFF2-40B4-BE49-F238E27FC236}">
-                <a16:creationId xmlns:a16="http://schemas.microsoft.com/office/drawing/2014/main" xmlns="" id="{BE0716BA-273D-4581-9419-2895637E3434}"/>
+                <a16:creationId xmlns:a16="http://schemas.microsoft.com/office/drawing/2014/main" id="{BE0716BA-273D-4581-9419-2895637E3434}"/>
               </a:ext>
             </a:extLst>
           </p:cNvPr>
@@ -8992,7 +8850,7 @@
           <p:cNvPr id="2" name="Дата 1">
             <a:extLst>
               <a:ext uri="{FF2B5EF4-FFF2-40B4-BE49-F238E27FC236}">
-                <a16:creationId xmlns:a16="http://schemas.microsoft.com/office/drawing/2014/main" xmlns="" id="{F745297F-2B38-427A-9214-A0110FA3C3C2}"/>
+                <a16:creationId xmlns:a16="http://schemas.microsoft.com/office/drawing/2014/main" id="{F745297F-2B38-427A-9214-A0110FA3C3C2}"/>
               </a:ext>
             </a:extLst>
           </p:cNvPr>
@@ -9010,7 +8868,7 @@
           <a:p>
             <a:fld id="{ED21298E-1584-4BFF-A14E-BBA9BE444C70}" type="datetimeFigureOut">
               <a:rPr lang="ru-RU" smtClean="0"/>
-              <a:t>06.02.2020</a:t>
+              <a:t>09.02.2020</a:t>
             </a:fld>
             <a:endParaRPr lang="ru-RU"/>
           </a:p>
@@ -9021,7 +8879,7 @@
           <p:cNvPr id="3" name="Нижний колонтитул 2">
             <a:extLst>
               <a:ext uri="{FF2B5EF4-FFF2-40B4-BE49-F238E27FC236}">
-                <a16:creationId xmlns:a16="http://schemas.microsoft.com/office/drawing/2014/main" xmlns="" id="{1C34CDC4-4628-4192-89D4-EDA290A6799C}"/>
+                <a16:creationId xmlns:a16="http://schemas.microsoft.com/office/drawing/2014/main" id="{1C34CDC4-4628-4192-89D4-EDA290A6799C}"/>
               </a:ext>
             </a:extLst>
           </p:cNvPr>
@@ -9046,7 +8904,7 @@
           <p:cNvPr id="4" name="Номер слайда 3">
             <a:extLst>
               <a:ext uri="{FF2B5EF4-FFF2-40B4-BE49-F238E27FC236}">
-                <a16:creationId xmlns:a16="http://schemas.microsoft.com/office/drawing/2014/main" xmlns="" id="{98B43B16-3740-4D09-9547-78F5F15F318E}"/>
+                <a16:creationId xmlns:a16="http://schemas.microsoft.com/office/drawing/2014/main" id="{98B43B16-3740-4D09-9547-78F5F15F318E}"/>
               </a:ext>
             </a:extLst>
           </p:cNvPr>
@@ -9105,7 +8963,7 @@
           <p:cNvPr id="2" name="Заголовок 1">
             <a:extLst>
               <a:ext uri="{FF2B5EF4-FFF2-40B4-BE49-F238E27FC236}">
-                <a16:creationId xmlns:a16="http://schemas.microsoft.com/office/drawing/2014/main" xmlns="" id="{C96D2549-DEDC-4013-A512-B905D2AE43A1}"/>
+                <a16:creationId xmlns:a16="http://schemas.microsoft.com/office/drawing/2014/main" id="{C96D2549-DEDC-4013-A512-B905D2AE43A1}"/>
               </a:ext>
             </a:extLst>
           </p:cNvPr>
@@ -9142,7 +9000,7 @@
           <p:cNvPr id="3" name="Объект 2">
             <a:extLst>
               <a:ext uri="{FF2B5EF4-FFF2-40B4-BE49-F238E27FC236}">
-                <a16:creationId xmlns:a16="http://schemas.microsoft.com/office/drawing/2014/main" xmlns="" id="{BF5C350E-D072-48EB-B558-FCA5258B1C22}"/>
+                <a16:creationId xmlns:a16="http://schemas.microsoft.com/office/drawing/2014/main" id="{BF5C350E-D072-48EB-B558-FCA5258B1C22}"/>
               </a:ext>
             </a:extLst>
           </p:cNvPr>
@@ -9232,7 +9090,7 @@
           <p:cNvPr id="4" name="Текст 3">
             <a:extLst>
               <a:ext uri="{FF2B5EF4-FFF2-40B4-BE49-F238E27FC236}">
-                <a16:creationId xmlns:a16="http://schemas.microsoft.com/office/drawing/2014/main" xmlns="" id="{B2F6ACF9-9E8A-4192-A7BA-08596229C639}"/>
+                <a16:creationId xmlns:a16="http://schemas.microsoft.com/office/drawing/2014/main" id="{B2F6ACF9-9E8A-4192-A7BA-08596229C639}"/>
               </a:ext>
             </a:extLst>
           </p:cNvPr>
@@ -9303,7 +9161,7 @@
           <p:cNvPr id="5" name="Дата 4">
             <a:extLst>
               <a:ext uri="{FF2B5EF4-FFF2-40B4-BE49-F238E27FC236}">
-                <a16:creationId xmlns:a16="http://schemas.microsoft.com/office/drawing/2014/main" xmlns="" id="{3226A306-1C5A-407A-9ABE-104B62A127E2}"/>
+                <a16:creationId xmlns:a16="http://schemas.microsoft.com/office/drawing/2014/main" id="{3226A306-1C5A-407A-9ABE-104B62A127E2}"/>
               </a:ext>
             </a:extLst>
           </p:cNvPr>
@@ -9321,7 +9179,7 @@
           <a:p>
             <a:fld id="{ED21298E-1584-4BFF-A14E-BBA9BE444C70}" type="datetimeFigureOut">
               <a:rPr lang="ru-RU" smtClean="0"/>
-              <a:t>06.02.2020</a:t>
+              <a:t>09.02.2020</a:t>
             </a:fld>
             <a:endParaRPr lang="ru-RU"/>
           </a:p>
@@ -9332,7 +9190,7 @@
           <p:cNvPr id="6" name="Нижний колонтитул 5">
             <a:extLst>
               <a:ext uri="{FF2B5EF4-FFF2-40B4-BE49-F238E27FC236}">
-                <a16:creationId xmlns:a16="http://schemas.microsoft.com/office/drawing/2014/main" xmlns="" id="{5772BD78-21E3-4605-AE07-A1868AB0BEE9}"/>
+                <a16:creationId xmlns:a16="http://schemas.microsoft.com/office/drawing/2014/main" id="{5772BD78-21E3-4605-AE07-A1868AB0BEE9}"/>
               </a:ext>
             </a:extLst>
           </p:cNvPr>
@@ -9357,7 +9215,7 @@
           <p:cNvPr id="7" name="Номер слайда 6">
             <a:extLst>
               <a:ext uri="{FF2B5EF4-FFF2-40B4-BE49-F238E27FC236}">
-                <a16:creationId xmlns:a16="http://schemas.microsoft.com/office/drawing/2014/main" xmlns="" id="{181A7450-C2FE-4965-B7D1-89B08401ED11}"/>
+                <a16:creationId xmlns:a16="http://schemas.microsoft.com/office/drawing/2014/main" id="{181A7450-C2FE-4965-B7D1-89B08401ED11}"/>
               </a:ext>
             </a:extLst>
           </p:cNvPr>
@@ -9416,7 +9274,7 @@
           <p:cNvPr id="2" name="Заголовок 1">
             <a:extLst>
               <a:ext uri="{FF2B5EF4-FFF2-40B4-BE49-F238E27FC236}">
-                <a16:creationId xmlns:a16="http://schemas.microsoft.com/office/drawing/2014/main" xmlns="" id="{A0FFD11B-7A24-4309-8051-45A39FFB4A74}"/>
+                <a16:creationId xmlns:a16="http://schemas.microsoft.com/office/drawing/2014/main" id="{A0FFD11B-7A24-4309-8051-45A39FFB4A74}"/>
               </a:ext>
             </a:extLst>
           </p:cNvPr>
@@ -9453,7 +9311,7 @@
           <p:cNvPr id="3" name="Рисунок 2">
             <a:extLst>
               <a:ext uri="{FF2B5EF4-FFF2-40B4-BE49-F238E27FC236}">
-                <a16:creationId xmlns:a16="http://schemas.microsoft.com/office/drawing/2014/main" xmlns="" id="{2E6DD73F-D75B-40D4-AC65-1FDE7263D794}"/>
+                <a16:creationId xmlns:a16="http://schemas.microsoft.com/office/drawing/2014/main" id="{2E6DD73F-D75B-40D4-AC65-1FDE7263D794}"/>
               </a:ext>
             </a:extLst>
           </p:cNvPr>
@@ -9520,7 +9378,7 @@
           <p:cNvPr id="4" name="Текст 3">
             <a:extLst>
               <a:ext uri="{FF2B5EF4-FFF2-40B4-BE49-F238E27FC236}">
-                <a16:creationId xmlns:a16="http://schemas.microsoft.com/office/drawing/2014/main" xmlns="" id="{2A4543F0-0876-48B0-8053-AAA9CA6C4762}"/>
+                <a16:creationId xmlns:a16="http://schemas.microsoft.com/office/drawing/2014/main" id="{2A4543F0-0876-48B0-8053-AAA9CA6C4762}"/>
               </a:ext>
             </a:extLst>
           </p:cNvPr>
@@ -9591,7 +9449,7 @@
           <p:cNvPr id="5" name="Дата 4">
             <a:extLst>
               <a:ext uri="{FF2B5EF4-FFF2-40B4-BE49-F238E27FC236}">
-                <a16:creationId xmlns:a16="http://schemas.microsoft.com/office/drawing/2014/main" xmlns="" id="{EB931A98-D2B9-425B-AF00-0FFA0CC0E5E5}"/>
+                <a16:creationId xmlns:a16="http://schemas.microsoft.com/office/drawing/2014/main" id="{EB931A98-D2B9-425B-AF00-0FFA0CC0E5E5}"/>
               </a:ext>
             </a:extLst>
           </p:cNvPr>
@@ -9609,7 +9467,7 @@
           <a:p>
             <a:fld id="{ED21298E-1584-4BFF-A14E-BBA9BE444C70}" type="datetimeFigureOut">
               <a:rPr lang="ru-RU" smtClean="0"/>
-              <a:t>06.02.2020</a:t>
+              <a:t>09.02.2020</a:t>
             </a:fld>
             <a:endParaRPr lang="ru-RU"/>
           </a:p>
@@ -9620,7 +9478,7 @@
           <p:cNvPr id="6" name="Нижний колонтитул 5">
             <a:extLst>
               <a:ext uri="{FF2B5EF4-FFF2-40B4-BE49-F238E27FC236}">
-                <a16:creationId xmlns:a16="http://schemas.microsoft.com/office/drawing/2014/main" xmlns="" id="{47C0A16F-63E9-4115-9395-B29068B7A8A3}"/>
+                <a16:creationId xmlns:a16="http://schemas.microsoft.com/office/drawing/2014/main" id="{47C0A16F-63E9-4115-9395-B29068B7A8A3}"/>
               </a:ext>
             </a:extLst>
           </p:cNvPr>
@@ -9645,7 +9503,7 @@
           <p:cNvPr id="7" name="Номер слайда 6">
             <a:extLst>
               <a:ext uri="{FF2B5EF4-FFF2-40B4-BE49-F238E27FC236}">
-                <a16:creationId xmlns:a16="http://schemas.microsoft.com/office/drawing/2014/main" xmlns="" id="{945770D7-65A2-46CA-857E-2DA881F20F02}"/>
+                <a16:creationId xmlns:a16="http://schemas.microsoft.com/office/drawing/2014/main" id="{945770D7-65A2-46CA-857E-2DA881F20F02}"/>
               </a:ext>
             </a:extLst>
           </p:cNvPr>
@@ -9709,7 +9567,7 @@
           <p:cNvPr id="2" name="Заголовок 1">
             <a:extLst>
               <a:ext uri="{FF2B5EF4-FFF2-40B4-BE49-F238E27FC236}">
-                <a16:creationId xmlns:a16="http://schemas.microsoft.com/office/drawing/2014/main" xmlns="" id="{416FE616-8803-4E0B-90E3-0E2F05F79CD5}"/>
+                <a16:creationId xmlns:a16="http://schemas.microsoft.com/office/drawing/2014/main" id="{416FE616-8803-4E0B-90E3-0E2F05F79CD5}"/>
               </a:ext>
             </a:extLst>
           </p:cNvPr>
@@ -9747,7 +9605,7 @@
           <p:cNvPr id="3" name="Текст 2">
             <a:extLst>
               <a:ext uri="{FF2B5EF4-FFF2-40B4-BE49-F238E27FC236}">
-                <a16:creationId xmlns:a16="http://schemas.microsoft.com/office/drawing/2014/main" xmlns="" id="{D5B0B920-2706-47C7-B0E4-2D5D2E93C388}"/>
+                <a16:creationId xmlns:a16="http://schemas.microsoft.com/office/drawing/2014/main" id="{D5B0B920-2706-47C7-B0E4-2D5D2E93C388}"/>
               </a:ext>
             </a:extLst>
           </p:cNvPr>
@@ -9814,7 +9672,7 @@
           <p:cNvPr id="4" name="Дата 3">
             <a:extLst>
               <a:ext uri="{FF2B5EF4-FFF2-40B4-BE49-F238E27FC236}">
-                <a16:creationId xmlns:a16="http://schemas.microsoft.com/office/drawing/2014/main" xmlns="" id="{F6FCD97E-E867-4604-BF5D-868E5608AFBC}"/>
+                <a16:creationId xmlns:a16="http://schemas.microsoft.com/office/drawing/2014/main" id="{F6FCD97E-E867-4604-BF5D-868E5608AFBC}"/>
               </a:ext>
             </a:extLst>
           </p:cNvPr>
@@ -9850,7 +9708,7 @@
           <a:p>
             <a:fld id="{ED21298E-1584-4BFF-A14E-BBA9BE444C70}" type="datetimeFigureOut">
               <a:rPr lang="ru-RU" smtClean="0"/>
-              <a:t>06.02.2020</a:t>
+              <a:t>09.02.2020</a:t>
             </a:fld>
             <a:endParaRPr lang="ru-RU"/>
           </a:p>
@@ -9861,7 +9719,7 @@
           <p:cNvPr id="5" name="Нижний колонтитул 4">
             <a:extLst>
               <a:ext uri="{FF2B5EF4-FFF2-40B4-BE49-F238E27FC236}">
-                <a16:creationId xmlns:a16="http://schemas.microsoft.com/office/drawing/2014/main" xmlns="" id="{CBF1E823-50D2-44E5-85DF-965C41F75E3A}"/>
+                <a16:creationId xmlns:a16="http://schemas.microsoft.com/office/drawing/2014/main" id="{CBF1E823-50D2-44E5-85DF-965C41F75E3A}"/>
               </a:ext>
             </a:extLst>
           </p:cNvPr>
@@ -9904,7 +9762,7 @@
           <p:cNvPr id="6" name="Номер слайда 5">
             <a:extLst>
               <a:ext uri="{FF2B5EF4-FFF2-40B4-BE49-F238E27FC236}">
-                <a16:creationId xmlns:a16="http://schemas.microsoft.com/office/drawing/2014/main" xmlns="" id="{809ECC74-582D-49A6-B26C-A3FDC73C7160}"/>
+                <a16:creationId xmlns:a16="http://schemas.microsoft.com/office/drawing/2014/main" id="{809ECC74-582D-49A6-B26C-A3FDC73C7160}"/>
               </a:ext>
             </a:extLst>
           </p:cNvPr>
@@ -10272,7 +10130,7 @@
           <p:cNvPr id="2" name="Заголовок 1">
             <a:extLst>
               <a:ext uri="{FF2B5EF4-FFF2-40B4-BE49-F238E27FC236}">
-                <a16:creationId xmlns:a16="http://schemas.microsoft.com/office/drawing/2014/main" xmlns="" id="{F59A4DD0-CCFF-4B71-AF45-855836A86CC2}"/>
+                <a16:creationId xmlns:a16="http://schemas.microsoft.com/office/drawing/2014/main" id="{F59A4DD0-CCFF-4B71-AF45-855836A86CC2}"/>
               </a:ext>
             </a:extLst>
           </p:cNvPr>
@@ -10313,7 +10171,7 @@
           <p:cNvPr id="3" name="Подзаголовок 2">
             <a:extLst>
               <a:ext uri="{FF2B5EF4-FFF2-40B4-BE49-F238E27FC236}">
-                <a16:creationId xmlns:a16="http://schemas.microsoft.com/office/drawing/2014/main" xmlns="" id="{074F9221-22A8-409F-83C0-67033755B425}"/>
+                <a16:creationId xmlns:a16="http://schemas.microsoft.com/office/drawing/2014/main" id="{074F9221-22A8-409F-83C0-67033755B425}"/>
               </a:ext>
             </a:extLst>
           </p:cNvPr>
@@ -10352,7 +10210,7 @@
           <p:cNvPr id="6" name="Рисунок 5">
             <a:extLst>
               <a:ext uri="{FF2B5EF4-FFF2-40B4-BE49-F238E27FC236}">
-                <a16:creationId xmlns:a16="http://schemas.microsoft.com/office/drawing/2014/main" xmlns="" id="{F5C77CEB-8C29-4210-BE5B-7F5B49A60960}"/>
+                <a16:creationId xmlns:a16="http://schemas.microsoft.com/office/drawing/2014/main" id="{F5C77CEB-8C29-4210-BE5B-7F5B49A60960}"/>
               </a:ext>
             </a:extLst>
           </p:cNvPr>
@@ -10388,7 +10246,7 @@
           <p:cNvPr id="4" name="TextBox 3">
             <a:extLst>
               <a:ext uri="{FF2B5EF4-FFF2-40B4-BE49-F238E27FC236}">
-                <a16:creationId xmlns:a16="http://schemas.microsoft.com/office/drawing/2014/main" xmlns="" id="{E448FE7B-3184-4D48-A61A-0ADAFD94BF58}"/>
+                <a16:creationId xmlns:a16="http://schemas.microsoft.com/office/drawing/2014/main" id="{E448FE7B-3184-4D48-A61A-0ADAFD94BF58}"/>
               </a:ext>
             </a:extLst>
           </p:cNvPr>
@@ -10420,7 +10278,7 @@
           <p:cNvPr id="10" name="Таблица 9">
             <a:extLst>
               <a:ext uri="{FF2B5EF4-FFF2-40B4-BE49-F238E27FC236}">
-                <a16:creationId xmlns:a16="http://schemas.microsoft.com/office/drawing/2014/main" xmlns="" id="{A2168945-1777-4E74-B1AA-7513C24E8C94}"/>
+                <a16:creationId xmlns:a16="http://schemas.microsoft.com/office/drawing/2014/main" id="{A2168945-1777-4E74-B1AA-7513C24E8C94}"/>
               </a:ext>
             </a:extLst>
           </p:cNvPr>
@@ -10430,14 +10288,14 @@
           <p:nvPr>
             <p:extLst>
               <p:ext uri="{D42A27DB-BD31-4B8C-83A1-F6EECF244321}">
-                <p14:modId xmlns:p14="http://schemas.microsoft.com/office/powerpoint/2010/main" val="1291745900"/>
+                <p14:modId xmlns:p14="http://schemas.microsoft.com/office/powerpoint/2010/main" val="3462395695"/>
               </p:ext>
             </p:extLst>
           </p:nvPr>
         </p:nvGraphicFramePr>
         <p:xfrm>
-          <a:off x="653332" y="6329045"/>
-          <a:ext cx="10430786" cy="601980"/>
+          <a:off x="0" y="6329045"/>
+          <a:ext cx="12192000" cy="528955"/>
         </p:xfrm>
         <a:graphic>
           <a:graphicData uri="http://schemas.openxmlformats.org/drawingml/2006/table">
@@ -10446,10 +10304,10 @@
                 <a:tableStyleId>{5C22544A-7EE6-4342-B048-85BDC9FD1C3A}</a:tableStyleId>
               </a:tblPr>
               <a:tblGrid>
-                <a:gridCol w="10430786">
+                <a:gridCol w="12192000">
                   <a:extLst>
                     <a:ext uri="{9D8B030D-6E8A-4147-A177-3AD203B41FA5}">
-                      <a16:colId xmlns:a16="http://schemas.microsoft.com/office/drawing/2014/main" xmlns="" val="3945925805"/>
+                      <a16:colId xmlns:a16="http://schemas.microsoft.com/office/drawing/2014/main" val="3945925805"/>
                     </a:ext>
                   </a:extLst>
                 </a:gridCol>
@@ -10460,7 +10318,7 @@
                     <a:bodyPr/>
                     <a:lstStyle/>
                     <a:p>
-                      <a:pPr lvl="1" algn="ctr">
+                      <a:pPr lvl="0" algn="ctr">
                         <a:lnSpc>
                           <a:spcPct val="250000"/>
                         </a:lnSpc>
@@ -10490,7 +10348,7 @@
                           <a:hlinkClick r:id="rId3">
                             <a:extLst>
                               <a:ext uri="{A12FA001-AC4F-418D-AE19-62706E023703}">
-                                <ahyp:hlinkClr xmlns:ahyp="http://schemas.microsoft.com/office/drawing/2018/hyperlinkcolor" xmlns="" val="tx"/>
+                                <ahyp:hlinkClr xmlns:ahyp="http://schemas.microsoft.com/office/drawing/2018/hyperlinkcolor" val="tx"/>
                               </a:ext>
                             </a:extLst>
                           </a:hlinkClick>
@@ -10509,7 +10367,7 @@
                           <a:hlinkClick r:id="rId3">
                             <a:extLst>
                               <a:ext uri="{A12FA001-AC4F-418D-AE19-62706E023703}">
-                                <ahyp:hlinkClr xmlns:ahyp="http://schemas.microsoft.com/office/drawing/2018/hyperlinkcolor" xmlns="" val="tx"/>
+                                <ahyp:hlinkClr xmlns:ahyp="http://schemas.microsoft.com/office/drawing/2018/hyperlinkcolor" val="tx"/>
                               </a:ext>
                             </a:extLst>
                           </a:hlinkClick>
@@ -10540,7 +10398,7 @@
                           <a:hlinkClick r:id="rId4">
                             <a:extLst>
                               <a:ext uri="{A12FA001-AC4F-418D-AE19-62706E023703}">
-                                <ahyp:hlinkClr xmlns:ahyp="http://schemas.microsoft.com/office/drawing/2018/hyperlinkcolor" xmlns="" val="tx"/>
+                                <ahyp:hlinkClr xmlns:ahyp="http://schemas.microsoft.com/office/drawing/2018/hyperlinkcolor" val="tx"/>
                               </a:ext>
                             </a:extLst>
                           </a:hlinkClick>
@@ -10559,7 +10417,7 @@
                           <a:hlinkClick r:id="rId4">
                             <a:extLst>
                               <a:ext uri="{A12FA001-AC4F-418D-AE19-62706E023703}">
-                                <ahyp:hlinkClr xmlns:ahyp="http://schemas.microsoft.com/office/drawing/2018/hyperlinkcolor" xmlns="" val="tx"/>
+                                <ahyp:hlinkClr xmlns:ahyp="http://schemas.microsoft.com/office/drawing/2018/hyperlinkcolor" val="tx"/>
                               </a:ext>
                             </a:extLst>
                           </a:hlinkClick>
@@ -10578,7 +10436,7 @@
                           <a:hlinkClick r:id="rId4">
                             <a:extLst>
                               <a:ext uri="{A12FA001-AC4F-418D-AE19-62706E023703}">
-                                <ahyp:hlinkClr xmlns:ahyp="http://schemas.microsoft.com/office/drawing/2018/hyperlinkcolor" xmlns="" val="tx"/>
+                                <ahyp:hlinkClr xmlns:ahyp="http://schemas.microsoft.com/office/drawing/2018/hyperlinkcolor" val="tx"/>
                               </a:ext>
                             </a:extLst>
                           </a:hlinkClick>
@@ -10645,7 +10503,7 @@
                           <a:hlinkClick r:id="rId5">
                             <a:extLst>
                               <a:ext uri="{A12FA001-AC4F-418D-AE19-62706E023703}">
-                                <ahyp:hlinkClr xmlns:ahyp="http://schemas.microsoft.com/office/drawing/2018/hyperlinkcolor" xmlns="" val="tx"/>
+                                <ahyp:hlinkClr xmlns:ahyp="http://schemas.microsoft.com/office/drawing/2018/hyperlinkcolor" val="tx"/>
                               </a:ext>
                             </a:extLst>
                           </a:hlinkClick>
@@ -10664,7 +10522,7 @@
                           <a:hlinkClick r:id="rId5">
                             <a:extLst>
                               <a:ext uri="{A12FA001-AC4F-418D-AE19-62706E023703}">
-                                <ahyp:hlinkClr xmlns:ahyp="http://schemas.microsoft.com/office/drawing/2018/hyperlinkcolor" xmlns="" val="tx"/>
+                                <ahyp:hlinkClr xmlns:ahyp="http://schemas.microsoft.com/office/drawing/2018/hyperlinkcolor" val="tx"/>
                               </a:ext>
                             </a:extLst>
                           </a:hlinkClick>
@@ -10683,7 +10541,7 @@
                           <a:hlinkClick r:id="rId5">
                             <a:extLst>
                               <a:ext uri="{A12FA001-AC4F-418D-AE19-62706E023703}">
-                                <ahyp:hlinkClr xmlns:ahyp="http://schemas.microsoft.com/office/drawing/2018/hyperlinkcolor" xmlns="" val="tx"/>
+                                <ahyp:hlinkClr xmlns:ahyp="http://schemas.microsoft.com/office/drawing/2018/hyperlinkcolor" val="tx"/>
                               </a:ext>
                             </a:extLst>
                           </a:hlinkClick>
@@ -10702,7 +10560,7 @@
                           <a:hlinkClick r:id="rId5">
                             <a:extLst>
                               <a:ext uri="{A12FA001-AC4F-418D-AE19-62706E023703}">
-                                <ahyp:hlinkClr xmlns:ahyp="http://schemas.microsoft.com/office/drawing/2018/hyperlinkcolor" xmlns="" val="tx"/>
+                                <ahyp:hlinkClr xmlns:ahyp="http://schemas.microsoft.com/office/drawing/2018/hyperlinkcolor" val="tx"/>
                               </a:ext>
                             </a:extLst>
                           </a:hlinkClick>
@@ -10721,7 +10579,7 @@
                           <a:hlinkClick r:id="rId5">
                             <a:extLst>
                               <a:ext uri="{A12FA001-AC4F-418D-AE19-62706E023703}">
-                                <ahyp:hlinkClr xmlns:ahyp="http://schemas.microsoft.com/office/drawing/2018/hyperlinkcolor" xmlns="" val="tx"/>
+                                <ahyp:hlinkClr xmlns:ahyp="http://schemas.microsoft.com/office/drawing/2018/hyperlinkcolor" val="tx"/>
                               </a:ext>
                             </a:extLst>
                           </a:hlinkClick>
@@ -10745,7 +10603,7 @@
                 </a:tc>
                 <a:extLst>
                   <a:ext uri="{0D108BD9-81ED-4DB2-BD59-A6C34878D82A}">
-                    <a16:rowId xmlns:a16="http://schemas.microsoft.com/office/drawing/2014/main" xmlns="" val="2829935568"/>
+                    <a16:rowId xmlns:a16="http://schemas.microsoft.com/office/drawing/2014/main" val="2829935568"/>
                   </a:ext>
                 </a:extLst>
               </a:tr>
@@ -10755,10 +10613,46 @@
       </p:graphicFrame>
       <p:pic>
         <p:nvPicPr>
-          <p:cNvPr id="11" name="Рисунок 1" descr="skype-logo-png-5a3a1a4934c5d5">
+          <p:cNvPr id="9" name="Рисунок 8">
             <a:extLst>
               <a:ext uri="{FF2B5EF4-FFF2-40B4-BE49-F238E27FC236}">
-                <a16:creationId xmlns:a16="http://schemas.microsoft.com/office/drawing/2014/main" xmlns="" id="{0A7929E3-7D90-4CB8-AD1B-B34BD941FA26}"/>
+                <a16:creationId xmlns:a16="http://schemas.microsoft.com/office/drawing/2014/main" id="{F3E814B0-9FBC-46C9-8C7B-C4B91903FE8A}"/>
+              </a:ext>
+            </a:extLst>
+          </p:cNvPr>
+          <p:cNvPicPr>
+            <a:picLocks noChangeAspect="1"/>
+          </p:cNvPicPr>
+          <p:nvPr/>
+        </p:nvPicPr>
+        <p:blipFill>
+          <a:blip r:embed="rId6">
+            <a:extLst>
+              <a:ext uri="{28A0092B-C50C-407E-A947-70E740481C1C}">
+                <a14:useLocalDpi xmlns:a14="http://schemas.microsoft.com/office/drawing/2010/main" val="0"/>
+              </a:ext>
+            </a:extLst>
+          </a:blip>
+          <a:stretch>
+            <a:fillRect/>
+          </a:stretch>
+        </p:blipFill>
+        <p:spPr>
+          <a:xfrm>
+            <a:off x="11303935" y="278699"/>
+            <a:ext cx="544664" cy="544664"/>
+          </a:xfrm>
+          <a:prstGeom prst="rect">
+            <a:avLst/>
+          </a:prstGeom>
+        </p:spPr>
+      </p:pic>
+      <p:pic>
+        <p:nvPicPr>
+          <p:cNvPr id="13" name="Рисунок 1" descr="skype-logo-png-5a3a1a4934c5d5">
+            <a:extLst>
+              <a:ext uri="{FF2B5EF4-FFF2-40B4-BE49-F238E27FC236}">
+                <a16:creationId xmlns:a16="http://schemas.microsoft.com/office/drawing/2014/main" id="{D48D17F1-0F06-4E73-9FE0-F2114983E4BE}"/>
               </a:ext>
             </a:extLst>
           </p:cNvPr>
@@ -10768,7 +10662,7 @@
           <p:nvPr/>
         </p:nvPicPr>
         <p:blipFill>
-          <a:blip r:embed="rId6">
+          <a:blip r:embed="rId7">
             <a:extLst>
               <a:ext uri="{28A0092B-C50C-407E-A947-70E740481C1C}">
                 <a14:useLocalDpi xmlns:a14="http://schemas.microsoft.com/office/drawing/2010/main" val="0"/>
@@ -10782,7 +10676,7 @@
         </p:blipFill>
         <p:spPr bwMode="auto">
           <a:xfrm>
-            <a:off x="6767950" y="6509219"/>
+            <a:off x="6785355" y="6509219"/>
             <a:ext cx="294735" cy="189158"/>
           </a:xfrm>
           <a:prstGeom prst="rect">
@@ -10800,42 +10694,6 @@
           </a:extLst>
         </p:spPr>
       </p:pic>
-      <p:pic>
-        <p:nvPicPr>
-          <p:cNvPr id="12" name="Рисунок 11">
-            <a:extLst>
-              <a:ext uri="{FF2B5EF4-FFF2-40B4-BE49-F238E27FC236}">
-                <a16:creationId xmlns:a16="http://schemas.microsoft.com/office/drawing/2014/main" xmlns="" id="{75826DE2-1B10-4A33-9F87-BF161E337942}"/>
-              </a:ext>
-            </a:extLst>
-          </p:cNvPr>
-          <p:cNvPicPr>
-            <a:picLocks noChangeAspect="1"/>
-          </p:cNvPicPr>
-          <p:nvPr/>
-        </p:nvPicPr>
-        <p:blipFill>
-          <a:blip r:embed="rId7">
-            <a:extLst>
-              <a:ext uri="{28A0092B-C50C-407E-A947-70E740481C1C}">
-                <a14:useLocalDpi xmlns:a14="http://schemas.microsoft.com/office/drawing/2010/main" val="0"/>
-              </a:ext>
-            </a:extLst>
-          </a:blip>
-          <a:stretch>
-            <a:fillRect/>
-          </a:stretch>
-        </p:blipFill>
-        <p:spPr>
-          <a:xfrm>
-            <a:off x="653332" y="6329238"/>
-            <a:ext cx="544664" cy="544664"/>
-          </a:xfrm>
-          <a:prstGeom prst="rect">
-            <a:avLst/>
-          </a:prstGeom>
-        </p:spPr>
-      </p:pic>
     </p:spTree>
     <p:extLst>
       <p:ext uri="{BB962C8B-B14F-4D97-AF65-F5344CB8AC3E}">
@@ -10846,6 +10704,135 @@
   <p:clrMapOvr>
     <a:masterClrMapping/>
   </p:clrMapOvr>
+  <p:timing>
+    <p:tnLst>
+      <p:par>
+        <p:cTn id="1" dur="indefinite" restart="never" nodeType="tmRoot">
+          <p:childTnLst>
+            <p:seq concurrent="1" nextAc="seek">
+              <p:cTn id="2" dur="indefinite" nodeType="mainSeq">
+                <p:childTnLst>
+                  <p:par>
+                    <p:cTn id="3" fill="hold">
+                      <p:stCondLst>
+                        <p:cond delay="indefinite"/>
+                      </p:stCondLst>
+                      <p:childTnLst>
+                        <p:par>
+                          <p:cTn id="4" fill="hold">
+                            <p:stCondLst>
+                              <p:cond delay="0"/>
+                            </p:stCondLst>
+                            <p:childTnLst>
+                              <p:par>
+                                <p:cTn id="5" presetID="45" presetClass="entr" presetSubtype="0" fill="hold" nodeType="clickEffect">
+                                  <p:stCondLst>
+                                    <p:cond delay="0"/>
+                                  </p:stCondLst>
+                                  <p:childTnLst>
+                                    <p:set>
+                                      <p:cBhvr>
+                                        <p:cTn id="6" dur="1" fill="hold">
+                                          <p:stCondLst>
+                                            <p:cond delay="0"/>
+                                          </p:stCondLst>
+                                        </p:cTn>
+                                        <p:tgtEl>
+                                          <p:spTgt spid="9"/>
+                                        </p:tgtEl>
+                                        <p:attrNameLst>
+                                          <p:attrName>style.visibility</p:attrName>
+                                        </p:attrNameLst>
+                                      </p:cBhvr>
+                                      <p:to>
+                                        <p:strVal val="visible"/>
+                                      </p:to>
+                                    </p:set>
+                                    <p:animEffect transition="in" filter="fade">
+                                      <p:cBhvr>
+                                        <p:cTn id="7" dur="2000"/>
+                                        <p:tgtEl>
+                                          <p:spTgt spid="9"/>
+                                        </p:tgtEl>
+                                      </p:cBhvr>
+                                    </p:animEffect>
+                                    <p:anim calcmode="lin" valueType="num">
+                                      <p:cBhvr>
+                                        <p:cTn id="8" dur="2000" fill="hold"/>
+                                        <p:tgtEl>
+                                          <p:spTgt spid="9"/>
+                                        </p:tgtEl>
+                                        <p:attrNameLst>
+                                          <p:attrName>ppt_w</p:attrName>
+                                        </p:attrNameLst>
+                                      </p:cBhvr>
+                                      <p:tavLst>
+                                        <p:tav tm="0" fmla="#ppt_w*sin(2.5*pi*$)">
+                                          <p:val>
+                                            <p:fltVal val="0"/>
+                                          </p:val>
+                                        </p:tav>
+                                        <p:tav tm="100000">
+                                          <p:val>
+                                            <p:fltVal val="1"/>
+                                          </p:val>
+                                        </p:tav>
+                                      </p:tavLst>
+                                    </p:anim>
+                                    <p:anim calcmode="lin" valueType="num">
+                                      <p:cBhvr>
+                                        <p:cTn id="9" dur="2000" fill="hold"/>
+                                        <p:tgtEl>
+                                          <p:spTgt spid="9"/>
+                                        </p:tgtEl>
+                                        <p:attrNameLst>
+                                          <p:attrName>ppt_h</p:attrName>
+                                        </p:attrNameLst>
+                                      </p:cBhvr>
+                                      <p:tavLst>
+                                        <p:tav tm="0">
+                                          <p:val>
+                                            <p:strVal val="#ppt_h"/>
+                                          </p:val>
+                                        </p:tav>
+                                        <p:tav tm="100000">
+                                          <p:val>
+                                            <p:strVal val="#ppt_h"/>
+                                          </p:val>
+                                        </p:tav>
+                                      </p:tavLst>
+                                    </p:anim>
+                                  </p:childTnLst>
+                                </p:cTn>
+                              </p:par>
+                            </p:childTnLst>
+                          </p:cTn>
+                        </p:par>
+                      </p:childTnLst>
+                    </p:cTn>
+                  </p:par>
+                </p:childTnLst>
+              </p:cTn>
+              <p:prevCondLst>
+                <p:cond evt="onPrev" delay="0">
+                  <p:tgtEl>
+                    <p:sldTgt/>
+                  </p:tgtEl>
+                </p:cond>
+              </p:prevCondLst>
+              <p:nextCondLst>
+                <p:cond evt="onNext" delay="0">
+                  <p:tgtEl>
+                    <p:sldTgt/>
+                  </p:tgtEl>
+                </p:cond>
+              </p:nextCondLst>
+            </p:seq>
+          </p:childTnLst>
+        </p:cTn>
+      </p:par>
+    </p:tnLst>
+  </p:timing>
 </p:sld>
 </file>
 
@@ -10871,7 +10858,7 @@
           <p:cNvPr id="2" name="Заголовок 1">
             <a:extLst>
               <a:ext uri="{FF2B5EF4-FFF2-40B4-BE49-F238E27FC236}">
-                <a16:creationId xmlns:a16="http://schemas.microsoft.com/office/drawing/2014/main" xmlns="" id="{4705A66D-D520-445F-A6E0-556C64E25308}"/>
+                <a16:creationId xmlns:a16="http://schemas.microsoft.com/office/drawing/2014/main" id="{4705A66D-D520-445F-A6E0-556C64E25308}"/>
               </a:ext>
             </a:extLst>
           </p:cNvPr>
@@ -10920,7 +10907,7 @@
           <p:cNvPr id="8" name="Схема 7">
             <a:extLst>
               <a:ext uri="{FF2B5EF4-FFF2-40B4-BE49-F238E27FC236}">
-                <a16:creationId xmlns:a16="http://schemas.microsoft.com/office/drawing/2014/main" xmlns="" id="{421E8922-36F5-4CD1-B19B-85F0FBFBD275}"/>
+                <a16:creationId xmlns:a16="http://schemas.microsoft.com/office/drawing/2014/main" id="{421E8922-36F5-4CD1-B19B-85F0FBFBD275}"/>
               </a:ext>
             </a:extLst>
           </p:cNvPr>
@@ -10948,7 +10935,7 @@
           <p:cNvPr id="10" name="Рисунок 9">
             <a:extLst>
               <a:ext uri="{FF2B5EF4-FFF2-40B4-BE49-F238E27FC236}">
-                <a16:creationId xmlns:a16="http://schemas.microsoft.com/office/drawing/2014/main" xmlns="" id="{3651A48F-36AA-4871-9C0C-D4C3CF98D8B1}"/>
+                <a16:creationId xmlns:a16="http://schemas.microsoft.com/office/drawing/2014/main" id="{3651A48F-36AA-4871-9C0C-D4C3CF98D8B1}"/>
               </a:ext>
             </a:extLst>
           </p:cNvPr>
@@ -10971,7 +10958,7 @@
         </p:blipFill>
         <p:spPr>
           <a:xfrm>
-            <a:off x="8063932" y="1534655"/>
+            <a:off x="8098768" y="1534655"/>
             <a:ext cx="1062722" cy="590846"/>
           </a:xfrm>
           <a:prstGeom prst="rect">
@@ -10984,7 +10971,7 @@
           <p:cNvPr id="13" name="Рисунок 12">
             <a:extLst>
               <a:ext uri="{FF2B5EF4-FFF2-40B4-BE49-F238E27FC236}">
-                <a16:creationId xmlns:a16="http://schemas.microsoft.com/office/drawing/2014/main" xmlns="" id="{B9FA8118-0D03-4C02-BAAF-DF3650CFFBD7}"/>
+                <a16:creationId xmlns:a16="http://schemas.microsoft.com/office/drawing/2014/main" id="{B9FA8118-0D03-4C02-BAAF-DF3650CFFBD7}"/>
               </a:ext>
             </a:extLst>
           </p:cNvPr>
@@ -11015,12 +11002,48 @@
           </a:prstGeom>
         </p:spPr>
       </p:pic>
+      <p:pic>
+        <p:nvPicPr>
+          <p:cNvPr id="15" name="Рисунок 14">
+            <a:extLst>
+              <a:ext uri="{FF2B5EF4-FFF2-40B4-BE49-F238E27FC236}">
+                <a16:creationId xmlns:a16="http://schemas.microsoft.com/office/drawing/2014/main" id="{42CA1760-3687-45A6-B82D-87D2DC1EC807}"/>
+              </a:ext>
+            </a:extLst>
+          </p:cNvPr>
+          <p:cNvPicPr>
+            <a:picLocks noChangeAspect="1"/>
+          </p:cNvPicPr>
+          <p:nvPr/>
+        </p:nvPicPr>
+        <p:blipFill>
+          <a:blip r:embed="rId9">
+            <a:extLst>
+              <a:ext uri="{28A0092B-C50C-407E-A947-70E740481C1C}">
+                <a14:useLocalDpi xmlns:a14="http://schemas.microsoft.com/office/drawing/2010/main" val="0"/>
+              </a:ext>
+            </a:extLst>
+          </a:blip>
+          <a:stretch>
+            <a:fillRect/>
+          </a:stretch>
+        </p:blipFill>
+        <p:spPr>
+          <a:xfrm>
+            <a:off x="11303935" y="278699"/>
+            <a:ext cx="544664" cy="544664"/>
+          </a:xfrm>
+          <a:prstGeom prst="rect">
+            <a:avLst/>
+          </a:prstGeom>
+        </p:spPr>
+      </p:pic>
       <p:graphicFrame>
         <p:nvGraphicFramePr>
-          <p:cNvPr id="11" name="Таблица 10">
+          <p:cNvPr id="17" name="Таблица 16">
             <a:extLst>
               <a:ext uri="{FF2B5EF4-FFF2-40B4-BE49-F238E27FC236}">
-                <a16:creationId xmlns:a16="http://schemas.microsoft.com/office/drawing/2014/main" xmlns="" id="{E8FA924B-96A7-4C06-8025-440475D13C57}"/>
+                <a16:creationId xmlns:a16="http://schemas.microsoft.com/office/drawing/2014/main" id="{9BFFD0EE-05FA-43F8-9EA6-7E15429D5987}"/>
               </a:ext>
             </a:extLst>
           </p:cNvPr>
@@ -11030,14 +11053,14 @@
           <p:nvPr>
             <p:extLst>
               <p:ext uri="{D42A27DB-BD31-4B8C-83A1-F6EECF244321}">
-                <p14:modId xmlns:p14="http://schemas.microsoft.com/office/powerpoint/2010/main" val="3310824341"/>
+                <p14:modId xmlns:p14="http://schemas.microsoft.com/office/powerpoint/2010/main" val="688727512"/>
               </p:ext>
             </p:extLst>
           </p:nvPr>
         </p:nvGraphicFramePr>
         <p:xfrm>
-          <a:off x="653332" y="6329045"/>
-          <a:ext cx="10430786" cy="601980"/>
+          <a:off x="0" y="6329045"/>
+          <a:ext cx="12192000" cy="528955"/>
         </p:xfrm>
         <a:graphic>
           <a:graphicData uri="http://schemas.openxmlformats.org/drawingml/2006/table">
@@ -11046,10 +11069,10 @@
                 <a:tableStyleId>{5C22544A-7EE6-4342-B048-85BDC9FD1C3A}</a:tableStyleId>
               </a:tblPr>
               <a:tblGrid>
-                <a:gridCol w="10430786">
+                <a:gridCol w="12192000">
                   <a:extLst>
                     <a:ext uri="{9D8B030D-6E8A-4147-A177-3AD203B41FA5}">
-                      <a16:colId xmlns:a16="http://schemas.microsoft.com/office/drawing/2014/main" xmlns="" val="3945925805"/>
+                      <a16:colId xmlns:a16="http://schemas.microsoft.com/office/drawing/2014/main" val="3945925805"/>
                     </a:ext>
                   </a:extLst>
                 </a:gridCol>
@@ -11060,7 +11083,7 @@
                     <a:bodyPr/>
                     <a:lstStyle/>
                     <a:p>
-                      <a:pPr lvl="1" algn="ctr">
+                      <a:pPr lvl="0" algn="ctr">
                         <a:lnSpc>
                           <a:spcPct val="250000"/>
                         </a:lnSpc>
@@ -11087,10 +11110,10 @@
                           <a:effectLst/>
                           <a:latin typeface="Arial" panose="020B0604020202020204" pitchFamily="34" charset="0"/>
                           <a:cs typeface="Arial" panose="020B0604020202020204" pitchFamily="34" charset="0"/>
-                          <a:hlinkClick r:id="rId9">
+                          <a:hlinkClick r:id="rId10">
                             <a:extLst>
                               <a:ext uri="{A12FA001-AC4F-418D-AE19-62706E023703}">
-                                <ahyp:hlinkClr xmlns:ahyp="http://schemas.microsoft.com/office/drawing/2018/hyperlinkcolor" xmlns="" val="tx"/>
+                                <ahyp:hlinkClr xmlns:ahyp="http://schemas.microsoft.com/office/drawing/2018/hyperlinkcolor" val="tx"/>
                               </a:ext>
                             </a:extLst>
                           </a:hlinkClick>
@@ -11106,10 +11129,10 @@
                           <a:latin typeface="Arial" panose="020B0604020202020204" pitchFamily="34" charset="0"/>
                           <a:ea typeface="+mn-ea"/>
                           <a:cs typeface="Arial" panose="020B0604020202020204" pitchFamily="34" charset="0"/>
-                          <a:hlinkClick r:id="rId9">
+                          <a:hlinkClick r:id="rId10">
                             <a:extLst>
                               <a:ext uri="{A12FA001-AC4F-418D-AE19-62706E023703}">
-                                <ahyp:hlinkClr xmlns:ahyp="http://schemas.microsoft.com/office/drawing/2018/hyperlinkcolor" xmlns="" val="tx"/>
+                                <ahyp:hlinkClr xmlns:ahyp="http://schemas.microsoft.com/office/drawing/2018/hyperlinkcolor" val="tx"/>
                               </a:ext>
                             </a:extLst>
                           </a:hlinkClick>
@@ -11137,10 +11160,10 @@
                           <a:latin typeface="Arial" panose="020B0604020202020204" pitchFamily="34" charset="0"/>
                           <a:ea typeface="+mn-ea"/>
                           <a:cs typeface="Arial" panose="020B0604020202020204" pitchFamily="34" charset="0"/>
-                          <a:hlinkClick r:id="rId10">
+                          <a:hlinkClick r:id="rId11">
                             <a:extLst>
                               <a:ext uri="{A12FA001-AC4F-418D-AE19-62706E023703}">
-                                <ahyp:hlinkClr xmlns:ahyp="http://schemas.microsoft.com/office/drawing/2018/hyperlinkcolor" xmlns="" val="tx"/>
+                                <ahyp:hlinkClr xmlns:ahyp="http://schemas.microsoft.com/office/drawing/2018/hyperlinkcolor" val="tx"/>
                               </a:ext>
                             </a:extLst>
                           </a:hlinkClick>
@@ -11156,10 +11179,10 @@
                           <a:latin typeface="Arial" panose="020B0604020202020204" pitchFamily="34" charset="0"/>
                           <a:ea typeface="+mn-ea"/>
                           <a:cs typeface="Arial" panose="020B0604020202020204" pitchFamily="34" charset="0"/>
-                          <a:hlinkClick r:id="rId10">
+                          <a:hlinkClick r:id="rId11">
                             <a:extLst>
                               <a:ext uri="{A12FA001-AC4F-418D-AE19-62706E023703}">
-                                <ahyp:hlinkClr xmlns:ahyp="http://schemas.microsoft.com/office/drawing/2018/hyperlinkcolor" xmlns="" val="tx"/>
+                                <ahyp:hlinkClr xmlns:ahyp="http://schemas.microsoft.com/office/drawing/2018/hyperlinkcolor" val="tx"/>
                               </a:ext>
                             </a:extLst>
                           </a:hlinkClick>
@@ -11175,10 +11198,10 @@
                           <a:latin typeface="Arial" panose="020B0604020202020204" pitchFamily="34" charset="0"/>
                           <a:ea typeface="+mn-ea"/>
                           <a:cs typeface="Arial" panose="020B0604020202020204" pitchFamily="34" charset="0"/>
-                          <a:hlinkClick r:id="rId10">
+                          <a:hlinkClick r:id="rId11">
                             <a:extLst>
                               <a:ext uri="{A12FA001-AC4F-418D-AE19-62706E023703}">
-                                <ahyp:hlinkClr xmlns:ahyp="http://schemas.microsoft.com/office/drawing/2018/hyperlinkcolor" xmlns="" val="tx"/>
+                                <ahyp:hlinkClr xmlns:ahyp="http://schemas.microsoft.com/office/drawing/2018/hyperlinkcolor" val="tx"/>
                               </a:ext>
                             </a:extLst>
                           </a:hlinkClick>
@@ -11242,10 +11265,10 @@
                           <a:latin typeface="Arial" panose="020B0604020202020204" pitchFamily="34" charset="0"/>
                           <a:ea typeface="+mn-ea"/>
                           <a:cs typeface="Arial" panose="020B0604020202020204" pitchFamily="34" charset="0"/>
-                          <a:hlinkClick r:id="rId11">
+                          <a:hlinkClick r:id="rId12">
                             <a:extLst>
                               <a:ext uri="{A12FA001-AC4F-418D-AE19-62706E023703}">
-                                <ahyp:hlinkClr xmlns:ahyp="http://schemas.microsoft.com/office/drawing/2018/hyperlinkcolor" xmlns="" val="tx"/>
+                                <ahyp:hlinkClr xmlns:ahyp="http://schemas.microsoft.com/office/drawing/2018/hyperlinkcolor" val="tx"/>
                               </a:ext>
                             </a:extLst>
                           </a:hlinkClick>
@@ -11261,10 +11284,10 @@
                           <a:latin typeface="Arial" panose="020B0604020202020204" pitchFamily="34" charset="0"/>
                           <a:ea typeface="+mn-ea"/>
                           <a:cs typeface="Arial" panose="020B0604020202020204" pitchFamily="34" charset="0"/>
-                          <a:hlinkClick r:id="rId11">
+                          <a:hlinkClick r:id="rId12">
                             <a:extLst>
                               <a:ext uri="{A12FA001-AC4F-418D-AE19-62706E023703}">
-                                <ahyp:hlinkClr xmlns:ahyp="http://schemas.microsoft.com/office/drawing/2018/hyperlinkcolor" xmlns="" val="tx"/>
+                                <ahyp:hlinkClr xmlns:ahyp="http://schemas.microsoft.com/office/drawing/2018/hyperlinkcolor" val="tx"/>
                               </a:ext>
                             </a:extLst>
                           </a:hlinkClick>
@@ -11280,10 +11303,10 @@
                           <a:latin typeface="Arial" panose="020B0604020202020204" pitchFamily="34" charset="0"/>
                           <a:ea typeface="+mn-ea"/>
                           <a:cs typeface="Arial" panose="020B0604020202020204" pitchFamily="34" charset="0"/>
-                          <a:hlinkClick r:id="rId11">
+                          <a:hlinkClick r:id="rId12">
                             <a:extLst>
                               <a:ext uri="{A12FA001-AC4F-418D-AE19-62706E023703}">
-                                <ahyp:hlinkClr xmlns:ahyp="http://schemas.microsoft.com/office/drawing/2018/hyperlinkcolor" xmlns="" val="tx"/>
+                                <ahyp:hlinkClr xmlns:ahyp="http://schemas.microsoft.com/office/drawing/2018/hyperlinkcolor" val="tx"/>
                               </a:ext>
                             </a:extLst>
                           </a:hlinkClick>
@@ -11299,10 +11322,10 @@
                           <a:latin typeface="Arial" panose="020B0604020202020204" pitchFamily="34" charset="0"/>
                           <a:ea typeface="+mn-ea"/>
                           <a:cs typeface="Arial" panose="020B0604020202020204" pitchFamily="34" charset="0"/>
-                          <a:hlinkClick r:id="rId11">
+                          <a:hlinkClick r:id="rId12">
                             <a:extLst>
                               <a:ext uri="{A12FA001-AC4F-418D-AE19-62706E023703}">
-                                <ahyp:hlinkClr xmlns:ahyp="http://schemas.microsoft.com/office/drawing/2018/hyperlinkcolor" xmlns="" val="tx"/>
+                                <ahyp:hlinkClr xmlns:ahyp="http://schemas.microsoft.com/office/drawing/2018/hyperlinkcolor" val="tx"/>
                               </a:ext>
                             </a:extLst>
                           </a:hlinkClick>
@@ -11318,10 +11341,10 @@
                           <a:latin typeface="Arial" panose="020B0604020202020204" pitchFamily="34" charset="0"/>
                           <a:ea typeface="+mn-ea"/>
                           <a:cs typeface="Arial" panose="020B0604020202020204" pitchFamily="34" charset="0"/>
-                          <a:hlinkClick r:id="rId11">
+                          <a:hlinkClick r:id="rId12">
                             <a:extLst>
                               <a:ext uri="{A12FA001-AC4F-418D-AE19-62706E023703}">
-                                <ahyp:hlinkClr xmlns:ahyp="http://schemas.microsoft.com/office/drawing/2018/hyperlinkcolor" xmlns="" val="tx"/>
+                                <ahyp:hlinkClr xmlns:ahyp="http://schemas.microsoft.com/office/drawing/2018/hyperlinkcolor" val="tx"/>
                               </a:ext>
                             </a:extLst>
                           </a:hlinkClick>
@@ -11345,7 +11368,7 @@
                 </a:tc>
                 <a:extLst>
                   <a:ext uri="{0D108BD9-81ED-4DB2-BD59-A6C34878D82A}">
-                    <a16:rowId xmlns:a16="http://schemas.microsoft.com/office/drawing/2014/main" xmlns="" val="2829935568"/>
+                    <a16:rowId xmlns:a16="http://schemas.microsoft.com/office/drawing/2014/main" val="2829935568"/>
                   </a:ext>
                 </a:extLst>
               </a:tr>
@@ -11355,10 +11378,10 @@
       </p:graphicFrame>
       <p:pic>
         <p:nvPicPr>
-          <p:cNvPr id="12" name="Рисунок 1" descr="skype-logo-png-5a3a1a4934c5d5">
+          <p:cNvPr id="18" name="Рисунок 1" descr="skype-logo-png-5a3a1a4934c5d5">
             <a:extLst>
               <a:ext uri="{FF2B5EF4-FFF2-40B4-BE49-F238E27FC236}">
-                <a16:creationId xmlns:a16="http://schemas.microsoft.com/office/drawing/2014/main" xmlns="" id="{62DA62C4-1AC6-464D-B4CB-00C4FC9ECDB9}"/>
+                <a16:creationId xmlns:a16="http://schemas.microsoft.com/office/drawing/2014/main" id="{873494AC-DF1D-4D2A-806C-0447EB09DB56}"/>
               </a:ext>
             </a:extLst>
           </p:cNvPr>
@@ -11368,7 +11391,7 @@
           <p:nvPr/>
         </p:nvPicPr>
         <p:blipFill>
-          <a:blip r:embed="rId12">
+          <a:blip r:embed="rId13">
             <a:extLst>
               <a:ext uri="{28A0092B-C50C-407E-A947-70E740481C1C}">
                 <a14:useLocalDpi xmlns:a14="http://schemas.microsoft.com/office/drawing/2010/main" val="0"/>
@@ -11382,7 +11405,7 @@
         </p:blipFill>
         <p:spPr bwMode="auto">
           <a:xfrm>
-            <a:off x="6767950" y="6509219"/>
+            <a:off x="6785355" y="6509219"/>
             <a:ext cx="294735" cy="189158"/>
           </a:xfrm>
           <a:prstGeom prst="rect">
@@ -11400,42 +11423,6 @@
           </a:extLst>
         </p:spPr>
       </p:pic>
-      <p:pic>
-        <p:nvPicPr>
-          <p:cNvPr id="14" name="Рисунок 13">
-            <a:extLst>
-              <a:ext uri="{FF2B5EF4-FFF2-40B4-BE49-F238E27FC236}">
-                <a16:creationId xmlns:a16="http://schemas.microsoft.com/office/drawing/2014/main" xmlns="" id="{7F67CAB3-4613-46A0-9449-2E28AB1906CC}"/>
-              </a:ext>
-            </a:extLst>
-          </p:cNvPr>
-          <p:cNvPicPr>
-            <a:picLocks noChangeAspect="1"/>
-          </p:cNvPicPr>
-          <p:nvPr/>
-        </p:nvPicPr>
-        <p:blipFill>
-          <a:blip r:embed="rId13">
-            <a:extLst>
-              <a:ext uri="{28A0092B-C50C-407E-A947-70E740481C1C}">
-                <a14:useLocalDpi xmlns:a14="http://schemas.microsoft.com/office/drawing/2010/main" val="0"/>
-              </a:ext>
-            </a:extLst>
-          </a:blip>
-          <a:stretch>
-            <a:fillRect/>
-          </a:stretch>
-        </p:blipFill>
-        <p:spPr>
-          <a:xfrm>
-            <a:off x="653332" y="6329238"/>
-            <a:ext cx="544664" cy="544664"/>
-          </a:xfrm>
-          <a:prstGeom prst="rect">
-            <a:avLst/>
-          </a:prstGeom>
-        </p:spPr>
-      </p:pic>
     </p:spTree>
     <p:extLst>
       <p:ext uri="{BB962C8B-B14F-4D97-AF65-F5344CB8AC3E}">
@@ -11446,6 +11433,135 @@
   <p:clrMapOvr>
     <a:masterClrMapping/>
   </p:clrMapOvr>
+  <p:timing>
+    <p:tnLst>
+      <p:par>
+        <p:cTn id="1" dur="indefinite" restart="never" nodeType="tmRoot">
+          <p:childTnLst>
+            <p:seq concurrent="1" nextAc="seek">
+              <p:cTn id="2" dur="indefinite" nodeType="mainSeq">
+                <p:childTnLst>
+                  <p:par>
+                    <p:cTn id="3" fill="hold">
+                      <p:stCondLst>
+                        <p:cond delay="indefinite"/>
+                      </p:stCondLst>
+                      <p:childTnLst>
+                        <p:par>
+                          <p:cTn id="4" fill="hold">
+                            <p:stCondLst>
+                              <p:cond delay="0"/>
+                            </p:stCondLst>
+                            <p:childTnLst>
+                              <p:par>
+                                <p:cTn id="5" presetID="45" presetClass="entr" presetSubtype="0" fill="hold" nodeType="clickEffect">
+                                  <p:stCondLst>
+                                    <p:cond delay="0"/>
+                                  </p:stCondLst>
+                                  <p:childTnLst>
+                                    <p:set>
+                                      <p:cBhvr>
+                                        <p:cTn id="6" dur="1" fill="hold">
+                                          <p:stCondLst>
+                                            <p:cond delay="0"/>
+                                          </p:stCondLst>
+                                        </p:cTn>
+                                        <p:tgtEl>
+                                          <p:spTgt spid="15"/>
+                                        </p:tgtEl>
+                                        <p:attrNameLst>
+                                          <p:attrName>style.visibility</p:attrName>
+                                        </p:attrNameLst>
+                                      </p:cBhvr>
+                                      <p:to>
+                                        <p:strVal val="visible"/>
+                                      </p:to>
+                                    </p:set>
+                                    <p:animEffect transition="in" filter="fade">
+                                      <p:cBhvr>
+                                        <p:cTn id="7" dur="2000"/>
+                                        <p:tgtEl>
+                                          <p:spTgt spid="15"/>
+                                        </p:tgtEl>
+                                      </p:cBhvr>
+                                    </p:animEffect>
+                                    <p:anim calcmode="lin" valueType="num">
+                                      <p:cBhvr>
+                                        <p:cTn id="8" dur="2000" fill="hold"/>
+                                        <p:tgtEl>
+                                          <p:spTgt spid="15"/>
+                                        </p:tgtEl>
+                                        <p:attrNameLst>
+                                          <p:attrName>ppt_w</p:attrName>
+                                        </p:attrNameLst>
+                                      </p:cBhvr>
+                                      <p:tavLst>
+                                        <p:tav tm="0" fmla="#ppt_w*sin(2.5*pi*$)">
+                                          <p:val>
+                                            <p:fltVal val="0"/>
+                                          </p:val>
+                                        </p:tav>
+                                        <p:tav tm="100000">
+                                          <p:val>
+                                            <p:fltVal val="1"/>
+                                          </p:val>
+                                        </p:tav>
+                                      </p:tavLst>
+                                    </p:anim>
+                                    <p:anim calcmode="lin" valueType="num">
+                                      <p:cBhvr>
+                                        <p:cTn id="9" dur="2000" fill="hold"/>
+                                        <p:tgtEl>
+                                          <p:spTgt spid="15"/>
+                                        </p:tgtEl>
+                                        <p:attrNameLst>
+                                          <p:attrName>ppt_h</p:attrName>
+                                        </p:attrNameLst>
+                                      </p:cBhvr>
+                                      <p:tavLst>
+                                        <p:tav tm="0">
+                                          <p:val>
+                                            <p:strVal val="#ppt_h"/>
+                                          </p:val>
+                                        </p:tav>
+                                        <p:tav tm="100000">
+                                          <p:val>
+                                            <p:strVal val="#ppt_h"/>
+                                          </p:val>
+                                        </p:tav>
+                                      </p:tavLst>
+                                    </p:anim>
+                                  </p:childTnLst>
+                                </p:cTn>
+                              </p:par>
+                            </p:childTnLst>
+                          </p:cTn>
+                        </p:par>
+                      </p:childTnLst>
+                    </p:cTn>
+                  </p:par>
+                </p:childTnLst>
+              </p:cTn>
+              <p:prevCondLst>
+                <p:cond evt="onPrev" delay="0">
+                  <p:tgtEl>
+                    <p:sldTgt/>
+                  </p:tgtEl>
+                </p:cond>
+              </p:prevCondLst>
+              <p:nextCondLst>
+                <p:cond evt="onNext" delay="0">
+                  <p:tgtEl>
+                    <p:sldTgt/>
+                  </p:tgtEl>
+                </p:cond>
+              </p:nextCondLst>
+            </p:seq>
+          </p:childTnLst>
+        </p:cTn>
+      </p:par>
+    </p:tnLst>
+  </p:timing>
 </p:sld>
 </file>
 
@@ -11471,7 +11587,7 @@
           <p:cNvPr id="2" name="Заголовок 1">
             <a:extLst>
               <a:ext uri="{FF2B5EF4-FFF2-40B4-BE49-F238E27FC236}">
-                <a16:creationId xmlns:a16="http://schemas.microsoft.com/office/drawing/2014/main" xmlns="" id="{7DB0EF1E-52E7-411E-B79F-03BDEB72A9B5}"/>
+                <a16:creationId xmlns:a16="http://schemas.microsoft.com/office/drawing/2014/main" id="{7DB0EF1E-52E7-411E-B79F-03BDEB72A9B5}"/>
               </a:ext>
             </a:extLst>
           </p:cNvPr>
@@ -11518,7 +11634,7 @@
           <p:cNvPr id="6" name="Объект 5">
             <a:extLst>
               <a:ext uri="{FF2B5EF4-FFF2-40B4-BE49-F238E27FC236}">
-                <a16:creationId xmlns:a16="http://schemas.microsoft.com/office/drawing/2014/main" xmlns="" id="{C8C0528A-481D-4CE1-8B05-996BF1AC2F00}"/>
+                <a16:creationId xmlns:a16="http://schemas.microsoft.com/office/drawing/2014/main" id="{C8C0528A-481D-4CE1-8B05-996BF1AC2F00}"/>
               </a:ext>
             </a:extLst>
           </p:cNvPr>
@@ -11553,7 +11669,7 @@
           <p:cNvPr id="7" name="Рисунок 6">
             <a:extLst>
               <a:ext uri="{FF2B5EF4-FFF2-40B4-BE49-F238E27FC236}">
-                <a16:creationId xmlns:a16="http://schemas.microsoft.com/office/drawing/2014/main" xmlns="" id="{238BCFA0-1AE2-482E-8E42-A58E190C53E4}"/>
+                <a16:creationId xmlns:a16="http://schemas.microsoft.com/office/drawing/2014/main" id="{238BCFA0-1AE2-482E-8E42-A58E190C53E4}"/>
               </a:ext>
             </a:extLst>
           </p:cNvPr>
@@ -11584,12 +11700,48 @@
           </a:prstGeom>
         </p:spPr>
       </p:pic>
+      <p:pic>
+        <p:nvPicPr>
+          <p:cNvPr id="9" name="Рисунок 8">
+            <a:extLst>
+              <a:ext uri="{FF2B5EF4-FFF2-40B4-BE49-F238E27FC236}">
+                <a16:creationId xmlns:a16="http://schemas.microsoft.com/office/drawing/2014/main" id="{05185F18-7E60-42A4-A444-008814AD4B89}"/>
+              </a:ext>
+            </a:extLst>
+          </p:cNvPr>
+          <p:cNvPicPr>
+            <a:picLocks noChangeAspect="1"/>
+          </p:cNvPicPr>
+          <p:nvPr/>
+        </p:nvPicPr>
+        <p:blipFill>
+          <a:blip r:embed="rId4">
+            <a:extLst>
+              <a:ext uri="{28A0092B-C50C-407E-A947-70E740481C1C}">
+                <a14:useLocalDpi xmlns:a14="http://schemas.microsoft.com/office/drawing/2010/main" val="0"/>
+              </a:ext>
+            </a:extLst>
+          </a:blip>
+          <a:stretch>
+            <a:fillRect/>
+          </a:stretch>
+        </p:blipFill>
+        <p:spPr>
+          <a:xfrm>
+            <a:off x="11303935" y="278699"/>
+            <a:ext cx="544664" cy="544664"/>
+          </a:xfrm>
+          <a:prstGeom prst="rect">
+            <a:avLst/>
+          </a:prstGeom>
+        </p:spPr>
+      </p:pic>
       <p:graphicFrame>
         <p:nvGraphicFramePr>
-          <p:cNvPr id="10" name="Таблица 9">
+          <p:cNvPr id="16" name="Таблица 15">
             <a:extLst>
               <a:ext uri="{FF2B5EF4-FFF2-40B4-BE49-F238E27FC236}">
-                <a16:creationId xmlns:a16="http://schemas.microsoft.com/office/drawing/2014/main" xmlns="" id="{3C6FFF47-68A2-4526-ACD4-5ED52CB18323}"/>
+                <a16:creationId xmlns:a16="http://schemas.microsoft.com/office/drawing/2014/main" id="{F06CD99C-DE04-491D-95FD-FBDEE2FB0BED}"/>
               </a:ext>
             </a:extLst>
           </p:cNvPr>
@@ -11599,14 +11751,14 @@
           <p:nvPr>
             <p:extLst>
               <p:ext uri="{D42A27DB-BD31-4B8C-83A1-F6EECF244321}">
-                <p14:modId xmlns:p14="http://schemas.microsoft.com/office/powerpoint/2010/main" val="1898039266"/>
+                <p14:modId xmlns:p14="http://schemas.microsoft.com/office/powerpoint/2010/main" val="688727512"/>
               </p:ext>
             </p:extLst>
           </p:nvPr>
         </p:nvGraphicFramePr>
         <p:xfrm>
-          <a:off x="653332" y="6329045"/>
-          <a:ext cx="10430786" cy="527495"/>
+          <a:off x="0" y="6329045"/>
+          <a:ext cx="12192000" cy="528955"/>
         </p:xfrm>
         <a:graphic>
           <a:graphicData uri="http://schemas.openxmlformats.org/drawingml/2006/table">
@@ -11615,10 +11767,10 @@
                 <a:tableStyleId>{5C22544A-7EE6-4342-B048-85BDC9FD1C3A}</a:tableStyleId>
               </a:tblPr>
               <a:tblGrid>
-                <a:gridCol w="10430786">
+                <a:gridCol w="12192000">
                   <a:extLst>
                     <a:ext uri="{9D8B030D-6E8A-4147-A177-3AD203B41FA5}">
-                      <a16:colId xmlns:a16="http://schemas.microsoft.com/office/drawing/2014/main" xmlns="" val="3945925805"/>
+                      <a16:colId xmlns:a16="http://schemas.microsoft.com/office/drawing/2014/main" val="3945925805"/>
                     </a:ext>
                   </a:extLst>
                 </a:gridCol>
@@ -11629,7 +11781,7 @@
                     <a:bodyPr/>
                     <a:lstStyle/>
                     <a:p>
-                      <a:pPr lvl="1" algn="ctr">
+                      <a:pPr lvl="0" algn="ctr">
                         <a:lnSpc>
                           <a:spcPct val="250000"/>
                         </a:lnSpc>
@@ -11638,7 +11790,7 @@
                         </a:spcAft>
                       </a:pPr>
                       <a:r>
-                        <a:rPr lang="ru-RU" sz="1100" b="1" cap="all" spc="150" dirty="0" smtClean="0">
+                        <a:rPr lang="ru-RU" sz="1100" b="1" cap="all" spc="150" dirty="0">
                           <a:solidFill>
                             <a:srgbClr val="D10A11"/>
                           </a:solidFill>
@@ -11649,17 +11801,17 @@
                         <a:t>🌍 г. Харьков, ул. Пермская, 15/56  ☎</a:t>
                       </a:r>
                       <a:r>
-                        <a:rPr lang="ru-RU" sz="1100" b="1" u="sng" cap="all" spc="150" dirty="0" smtClean="0">
+                        <a:rPr lang="ru-RU" sz="1100" b="1" u="sng" cap="all" spc="150" dirty="0">
                           <a:solidFill>
                             <a:srgbClr val="D10A11"/>
                           </a:solidFill>
                           <a:effectLst/>
                           <a:latin typeface="Arial" panose="020B0604020202020204" pitchFamily="34" charset="0"/>
                           <a:cs typeface="Arial" panose="020B0604020202020204" pitchFamily="34" charset="0"/>
-                          <a:hlinkClick r:id="rId4">
+                          <a:hlinkClick r:id="rId5">
                             <a:extLst>
                               <a:ext uri="{A12FA001-AC4F-418D-AE19-62706E023703}">
-                                <ahyp:hlinkClr xmlns="" xmlns:ahyp="http://schemas.microsoft.com/office/drawing/2018/hyperlinkcolor" xmlns:lc="http://schemas.openxmlformats.org/drawingml/2006/lockedCanvas" val="tx"/>
+                                <ahyp:hlinkClr xmlns:ahyp="http://schemas.microsoft.com/office/drawing/2018/hyperlinkcolor" val="tx"/>
                               </a:ext>
                             </a:extLst>
                           </a:hlinkClick>
@@ -11667,7 +11819,7 @@
                         <a:t>+</a:t>
                       </a:r>
                       <a:r>
-                        <a:rPr lang="ru-RU" sz="1100" b="1" kern="1200" cap="all" spc="150" dirty="0" smtClean="0">
+                        <a:rPr lang="ru-RU" sz="1100" b="1" kern="1200" cap="all" spc="150" dirty="0">
                           <a:solidFill>
                             <a:srgbClr val="D10A11"/>
                           </a:solidFill>
@@ -11675,10 +11827,10 @@
                           <a:latin typeface="Arial" panose="020B0604020202020204" pitchFamily="34" charset="0"/>
                           <a:ea typeface="+mn-ea"/>
                           <a:cs typeface="Arial" panose="020B0604020202020204" pitchFamily="34" charset="0"/>
-                          <a:hlinkClick r:id="rId4">
+                          <a:hlinkClick r:id="rId5">
                             <a:extLst>
                               <a:ext uri="{A12FA001-AC4F-418D-AE19-62706E023703}">
-                                <ahyp:hlinkClr xmlns="" xmlns:ahyp="http://schemas.microsoft.com/office/drawing/2018/hyperlinkcolor" xmlns:lc="http://schemas.openxmlformats.org/drawingml/2006/lockedCanvas" val="tx"/>
+                                <ahyp:hlinkClr xmlns:ahyp="http://schemas.microsoft.com/office/drawing/2018/hyperlinkcolor" val="tx"/>
                               </a:ext>
                             </a:extLst>
                           </a:hlinkClick>
@@ -11686,7 +11838,7 @@
                         <a:t>38(093)5820327</a:t>
                       </a:r>
                       <a:r>
-                        <a:rPr lang="ru-RU" sz="1100" b="1" kern="1200" cap="all" spc="150" dirty="0" smtClean="0">
+                        <a:rPr lang="ru-RU" sz="1100" b="1" kern="1200" cap="all" spc="150" dirty="0">
                           <a:solidFill>
                             <a:srgbClr val="D10A11"/>
                           </a:solidFill>
@@ -11698,7 +11850,7 @@
                         <a:t>        </a:t>
                       </a:r>
                       <a:r>
-                        <a:rPr lang="en-US" sz="1100" b="1" kern="1200" cap="all" spc="150" dirty="0" err="1" smtClean="0">
+                        <a:rPr lang="en-US" sz="1100" b="1" kern="1200" cap="all" spc="150" dirty="0" err="1">
                           <a:solidFill>
                             <a:srgbClr val="D10A11"/>
                           </a:solidFill>
@@ -11706,10 +11858,10 @@
                           <a:latin typeface="Arial" panose="020B0604020202020204" pitchFamily="34" charset="0"/>
                           <a:ea typeface="+mn-ea"/>
                           <a:cs typeface="Arial" panose="020B0604020202020204" pitchFamily="34" charset="0"/>
-                          <a:hlinkClick r:id="rId5">
+                          <a:hlinkClick r:id="rId6">
                             <a:extLst>
                               <a:ext uri="{A12FA001-AC4F-418D-AE19-62706E023703}">
-                                <ahyp:hlinkClr xmlns="" xmlns:ahyp="http://schemas.microsoft.com/office/drawing/2018/hyperlinkcolor" xmlns:lc="http://schemas.openxmlformats.org/drawingml/2006/lockedCanvas" val="tx"/>
+                                <ahyp:hlinkClr xmlns:ahyp="http://schemas.microsoft.com/office/drawing/2018/hyperlinkcolor" val="tx"/>
                               </a:ext>
                             </a:extLst>
                           </a:hlinkClick>
@@ -11717,7 +11869,7 @@
                         <a:t>valery</a:t>
                       </a:r>
                       <a:r>
-                        <a:rPr lang="ru-RU" sz="1100" b="1" kern="1200" cap="all" spc="150" dirty="0" smtClean="0">
+                        <a:rPr lang="ru-RU" sz="1100" b="1" kern="1200" cap="all" spc="150" dirty="0">
                           <a:solidFill>
                             <a:srgbClr val="D10A11"/>
                           </a:solidFill>
@@ -11725,10 +11877,10 @@
                           <a:latin typeface="Arial" panose="020B0604020202020204" pitchFamily="34" charset="0"/>
                           <a:ea typeface="+mn-ea"/>
                           <a:cs typeface="Arial" panose="020B0604020202020204" pitchFamily="34" charset="0"/>
-                          <a:hlinkClick r:id="rId5">
+                          <a:hlinkClick r:id="rId6">
                             <a:extLst>
                               <a:ext uri="{A12FA001-AC4F-418D-AE19-62706E023703}">
-                                <ahyp:hlinkClr xmlns="" xmlns:ahyp="http://schemas.microsoft.com/office/drawing/2018/hyperlinkcolor" xmlns:lc="http://schemas.openxmlformats.org/drawingml/2006/lockedCanvas" val="tx"/>
+                                <ahyp:hlinkClr xmlns:ahyp="http://schemas.microsoft.com/office/drawing/2018/hyperlinkcolor" val="tx"/>
                               </a:ext>
                             </a:extLst>
                           </a:hlinkClick>
@@ -11736,7 +11888,7 @@
                         <a:t>_</a:t>
                       </a:r>
                       <a:r>
-                        <a:rPr lang="en-US" sz="1100" b="1" kern="1200" cap="all" spc="150" dirty="0" err="1" smtClean="0">
+                        <a:rPr lang="en-US" sz="1100" b="1" kern="1200" cap="all" spc="150" dirty="0" err="1">
                           <a:solidFill>
                             <a:srgbClr val="D10A11"/>
                           </a:solidFill>
@@ -11744,10 +11896,10 @@
                           <a:latin typeface="Arial" panose="020B0604020202020204" pitchFamily="34" charset="0"/>
                           <a:ea typeface="+mn-ea"/>
                           <a:cs typeface="Arial" panose="020B0604020202020204" pitchFamily="34" charset="0"/>
-                          <a:hlinkClick r:id="rId5">
+                          <a:hlinkClick r:id="rId6">
                             <a:extLst>
                               <a:ext uri="{A12FA001-AC4F-418D-AE19-62706E023703}">
-                                <ahyp:hlinkClr xmlns="" xmlns:ahyp="http://schemas.microsoft.com/office/drawing/2018/hyperlinkcolor" xmlns:lc="http://schemas.openxmlformats.org/drawingml/2006/lockedCanvas" val="tx"/>
+                                <ahyp:hlinkClr xmlns:ahyp="http://schemas.microsoft.com/office/drawing/2018/hyperlinkcolor" val="tx"/>
                               </a:ext>
                             </a:extLst>
                           </a:hlinkClick>
@@ -11755,7 +11907,7 @@
                         <a:t>mobil</a:t>
                       </a:r>
                       <a:r>
-                        <a:rPr lang="en-US" sz="1100" b="1" kern="1200" cap="all" spc="150" dirty="0" smtClean="0">
+                        <a:rPr lang="en-US" sz="1100" b="1" kern="1200" cap="all" spc="150" dirty="0">
                           <a:solidFill>
                             <a:srgbClr val="D10A11"/>
                           </a:solidFill>
@@ -11767,7 +11919,7 @@
                         <a:t> </a:t>
                       </a:r>
                       <a:r>
-                        <a:rPr lang="ru-RU" sz="1100" b="1" kern="1200" cap="all" spc="150" dirty="0" smtClean="0">
+                        <a:rPr lang="ru-RU" sz="1100" b="1" kern="1200" cap="all" spc="150" dirty="0">
                           <a:solidFill>
                             <a:srgbClr val="D10A11"/>
                           </a:solidFill>
@@ -11779,7 +11931,7 @@
                         <a:t>  </a:t>
                       </a:r>
                       <a:r>
-                        <a:rPr lang="en-US" sz="1100" b="1" kern="1200" cap="all" spc="150" dirty="0" smtClean="0">
+                        <a:rPr lang="en-US" sz="1100" b="1" kern="1200" cap="all" spc="150" dirty="0">
                           <a:solidFill>
                             <a:srgbClr val="D10A11"/>
                           </a:solidFill>
@@ -11791,7 +11943,7 @@
                         <a:t>📧</a:t>
                       </a:r>
                       <a:r>
-                        <a:rPr lang="ru-RU" sz="1100" b="1" kern="1200" cap="all" spc="150" dirty="0" smtClean="0">
+                        <a:rPr lang="ru-RU" sz="1100" b="1" kern="1200" cap="all" spc="150" dirty="0">
                           <a:solidFill>
                             <a:srgbClr val="D10A11"/>
                           </a:solidFill>
@@ -11803,7 +11955,7 @@
                         <a:t> </a:t>
                       </a:r>
                       <a:r>
-                        <a:rPr lang="en-US" sz="1100" b="1" kern="1200" cap="all" spc="150" dirty="0" err="1" smtClean="0">
+                        <a:rPr lang="en-US" sz="1100" b="1" kern="1200" cap="all" spc="150" dirty="0" err="1">
                           <a:solidFill>
                             <a:srgbClr val="D10A11"/>
                           </a:solidFill>
@@ -11811,10 +11963,10 @@
                           <a:latin typeface="Arial" panose="020B0604020202020204" pitchFamily="34" charset="0"/>
                           <a:ea typeface="+mn-ea"/>
                           <a:cs typeface="Arial" panose="020B0604020202020204" pitchFamily="34" charset="0"/>
-                          <a:hlinkClick r:id="rId6">
+                          <a:hlinkClick r:id="rId7">
                             <a:extLst>
                               <a:ext uri="{A12FA001-AC4F-418D-AE19-62706E023703}">
-                                <ahyp:hlinkClr xmlns="" xmlns:ahyp="http://schemas.microsoft.com/office/drawing/2018/hyperlinkcolor" xmlns:lc="http://schemas.openxmlformats.org/drawingml/2006/lockedCanvas" val="tx"/>
+                                <ahyp:hlinkClr xmlns:ahyp="http://schemas.microsoft.com/office/drawing/2018/hyperlinkcolor" val="tx"/>
                               </a:ext>
                             </a:extLst>
                           </a:hlinkClick>
@@ -11822,7 +11974,7 @@
                         <a:t>mvn</a:t>
                       </a:r>
                       <a:r>
-                        <a:rPr lang="ru-RU" sz="1100" b="1" kern="1200" cap="all" spc="150" dirty="0" smtClean="0">
+                        <a:rPr lang="ru-RU" sz="1100" b="1" kern="1200" cap="all" spc="150" dirty="0">
                           <a:solidFill>
                             <a:srgbClr val="D10A11"/>
                           </a:solidFill>
@@ -11830,10 +11982,10 @@
                           <a:latin typeface="Arial" panose="020B0604020202020204" pitchFamily="34" charset="0"/>
                           <a:ea typeface="+mn-ea"/>
                           <a:cs typeface="Arial" panose="020B0604020202020204" pitchFamily="34" charset="0"/>
-                          <a:hlinkClick r:id="rId6">
+                          <a:hlinkClick r:id="rId7">
                             <a:extLst>
                               <a:ext uri="{A12FA001-AC4F-418D-AE19-62706E023703}">
-                                <ahyp:hlinkClr xmlns="" xmlns:ahyp="http://schemas.microsoft.com/office/drawing/2018/hyperlinkcolor" xmlns:lc="http://schemas.openxmlformats.org/drawingml/2006/lockedCanvas" val="tx"/>
+                                <ahyp:hlinkClr xmlns:ahyp="http://schemas.microsoft.com/office/drawing/2018/hyperlinkcolor" val="tx"/>
                               </a:ext>
                             </a:extLst>
                           </a:hlinkClick>
@@ -11841,7 +11993,7 @@
                         <a:t>2004@</a:t>
                       </a:r>
                       <a:r>
-                        <a:rPr lang="en-US" sz="1100" b="1" kern="1200" cap="all" spc="150" dirty="0" smtClean="0">
+                        <a:rPr lang="en-US" sz="1100" b="1" kern="1200" cap="all" spc="150" dirty="0">
                           <a:solidFill>
                             <a:srgbClr val="D10A11"/>
                           </a:solidFill>
@@ -11849,10 +12001,10 @@
                           <a:latin typeface="Arial" panose="020B0604020202020204" pitchFamily="34" charset="0"/>
                           <a:ea typeface="+mn-ea"/>
                           <a:cs typeface="Arial" panose="020B0604020202020204" pitchFamily="34" charset="0"/>
-                          <a:hlinkClick r:id="rId6">
+                          <a:hlinkClick r:id="rId7">
                             <a:extLst>
                               <a:ext uri="{A12FA001-AC4F-418D-AE19-62706E023703}">
-                                <ahyp:hlinkClr xmlns="" xmlns:ahyp="http://schemas.microsoft.com/office/drawing/2018/hyperlinkcolor" xmlns:lc="http://schemas.openxmlformats.org/drawingml/2006/lockedCanvas" val="tx"/>
+                                <ahyp:hlinkClr xmlns:ahyp="http://schemas.microsoft.com/office/drawing/2018/hyperlinkcolor" val="tx"/>
                               </a:ext>
                             </a:extLst>
                           </a:hlinkClick>
@@ -11860,7 +12012,7 @@
                         <a:t>mail</a:t>
                       </a:r>
                       <a:r>
-                        <a:rPr lang="ru-RU" sz="1100" b="1" kern="1200" cap="all" spc="150" dirty="0" smtClean="0">
+                        <a:rPr lang="ru-RU" sz="1100" b="1" kern="1200" cap="all" spc="150" dirty="0">
                           <a:solidFill>
                             <a:srgbClr val="D10A11"/>
                           </a:solidFill>
@@ -11868,10 +12020,10 @@
                           <a:latin typeface="Arial" panose="020B0604020202020204" pitchFamily="34" charset="0"/>
                           <a:ea typeface="+mn-ea"/>
                           <a:cs typeface="Arial" panose="020B0604020202020204" pitchFamily="34" charset="0"/>
-                          <a:hlinkClick r:id="rId6">
+                          <a:hlinkClick r:id="rId7">
                             <a:extLst>
                               <a:ext uri="{A12FA001-AC4F-418D-AE19-62706E023703}">
-                                <ahyp:hlinkClr xmlns="" xmlns:ahyp="http://schemas.microsoft.com/office/drawing/2018/hyperlinkcolor" xmlns:lc="http://schemas.openxmlformats.org/drawingml/2006/lockedCanvas" val="tx"/>
+                                <ahyp:hlinkClr xmlns:ahyp="http://schemas.microsoft.com/office/drawing/2018/hyperlinkcolor" val="tx"/>
                               </a:ext>
                             </a:extLst>
                           </a:hlinkClick>
@@ -11879,7 +12031,7 @@
                         <a:t>.</a:t>
                       </a:r>
                       <a:r>
-                        <a:rPr lang="en-US" sz="1100" b="1" kern="1200" cap="all" spc="150" dirty="0" err="1" smtClean="0">
+                        <a:rPr lang="en-US" sz="1100" b="1" kern="1200" cap="all" spc="150" dirty="0" err="1">
                           <a:solidFill>
                             <a:srgbClr val="D10A11"/>
                           </a:solidFill>
@@ -11887,10 +12039,10 @@
                           <a:latin typeface="Arial" panose="020B0604020202020204" pitchFamily="34" charset="0"/>
                           <a:ea typeface="+mn-ea"/>
                           <a:cs typeface="Arial" panose="020B0604020202020204" pitchFamily="34" charset="0"/>
-                          <a:hlinkClick r:id="rId6">
+                          <a:hlinkClick r:id="rId7">
                             <a:extLst>
                               <a:ext uri="{A12FA001-AC4F-418D-AE19-62706E023703}">
-                                <ahyp:hlinkClr xmlns="" xmlns:ahyp="http://schemas.microsoft.com/office/drawing/2018/hyperlinkcolor" xmlns:lc="http://schemas.openxmlformats.org/drawingml/2006/lockedCanvas" val="tx"/>
+                                <ahyp:hlinkClr xmlns:ahyp="http://schemas.microsoft.com/office/drawing/2018/hyperlinkcolor" val="tx"/>
                               </a:ext>
                             </a:extLst>
                           </a:hlinkClick>
@@ -11914,7 +12066,7 @@
                 </a:tc>
                 <a:extLst>
                   <a:ext uri="{0D108BD9-81ED-4DB2-BD59-A6C34878D82A}">
-                    <a16:rowId xmlns:a16="http://schemas.microsoft.com/office/drawing/2014/main" xmlns="" val="2829935568"/>
+                    <a16:rowId xmlns:a16="http://schemas.microsoft.com/office/drawing/2014/main" val="2829935568"/>
                   </a:ext>
                 </a:extLst>
               </a:tr>
@@ -11924,10 +12076,10 @@
       </p:graphicFrame>
       <p:pic>
         <p:nvPicPr>
-          <p:cNvPr id="11" name="Рисунок 1" descr="skype-logo-png-5a3a1a4934c5d5">
+          <p:cNvPr id="17" name="Рисунок 1" descr="skype-logo-png-5a3a1a4934c5d5">
             <a:extLst>
               <a:ext uri="{FF2B5EF4-FFF2-40B4-BE49-F238E27FC236}">
-                <a16:creationId xmlns:a16="http://schemas.microsoft.com/office/drawing/2014/main" xmlns="" id="{C9C89C50-F287-4A17-8481-8C7960E0168D}"/>
+                <a16:creationId xmlns:a16="http://schemas.microsoft.com/office/drawing/2014/main" id="{C311AD32-166A-45A4-811D-1F5063007DFE}"/>
               </a:ext>
             </a:extLst>
           </p:cNvPr>
@@ -11937,7 +12089,7 @@
           <p:nvPr/>
         </p:nvPicPr>
         <p:blipFill>
-          <a:blip r:embed="rId7">
+          <a:blip r:embed="rId8">
             <a:extLst>
               <a:ext uri="{28A0092B-C50C-407E-A947-70E740481C1C}">
                 <a14:useLocalDpi xmlns:a14="http://schemas.microsoft.com/office/drawing/2010/main" val="0"/>
@@ -11951,7 +12103,7 @@
         </p:blipFill>
         <p:spPr bwMode="auto">
           <a:xfrm>
-            <a:off x="6767950" y="6509219"/>
+            <a:off x="6785355" y="6509219"/>
             <a:ext cx="294735" cy="189158"/>
           </a:xfrm>
           <a:prstGeom prst="rect">
@@ -11969,42 +12121,6 @@
           </a:extLst>
         </p:spPr>
       </p:pic>
-      <p:pic>
-        <p:nvPicPr>
-          <p:cNvPr id="12" name="Рисунок 11">
-            <a:extLst>
-              <a:ext uri="{FF2B5EF4-FFF2-40B4-BE49-F238E27FC236}">
-                <a16:creationId xmlns:a16="http://schemas.microsoft.com/office/drawing/2014/main" xmlns="" id="{AA969A93-A084-4FDF-80EB-EB22650444CC}"/>
-              </a:ext>
-            </a:extLst>
-          </p:cNvPr>
-          <p:cNvPicPr>
-            <a:picLocks noChangeAspect="1"/>
-          </p:cNvPicPr>
-          <p:nvPr/>
-        </p:nvPicPr>
-        <p:blipFill>
-          <a:blip r:embed="rId8">
-            <a:extLst>
-              <a:ext uri="{28A0092B-C50C-407E-A947-70E740481C1C}">
-                <a14:useLocalDpi xmlns:a14="http://schemas.microsoft.com/office/drawing/2010/main" val="0"/>
-              </a:ext>
-            </a:extLst>
-          </a:blip>
-          <a:stretch>
-            <a:fillRect/>
-          </a:stretch>
-        </p:blipFill>
-        <p:spPr>
-          <a:xfrm>
-            <a:off x="653332" y="6329238"/>
-            <a:ext cx="544664" cy="544664"/>
-          </a:xfrm>
-          <a:prstGeom prst="rect">
-            <a:avLst/>
-          </a:prstGeom>
-        </p:spPr>
-      </p:pic>
     </p:spTree>
     <p:extLst>
       <p:ext uri="{BB962C8B-B14F-4D97-AF65-F5344CB8AC3E}">
@@ -12015,6 +12131,135 @@
   <p:clrMapOvr>
     <a:masterClrMapping/>
   </p:clrMapOvr>
+  <p:timing>
+    <p:tnLst>
+      <p:par>
+        <p:cTn id="1" dur="indefinite" restart="never" nodeType="tmRoot">
+          <p:childTnLst>
+            <p:seq concurrent="1" nextAc="seek">
+              <p:cTn id="2" dur="indefinite" nodeType="mainSeq">
+                <p:childTnLst>
+                  <p:par>
+                    <p:cTn id="3" fill="hold">
+                      <p:stCondLst>
+                        <p:cond delay="indefinite"/>
+                      </p:stCondLst>
+                      <p:childTnLst>
+                        <p:par>
+                          <p:cTn id="4" fill="hold">
+                            <p:stCondLst>
+                              <p:cond delay="0"/>
+                            </p:stCondLst>
+                            <p:childTnLst>
+                              <p:par>
+                                <p:cTn id="5" presetID="45" presetClass="entr" presetSubtype="0" fill="hold" nodeType="clickEffect">
+                                  <p:stCondLst>
+                                    <p:cond delay="0"/>
+                                  </p:stCondLst>
+                                  <p:childTnLst>
+                                    <p:set>
+                                      <p:cBhvr>
+                                        <p:cTn id="6" dur="1" fill="hold">
+                                          <p:stCondLst>
+                                            <p:cond delay="0"/>
+                                          </p:stCondLst>
+                                        </p:cTn>
+                                        <p:tgtEl>
+                                          <p:spTgt spid="9"/>
+                                        </p:tgtEl>
+                                        <p:attrNameLst>
+                                          <p:attrName>style.visibility</p:attrName>
+                                        </p:attrNameLst>
+                                      </p:cBhvr>
+                                      <p:to>
+                                        <p:strVal val="visible"/>
+                                      </p:to>
+                                    </p:set>
+                                    <p:animEffect transition="in" filter="fade">
+                                      <p:cBhvr>
+                                        <p:cTn id="7" dur="2000"/>
+                                        <p:tgtEl>
+                                          <p:spTgt spid="9"/>
+                                        </p:tgtEl>
+                                      </p:cBhvr>
+                                    </p:animEffect>
+                                    <p:anim calcmode="lin" valueType="num">
+                                      <p:cBhvr>
+                                        <p:cTn id="8" dur="2000" fill="hold"/>
+                                        <p:tgtEl>
+                                          <p:spTgt spid="9"/>
+                                        </p:tgtEl>
+                                        <p:attrNameLst>
+                                          <p:attrName>ppt_w</p:attrName>
+                                        </p:attrNameLst>
+                                      </p:cBhvr>
+                                      <p:tavLst>
+                                        <p:tav tm="0" fmla="#ppt_w*sin(2.5*pi*$)">
+                                          <p:val>
+                                            <p:fltVal val="0"/>
+                                          </p:val>
+                                        </p:tav>
+                                        <p:tav tm="100000">
+                                          <p:val>
+                                            <p:fltVal val="1"/>
+                                          </p:val>
+                                        </p:tav>
+                                      </p:tavLst>
+                                    </p:anim>
+                                    <p:anim calcmode="lin" valueType="num">
+                                      <p:cBhvr>
+                                        <p:cTn id="9" dur="2000" fill="hold"/>
+                                        <p:tgtEl>
+                                          <p:spTgt spid="9"/>
+                                        </p:tgtEl>
+                                        <p:attrNameLst>
+                                          <p:attrName>ppt_h</p:attrName>
+                                        </p:attrNameLst>
+                                      </p:cBhvr>
+                                      <p:tavLst>
+                                        <p:tav tm="0">
+                                          <p:val>
+                                            <p:strVal val="#ppt_h"/>
+                                          </p:val>
+                                        </p:tav>
+                                        <p:tav tm="100000">
+                                          <p:val>
+                                            <p:strVal val="#ppt_h"/>
+                                          </p:val>
+                                        </p:tav>
+                                      </p:tavLst>
+                                    </p:anim>
+                                  </p:childTnLst>
+                                </p:cTn>
+                              </p:par>
+                            </p:childTnLst>
+                          </p:cTn>
+                        </p:par>
+                      </p:childTnLst>
+                    </p:cTn>
+                  </p:par>
+                </p:childTnLst>
+              </p:cTn>
+              <p:prevCondLst>
+                <p:cond evt="onPrev" delay="0">
+                  <p:tgtEl>
+                    <p:sldTgt/>
+                  </p:tgtEl>
+                </p:cond>
+              </p:prevCondLst>
+              <p:nextCondLst>
+                <p:cond evt="onNext" delay="0">
+                  <p:tgtEl>
+                    <p:sldTgt/>
+                  </p:tgtEl>
+                </p:cond>
+              </p:nextCondLst>
+            </p:seq>
+          </p:childTnLst>
+        </p:cTn>
+      </p:par>
+    </p:tnLst>
+  </p:timing>
 </p:sld>
 </file>
 
@@ -12040,7 +12285,7 @@
           <p:cNvPr id="2" name="Заголовок 1">
             <a:extLst>
               <a:ext uri="{FF2B5EF4-FFF2-40B4-BE49-F238E27FC236}">
-                <a16:creationId xmlns:a16="http://schemas.microsoft.com/office/drawing/2014/main" xmlns="" id="{77B42213-02ED-4FE3-9CB9-6CC979841D23}"/>
+                <a16:creationId xmlns:a16="http://schemas.microsoft.com/office/drawing/2014/main" id="{77B42213-02ED-4FE3-9CB9-6CC979841D23}"/>
               </a:ext>
             </a:extLst>
           </p:cNvPr>
@@ -12080,7 +12325,7 @@
           <p:cNvPr id="6" name="Объект 5">
             <a:extLst>
               <a:ext uri="{FF2B5EF4-FFF2-40B4-BE49-F238E27FC236}">
-                <a16:creationId xmlns:a16="http://schemas.microsoft.com/office/drawing/2014/main" xmlns="" id="{3BDFBFA1-ACD3-4A5B-BBCE-489E3C8A0727}"/>
+                <a16:creationId xmlns:a16="http://schemas.microsoft.com/office/drawing/2014/main" id="{3BDFBFA1-ACD3-4A5B-BBCE-489E3C8A0727}"/>
               </a:ext>
             </a:extLst>
           </p:cNvPr>
@@ -12115,7 +12360,7 @@
           <p:cNvPr id="4" name="Рисунок 3">
             <a:extLst>
               <a:ext uri="{FF2B5EF4-FFF2-40B4-BE49-F238E27FC236}">
-                <a16:creationId xmlns:a16="http://schemas.microsoft.com/office/drawing/2014/main" xmlns="" id="{25E3E7A8-A719-495F-85FC-51670231C958}"/>
+                <a16:creationId xmlns:a16="http://schemas.microsoft.com/office/drawing/2014/main" id="{25E3E7A8-A719-495F-85FC-51670231C958}"/>
               </a:ext>
             </a:extLst>
           </p:cNvPr>
@@ -12146,12 +12391,48 @@
           </a:prstGeom>
         </p:spPr>
       </p:pic>
+      <p:pic>
+        <p:nvPicPr>
+          <p:cNvPr id="12" name="Рисунок 11">
+            <a:extLst>
+              <a:ext uri="{FF2B5EF4-FFF2-40B4-BE49-F238E27FC236}">
+                <a16:creationId xmlns:a16="http://schemas.microsoft.com/office/drawing/2014/main" id="{BA4ADBEE-2BD3-4B0B-AC35-79FAB74A6AC0}"/>
+              </a:ext>
+            </a:extLst>
+          </p:cNvPr>
+          <p:cNvPicPr>
+            <a:picLocks noChangeAspect="1"/>
+          </p:cNvPicPr>
+          <p:nvPr/>
+        </p:nvPicPr>
+        <p:blipFill>
+          <a:blip r:embed="rId4">
+            <a:extLst>
+              <a:ext uri="{28A0092B-C50C-407E-A947-70E740481C1C}">
+                <a14:useLocalDpi xmlns:a14="http://schemas.microsoft.com/office/drawing/2010/main" val="0"/>
+              </a:ext>
+            </a:extLst>
+          </a:blip>
+          <a:stretch>
+            <a:fillRect/>
+          </a:stretch>
+        </p:blipFill>
+        <p:spPr>
+          <a:xfrm>
+            <a:off x="11303935" y="278699"/>
+            <a:ext cx="544664" cy="544664"/>
+          </a:xfrm>
+          <a:prstGeom prst="rect">
+            <a:avLst/>
+          </a:prstGeom>
+        </p:spPr>
+      </p:pic>
       <p:graphicFrame>
         <p:nvGraphicFramePr>
-          <p:cNvPr id="9" name="Таблица 8">
+          <p:cNvPr id="14" name="Таблица 13">
             <a:extLst>
               <a:ext uri="{FF2B5EF4-FFF2-40B4-BE49-F238E27FC236}">
-                <a16:creationId xmlns:a16="http://schemas.microsoft.com/office/drawing/2014/main" xmlns="" id="{63935FF0-D55E-4999-AEDE-CE2CF774EE90}"/>
+                <a16:creationId xmlns:a16="http://schemas.microsoft.com/office/drawing/2014/main" id="{70C5E1DE-0D7C-4E17-9CCC-87327CBF5228}"/>
               </a:ext>
             </a:extLst>
           </p:cNvPr>
@@ -12161,14 +12442,14 @@
           <p:nvPr>
             <p:extLst>
               <p:ext uri="{D42A27DB-BD31-4B8C-83A1-F6EECF244321}">
-                <p14:modId xmlns:p14="http://schemas.microsoft.com/office/powerpoint/2010/main" val="1898039266"/>
+                <p14:modId xmlns:p14="http://schemas.microsoft.com/office/powerpoint/2010/main" val="688727512"/>
               </p:ext>
             </p:extLst>
           </p:nvPr>
         </p:nvGraphicFramePr>
         <p:xfrm>
-          <a:off x="653332" y="6329045"/>
-          <a:ext cx="10430786" cy="527495"/>
+          <a:off x="0" y="6329045"/>
+          <a:ext cx="12192000" cy="528955"/>
         </p:xfrm>
         <a:graphic>
           <a:graphicData uri="http://schemas.openxmlformats.org/drawingml/2006/table">
@@ -12177,10 +12458,10 @@
                 <a:tableStyleId>{5C22544A-7EE6-4342-B048-85BDC9FD1C3A}</a:tableStyleId>
               </a:tblPr>
               <a:tblGrid>
-                <a:gridCol w="10430786">
+                <a:gridCol w="12192000">
                   <a:extLst>
                     <a:ext uri="{9D8B030D-6E8A-4147-A177-3AD203B41FA5}">
-                      <a16:colId xmlns:a16="http://schemas.microsoft.com/office/drawing/2014/main" xmlns="" val="3945925805"/>
+                      <a16:colId xmlns:a16="http://schemas.microsoft.com/office/drawing/2014/main" val="3945925805"/>
                     </a:ext>
                   </a:extLst>
                 </a:gridCol>
@@ -12191,7 +12472,7 @@
                     <a:bodyPr/>
                     <a:lstStyle/>
                     <a:p>
-                      <a:pPr lvl="1" algn="ctr">
+                      <a:pPr lvl="0" algn="ctr">
                         <a:lnSpc>
                           <a:spcPct val="250000"/>
                         </a:lnSpc>
@@ -12200,7 +12481,7 @@
                         </a:spcAft>
                       </a:pPr>
                       <a:r>
-                        <a:rPr lang="ru-RU" sz="1100" b="1" cap="all" spc="150" dirty="0" smtClean="0">
+                        <a:rPr lang="ru-RU" sz="1100" b="1" cap="all" spc="150" dirty="0">
                           <a:solidFill>
                             <a:srgbClr val="D10A11"/>
                           </a:solidFill>
@@ -12211,17 +12492,17 @@
                         <a:t>🌍 г. Харьков, ул. Пермская, 15/56  ☎</a:t>
                       </a:r>
                       <a:r>
-                        <a:rPr lang="ru-RU" sz="1100" b="1" u="sng" cap="all" spc="150" dirty="0" smtClean="0">
+                        <a:rPr lang="ru-RU" sz="1100" b="1" u="sng" cap="all" spc="150" dirty="0">
                           <a:solidFill>
                             <a:srgbClr val="D10A11"/>
                           </a:solidFill>
                           <a:effectLst/>
                           <a:latin typeface="Arial" panose="020B0604020202020204" pitchFamily="34" charset="0"/>
                           <a:cs typeface="Arial" panose="020B0604020202020204" pitchFamily="34" charset="0"/>
-                          <a:hlinkClick r:id="rId4">
+                          <a:hlinkClick r:id="rId5">
                             <a:extLst>
                               <a:ext uri="{A12FA001-AC4F-418D-AE19-62706E023703}">
-                                <ahyp:hlinkClr xmlns="" xmlns:ahyp="http://schemas.microsoft.com/office/drawing/2018/hyperlinkcolor" xmlns:lc="http://schemas.openxmlformats.org/drawingml/2006/lockedCanvas" val="tx"/>
+                                <ahyp:hlinkClr xmlns:ahyp="http://schemas.microsoft.com/office/drawing/2018/hyperlinkcolor" val="tx"/>
                               </a:ext>
                             </a:extLst>
                           </a:hlinkClick>
@@ -12229,7 +12510,7 @@
                         <a:t>+</a:t>
                       </a:r>
                       <a:r>
-                        <a:rPr lang="ru-RU" sz="1100" b="1" kern="1200" cap="all" spc="150" dirty="0" smtClean="0">
+                        <a:rPr lang="ru-RU" sz="1100" b="1" kern="1200" cap="all" spc="150" dirty="0">
                           <a:solidFill>
                             <a:srgbClr val="D10A11"/>
                           </a:solidFill>
@@ -12237,10 +12518,10 @@
                           <a:latin typeface="Arial" panose="020B0604020202020204" pitchFamily="34" charset="0"/>
                           <a:ea typeface="+mn-ea"/>
                           <a:cs typeface="Arial" panose="020B0604020202020204" pitchFamily="34" charset="0"/>
-                          <a:hlinkClick r:id="rId4">
+                          <a:hlinkClick r:id="rId5">
                             <a:extLst>
                               <a:ext uri="{A12FA001-AC4F-418D-AE19-62706E023703}">
-                                <ahyp:hlinkClr xmlns="" xmlns:ahyp="http://schemas.microsoft.com/office/drawing/2018/hyperlinkcolor" xmlns:lc="http://schemas.openxmlformats.org/drawingml/2006/lockedCanvas" val="tx"/>
+                                <ahyp:hlinkClr xmlns:ahyp="http://schemas.microsoft.com/office/drawing/2018/hyperlinkcolor" val="tx"/>
                               </a:ext>
                             </a:extLst>
                           </a:hlinkClick>
@@ -12248,7 +12529,7 @@
                         <a:t>38(093)5820327</a:t>
                       </a:r>
                       <a:r>
-                        <a:rPr lang="ru-RU" sz="1100" b="1" kern="1200" cap="all" spc="150" dirty="0" smtClean="0">
+                        <a:rPr lang="ru-RU" sz="1100" b="1" kern="1200" cap="all" spc="150" dirty="0">
                           <a:solidFill>
                             <a:srgbClr val="D10A11"/>
                           </a:solidFill>
@@ -12260,7 +12541,7 @@
                         <a:t>        </a:t>
                       </a:r>
                       <a:r>
-                        <a:rPr lang="en-US" sz="1100" b="1" kern="1200" cap="all" spc="150" dirty="0" err="1" smtClean="0">
+                        <a:rPr lang="en-US" sz="1100" b="1" kern="1200" cap="all" spc="150" dirty="0" err="1">
                           <a:solidFill>
                             <a:srgbClr val="D10A11"/>
                           </a:solidFill>
@@ -12268,10 +12549,10 @@
                           <a:latin typeface="Arial" panose="020B0604020202020204" pitchFamily="34" charset="0"/>
                           <a:ea typeface="+mn-ea"/>
                           <a:cs typeface="Arial" panose="020B0604020202020204" pitchFamily="34" charset="0"/>
-                          <a:hlinkClick r:id="rId5">
+                          <a:hlinkClick r:id="rId6">
                             <a:extLst>
                               <a:ext uri="{A12FA001-AC4F-418D-AE19-62706E023703}">
-                                <ahyp:hlinkClr xmlns="" xmlns:ahyp="http://schemas.microsoft.com/office/drawing/2018/hyperlinkcolor" xmlns:lc="http://schemas.openxmlformats.org/drawingml/2006/lockedCanvas" val="tx"/>
+                                <ahyp:hlinkClr xmlns:ahyp="http://schemas.microsoft.com/office/drawing/2018/hyperlinkcolor" val="tx"/>
                               </a:ext>
                             </a:extLst>
                           </a:hlinkClick>
@@ -12279,7 +12560,7 @@
                         <a:t>valery</a:t>
                       </a:r>
                       <a:r>
-                        <a:rPr lang="ru-RU" sz="1100" b="1" kern="1200" cap="all" spc="150" dirty="0" smtClean="0">
+                        <a:rPr lang="ru-RU" sz="1100" b="1" kern="1200" cap="all" spc="150" dirty="0">
                           <a:solidFill>
                             <a:srgbClr val="D10A11"/>
                           </a:solidFill>
@@ -12287,10 +12568,10 @@
                           <a:latin typeface="Arial" panose="020B0604020202020204" pitchFamily="34" charset="0"/>
                           <a:ea typeface="+mn-ea"/>
                           <a:cs typeface="Arial" panose="020B0604020202020204" pitchFamily="34" charset="0"/>
-                          <a:hlinkClick r:id="rId5">
+                          <a:hlinkClick r:id="rId6">
                             <a:extLst>
                               <a:ext uri="{A12FA001-AC4F-418D-AE19-62706E023703}">
-                                <ahyp:hlinkClr xmlns="" xmlns:ahyp="http://schemas.microsoft.com/office/drawing/2018/hyperlinkcolor" xmlns:lc="http://schemas.openxmlformats.org/drawingml/2006/lockedCanvas" val="tx"/>
+                                <ahyp:hlinkClr xmlns:ahyp="http://schemas.microsoft.com/office/drawing/2018/hyperlinkcolor" val="tx"/>
                               </a:ext>
                             </a:extLst>
                           </a:hlinkClick>
@@ -12298,7 +12579,7 @@
                         <a:t>_</a:t>
                       </a:r>
                       <a:r>
-                        <a:rPr lang="en-US" sz="1100" b="1" kern="1200" cap="all" spc="150" dirty="0" err="1" smtClean="0">
+                        <a:rPr lang="en-US" sz="1100" b="1" kern="1200" cap="all" spc="150" dirty="0" err="1">
                           <a:solidFill>
                             <a:srgbClr val="D10A11"/>
                           </a:solidFill>
@@ -12306,10 +12587,10 @@
                           <a:latin typeface="Arial" panose="020B0604020202020204" pitchFamily="34" charset="0"/>
                           <a:ea typeface="+mn-ea"/>
                           <a:cs typeface="Arial" panose="020B0604020202020204" pitchFamily="34" charset="0"/>
-                          <a:hlinkClick r:id="rId5">
+                          <a:hlinkClick r:id="rId6">
                             <a:extLst>
                               <a:ext uri="{A12FA001-AC4F-418D-AE19-62706E023703}">
-                                <ahyp:hlinkClr xmlns="" xmlns:ahyp="http://schemas.microsoft.com/office/drawing/2018/hyperlinkcolor" xmlns:lc="http://schemas.openxmlformats.org/drawingml/2006/lockedCanvas" val="tx"/>
+                                <ahyp:hlinkClr xmlns:ahyp="http://schemas.microsoft.com/office/drawing/2018/hyperlinkcolor" val="tx"/>
                               </a:ext>
                             </a:extLst>
                           </a:hlinkClick>
@@ -12317,7 +12598,7 @@
                         <a:t>mobil</a:t>
                       </a:r>
                       <a:r>
-                        <a:rPr lang="en-US" sz="1100" b="1" kern="1200" cap="all" spc="150" dirty="0" smtClean="0">
+                        <a:rPr lang="en-US" sz="1100" b="1" kern="1200" cap="all" spc="150" dirty="0">
                           <a:solidFill>
                             <a:srgbClr val="D10A11"/>
                           </a:solidFill>
@@ -12329,7 +12610,7 @@
                         <a:t> </a:t>
                       </a:r>
                       <a:r>
-                        <a:rPr lang="ru-RU" sz="1100" b="1" kern="1200" cap="all" spc="150" dirty="0" smtClean="0">
+                        <a:rPr lang="ru-RU" sz="1100" b="1" kern="1200" cap="all" spc="150" dirty="0">
                           <a:solidFill>
                             <a:srgbClr val="D10A11"/>
                           </a:solidFill>
@@ -12341,7 +12622,7 @@
                         <a:t>  </a:t>
                       </a:r>
                       <a:r>
-                        <a:rPr lang="en-US" sz="1100" b="1" kern="1200" cap="all" spc="150" dirty="0" smtClean="0">
+                        <a:rPr lang="en-US" sz="1100" b="1" kern="1200" cap="all" spc="150" dirty="0">
                           <a:solidFill>
                             <a:srgbClr val="D10A11"/>
                           </a:solidFill>
@@ -12353,7 +12634,7 @@
                         <a:t>📧</a:t>
                       </a:r>
                       <a:r>
-                        <a:rPr lang="ru-RU" sz="1100" b="1" kern="1200" cap="all" spc="150" dirty="0" smtClean="0">
+                        <a:rPr lang="ru-RU" sz="1100" b="1" kern="1200" cap="all" spc="150" dirty="0">
                           <a:solidFill>
                             <a:srgbClr val="D10A11"/>
                           </a:solidFill>
@@ -12365,7 +12646,7 @@
                         <a:t> </a:t>
                       </a:r>
                       <a:r>
-                        <a:rPr lang="en-US" sz="1100" b="1" kern="1200" cap="all" spc="150" dirty="0" err="1" smtClean="0">
+                        <a:rPr lang="en-US" sz="1100" b="1" kern="1200" cap="all" spc="150" dirty="0" err="1">
                           <a:solidFill>
                             <a:srgbClr val="D10A11"/>
                           </a:solidFill>
@@ -12373,10 +12654,10 @@
                           <a:latin typeface="Arial" panose="020B0604020202020204" pitchFamily="34" charset="0"/>
                           <a:ea typeface="+mn-ea"/>
                           <a:cs typeface="Arial" panose="020B0604020202020204" pitchFamily="34" charset="0"/>
-                          <a:hlinkClick r:id="rId6">
+                          <a:hlinkClick r:id="rId7">
                             <a:extLst>
                               <a:ext uri="{A12FA001-AC4F-418D-AE19-62706E023703}">
-                                <ahyp:hlinkClr xmlns="" xmlns:ahyp="http://schemas.microsoft.com/office/drawing/2018/hyperlinkcolor" xmlns:lc="http://schemas.openxmlformats.org/drawingml/2006/lockedCanvas" val="tx"/>
+                                <ahyp:hlinkClr xmlns:ahyp="http://schemas.microsoft.com/office/drawing/2018/hyperlinkcolor" val="tx"/>
                               </a:ext>
                             </a:extLst>
                           </a:hlinkClick>
@@ -12384,7 +12665,7 @@
                         <a:t>mvn</a:t>
                       </a:r>
                       <a:r>
-                        <a:rPr lang="ru-RU" sz="1100" b="1" kern="1200" cap="all" spc="150" dirty="0" smtClean="0">
+                        <a:rPr lang="ru-RU" sz="1100" b="1" kern="1200" cap="all" spc="150" dirty="0">
                           <a:solidFill>
                             <a:srgbClr val="D10A11"/>
                           </a:solidFill>
@@ -12392,10 +12673,10 @@
                           <a:latin typeface="Arial" panose="020B0604020202020204" pitchFamily="34" charset="0"/>
                           <a:ea typeface="+mn-ea"/>
                           <a:cs typeface="Arial" panose="020B0604020202020204" pitchFamily="34" charset="0"/>
-                          <a:hlinkClick r:id="rId6">
+                          <a:hlinkClick r:id="rId7">
                             <a:extLst>
                               <a:ext uri="{A12FA001-AC4F-418D-AE19-62706E023703}">
-                                <ahyp:hlinkClr xmlns="" xmlns:ahyp="http://schemas.microsoft.com/office/drawing/2018/hyperlinkcolor" xmlns:lc="http://schemas.openxmlformats.org/drawingml/2006/lockedCanvas" val="tx"/>
+                                <ahyp:hlinkClr xmlns:ahyp="http://schemas.microsoft.com/office/drawing/2018/hyperlinkcolor" val="tx"/>
                               </a:ext>
                             </a:extLst>
                           </a:hlinkClick>
@@ -12403,7 +12684,7 @@
                         <a:t>2004@</a:t>
                       </a:r>
                       <a:r>
-                        <a:rPr lang="en-US" sz="1100" b="1" kern="1200" cap="all" spc="150" dirty="0" smtClean="0">
+                        <a:rPr lang="en-US" sz="1100" b="1" kern="1200" cap="all" spc="150" dirty="0">
                           <a:solidFill>
                             <a:srgbClr val="D10A11"/>
                           </a:solidFill>
@@ -12411,10 +12692,10 @@
                           <a:latin typeface="Arial" panose="020B0604020202020204" pitchFamily="34" charset="0"/>
                           <a:ea typeface="+mn-ea"/>
                           <a:cs typeface="Arial" panose="020B0604020202020204" pitchFamily="34" charset="0"/>
-                          <a:hlinkClick r:id="rId6">
+                          <a:hlinkClick r:id="rId7">
                             <a:extLst>
                               <a:ext uri="{A12FA001-AC4F-418D-AE19-62706E023703}">
-                                <ahyp:hlinkClr xmlns="" xmlns:ahyp="http://schemas.microsoft.com/office/drawing/2018/hyperlinkcolor" xmlns:lc="http://schemas.openxmlformats.org/drawingml/2006/lockedCanvas" val="tx"/>
+                                <ahyp:hlinkClr xmlns:ahyp="http://schemas.microsoft.com/office/drawing/2018/hyperlinkcolor" val="tx"/>
                               </a:ext>
                             </a:extLst>
                           </a:hlinkClick>
@@ -12422,7 +12703,7 @@
                         <a:t>mail</a:t>
                       </a:r>
                       <a:r>
-                        <a:rPr lang="ru-RU" sz="1100" b="1" kern="1200" cap="all" spc="150" dirty="0" smtClean="0">
+                        <a:rPr lang="ru-RU" sz="1100" b="1" kern="1200" cap="all" spc="150" dirty="0">
                           <a:solidFill>
                             <a:srgbClr val="D10A11"/>
                           </a:solidFill>
@@ -12430,10 +12711,10 @@
                           <a:latin typeface="Arial" panose="020B0604020202020204" pitchFamily="34" charset="0"/>
                           <a:ea typeface="+mn-ea"/>
                           <a:cs typeface="Arial" panose="020B0604020202020204" pitchFamily="34" charset="0"/>
-                          <a:hlinkClick r:id="rId6">
+                          <a:hlinkClick r:id="rId7">
                             <a:extLst>
                               <a:ext uri="{A12FA001-AC4F-418D-AE19-62706E023703}">
-                                <ahyp:hlinkClr xmlns="" xmlns:ahyp="http://schemas.microsoft.com/office/drawing/2018/hyperlinkcolor" xmlns:lc="http://schemas.openxmlformats.org/drawingml/2006/lockedCanvas" val="tx"/>
+                                <ahyp:hlinkClr xmlns:ahyp="http://schemas.microsoft.com/office/drawing/2018/hyperlinkcolor" val="tx"/>
                               </a:ext>
                             </a:extLst>
                           </a:hlinkClick>
@@ -12441,7 +12722,7 @@
                         <a:t>.</a:t>
                       </a:r>
                       <a:r>
-                        <a:rPr lang="en-US" sz="1100" b="1" kern="1200" cap="all" spc="150" dirty="0" err="1" smtClean="0">
+                        <a:rPr lang="en-US" sz="1100" b="1" kern="1200" cap="all" spc="150" dirty="0" err="1">
                           <a:solidFill>
                             <a:srgbClr val="D10A11"/>
                           </a:solidFill>
@@ -12449,10 +12730,10 @@
                           <a:latin typeface="Arial" panose="020B0604020202020204" pitchFamily="34" charset="0"/>
                           <a:ea typeface="+mn-ea"/>
                           <a:cs typeface="Arial" panose="020B0604020202020204" pitchFamily="34" charset="0"/>
-                          <a:hlinkClick r:id="rId6">
+                          <a:hlinkClick r:id="rId7">
                             <a:extLst>
                               <a:ext uri="{A12FA001-AC4F-418D-AE19-62706E023703}">
-                                <ahyp:hlinkClr xmlns="" xmlns:ahyp="http://schemas.microsoft.com/office/drawing/2018/hyperlinkcolor" xmlns:lc="http://schemas.openxmlformats.org/drawingml/2006/lockedCanvas" val="tx"/>
+                                <ahyp:hlinkClr xmlns:ahyp="http://schemas.microsoft.com/office/drawing/2018/hyperlinkcolor" val="tx"/>
                               </a:ext>
                             </a:extLst>
                           </a:hlinkClick>
@@ -12476,7 +12757,7 @@
                 </a:tc>
                 <a:extLst>
                   <a:ext uri="{0D108BD9-81ED-4DB2-BD59-A6C34878D82A}">
-                    <a16:rowId xmlns:a16="http://schemas.microsoft.com/office/drawing/2014/main" xmlns="" val="2829935568"/>
+                    <a16:rowId xmlns:a16="http://schemas.microsoft.com/office/drawing/2014/main" val="2829935568"/>
                   </a:ext>
                 </a:extLst>
               </a:tr>
@@ -12486,10 +12767,10 @@
       </p:graphicFrame>
       <p:pic>
         <p:nvPicPr>
-          <p:cNvPr id="10" name="Рисунок 1" descr="skype-logo-png-5a3a1a4934c5d5">
+          <p:cNvPr id="15" name="Рисунок 1" descr="skype-logo-png-5a3a1a4934c5d5">
             <a:extLst>
               <a:ext uri="{FF2B5EF4-FFF2-40B4-BE49-F238E27FC236}">
-                <a16:creationId xmlns:a16="http://schemas.microsoft.com/office/drawing/2014/main" xmlns="" id="{13B4432B-C07D-48CB-93E2-6235E9B49E60}"/>
+                <a16:creationId xmlns:a16="http://schemas.microsoft.com/office/drawing/2014/main" id="{35C53DB0-CE2E-4273-9404-6CA4127D33F0}"/>
               </a:ext>
             </a:extLst>
           </p:cNvPr>
@@ -12499,7 +12780,7 @@
           <p:nvPr/>
         </p:nvPicPr>
         <p:blipFill>
-          <a:blip r:embed="rId7">
+          <a:blip r:embed="rId8">
             <a:extLst>
               <a:ext uri="{28A0092B-C50C-407E-A947-70E740481C1C}">
                 <a14:useLocalDpi xmlns:a14="http://schemas.microsoft.com/office/drawing/2010/main" val="0"/>
@@ -12513,7 +12794,7 @@
         </p:blipFill>
         <p:spPr bwMode="auto">
           <a:xfrm>
-            <a:off x="6767950" y="6509219"/>
+            <a:off x="6785355" y="6509219"/>
             <a:ext cx="294735" cy="189158"/>
           </a:xfrm>
           <a:prstGeom prst="rect">
@@ -12531,42 +12812,6 @@
           </a:extLst>
         </p:spPr>
       </p:pic>
-      <p:pic>
-        <p:nvPicPr>
-          <p:cNvPr id="11" name="Рисунок 10">
-            <a:extLst>
-              <a:ext uri="{FF2B5EF4-FFF2-40B4-BE49-F238E27FC236}">
-                <a16:creationId xmlns:a16="http://schemas.microsoft.com/office/drawing/2014/main" xmlns="" id="{52BA9826-6F42-4429-9B39-6F3EF8467299}"/>
-              </a:ext>
-            </a:extLst>
-          </p:cNvPr>
-          <p:cNvPicPr>
-            <a:picLocks noChangeAspect="1"/>
-          </p:cNvPicPr>
-          <p:nvPr/>
-        </p:nvPicPr>
-        <p:blipFill>
-          <a:blip r:embed="rId8">
-            <a:extLst>
-              <a:ext uri="{28A0092B-C50C-407E-A947-70E740481C1C}">
-                <a14:useLocalDpi xmlns:a14="http://schemas.microsoft.com/office/drawing/2010/main" val="0"/>
-              </a:ext>
-            </a:extLst>
-          </a:blip>
-          <a:stretch>
-            <a:fillRect/>
-          </a:stretch>
-        </p:blipFill>
-        <p:spPr>
-          <a:xfrm>
-            <a:off x="653332" y="6329238"/>
-            <a:ext cx="544664" cy="544664"/>
-          </a:xfrm>
-          <a:prstGeom prst="rect">
-            <a:avLst/>
-          </a:prstGeom>
-        </p:spPr>
-      </p:pic>
     </p:spTree>
     <p:extLst>
       <p:ext uri="{BB962C8B-B14F-4D97-AF65-F5344CB8AC3E}">
@@ -12577,6 +12822,135 @@
   <p:clrMapOvr>
     <a:masterClrMapping/>
   </p:clrMapOvr>
+  <p:timing>
+    <p:tnLst>
+      <p:par>
+        <p:cTn id="1" dur="indefinite" restart="never" nodeType="tmRoot">
+          <p:childTnLst>
+            <p:seq concurrent="1" nextAc="seek">
+              <p:cTn id="2" dur="indefinite" nodeType="mainSeq">
+                <p:childTnLst>
+                  <p:par>
+                    <p:cTn id="3" fill="hold">
+                      <p:stCondLst>
+                        <p:cond delay="indefinite"/>
+                      </p:stCondLst>
+                      <p:childTnLst>
+                        <p:par>
+                          <p:cTn id="4" fill="hold">
+                            <p:stCondLst>
+                              <p:cond delay="0"/>
+                            </p:stCondLst>
+                            <p:childTnLst>
+                              <p:par>
+                                <p:cTn id="5" presetID="45" presetClass="entr" presetSubtype="0" fill="hold" nodeType="clickEffect">
+                                  <p:stCondLst>
+                                    <p:cond delay="0"/>
+                                  </p:stCondLst>
+                                  <p:childTnLst>
+                                    <p:set>
+                                      <p:cBhvr>
+                                        <p:cTn id="6" dur="1" fill="hold">
+                                          <p:stCondLst>
+                                            <p:cond delay="0"/>
+                                          </p:stCondLst>
+                                        </p:cTn>
+                                        <p:tgtEl>
+                                          <p:spTgt spid="12"/>
+                                        </p:tgtEl>
+                                        <p:attrNameLst>
+                                          <p:attrName>style.visibility</p:attrName>
+                                        </p:attrNameLst>
+                                      </p:cBhvr>
+                                      <p:to>
+                                        <p:strVal val="visible"/>
+                                      </p:to>
+                                    </p:set>
+                                    <p:animEffect transition="in" filter="fade">
+                                      <p:cBhvr>
+                                        <p:cTn id="7" dur="2000"/>
+                                        <p:tgtEl>
+                                          <p:spTgt spid="12"/>
+                                        </p:tgtEl>
+                                      </p:cBhvr>
+                                    </p:animEffect>
+                                    <p:anim calcmode="lin" valueType="num">
+                                      <p:cBhvr>
+                                        <p:cTn id="8" dur="2000" fill="hold"/>
+                                        <p:tgtEl>
+                                          <p:spTgt spid="12"/>
+                                        </p:tgtEl>
+                                        <p:attrNameLst>
+                                          <p:attrName>ppt_w</p:attrName>
+                                        </p:attrNameLst>
+                                      </p:cBhvr>
+                                      <p:tavLst>
+                                        <p:tav tm="0" fmla="#ppt_w*sin(2.5*pi*$)">
+                                          <p:val>
+                                            <p:fltVal val="0"/>
+                                          </p:val>
+                                        </p:tav>
+                                        <p:tav tm="100000">
+                                          <p:val>
+                                            <p:fltVal val="1"/>
+                                          </p:val>
+                                        </p:tav>
+                                      </p:tavLst>
+                                    </p:anim>
+                                    <p:anim calcmode="lin" valueType="num">
+                                      <p:cBhvr>
+                                        <p:cTn id="9" dur="2000" fill="hold"/>
+                                        <p:tgtEl>
+                                          <p:spTgt spid="12"/>
+                                        </p:tgtEl>
+                                        <p:attrNameLst>
+                                          <p:attrName>ppt_h</p:attrName>
+                                        </p:attrNameLst>
+                                      </p:cBhvr>
+                                      <p:tavLst>
+                                        <p:tav tm="0">
+                                          <p:val>
+                                            <p:strVal val="#ppt_h"/>
+                                          </p:val>
+                                        </p:tav>
+                                        <p:tav tm="100000">
+                                          <p:val>
+                                            <p:strVal val="#ppt_h"/>
+                                          </p:val>
+                                        </p:tav>
+                                      </p:tavLst>
+                                    </p:anim>
+                                  </p:childTnLst>
+                                </p:cTn>
+                              </p:par>
+                            </p:childTnLst>
+                          </p:cTn>
+                        </p:par>
+                      </p:childTnLst>
+                    </p:cTn>
+                  </p:par>
+                </p:childTnLst>
+              </p:cTn>
+              <p:prevCondLst>
+                <p:cond evt="onPrev" delay="0">
+                  <p:tgtEl>
+                    <p:sldTgt/>
+                  </p:tgtEl>
+                </p:cond>
+              </p:prevCondLst>
+              <p:nextCondLst>
+                <p:cond evt="onNext" delay="0">
+                  <p:tgtEl>
+                    <p:sldTgt/>
+                  </p:tgtEl>
+                </p:cond>
+              </p:nextCondLst>
+            </p:seq>
+          </p:childTnLst>
+        </p:cTn>
+      </p:par>
+    </p:tnLst>
+  </p:timing>
 </p:sld>
 </file>
 
@@ -12602,7 +12976,7 @@
           <p:cNvPr id="2" name="Заголовок 1">
             <a:extLst>
               <a:ext uri="{FF2B5EF4-FFF2-40B4-BE49-F238E27FC236}">
-                <a16:creationId xmlns:a16="http://schemas.microsoft.com/office/drawing/2014/main" xmlns="" id="{BBAA2617-F259-403C-B04B-6F4BCA3C46E3}"/>
+                <a16:creationId xmlns:a16="http://schemas.microsoft.com/office/drawing/2014/main" id="{BBAA2617-F259-403C-B04B-6F4BCA3C46E3}"/>
               </a:ext>
             </a:extLst>
           </p:cNvPr>
@@ -12644,7 +13018,7 @@
           <p:cNvPr id="6" name="Объект 5">
             <a:extLst>
               <a:ext uri="{FF2B5EF4-FFF2-40B4-BE49-F238E27FC236}">
-                <a16:creationId xmlns:a16="http://schemas.microsoft.com/office/drawing/2014/main" xmlns="" id="{2FDFD128-AAF8-46CE-9000-2247FD7D21D1}"/>
+                <a16:creationId xmlns:a16="http://schemas.microsoft.com/office/drawing/2014/main" id="{2FDFD128-AAF8-46CE-9000-2247FD7D21D1}"/>
               </a:ext>
             </a:extLst>
           </p:cNvPr>
@@ -12679,7 +13053,7 @@
           <p:cNvPr id="4" name="Рисунок 3">
             <a:extLst>
               <a:ext uri="{FF2B5EF4-FFF2-40B4-BE49-F238E27FC236}">
-                <a16:creationId xmlns:a16="http://schemas.microsoft.com/office/drawing/2014/main" xmlns="" id="{D4C79207-11AD-4210-A6CF-429FABA2A0C4}"/>
+                <a16:creationId xmlns:a16="http://schemas.microsoft.com/office/drawing/2014/main" id="{D4C79207-11AD-4210-A6CF-429FABA2A0C4}"/>
               </a:ext>
             </a:extLst>
           </p:cNvPr>
@@ -12710,12 +13084,48 @@
           </a:prstGeom>
         </p:spPr>
       </p:pic>
+      <p:pic>
+        <p:nvPicPr>
+          <p:cNvPr id="12" name="Рисунок 11">
+            <a:extLst>
+              <a:ext uri="{FF2B5EF4-FFF2-40B4-BE49-F238E27FC236}">
+                <a16:creationId xmlns:a16="http://schemas.microsoft.com/office/drawing/2014/main" id="{D4154D60-F621-446D-86A1-D030E1CFB87D}"/>
+              </a:ext>
+            </a:extLst>
+          </p:cNvPr>
+          <p:cNvPicPr>
+            <a:picLocks noChangeAspect="1"/>
+          </p:cNvPicPr>
+          <p:nvPr/>
+        </p:nvPicPr>
+        <p:blipFill>
+          <a:blip r:embed="rId4">
+            <a:extLst>
+              <a:ext uri="{28A0092B-C50C-407E-A947-70E740481C1C}">
+                <a14:useLocalDpi xmlns:a14="http://schemas.microsoft.com/office/drawing/2010/main" val="0"/>
+              </a:ext>
+            </a:extLst>
+          </a:blip>
+          <a:stretch>
+            <a:fillRect/>
+          </a:stretch>
+        </p:blipFill>
+        <p:spPr>
+          <a:xfrm>
+            <a:off x="11303935" y="278699"/>
+            <a:ext cx="544664" cy="544664"/>
+          </a:xfrm>
+          <a:prstGeom prst="rect">
+            <a:avLst/>
+          </a:prstGeom>
+        </p:spPr>
+      </p:pic>
       <p:graphicFrame>
         <p:nvGraphicFramePr>
-          <p:cNvPr id="9" name="Таблица 8">
+          <p:cNvPr id="14" name="Таблица 13">
             <a:extLst>
               <a:ext uri="{FF2B5EF4-FFF2-40B4-BE49-F238E27FC236}">
-                <a16:creationId xmlns:a16="http://schemas.microsoft.com/office/drawing/2014/main" xmlns="" id="{12C212E2-2D8B-4597-823F-1CE150CA1692}"/>
+                <a16:creationId xmlns:a16="http://schemas.microsoft.com/office/drawing/2014/main" id="{6BFFCDC9-0707-45DB-9CCF-DE6AC683908B}"/>
               </a:ext>
             </a:extLst>
           </p:cNvPr>
@@ -12725,14 +13135,14 @@
           <p:nvPr>
             <p:extLst>
               <p:ext uri="{D42A27DB-BD31-4B8C-83A1-F6EECF244321}">
-                <p14:modId xmlns:p14="http://schemas.microsoft.com/office/powerpoint/2010/main" val="1898039266"/>
+                <p14:modId xmlns:p14="http://schemas.microsoft.com/office/powerpoint/2010/main" val="688727512"/>
               </p:ext>
             </p:extLst>
           </p:nvPr>
         </p:nvGraphicFramePr>
         <p:xfrm>
-          <a:off x="653332" y="6329045"/>
-          <a:ext cx="10430786" cy="527495"/>
+          <a:off x="0" y="6329045"/>
+          <a:ext cx="12192000" cy="528955"/>
         </p:xfrm>
         <a:graphic>
           <a:graphicData uri="http://schemas.openxmlformats.org/drawingml/2006/table">
@@ -12741,10 +13151,10 @@
                 <a:tableStyleId>{5C22544A-7EE6-4342-B048-85BDC9FD1C3A}</a:tableStyleId>
               </a:tblPr>
               <a:tblGrid>
-                <a:gridCol w="10430786">
+                <a:gridCol w="12192000">
                   <a:extLst>
                     <a:ext uri="{9D8B030D-6E8A-4147-A177-3AD203B41FA5}">
-                      <a16:colId xmlns:a16="http://schemas.microsoft.com/office/drawing/2014/main" xmlns="" val="3945925805"/>
+                      <a16:colId xmlns:a16="http://schemas.microsoft.com/office/drawing/2014/main" val="3945925805"/>
                     </a:ext>
                   </a:extLst>
                 </a:gridCol>
@@ -12755,7 +13165,7 @@
                     <a:bodyPr/>
                     <a:lstStyle/>
                     <a:p>
-                      <a:pPr lvl="1" algn="ctr">
+                      <a:pPr lvl="0" algn="ctr">
                         <a:lnSpc>
                           <a:spcPct val="250000"/>
                         </a:lnSpc>
@@ -12764,7 +13174,7 @@
                         </a:spcAft>
                       </a:pPr>
                       <a:r>
-                        <a:rPr lang="ru-RU" sz="1100" b="1" cap="all" spc="150" dirty="0" smtClean="0">
+                        <a:rPr lang="ru-RU" sz="1100" b="1" cap="all" spc="150" dirty="0">
                           <a:solidFill>
                             <a:srgbClr val="D10A11"/>
                           </a:solidFill>
@@ -12775,17 +13185,17 @@
                         <a:t>🌍 г. Харьков, ул. Пермская, 15/56  ☎</a:t>
                       </a:r>
                       <a:r>
-                        <a:rPr lang="ru-RU" sz="1100" b="1" u="sng" cap="all" spc="150" dirty="0" smtClean="0">
+                        <a:rPr lang="ru-RU" sz="1100" b="1" u="sng" cap="all" spc="150" dirty="0">
                           <a:solidFill>
                             <a:srgbClr val="D10A11"/>
                           </a:solidFill>
                           <a:effectLst/>
                           <a:latin typeface="Arial" panose="020B0604020202020204" pitchFamily="34" charset="0"/>
                           <a:cs typeface="Arial" panose="020B0604020202020204" pitchFamily="34" charset="0"/>
-                          <a:hlinkClick r:id="rId4">
+                          <a:hlinkClick r:id="rId5">
                             <a:extLst>
                               <a:ext uri="{A12FA001-AC4F-418D-AE19-62706E023703}">
-                                <ahyp:hlinkClr xmlns="" xmlns:ahyp="http://schemas.microsoft.com/office/drawing/2018/hyperlinkcolor" xmlns:lc="http://schemas.openxmlformats.org/drawingml/2006/lockedCanvas" val="tx"/>
+                                <ahyp:hlinkClr xmlns:ahyp="http://schemas.microsoft.com/office/drawing/2018/hyperlinkcolor" val="tx"/>
                               </a:ext>
                             </a:extLst>
                           </a:hlinkClick>
@@ -12793,7 +13203,7 @@
                         <a:t>+</a:t>
                       </a:r>
                       <a:r>
-                        <a:rPr lang="ru-RU" sz="1100" b="1" kern="1200" cap="all" spc="150" dirty="0" smtClean="0">
+                        <a:rPr lang="ru-RU" sz="1100" b="1" kern="1200" cap="all" spc="150" dirty="0">
                           <a:solidFill>
                             <a:srgbClr val="D10A11"/>
                           </a:solidFill>
@@ -12801,10 +13211,10 @@
                           <a:latin typeface="Arial" panose="020B0604020202020204" pitchFamily="34" charset="0"/>
                           <a:ea typeface="+mn-ea"/>
                           <a:cs typeface="Arial" panose="020B0604020202020204" pitchFamily="34" charset="0"/>
-                          <a:hlinkClick r:id="rId4">
+                          <a:hlinkClick r:id="rId5">
                             <a:extLst>
                               <a:ext uri="{A12FA001-AC4F-418D-AE19-62706E023703}">
-                                <ahyp:hlinkClr xmlns="" xmlns:ahyp="http://schemas.microsoft.com/office/drawing/2018/hyperlinkcolor" xmlns:lc="http://schemas.openxmlformats.org/drawingml/2006/lockedCanvas" val="tx"/>
+                                <ahyp:hlinkClr xmlns:ahyp="http://schemas.microsoft.com/office/drawing/2018/hyperlinkcolor" val="tx"/>
                               </a:ext>
                             </a:extLst>
                           </a:hlinkClick>
@@ -12812,7 +13222,7 @@
                         <a:t>38(093)5820327</a:t>
                       </a:r>
                       <a:r>
-                        <a:rPr lang="ru-RU" sz="1100" b="1" kern="1200" cap="all" spc="150" dirty="0" smtClean="0">
+                        <a:rPr lang="ru-RU" sz="1100" b="1" kern="1200" cap="all" spc="150" dirty="0">
                           <a:solidFill>
                             <a:srgbClr val="D10A11"/>
                           </a:solidFill>
@@ -12824,7 +13234,7 @@
                         <a:t>        </a:t>
                       </a:r>
                       <a:r>
-                        <a:rPr lang="en-US" sz="1100" b="1" kern="1200" cap="all" spc="150" dirty="0" err="1" smtClean="0">
+                        <a:rPr lang="en-US" sz="1100" b="1" kern="1200" cap="all" spc="150" dirty="0" err="1">
                           <a:solidFill>
                             <a:srgbClr val="D10A11"/>
                           </a:solidFill>
@@ -12832,10 +13242,10 @@
                           <a:latin typeface="Arial" panose="020B0604020202020204" pitchFamily="34" charset="0"/>
                           <a:ea typeface="+mn-ea"/>
                           <a:cs typeface="Arial" panose="020B0604020202020204" pitchFamily="34" charset="0"/>
-                          <a:hlinkClick r:id="rId5">
+                          <a:hlinkClick r:id="rId6">
                             <a:extLst>
                               <a:ext uri="{A12FA001-AC4F-418D-AE19-62706E023703}">
-                                <ahyp:hlinkClr xmlns="" xmlns:ahyp="http://schemas.microsoft.com/office/drawing/2018/hyperlinkcolor" xmlns:lc="http://schemas.openxmlformats.org/drawingml/2006/lockedCanvas" val="tx"/>
+                                <ahyp:hlinkClr xmlns:ahyp="http://schemas.microsoft.com/office/drawing/2018/hyperlinkcolor" val="tx"/>
                               </a:ext>
                             </a:extLst>
                           </a:hlinkClick>
@@ -12843,7 +13253,7 @@
                         <a:t>valery</a:t>
                       </a:r>
                       <a:r>
-                        <a:rPr lang="ru-RU" sz="1100" b="1" kern="1200" cap="all" spc="150" dirty="0" smtClean="0">
+                        <a:rPr lang="ru-RU" sz="1100" b="1" kern="1200" cap="all" spc="150" dirty="0">
                           <a:solidFill>
                             <a:srgbClr val="D10A11"/>
                           </a:solidFill>
@@ -12851,10 +13261,10 @@
                           <a:latin typeface="Arial" panose="020B0604020202020204" pitchFamily="34" charset="0"/>
                           <a:ea typeface="+mn-ea"/>
                           <a:cs typeface="Arial" panose="020B0604020202020204" pitchFamily="34" charset="0"/>
-                          <a:hlinkClick r:id="rId5">
+                          <a:hlinkClick r:id="rId6">
                             <a:extLst>
                               <a:ext uri="{A12FA001-AC4F-418D-AE19-62706E023703}">
-                                <ahyp:hlinkClr xmlns="" xmlns:ahyp="http://schemas.microsoft.com/office/drawing/2018/hyperlinkcolor" xmlns:lc="http://schemas.openxmlformats.org/drawingml/2006/lockedCanvas" val="tx"/>
+                                <ahyp:hlinkClr xmlns:ahyp="http://schemas.microsoft.com/office/drawing/2018/hyperlinkcolor" val="tx"/>
                               </a:ext>
                             </a:extLst>
                           </a:hlinkClick>
@@ -12862,7 +13272,7 @@
                         <a:t>_</a:t>
                       </a:r>
                       <a:r>
-                        <a:rPr lang="en-US" sz="1100" b="1" kern="1200" cap="all" spc="150" dirty="0" err="1" smtClean="0">
+                        <a:rPr lang="en-US" sz="1100" b="1" kern="1200" cap="all" spc="150" dirty="0" err="1">
                           <a:solidFill>
                             <a:srgbClr val="D10A11"/>
                           </a:solidFill>
@@ -12870,10 +13280,10 @@
                           <a:latin typeface="Arial" panose="020B0604020202020204" pitchFamily="34" charset="0"/>
                           <a:ea typeface="+mn-ea"/>
                           <a:cs typeface="Arial" panose="020B0604020202020204" pitchFamily="34" charset="0"/>
-                          <a:hlinkClick r:id="rId5">
+                          <a:hlinkClick r:id="rId6">
                             <a:extLst>
                               <a:ext uri="{A12FA001-AC4F-418D-AE19-62706E023703}">
-                                <ahyp:hlinkClr xmlns="" xmlns:ahyp="http://schemas.microsoft.com/office/drawing/2018/hyperlinkcolor" xmlns:lc="http://schemas.openxmlformats.org/drawingml/2006/lockedCanvas" val="tx"/>
+                                <ahyp:hlinkClr xmlns:ahyp="http://schemas.microsoft.com/office/drawing/2018/hyperlinkcolor" val="tx"/>
                               </a:ext>
                             </a:extLst>
                           </a:hlinkClick>
@@ -12881,7 +13291,7 @@
                         <a:t>mobil</a:t>
                       </a:r>
                       <a:r>
-                        <a:rPr lang="en-US" sz="1100" b="1" kern="1200" cap="all" spc="150" dirty="0" smtClean="0">
+                        <a:rPr lang="en-US" sz="1100" b="1" kern="1200" cap="all" spc="150" dirty="0">
                           <a:solidFill>
                             <a:srgbClr val="D10A11"/>
                           </a:solidFill>
@@ -12893,7 +13303,7 @@
                         <a:t> </a:t>
                       </a:r>
                       <a:r>
-                        <a:rPr lang="ru-RU" sz="1100" b="1" kern="1200" cap="all" spc="150" dirty="0" smtClean="0">
+                        <a:rPr lang="ru-RU" sz="1100" b="1" kern="1200" cap="all" spc="150" dirty="0">
                           <a:solidFill>
                             <a:srgbClr val="D10A11"/>
                           </a:solidFill>
@@ -12905,7 +13315,7 @@
                         <a:t>  </a:t>
                       </a:r>
                       <a:r>
-                        <a:rPr lang="en-US" sz="1100" b="1" kern="1200" cap="all" spc="150" dirty="0" smtClean="0">
+                        <a:rPr lang="en-US" sz="1100" b="1" kern="1200" cap="all" spc="150" dirty="0">
                           <a:solidFill>
                             <a:srgbClr val="D10A11"/>
                           </a:solidFill>
@@ -12917,7 +13327,7 @@
                         <a:t>📧</a:t>
                       </a:r>
                       <a:r>
-                        <a:rPr lang="ru-RU" sz="1100" b="1" kern="1200" cap="all" spc="150" dirty="0" smtClean="0">
+                        <a:rPr lang="ru-RU" sz="1100" b="1" kern="1200" cap="all" spc="150" dirty="0">
                           <a:solidFill>
                             <a:srgbClr val="D10A11"/>
                           </a:solidFill>
@@ -12929,7 +13339,7 @@
                         <a:t> </a:t>
                       </a:r>
                       <a:r>
-                        <a:rPr lang="en-US" sz="1100" b="1" kern="1200" cap="all" spc="150" dirty="0" err="1" smtClean="0">
+                        <a:rPr lang="en-US" sz="1100" b="1" kern="1200" cap="all" spc="150" dirty="0" err="1">
                           <a:solidFill>
                             <a:srgbClr val="D10A11"/>
                           </a:solidFill>
@@ -12937,10 +13347,10 @@
                           <a:latin typeface="Arial" panose="020B0604020202020204" pitchFamily="34" charset="0"/>
                           <a:ea typeface="+mn-ea"/>
                           <a:cs typeface="Arial" panose="020B0604020202020204" pitchFamily="34" charset="0"/>
-                          <a:hlinkClick r:id="rId6">
+                          <a:hlinkClick r:id="rId7">
                             <a:extLst>
                               <a:ext uri="{A12FA001-AC4F-418D-AE19-62706E023703}">
-                                <ahyp:hlinkClr xmlns="" xmlns:ahyp="http://schemas.microsoft.com/office/drawing/2018/hyperlinkcolor" xmlns:lc="http://schemas.openxmlformats.org/drawingml/2006/lockedCanvas" val="tx"/>
+                                <ahyp:hlinkClr xmlns:ahyp="http://schemas.microsoft.com/office/drawing/2018/hyperlinkcolor" val="tx"/>
                               </a:ext>
                             </a:extLst>
                           </a:hlinkClick>
@@ -12948,7 +13358,7 @@
                         <a:t>mvn</a:t>
                       </a:r>
                       <a:r>
-                        <a:rPr lang="ru-RU" sz="1100" b="1" kern="1200" cap="all" spc="150" dirty="0" smtClean="0">
+                        <a:rPr lang="ru-RU" sz="1100" b="1" kern="1200" cap="all" spc="150" dirty="0">
                           <a:solidFill>
                             <a:srgbClr val="D10A11"/>
                           </a:solidFill>
@@ -12956,10 +13366,10 @@
                           <a:latin typeface="Arial" panose="020B0604020202020204" pitchFamily="34" charset="0"/>
                           <a:ea typeface="+mn-ea"/>
                           <a:cs typeface="Arial" panose="020B0604020202020204" pitchFamily="34" charset="0"/>
-                          <a:hlinkClick r:id="rId6">
+                          <a:hlinkClick r:id="rId7">
                             <a:extLst>
                               <a:ext uri="{A12FA001-AC4F-418D-AE19-62706E023703}">
-                                <ahyp:hlinkClr xmlns="" xmlns:ahyp="http://schemas.microsoft.com/office/drawing/2018/hyperlinkcolor" xmlns:lc="http://schemas.openxmlformats.org/drawingml/2006/lockedCanvas" val="tx"/>
+                                <ahyp:hlinkClr xmlns:ahyp="http://schemas.microsoft.com/office/drawing/2018/hyperlinkcolor" val="tx"/>
                               </a:ext>
                             </a:extLst>
                           </a:hlinkClick>
@@ -12967,7 +13377,7 @@
                         <a:t>2004@</a:t>
                       </a:r>
                       <a:r>
-                        <a:rPr lang="en-US" sz="1100" b="1" kern="1200" cap="all" spc="150" dirty="0" smtClean="0">
+                        <a:rPr lang="en-US" sz="1100" b="1" kern="1200" cap="all" spc="150" dirty="0">
                           <a:solidFill>
                             <a:srgbClr val="D10A11"/>
                           </a:solidFill>
@@ -12975,10 +13385,10 @@
                           <a:latin typeface="Arial" panose="020B0604020202020204" pitchFamily="34" charset="0"/>
                           <a:ea typeface="+mn-ea"/>
                           <a:cs typeface="Arial" panose="020B0604020202020204" pitchFamily="34" charset="0"/>
-                          <a:hlinkClick r:id="rId6">
+                          <a:hlinkClick r:id="rId7">
                             <a:extLst>
                               <a:ext uri="{A12FA001-AC4F-418D-AE19-62706E023703}">
-                                <ahyp:hlinkClr xmlns="" xmlns:ahyp="http://schemas.microsoft.com/office/drawing/2018/hyperlinkcolor" xmlns:lc="http://schemas.openxmlformats.org/drawingml/2006/lockedCanvas" val="tx"/>
+                                <ahyp:hlinkClr xmlns:ahyp="http://schemas.microsoft.com/office/drawing/2018/hyperlinkcolor" val="tx"/>
                               </a:ext>
                             </a:extLst>
                           </a:hlinkClick>
@@ -12986,7 +13396,7 @@
                         <a:t>mail</a:t>
                       </a:r>
                       <a:r>
-                        <a:rPr lang="ru-RU" sz="1100" b="1" kern="1200" cap="all" spc="150" dirty="0" smtClean="0">
+                        <a:rPr lang="ru-RU" sz="1100" b="1" kern="1200" cap="all" spc="150" dirty="0">
                           <a:solidFill>
                             <a:srgbClr val="D10A11"/>
                           </a:solidFill>
@@ -12994,10 +13404,10 @@
                           <a:latin typeface="Arial" panose="020B0604020202020204" pitchFamily="34" charset="0"/>
                           <a:ea typeface="+mn-ea"/>
                           <a:cs typeface="Arial" panose="020B0604020202020204" pitchFamily="34" charset="0"/>
-                          <a:hlinkClick r:id="rId6">
+                          <a:hlinkClick r:id="rId7">
                             <a:extLst>
                               <a:ext uri="{A12FA001-AC4F-418D-AE19-62706E023703}">
-                                <ahyp:hlinkClr xmlns="" xmlns:ahyp="http://schemas.microsoft.com/office/drawing/2018/hyperlinkcolor" xmlns:lc="http://schemas.openxmlformats.org/drawingml/2006/lockedCanvas" val="tx"/>
+                                <ahyp:hlinkClr xmlns:ahyp="http://schemas.microsoft.com/office/drawing/2018/hyperlinkcolor" val="tx"/>
                               </a:ext>
                             </a:extLst>
                           </a:hlinkClick>
@@ -13005,7 +13415,7 @@
                         <a:t>.</a:t>
                       </a:r>
                       <a:r>
-                        <a:rPr lang="en-US" sz="1100" b="1" kern="1200" cap="all" spc="150" dirty="0" err="1" smtClean="0">
+                        <a:rPr lang="en-US" sz="1100" b="1" kern="1200" cap="all" spc="150" dirty="0" err="1">
                           <a:solidFill>
                             <a:srgbClr val="D10A11"/>
                           </a:solidFill>
@@ -13013,10 +13423,10 @@
                           <a:latin typeface="Arial" panose="020B0604020202020204" pitchFamily="34" charset="0"/>
                           <a:ea typeface="+mn-ea"/>
                           <a:cs typeface="Arial" panose="020B0604020202020204" pitchFamily="34" charset="0"/>
-                          <a:hlinkClick r:id="rId6">
+                          <a:hlinkClick r:id="rId7">
                             <a:extLst>
                               <a:ext uri="{A12FA001-AC4F-418D-AE19-62706E023703}">
-                                <ahyp:hlinkClr xmlns="" xmlns:ahyp="http://schemas.microsoft.com/office/drawing/2018/hyperlinkcolor" xmlns:lc="http://schemas.openxmlformats.org/drawingml/2006/lockedCanvas" val="tx"/>
+                                <ahyp:hlinkClr xmlns:ahyp="http://schemas.microsoft.com/office/drawing/2018/hyperlinkcolor" val="tx"/>
                               </a:ext>
                             </a:extLst>
                           </a:hlinkClick>
@@ -13040,7 +13450,7 @@
                 </a:tc>
                 <a:extLst>
                   <a:ext uri="{0D108BD9-81ED-4DB2-BD59-A6C34878D82A}">
-                    <a16:rowId xmlns:a16="http://schemas.microsoft.com/office/drawing/2014/main" xmlns="" val="2829935568"/>
+                    <a16:rowId xmlns:a16="http://schemas.microsoft.com/office/drawing/2014/main" val="2829935568"/>
                   </a:ext>
                 </a:extLst>
               </a:tr>
@@ -13050,10 +13460,10 @@
       </p:graphicFrame>
       <p:pic>
         <p:nvPicPr>
-          <p:cNvPr id="10" name="Рисунок 1" descr="skype-logo-png-5a3a1a4934c5d5">
+          <p:cNvPr id="15" name="Рисунок 1" descr="skype-logo-png-5a3a1a4934c5d5">
             <a:extLst>
               <a:ext uri="{FF2B5EF4-FFF2-40B4-BE49-F238E27FC236}">
-                <a16:creationId xmlns:a16="http://schemas.microsoft.com/office/drawing/2014/main" xmlns="" id="{60E7345C-3301-49A7-9380-A534C518A3C6}"/>
+                <a16:creationId xmlns:a16="http://schemas.microsoft.com/office/drawing/2014/main" id="{F1E7E217-CA9F-45B0-B935-0AE3E7EC4F29}"/>
               </a:ext>
             </a:extLst>
           </p:cNvPr>
@@ -13063,7 +13473,7 @@
           <p:nvPr/>
         </p:nvPicPr>
         <p:blipFill>
-          <a:blip r:embed="rId7">
+          <a:blip r:embed="rId8">
             <a:extLst>
               <a:ext uri="{28A0092B-C50C-407E-A947-70E740481C1C}">
                 <a14:useLocalDpi xmlns:a14="http://schemas.microsoft.com/office/drawing/2010/main" val="0"/>
@@ -13077,7 +13487,7 @@
         </p:blipFill>
         <p:spPr bwMode="auto">
           <a:xfrm>
-            <a:off x="6767950" y="6509219"/>
+            <a:off x="6785355" y="6509219"/>
             <a:ext cx="294735" cy="189158"/>
           </a:xfrm>
           <a:prstGeom prst="rect">
@@ -13095,42 +13505,6 @@
           </a:extLst>
         </p:spPr>
       </p:pic>
-      <p:pic>
-        <p:nvPicPr>
-          <p:cNvPr id="11" name="Рисунок 10">
-            <a:extLst>
-              <a:ext uri="{FF2B5EF4-FFF2-40B4-BE49-F238E27FC236}">
-                <a16:creationId xmlns:a16="http://schemas.microsoft.com/office/drawing/2014/main" xmlns="" id="{940BA828-920D-4806-A595-8A48D7D9788F}"/>
-              </a:ext>
-            </a:extLst>
-          </p:cNvPr>
-          <p:cNvPicPr>
-            <a:picLocks noChangeAspect="1"/>
-          </p:cNvPicPr>
-          <p:nvPr/>
-        </p:nvPicPr>
-        <p:blipFill>
-          <a:blip r:embed="rId8">
-            <a:extLst>
-              <a:ext uri="{28A0092B-C50C-407E-A947-70E740481C1C}">
-                <a14:useLocalDpi xmlns:a14="http://schemas.microsoft.com/office/drawing/2010/main" val="0"/>
-              </a:ext>
-            </a:extLst>
-          </a:blip>
-          <a:stretch>
-            <a:fillRect/>
-          </a:stretch>
-        </p:blipFill>
-        <p:spPr>
-          <a:xfrm>
-            <a:off x="653332" y="6329238"/>
-            <a:ext cx="544664" cy="544664"/>
-          </a:xfrm>
-          <a:prstGeom prst="rect">
-            <a:avLst/>
-          </a:prstGeom>
-        </p:spPr>
-      </p:pic>
     </p:spTree>
     <p:extLst>
       <p:ext uri="{BB962C8B-B14F-4D97-AF65-F5344CB8AC3E}">
@@ -13141,6 +13515,135 @@
   <p:clrMapOvr>
     <a:masterClrMapping/>
   </p:clrMapOvr>
+  <p:timing>
+    <p:tnLst>
+      <p:par>
+        <p:cTn id="1" dur="indefinite" restart="never" nodeType="tmRoot">
+          <p:childTnLst>
+            <p:seq concurrent="1" nextAc="seek">
+              <p:cTn id="2" dur="indefinite" nodeType="mainSeq">
+                <p:childTnLst>
+                  <p:par>
+                    <p:cTn id="3" fill="hold">
+                      <p:stCondLst>
+                        <p:cond delay="indefinite"/>
+                      </p:stCondLst>
+                      <p:childTnLst>
+                        <p:par>
+                          <p:cTn id="4" fill="hold">
+                            <p:stCondLst>
+                              <p:cond delay="0"/>
+                            </p:stCondLst>
+                            <p:childTnLst>
+                              <p:par>
+                                <p:cTn id="5" presetID="45" presetClass="entr" presetSubtype="0" fill="hold" nodeType="clickEffect">
+                                  <p:stCondLst>
+                                    <p:cond delay="0"/>
+                                  </p:stCondLst>
+                                  <p:childTnLst>
+                                    <p:set>
+                                      <p:cBhvr>
+                                        <p:cTn id="6" dur="1" fill="hold">
+                                          <p:stCondLst>
+                                            <p:cond delay="0"/>
+                                          </p:stCondLst>
+                                        </p:cTn>
+                                        <p:tgtEl>
+                                          <p:spTgt spid="12"/>
+                                        </p:tgtEl>
+                                        <p:attrNameLst>
+                                          <p:attrName>style.visibility</p:attrName>
+                                        </p:attrNameLst>
+                                      </p:cBhvr>
+                                      <p:to>
+                                        <p:strVal val="visible"/>
+                                      </p:to>
+                                    </p:set>
+                                    <p:animEffect transition="in" filter="fade">
+                                      <p:cBhvr>
+                                        <p:cTn id="7" dur="2000"/>
+                                        <p:tgtEl>
+                                          <p:spTgt spid="12"/>
+                                        </p:tgtEl>
+                                      </p:cBhvr>
+                                    </p:animEffect>
+                                    <p:anim calcmode="lin" valueType="num">
+                                      <p:cBhvr>
+                                        <p:cTn id="8" dur="2000" fill="hold"/>
+                                        <p:tgtEl>
+                                          <p:spTgt spid="12"/>
+                                        </p:tgtEl>
+                                        <p:attrNameLst>
+                                          <p:attrName>ppt_w</p:attrName>
+                                        </p:attrNameLst>
+                                      </p:cBhvr>
+                                      <p:tavLst>
+                                        <p:tav tm="0" fmla="#ppt_w*sin(2.5*pi*$)">
+                                          <p:val>
+                                            <p:fltVal val="0"/>
+                                          </p:val>
+                                        </p:tav>
+                                        <p:tav tm="100000">
+                                          <p:val>
+                                            <p:fltVal val="1"/>
+                                          </p:val>
+                                        </p:tav>
+                                      </p:tavLst>
+                                    </p:anim>
+                                    <p:anim calcmode="lin" valueType="num">
+                                      <p:cBhvr>
+                                        <p:cTn id="9" dur="2000" fill="hold"/>
+                                        <p:tgtEl>
+                                          <p:spTgt spid="12"/>
+                                        </p:tgtEl>
+                                        <p:attrNameLst>
+                                          <p:attrName>ppt_h</p:attrName>
+                                        </p:attrNameLst>
+                                      </p:cBhvr>
+                                      <p:tavLst>
+                                        <p:tav tm="0">
+                                          <p:val>
+                                            <p:strVal val="#ppt_h"/>
+                                          </p:val>
+                                        </p:tav>
+                                        <p:tav tm="100000">
+                                          <p:val>
+                                            <p:strVal val="#ppt_h"/>
+                                          </p:val>
+                                        </p:tav>
+                                      </p:tavLst>
+                                    </p:anim>
+                                  </p:childTnLst>
+                                </p:cTn>
+                              </p:par>
+                            </p:childTnLst>
+                          </p:cTn>
+                        </p:par>
+                      </p:childTnLst>
+                    </p:cTn>
+                  </p:par>
+                </p:childTnLst>
+              </p:cTn>
+              <p:prevCondLst>
+                <p:cond evt="onPrev" delay="0">
+                  <p:tgtEl>
+                    <p:sldTgt/>
+                  </p:tgtEl>
+                </p:cond>
+              </p:prevCondLst>
+              <p:nextCondLst>
+                <p:cond evt="onNext" delay="0">
+                  <p:tgtEl>
+                    <p:sldTgt/>
+                  </p:tgtEl>
+                </p:cond>
+              </p:nextCondLst>
+            </p:seq>
+          </p:childTnLst>
+        </p:cTn>
+      </p:par>
+    </p:tnLst>
+  </p:timing>
 </p:sld>
 </file>
 
@@ -13166,7 +13669,7 @@
           <p:cNvPr id="2" name="Заголовок 1">
             <a:extLst>
               <a:ext uri="{FF2B5EF4-FFF2-40B4-BE49-F238E27FC236}">
-                <a16:creationId xmlns:a16="http://schemas.microsoft.com/office/drawing/2014/main" xmlns="" id="{9922753F-A617-4523-A312-3A0684FD30A7}"/>
+                <a16:creationId xmlns:a16="http://schemas.microsoft.com/office/drawing/2014/main" id="{9922753F-A617-4523-A312-3A0684FD30A7}"/>
               </a:ext>
             </a:extLst>
           </p:cNvPr>
@@ -13208,7 +13711,7 @@
           <p:cNvPr id="5" name="Объект 4">
             <a:extLst>
               <a:ext uri="{FF2B5EF4-FFF2-40B4-BE49-F238E27FC236}">
-                <a16:creationId xmlns:a16="http://schemas.microsoft.com/office/drawing/2014/main" xmlns="" id="{C17AAB30-90EC-4972-A3ED-751970E02A5F}"/>
+                <a16:creationId xmlns:a16="http://schemas.microsoft.com/office/drawing/2014/main" id="{C17AAB30-90EC-4972-A3ED-751970E02A5F}"/>
               </a:ext>
             </a:extLst>
           </p:cNvPr>
@@ -13243,7 +13746,7 @@
           <p:cNvPr id="6" name="Рисунок 5">
             <a:extLst>
               <a:ext uri="{FF2B5EF4-FFF2-40B4-BE49-F238E27FC236}">
-                <a16:creationId xmlns:a16="http://schemas.microsoft.com/office/drawing/2014/main" xmlns="" id="{0DF2FEF7-6E07-4E3F-90CA-03B73FF314FC}"/>
+                <a16:creationId xmlns:a16="http://schemas.microsoft.com/office/drawing/2014/main" id="{0DF2FEF7-6E07-4E3F-90CA-03B73FF314FC}"/>
               </a:ext>
             </a:extLst>
           </p:cNvPr>
@@ -13274,12 +13777,48 @@
           </a:prstGeom>
         </p:spPr>
       </p:pic>
+      <p:pic>
+        <p:nvPicPr>
+          <p:cNvPr id="9" name="Рисунок 8">
+            <a:extLst>
+              <a:ext uri="{FF2B5EF4-FFF2-40B4-BE49-F238E27FC236}">
+                <a16:creationId xmlns:a16="http://schemas.microsoft.com/office/drawing/2014/main" id="{0CCC28C5-4488-4323-B9D2-121F5E582C26}"/>
+              </a:ext>
+            </a:extLst>
+          </p:cNvPr>
+          <p:cNvPicPr>
+            <a:picLocks noChangeAspect="1"/>
+          </p:cNvPicPr>
+          <p:nvPr/>
+        </p:nvPicPr>
+        <p:blipFill>
+          <a:blip r:embed="rId4">
+            <a:extLst>
+              <a:ext uri="{28A0092B-C50C-407E-A947-70E740481C1C}">
+                <a14:useLocalDpi xmlns:a14="http://schemas.microsoft.com/office/drawing/2010/main" val="0"/>
+              </a:ext>
+            </a:extLst>
+          </a:blip>
+          <a:stretch>
+            <a:fillRect/>
+          </a:stretch>
+        </p:blipFill>
+        <p:spPr>
+          <a:xfrm>
+            <a:off x="11303935" y="278699"/>
+            <a:ext cx="544664" cy="544664"/>
+          </a:xfrm>
+          <a:prstGeom prst="rect">
+            <a:avLst/>
+          </a:prstGeom>
+        </p:spPr>
+      </p:pic>
       <p:graphicFrame>
         <p:nvGraphicFramePr>
-          <p:cNvPr id="10" name="Таблица 9">
+          <p:cNvPr id="14" name="Таблица 13">
             <a:extLst>
               <a:ext uri="{FF2B5EF4-FFF2-40B4-BE49-F238E27FC236}">
-                <a16:creationId xmlns:a16="http://schemas.microsoft.com/office/drawing/2014/main" xmlns="" id="{6B388491-66EF-44BD-8ABA-FCA34A468040}"/>
+                <a16:creationId xmlns:a16="http://schemas.microsoft.com/office/drawing/2014/main" id="{D2C1159E-A30B-4BD3-ACB0-C786DD10EA4D}"/>
               </a:ext>
             </a:extLst>
           </p:cNvPr>
@@ -13289,14 +13828,14 @@
           <p:nvPr>
             <p:extLst>
               <p:ext uri="{D42A27DB-BD31-4B8C-83A1-F6EECF244321}">
-                <p14:modId xmlns:p14="http://schemas.microsoft.com/office/powerpoint/2010/main" val="1898039266"/>
+                <p14:modId xmlns:p14="http://schemas.microsoft.com/office/powerpoint/2010/main" val="688727512"/>
               </p:ext>
             </p:extLst>
           </p:nvPr>
         </p:nvGraphicFramePr>
         <p:xfrm>
-          <a:off x="653332" y="6329045"/>
-          <a:ext cx="10430786" cy="527495"/>
+          <a:off x="0" y="6329045"/>
+          <a:ext cx="12192000" cy="528955"/>
         </p:xfrm>
         <a:graphic>
           <a:graphicData uri="http://schemas.openxmlformats.org/drawingml/2006/table">
@@ -13305,10 +13844,10 @@
                 <a:tableStyleId>{5C22544A-7EE6-4342-B048-85BDC9FD1C3A}</a:tableStyleId>
               </a:tblPr>
               <a:tblGrid>
-                <a:gridCol w="10430786">
+                <a:gridCol w="12192000">
                   <a:extLst>
                     <a:ext uri="{9D8B030D-6E8A-4147-A177-3AD203B41FA5}">
-                      <a16:colId xmlns:a16="http://schemas.microsoft.com/office/drawing/2014/main" xmlns="" val="3945925805"/>
+                      <a16:colId xmlns:a16="http://schemas.microsoft.com/office/drawing/2014/main" val="3945925805"/>
                     </a:ext>
                   </a:extLst>
                 </a:gridCol>
@@ -13319,7 +13858,7 @@
                     <a:bodyPr/>
                     <a:lstStyle/>
                     <a:p>
-                      <a:pPr lvl="1" algn="ctr">
+                      <a:pPr lvl="0" algn="ctr">
                         <a:lnSpc>
                           <a:spcPct val="250000"/>
                         </a:lnSpc>
@@ -13328,7 +13867,7 @@
                         </a:spcAft>
                       </a:pPr>
                       <a:r>
-                        <a:rPr lang="ru-RU" sz="1100" b="1" cap="all" spc="150" dirty="0" smtClean="0">
+                        <a:rPr lang="ru-RU" sz="1100" b="1" cap="all" spc="150" dirty="0">
                           <a:solidFill>
                             <a:srgbClr val="D10A11"/>
                           </a:solidFill>
@@ -13339,17 +13878,17 @@
                         <a:t>🌍 г. Харьков, ул. Пермская, 15/56  ☎</a:t>
                       </a:r>
                       <a:r>
-                        <a:rPr lang="ru-RU" sz="1100" b="1" u="sng" cap="all" spc="150" dirty="0" smtClean="0">
+                        <a:rPr lang="ru-RU" sz="1100" b="1" u="sng" cap="all" spc="150" dirty="0">
                           <a:solidFill>
                             <a:srgbClr val="D10A11"/>
                           </a:solidFill>
                           <a:effectLst/>
                           <a:latin typeface="Arial" panose="020B0604020202020204" pitchFamily="34" charset="0"/>
                           <a:cs typeface="Arial" panose="020B0604020202020204" pitchFamily="34" charset="0"/>
-                          <a:hlinkClick r:id="rId4">
+                          <a:hlinkClick r:id="rId5">
                             <a:extLst>
                               <a:ext uri="{A12FA001-AC4F-418D-AE19-62706E023703}">
-                                <ahyp:hlinkClr xmlns="" xmlns:ahyp="http://schemas.microsoft.com/office/drawing/2018/hyperlinkcolor" xmlns:lc="http://schemas.openxmlformats.org/drawingml/2006/lockedCanvas" val="tx"/>
+                                <ahyp:hlinkClr xmlns:ahyp="http://schemas.microsoft.com/office/drawing/2018/hyperlinkcolor" val="tx"/>
                               </a:ext>
                             </a:extLst>
                           </a:hlinkClick>
@@ -13357,7 +13896,7 @@
                         <a:t>+</a:t>
                       </a:r>
                       <a:r>
-                        <a:rPr lang="ru-RU" sz="1100" b="1" kern="1200" cap="all" spc="150" dirty="0" smtClean="0">
+                        <a:rPr lang="ru-RU" sz="1100" b="1" kern="1200" cap="all" spc="150" dirty="0">
                           <a:solidFill>
                             <a:srgbClr val="D10A11"/>
                           </a:solidFill>
@@ -13365,10 +13904,10 @@
                           <a:latin typeface="Arial" panose="020B0604020202020204" pitchFamily="34" charset="0"/>
                           <a:ea typeface="+mn-ea"/>
                           <a:cs typeface="Arial" panose="020B0604020202020204" pitchFamily="34" charset="0"/>
-                          <a:hlinkClick r:id="rId4">
+                          <a:hlinkClick r:id="rId5">
                             <a:extLst>
                               <a:ext uri="{A12FA001-AC4F-418D-AE19-62706E023703}">
-                                <ahyp:hlinkClr xmlns="" xmlns:ahyp="http://schemas.microsoft.com/office/drawing/2018/hyperlinkcolor" xmlns:lc="http://schemas.openxmlformats.org/drawingml/2006/lockedCanvas" val="tx"/>
+                                <ahyp:hlinkClr xmlns:ahyp="http://schemas.microsoft.com/office/drawing/2018/hyperlinkcolor" val="tx"/>
                               </a:ext>
                             </a:extLst>
                           </a:hlinkClick>
@@ -13376,7 +13915,7 @@
                         <a:t>38(093)5820327</a:t>
                       </a:r>
                       <a:r>
-                        <a:rPr lang="ru-RU" sz="1100" b="1" kern="1200" cap="all" spc="150" dirty="0" smtClean="0">
+                        <a:rPr lang="ru-RU" sz="1100" b="1" kern="1200" cap="all" spc="150" dirty="0">
                           <a:solidFill>
                             <a:srgbClr val="D10A11"/>
                           </a:solidFill>
@@ -13388,7 +13927,7 @@
                         <a:t>        </a:t>
                       </a:r>
                       <a:r>
-                        <a:rPr lang="en-US" sz="1100" b="1" kern="1200" cap="all" spc="150" dirty="0" err="1" smtClean="0">
+                        <a:rPr lang="en-US" sz="1100" b="1" kern="1200" cap="all" spc="150" dirty="0" err="1">
                           <a:solidFill>
                             <a:srgbClr val="D10A11"/>
                           </a:solidFill>
@@ -13396,10 +13935,10 @@
                           <a:latin typeface="Arial" panose="020B0604020202020204" pitchFamily="34" charset="0"/>
                           <a:ea typeface="+mn-ea"/>
                           <a:cs typeface="Arial" panose="020B0604020202020204" pitchFamily="34" charset="0"/>
-                          <a:hlinkClick r:id="rId5">
+                          <a:hlinkClick r:id="rId6">
                             <a:extLst>
                               <a:ext uri="{A12FA001-AC4F-418D-AE19-62706E023703}">
-                                <ahyp:hlinkClr xmlns="" xmlns:ahyp="http://schemas.microsoft.com/office/drawing/2018/hyperlinkcolor" xmlns:lc="http://schemas.openxmlformats.org/drawingml/2006/lockedCanvas" val="tx"/>
+                                <ahyp:hlinkClr xmlns:ahyp="http://schemas.microsoft.com/office/drawing/2018/hyperlinkcolor" val="tx"/>
                               </a:ext>
                             </a:extLst>
                           </a:hlinkClick>
@@ -13407,7 +13946,7 @@
                         <a:t>valery</a:t>
                       </a:r>
                       <a:r>
-                        <a:rPr lang="ru-RU" sz="1100" b="1" kern="1200" cap="all" spc="150" dirty="0" smtClean="0">
+                        <a:rPr lang="ru-RU" sz="1100" b="1" kern="1200" cap="all" spc="150" dirty="0">
                           <a:solidFill>
                             <a:srgbClr val="D10A11"/>
                           </a:solidFill>
@@ -13415,10 +13954,10 @@
                           <a:latin typeface="Arial" panose="020B0604020202020204" pitchFamily="34" charset="0"/>
                           <a:ea typeface="+mn-ea"/>
                           <a:cs typeface="Arial" panose="020B0604020202020204" pitchFamily="34" charset="0"/>
-                          <a:hlinkClick r:id="rId5">
+                          <a:hlinkClick r:id="rId6">
                             <a:extLst>
                               <a:ext uri="{A12FA001-AC4F-418D-AE19-62706E023703}">
-                                <ahyp:hlinkClr xmlns="" xmlns:ahyp="http://schemas.microsoft.com/office/drawing/2018/hyperlinkcolor" xmlns:lc="http://schemas.openxmlformats.org/drawingml/2006/lockedCanvas" val="tx"/>
+                                <ahyp:hlinkClr xmlns:ahyp="http://schemas.microsoft.com/office/drawing/2018/hyperlinkcolor" val="tx"/>
                               </a:ext>
                             </a:extLst>
                           </a:hlinkClick>
@@ -13426,7 +13965,7 @@
                         <a:t>_</a:t>
                       </a:r>
                       <a:r>
-                        <a:rPr lang="en-US" sz="1100" b="1" kern="1200" cap="all" spc="150" dirty="0" err="1" smtClean="0">
+                        <a:rPr lang="en-US" sz="1100" b="1" kern="1200" cap="all" spc="150" dirty="0" err="1">
                           <a:solidFill>
                             <a:srgbClr val="D10A11"/>
                           </a:solidFill>
@@ -13434,10 +13973,10 @@
                           <a:latin typeface="Arial" panose="020B0604020202020204" pitchFamily="34" charset="0"/>
                           <a:ea typeface="+mn-ea"/>
                           <a:cs typeface="Arial" panose="020B0604020202020204" pitchFamily="34" charset="0"/>
-                          <a:hlinkClick r:id="rId5">
+                          <a:hlinkClick r:id="rId6">
                             <a:extLst>
                               <a:ext uri="{A12FA001-AC4F-418D-AE19-62706E023703}">
-                                <ahyp:hlinkClr xmlns="" xmlns:ahyp="http://schemas.microsoft.com/office/drawing/2018/hyperlinkcolor" xmlns:lc="http://schemas.openxmlformats.org/drawingml/2006/lockedCanvas" val="tx"/>
+                                <ahyp:hlinkClr xmlns:ahyp="http://schemas.microsoft.com/office/drawing/2018/hyperlinkcolor" val="tx"/>
                               </a:ext>
                             </a:extLst>
                           </a:hlinkClick>
@@ -13445,7 +13984,7 @@
                         <a:t>mobil</a:t>
                       </a:r>
                       <a:r>
-                        <a:rPr lang="en-US" sz="1100" b="1" kern="1200" cap="all" spc="150" dirty="0" smtClean="0">
+                        <a:rPr lang="en-US" sz="1100" b="1" kern="1200" cap="all" spc="150" dirty="0">
                           <a:solidFill>
                             <a:srgbClr val="D10A11"/>
                           </a:solidFill>
@@ -13457,7 +13996,7 @@
                         <a:t> </a:t>
                       </a:r>
                       <a:r>
-                        <a:rPr lang="ru-RU" sz="1100" b="1" kern="1200" cap="all" spc="150" dirty="0" smtClean="0">
+                        <a:rPr lang="ru-RU" sz="1100" b="1" kern="1200" cap="all" spc="150" dirty="0">
                           <a:solidFill>
                             <a:srgbClr val="D10A11"/>
                           </a:solidFill>
@@ -13469,7 +14008,7 @@
                         <a:t>  </a:t>
                       </a:r>
                       <a:r>
-                        <a:rPr lang="en-US" sz="1100" b="1" kern="1200" cap="all" spc="150" dirty="0" smtClean="0">
+                        <a:rPr lang="en-US" sz="1100" b="1" kern="1200" cap="all" spc="150" dirty="0">
                           <a:solidFill>
                             <a:srgbClr val="D10A11"/>
                           </a:solidFill>
@@ -13481,7 +14020,7 @@
                         <a:t>📧</a:t>
                       </a:r>
                       <a:r>
-                        <a:rPr lang="ru-RU" sz="1100" b="1" kern="1200" cap="all" spc="150" dirty="0" smtClean="0">
+                        <a:rPr lang="ru-RU" sz="1100" b="1" kern="1200" cap="all" spc="150" dirty="0">
                           <a:solidFill>
                             <a:srgbClr val="D10A11"/>
                           </a:solidFill>
@@ -13493,7 +14032,7 @@
                         <a:t> </a:t>
                       </a:r>
                       <a:r>
-                        <a:rPr lang="en-US" sz="1100" b="1" kern="1200" cap="all" spc="150" dirty="0" err="1" smtClean="0">
+                        <a:rPr lang="en-US" sz="1100" b="1" kern="1200" cap="all" spc="150" dirty="0" err="1">
                           <a:solidFill>
                             <a:srgbClr val="D10A11"/>
                           </a:solidFill>
@@ -13501,10 +14040,10 @@
                           <a:latin typeface="Arial" panose="020B0604020202020204" pitchFamily="34" charset="0"/>
                           <a:ea typeface="+mn-ea"/>
                           <a:cs typeface="Arial" panose="020B0604020202020204" pitchFamily="34" charset="0"/>
-                          <a:hlinkClick r:id="rId6">
+                          <a:hlinkClick r:id="rId7">
                             <a:extLst>
                               <a:ext uri="{A12FA001-AC4F-418D-AE19-62706E023703}">
-                                <ahyp:hlinkClr xmlns="" xmlns:ahyp="http://schemas.microsoft.com/office/drawing/2018/hyperlinkcolor" xmlns:lc="http://schemas.openxmlformats.org/drawingml/2006/lockedCanvas" val="tx"/>
+                                <ahyp:hlinkClr xmlns:ahyp="http://schemas.microsoft.com/office/drawing/2018/hyperlinkcolor" val="tx"/>
                               </a:ext>
                             </a:extLst>
                           </a:hlinkClick>
@@ -13512,7 +14051,7 @@
                         <a:t>mvn</a:t>
                       </a:r>
                       <a:r>
-                        <a:rPr lang="ru-RU" sz="1100" b="1" kern="1200" cap="all" spc="150" dirty="0" smtClean="0">
+                        <a:rPr lang="ru-RU" sz="1100" b="1" kern="1200" cap="all" spc="150" dirty="0">
                           <a:solidFill>
                             <a:srgbClr val="D10A11"/>
                           </a:solidFill>
@@ -13520,10 +14059,10 @@
                           <a:latin typeface="Arial" panose="020B0604020202020204" pitchFamily="34" charset="0"/>
                           <a:ea typeface="+mn-ea"/>
                           <a:cs typeface="Arial" panose="020B0604020202020204" pitchFamily="34" charset="0"/>
-                          <a:hlinkClick r:id="rId6">
+                          <a:hlinkClick r:id="rId7">
                             <a:extLst>
                               <a:ext uri="{A12FA001-AC4F-418D-AE19-62706E023703}">
-                                <ahyp:hlinkClr xmlns="" xmlns:ahyp="http://schemas.microsoft.com/office/drawing/2018/hyperlinkcolor" xmlns:lc="http://schemas.openxmlformats.org/drawingml/2006/lockedCanvas" val="tx"/>
+                                <ahyp:hlinkClr xmlns:ahyp="http://schemas.microsoft.com/office/drawing/2018/hyperlinkcolor" val="tx"/>
                               </a:ext>
                             </a:extLst>
                           </a:hlinkClick>
@@ -13531,7 +14070,7 @@
                         <a:t>2004@</a:t>
                       </a:r>
                       <a:r>
-                        <a:rPr lang="en-US" sz="1100" b="1" kern="1200" cap="all" spc="150" dirty="0" smtClean="0">
+                        <a:rPr lang="en-US" sz="1100" b="1" kern="1200" cap="all" spc="150" dirty="0">
                           <a:solidFill>
                             <a:srgbClr val="D10A11"/>
                           </a:solidFill>
@@ -13539,10 +14078,10 @@
                           <a:latin typeface="Arial" panose="020B0604020202020204" pitchFamily="34" charset="0"/>
                           <a:ea typeface="+mn-ea"/>
                           <a:cs typeface="Arial" panose="020B0604020202020204" pitchFamily="34" charset="0"/>
-                          <a:hlinkClick r:id="rId6">
+                          <a:hlinkClick r:id="rId7">
                             <a:extLst>
                               <a:ext uri="{A12FA001-AC4F-418D-AE19-62706E023703}">
-                                <ahyp:hlinkClr xmlns="" xmlns:ahyp="http://schemas.microsoft.com/office/drawing/2018/hyperlinkcolor" xmlns:lc="http://schemas.openxmlformats.org/drawingml/2006/lockedCanvas" val="tx"/>
+                                <ahyp:hlinkClr xmlns:ahyp="http://schemas.microsoft.com/office/drawing/2018/hyperlinkcolor" val="tx"/>
                               </a:ext>
                             </a:extLst>
                           </a:hlinkClick>
@@ -13550,7 +14089,7 @@
                         <a:t>mail</a:t>
                       </a:r>
                       <a:r>
-                        <a:rPr lang="ru-RU" sz="1100" b="1" kern="1200" cap="all" spc="150" dirty="0" smtClean="0">
+                        <a:rPr lang="ru-RU" sz="1100" b="1" kern="1200" cap="all" spc="150" dirty="0">
                           <a:solidFill>
                             <a:srgbClr val="D10A11"/>
                           </a:solidFill>
@@ -13558,10 +14097,10 @@
                           <a:latin typeface="Arial" panose="020B0604020202020204" pitchFamily="34" charset="0"/>
                           <a:ea typeface="+mn-ea"/>
                           <a:cs typeface="Arial" panose="020B0604020202020204" pitchFamily="34" charset="0"/>
-                          <a:hlinkClick r:id="rId6">
+                          <a:hlinkClick r:id="rId7">
                             <a:extLst>
                               <a:ext uri="{A12FA001-AC4F-418D-AE19-62706E023703}">
-                                <ahyp:hlinkClr xmlns="" xmlns:ahyp="http://schemas.microsoft.com/office/drawing/2018/hyperlinkcolor" xmlns:lc="http://schemas.openxmlformats.org/drawingml/2006/lockedCanvas" val="tx"/>
+                                <ahyp:hlinkClr xmlns:ahyp="http://schemas.microsoft.com/office/drawing/2018/hyperlinkcolor" val="tx"/>
                               </a:ext>
                             </a:extLst>
                           </a:hlinkClick>
@@ -13569,7 +14108,7 @@
                         <a:t>.</a:t>
                       </a:r>
                       <a:r>
-                        <a:rPr lang="en-US" sz="1100" b="1" kern="1200" cap="all" spc="150" dirty="0" err="1" smtClean="0">
+                        <a:rPr lang="en-US" sz="1100" b="1" kern="1200" cap="all" spc="150" dirty="0" err="1">
                           <a:solidFill>
                             <a:srgbClr val="D10A11"/>
                           </a:solidFill>
@@ -13577,10 +14116,10 @@
                           <a:latin typeface="Arial" panose="020B0604020202020204" pitchFamily="34" charset="0"/>
                           <a:ea typeface="+mn-ea"/>
                           <a:cs typeface="Arial" panose="020B0604020202020204" pitchFamily="34" charset="0"/>
-                          <a:hlinkClick r:id="rId6">
+                          <a:hlinkClick r:id="rId7">
                             <a:extLst>
                               <a:ext uri="{A12FA001-AC4F-418D-AE19-62706E023703}">
-                                <ahyp:hlinkClr xmlns="" xmlns:ahyp="http://schemas.microsoft.com/office/drawing/2018/hyperlinkcolor" xmlns:lc="http://schemas.openxmlformats.org/drawingml/2006/lockedCanvas" val="tx"/>
+                                <ahyp:hlinkClr xmlns:ahyp="http://schemas.microsoft.com/office/drawing/2018/hyperlinkcolor" val="tx"/>
                               </a:ext>
                             </a:extLst>
                           </a:hlinkClick>
@@ -13604,7 +14143,7 @@
                 </a:tc>
                 <a:extLst>
                   <a:ext uri="{0D108BD9-81ED-4DB2-BD59-A6C34878D82A}">
-                    <a16:rowId xmlns:a16="http://schemas.microsoft.com/office/drawing/2014/main" xmlns="" val="2829935568"/>
+                    <a16:rowId xmlns:a16="http://schemas.microsoft.com/office/drawing/2014/main" val="2829935568"/>
                   </a:ext>
                 </a:extLst>
               </a:tr>
@@ -13614,10 +14153,10 @@
       </p:graphicFrame>
       <p:pic>
         <p:nvPicPr>
-          <p:cNvPr id="11" name="Рисунок 1" descr="skype-logo-png-5a3a1a4934c5d5">
+          <p:cNvPr id="15" name="Рисунок 1" descr="skype-logo-png-5a3a1a4934c5d5">
             <a:extLst>
               <a:ext uri="{FF2B5EF4-FFF2-40B4-BE49-F238E27FC236}">
-                <a16:creationId xmlns:a16="http://schemas.microsoft.com/office/drawing/2014/main" xmlns="" id="{21A9F157-9F9B-4B7B-B80E-0929B1FF0DCA}"/>
+                <a16:creationId xmlns:a16="http://schemas.microsoft.com/office/drawing/2014/main" id="{D90AB378-7D49-4044-8EA5-4D1669FCD670}"/>
               </a:ext>
             </a:extLst>
           </p:cNvPr>
@@ -13627,7 +14166,7 @@
           <p:nvPr/>
         </p:nvPicPr>
         <p:blipFill>
-          <a:blip r:embed="rId7">
+          <a:blip r:embed="rId8">
             <a:extLst>
               <a:ext uri="{28A0092B-C50C-407E-A947-70E740481C1C}">
                 <a14:useLocalDpi xmlns:a14="http://schemas.microsoft.com/office/drawing/2010/main" val="0"/>
@@ -13641,7 +14180,7 @@
         </p:blipFill>
         <p:spPr bwMode="auto">
           <a:xfrm>
-            <a:off x="6767950" y="6509219"/>
+            <a:off x="6785355" y="6509219"/>
             <a:ext cx="294735" cy="189158"/>
           </a:xfrm>
           <a:prstGeom prst="rect">
@@ -13659,42 +14198,6 @@
           </a:extLst>
         </p:spPr>
       </p:pic>
-      <p:pic>
-        <p:nvPicPr>
-          <p:cNvPr id="12" name="Рисунок 11">
-            <a:extLst>
-              <a:ext uri="{FF2B5EF4-FFF2-40B4-BE49-F238E27FC236}">
-                <a16:creationId xmlns:a16="http://schemas.microsoft.com/office/drawing/2014/main" xmlns="" id="{4E16E73F-7B06-4D8D-9069-C25B6EE8FD4D}"/>
-              </a:ext>
-            </a:extLst>
-          </p:cNvPr>
-          <p:cNvPicPr>
-            <a:picLocks noChangeAspect="1"/>
-          </p:cNvPicPr>
-          <p:nvPr/>
-        </p:nvPicPr>
-        <p:blipFill>
-          <a:blip r:embed="rId8">
-            <a:extLst>
-              <a:ext uri="{28A0092B-C50C-407E-A947-70E740481C1C}">
-                <a14:useLocalDpi xmlns:a14="http://schemas.microsoft.com/office/drawing/2010/main" val="0"/>
-              </a:ext>
-            </a:extLst>
-          </a:blip>
-          <a:stretch>
-            <a:fillRect/>
-          </a:stretch>
-        </p:blipFill>
-        <p:spPr>
-          <a:xfrm>
-            <a:off x="653332" y="6329238"/>
-            <a:ext cx="544664" cy="544664"/>
-          </a:xfrm>
-          <a:prstGeom prst="rect">
-            <a:avLst/>
-          </a:prstGeom>
-        </p:spPr>
-      </p:pic>
     </p:spTree>
     <p:extLst>
       <p:ext uri="{BB962C8B-B14F-4D97-AF65-F5344CB8AC3E}">
@@ -13705,6 +14208,135 @@
   <p:clrMapOvr>
     <a:masterClrMapping/>
   </p:clrMapOvr>
+  <p:timing>
+    <p:tnLst>
+      <p:par>
+        <p:cTn id="1" dur="indefinite" restart="never" nodeType="tmRoot">
+          <p:childTnLst>
+            <p:seq concurrent="1" nextAc="seek">
+              <p:cTn id="2" dur="indefinite" nodeType="mainSeq">
+                <p:childTnLst>
+                  <p:par>
+                    <p:cTn id="3" fill="hold">
+                      <p:stCondLst>
+                        <p:cond delay="indefinite"/>
+                      </p:stCondLst>
+                      <p:childTnLst>
+                        <p:par>
+                          <p:cTn id="4" fill="hold">
+                            <p:stCondLst>
+                              <p:cond delay="0"/>
+                            </p:stCondLst>
+                            <p:childTnLst>
+                              <p:par>
+                                <p:cTn id="5" presetID="45" presetClass="entr" presetSubtype="0" fill="hold" nodeType="clickEffect">
+                                  <p:stCondLst>
+                                    <p:cond delay="0"/>
+                                  </p:stCondLst>
+                                  <p:childTnLst>
+                                    <p:set>
+                                      <p:cBhvr>
+                                        <p:cTn id="6" dur="1" fill="hold">
+                                          <p:stCondLst>
+                                            <p:cond delay="0"/>
+                                          </p:stCondLst>
+                                        </p:cTn>
+                                        <p:tgtEl>
+                                          <p:spTgt spid="9"/>
+                                        </p:tgtEl>
+                                        <p:attrNameLst>
+                                          <p:attrName>style.visibility</p:attrName>
+                                        </p:attrNameLst>
+                                      </p:cBhvr>
+                                      <p:to>
+                                        <p:strVal val="visible"/>
+                                      </p:to>
+                                    </p:set>
+                                    <p:animEffect transition="in" filter="fade">
+                                      <p:cBhvr>
+                                        <p:cTn id="7" dur="2000"/>
+                                        <p:tgtEl>
+                                          <p:spTgt spid="9"/>
+                                        </p:tgtEl>
+                                      </p:cBhvr>
+                                    </p:animEffect>
+                                    <p:anim calcmode="lin" valueType="num">
+                                      <p:cBhvr>
+                                        <p:cTn id="8" dur="2000" fill="hold"/>
+                                        <p:tgtEl>
+                                          <p:spTgt spid="9"/>
+                                        </p:tgtEl>
+                                        <p:attrNameLst>
+                                          <p:attrName>ppt_w</p:attrName>
+                                        </p:attrNameLst>
+                                      </p:cBhvr>
+                                      <p:tavLst>
+                                        <p:tav tm="0" fmla="#ppt_w*sin(2.5*pi*$)">
+                                          <p:val>
+                                            <p:fltVal val="0"/>
+                                          </p:val>
+                                        </p:tav>
+                                        <p:tav tm="100000">
+                                          <p:val>
+                                            <p:fltVal val="1"/>
+                                          </p:val>
+                                        </p:tav>
+                                      </p:tavLst>
+                                    </p:anim>
+                                    <p:anim calcmode="lin" valueType="num">
+                                      <p:cBhvr>
+                                        <p:cTn id="9" dur="2000" fill="hold"/>
+                                        <p:tgtEl>
+                                          <p:spTgt spid="9"/>
+                                        </p:tgtEl>
+                                        <p:attrNameLst>
+                                          <p:attrName>ppt_h</p:attrName>
+                                        </p:attrNameLst>
+                                      </p:cBhvr>
+                                      <p:tavLst>
+                                        <p:tav tm="0">
+                                          <p:val>
+                                            <p:strVal val="#ppt_h"/>
+                                          </p:val>
+                                        </p:tav>
+                                        <p:tav tm="100000">
+                                          <p:val>
+                                            <p:strVal val="#ppt_h"/>
+                                          </p:val>
+                                        </p:tav>
+                                      </p:tavLst>
+                                    </p:anim>
+                                  </p:childTnLst>
+                                </p:cTn>
+                              </p:par>
+                            </p:childTnLst>
+                          </p:cTn>
+                        </p:par>
+                      </p:childTnLst>
+                    </p:cTn>
+                  </p:par>
+                </p:childTnLst>
+              </p:cTn>
+              <p:prevCondLst>
+                <p:cond evt="onPrev" delay="0">
+                  <p:tgtEl>
+                    <p:sldTgt/>
+                  </p:tgtEl>
+                </p:cond>
+              </p:prevCondLst>
+              <p:nextCondLst>
+                <p:cond evt="onNext" delay="0">
+                  <p:tgtEl>
+                    <p:sldTgt/>
+                  </p:tgtEl>
+                </p:cond>
+              </p:nextCondLst>
+            </p:seq>
+          </p:childTnLst>
+        </p:cTn>
+      </p:par>
+    </p:tnLst>
+  </p:timing>
 </p:sld>
 </file>
 
@@ -13730,7 +14362,7 @@
           <p:cNvPr id="2" name="Заголовок 1">
             <a:extLst>
               <a:ext uri="{FF2B5EF4-FFF2-40B4-BE49-F238E27FC236}">
-                <a16:creationId xmlns:a16="http://schemas.microsoft.com/office/drawing/2014/main" xmlns="" id="{29C8EB21-282D-47A7-BABA-6D9619069A1E}"/>
+                <a16:creationId xmlns:a16="http://schemas.microsoft.com/office/drawing/2014/main" id="{29C8EB21-282D-47A7-BABA-6D9619069A1E}"/>
               </a:ext>
             </a:extLst>
           </p:cNvPr>
@@ -13772,7 +14404,7 @@
           <p:cNvPr id="6" name="Объект 5">
             <a:extLst>
               <a:ext uri="{FF2B5EF4-FFF2-40B4-BE49-F238E27FC236}">
-                <a16:creationId xmlns:a16="http://schemas.microsoft.com/office/drawing/2014/main" xmlns="" id="{A027DDA4-FE27-4C29-8905-9D8F79665941}"/>
+                <a16:creationId xmlns:a16="http://schemas.microsoft.com/office/drawing/2014/main" id="{A027DDA4-FE27-4C29-8905-9D8F79665941}"/>
               </a:ext>
             </a:extLst>
           </p:cNvPr>
@@ -13807,7 +14439,7 @@
           <p:cNvPr id="4" name="Рисунок 3">
             <a:extLst>
               <a:ext uri="{FF2B5EF4-FFF2-40B4-BE49-F238E27FC236}">
-                <a16:creationId xmlns:a16="http://schemas.microsoft.com/office/drawing/2014/main" xmlns="" id="{8AA69AC4-8B27-40DA-B116-79FA6BCA88A4}"/>
+                <a16:creationId xmlns:a16="http://schemas.microsoft.com/office/drawing/2014/main" id="{8AA69AC4-8B27-40DA-B116-79FA6BCA88A4}"/>
               </a:ext>
             </a:extLst>
           </p:cNvPr>
@@ -13838,12 +14470,48 @@
           </a:prstGeom>
         </p:spPr>
       </p:pic>
+      <p:pic>
+        <p:nvPicPr>
+          <p:cNvPr id="12" name="Рисунок 11">
+            <a:extLst>
+              <a:ext uri="{FF2B5EF4-FFF2-40B4-BE49-F238E27FC236}">
+                <a16:creationId xmlns:a16="http://schemas.microsoft.com/office/drawing/2014/main" id="{4BDEAE38-F93B-43ED-93AB-3184A7C3BEC1}"/>
+              </a:ext>
+            </a:extLst>
+          </p:cNvPr>
+          <p:cNvPicPr>
+            <a:picLocks noChangeAspect="1"/>
+          </p:cNvPicPr>
+          <p:nvPr/>
+        </p:nvPicPr>
+        <p:blipFill>
+          <a:blip r:embed="rId4">
+            <a:extLst>
+              <a:ext uri="{28A0092B-C50C-407E-A947-70E740481C1C}">
+                <a14:useLocalDpi xmlns:a14="http://schemas.microsoft.com/office/drawing/2010/main" val="0"/>
+              </a:ext>
+            </a:extLst>
+          </a:blip>
+          <a:stretch>
+            <a:fillRect/>
+          </a:stretch>
+        </p:blipFill>
+        <p:spPr>
+          <a:xfrm>
+            <a:off x="11303935" y="278699"/>
+            <a:ext cx="544664" cy="544664"/>
+          </a:xfrm>
+          <a:prstGeom prst="rect">
+            <a:avLst/>
+          </a:prstGeom>
+        </p:spPr>
+      </p:pic>
       <p:graphicFrame>
         <p:nvGraphicFramePr>
-          <p:cNvPr id="9" name="Таблица 8">
+          <p:cNvPr id="14" name="Таблица 13">
             <a:extLst>
               <a:ext uri="{FF2B5EF4-FFF2-40B4-BE49-F238E27FC236}">
-                <a16:creationId xmlns:a16="http://schemas.microsoft.com/office/drawing/2014/main" xmlns="" id="{06D43F49-0DB6-4344-BCC8-DDB9388852C6}"/>
+                <a16:creationId xmlns:a16="http://schemas.microsoft.com/office/drawing/2014/main" id="{18E1AA0E-D8D0-495C-8FA5-10DC4B114B31}"/>
               </a:ext>
             </a:extLst>
           </p:cNvPr>
@@ -13853,14 +14521,14 @@
           <p:nvPr>
             <p:extLst>
               <p:ext uri="{D42A27DB-BD31-4B8C-83A1-F6EECF244321}">
-                <p14:modId xmlns:p14="http://schemas.microsoft.com/office/powerpoint/2010/main" val="1898039266"/>
+                <p14:modId xmlns:p14="http://schemas.microsoft.com/office/powerpoint/2010/main" val="688727512"/>
               </p:ext>
             </p:extLst>
           </p:nvPr>
         </p:nvGraphicFramePr>
         <p:xfrm>
-          <a:off x="653332" y="6329045"/>
-          <a:ext cx="10430786" cy="527495"/>
+          <a:off x="0" y="6329045"/>
+          <a:ext cx="12192000" cy="528955"/>
         </p:xfrm>
         <a:graphic>
           <a:graphicData uri="http://schemas.openxmlformats.org/drawingml/2006/table">
@@ -13869,10 +14537,10 @@
                 <a:tableStyleId>{5C22544A-7EE6-4342-B048-85BDC9FD1C3A}</a:tableStyleId>
               </a:tblPr>
               <a:tblGrid>
-                <a:gridCol w="10430786">
+                <a:gridCol w="12192000">
                   <a:extLst>
                     <a:ext uri="{9D8B030D-6E8A-4147-A177-3AD203B41FA5}">
-                      <a16:colId xmlns:a16="http://schemas.microsoft.com/office/drawing/2014/main" xmlns="" val="3945925805"/>
+                      <a16:colId xmlns:a16="http://schemas.microsoft.com/office/drawing/2014/main" val="3945925805"/>
                     </a:ext>
                   </a:extLst>
                 </a:gridCol>
@@ -13883,7 +14551,7 @@
                     <a:bodyPr/>
                     <a:lstStyle/>
                     <a:p>
-                      <a:pPr lvl="1" algn="ctr">
+                      <a:pPr lvl="0" algn="ctr">
                         <a:lnSpc>
                           <a:spcPct val="250000"/>
                         </a:lnSpc>
@@ -13892,7 +14560,7 @@
                         </a:spcAft>
                       </a:pPr>
                       <a:r>
-                        <a:rPr lang="ru-RU" sz="1100" b="1" cap="all" spc="150" dirty="0" smtClean="0">
+                        <a:rPr lang="ru-RU" sz="1100" b="1" cap="all" spc="150" dirty="0">
                           <a:solidFill>
                             <a:srgbClr val="D10A11"/>
                           </a:solidFill>
@@ -13903,17 +14571,17 @@
                         <a:t>🌍 г. Харьков, ул. Пермская, 15/56  ☎</a:t>
                       </a:r>
                       <a:r>
-                        <a:rPr lang="ru-RU" sz="1100" b="1" u="sng" cap="all" spc="150" dirty="0" smtClean="0">
+                        <a:rPr lang="ru-RU" sz="1100" b="1" u="sng" cap="all" spc="150" dirty="0">
                           <a:solidFill>
                             <a:srgbClr val="D10A11"/>
                           </a:solidFill>
                           <a:effectLst/>
                           <a:latin typeface="Arial" panose="020B0604020202020204" pitchFamily="34" charset="0"/>
                           <a:cs typeface="Arial" panose="020B0604020202020204" pitchFamily="34" charset="0"/>
-                          <a:hlinkClick r:id="rId4">
+                          <a:hlinkClick r:id="rId5">
                             <a:extLst>
                               <a:ext uri="{A12FA001-AC4F-418D-AE19-62706E023703}">
-                                <ahyp:hlinkClr xmlns="" xmlns:ahyp="http://schemas.microsoft.com/office/drawing/2018/hyperlinkcolor" xmlns:lc="http://schemas.openxmlformats.org/drawingml/2006/lockedCanvas" val="tx"/>
+                                <ahyp:hlinkClr xmlns:ahyp="http://schemas.microsoft.com/office/drawing/2018/hyperlinkcolor" val="tx"/>
                               </a:ext>
                             </a:extLst>
                           </a:hlinkClick>
@@ -13921,7 +14589,7 @@
                         <a:t>+</a:t>
                       </a:r>
                       <a:r>
-                        <a:rPr lang="ru-RU" sz="1100" b="1" kern="1200" cap="all" spc="150" dirty="0" smtClean="0">
+                        <a:rPr lang="ru-RU" sz="1100" b="1" kern="1200" cap="all" spc="150" dirty="0">
                           <a:solidFill>
                             <a:srgbClr val="D10A11"/>
                           </a:solidFill>
@@ -13929,10 +14597,10 @@
                           <a:latin typeface="Arial" panose="020B0604020202020204" pitchFamily="34" charset="0"/>
                           <a:ea typeface="+mn-ea"/>
                           <a:cs typeface="Arial" panose="020B0604020202020204" pitchFamily="34" charset="0"/>
-                          <a:hlinkClick r:id="rId4">
+                          <a:hlinkClick r:id="rId5">
                             <a:extLst>
                               <a:ext uri="{A12FA001-AC4F-418D-AE19-62706E023703}">
-                                <ahyp:hlinkClr xmlns="" xmlns:ahyp="http://schemas.microsoft.com/office/drawing/2018/hyperlinkcolor" xmlns:lc="http://schemas.openxmlformats.org/drawingml/2006/lockedCanvas" val="tx"/>
+                                <ahyp:hlinkClr xmlns:ahyp="http://schemas.microsoft.com/office/drawing/2018/hyperlinkcolor" val="tx"/>
                               </a:ext>
                             </a:extLst>
                           </a:hlinkClick>
@@ -13940,7 +14608,7 @@
                         <a:t>38(093)5820327</a:t>
                       </a:r>
                       <a:r>
-                        <a:rPr lang="ru-RU" sz="1100" b="1" kern="1200" cap="all" spc="150" dirty="0" smtClean="0">
+                        <a:rPr lang="ru-RU" sz="1100" b="1" kern="1200" cap="all" spc="150" dirty="0">
                           <a:solidFill>
                             <a:srgbClr val="D10A11"/>
                           </a:solidFill>
@@ -13952,7 +14620,7 @@
                         <a:t>        </a:t>
                       </a:r>
                       <a:r>
-                        <a:rPr lang="en-US" sz="1100" b="1" kern="1200" cap="all" spc="150" dirty="0" err="1" smtClean="0">
+                        <a:rPr lang="en-US" sz="1100" b="1" kern="1200" cap="all" spc="150" dirty="0" err="1">
                           <a:solidFill>
                             <a:srgbClr val="D10A11"/>
                           </a:solidFill>
@@ -13960,10 +14628,10 @@
                           <a:latin typeface="Arial" panose="020B0604020202020204" pitchFamily="34" charset="0"/>
                           <a:ea typeface="+mn-ea"/>
                           <a:cs typeface="Arial" panose="020B0604020202020204" pitchFamily="34" charset="0"/>
-                          <a:hlinkClick r:id="rId5">
+                          <a:hlinkClick r:id="rId6">
                             <a:extLst>
                               <a:ext uri="{A12FA001-AC4F-418D-AE19-62706E023703}">
-                                <ahyp:hlinkClr xmlns="" xmlns:ahyp="http://schemas.microsoft.com/office/drawing/2018/hyperlinkcolor" xmlns:lc="http://schemas.openxmlformats.org/drawingml/2006/lockedCanvas" val="tx"/>
+                                <ahyp:hlinkClr xmlns:ahyp="http://schemas.microsoft.com/office/drawing/2018/hyperlinkcolor" val="tx"/>
                               </a:ext>
                             </a:extLst>
                           </a:hlinkClick>
@@ -13971,7 +14639,7 @@
                         <a:t>valery</a:t>
                       </a:r>
                       <a:r>
-                        <a:rPr lang="ru-RU" sz="1100" b="1" kern="1200" cap="all" spc="150" dirty="0" smtClean="0">
+                        <a:rPr lang="ru-RU" sz="1100" b="1" kern="1200" cap="all" spc="150" dirty="0">
                           <a:solidFill>
                             <a:srgbClr val="D10A11"/>
                           </a:solidFill>
@@ -13979,10 +14647,10 @@
                           <a:latin typeface="Arial" panose="020B0604020202020204" pitchFamily="34" charset="0"/>
                           <a:ea typeface="+mn-ea"/>
                           <a:cs typeface="Arial" panose="020B0604020202020204" pitchFamily="34" charset="0"/>
-                          <a:hlinkClick r:id="rId5">
+                          <a:hlinkClick r:id="rId6">
                             <a:extLst>
                               <a:ext uri="{A12FA001-AC4F-418D-AE19-62706E023703}">
-                                <ahyp:hlinkClr xmlns="" xmlns:ahyp="http://schemas.microsoft.com/office/drawing/2018/hyperlinkcolor" xmlns:lc="http://schemas.openxmlformats.org/drawingml/2006/lockedCanvas" val="tx"/>
+                                <ahyp:hlinkClr xmlns:ahyp="http://schemas.microsoft.com/office/drawing/2018/hyperlinkcolor" val="tx"/>
                               </a:ext>
                             </a:extLst>
                           </a:hlinkClick>
@@ -13990,7 +14658,7 @@
                         <a:t>_</a:t>
                       </a:r>
                       <a:r>
-                        <a:rPr lang="en-US" sz="1100" b="1" kern="1200" cap="all" spc="150" dirty="0" err="1" smtClean="0">
+                        <a:rPr lang="en-US" sz="1100" b="1" kern="1200" cap="all" spc="150" dirty="0" err="1">
                           <a:solidFill>
                             <a:srgbClr val="D10A11"/>
                           </a:solidFill>
@@ -13998,10 +14666,10 @@
                           <a:latin typeface="Arial" panose="020B0604020202020204" pitchFamily="34" charset="0"/>
                           <a:ea typeface="+mn-ea"/>
                           <a:cs typeface="Arial" panose="020B0604020202020204" pitchFamily="34" charset="0"/>
-                          <a:hlinkClick r:id="rId5">
+                          <a:hlinkClick r:id="rId6">
                             <a:extLst>
                               <a:ext uri="{A12FA001-AC4F-418D-AE19-62706E023703}">
-                                <ahyp:hlinkClr xmlns="" xmlns:ahyp="http://schemas.microsoft.com/office/drawing/2018/hyperlinkcolor" xmlns:lc="http://schemas.openxmlformats.org/drawingml/2006/lockedCanvas" val="tx"/>
+                                <ahyp:hlinkClr xmlns:ahyp="http://schemas.microsoft.com/office/drawing/2018/hyperlinkcolor" val="tx"/>
                               </a:ext>
                             </a:extLst>
                           </a:hlinkClick>
@@ -14009,7 +14677,7 @@
                         <a:t>mobil</a:t>
                       </a:r>
                       <a:r>
-                        <a:rPr lang="en-US" sz="1100" b="1" kern="1200" cap="all" spc="150" dirty="0" smtClean="0">
+                        <a:rPr lang="en-US" sz="1100" b="1" kern="1200" cap="all" spc="150" dirty="0">
                           <a:solidFill>
                             <a:srgbClr val="D10A11"/>
                           </a:solidFill>
@@ -14021,7 +14689,7 @@
                         <a:t> </a:t>
                       </a:r>
                       <a:r>
-                        <a:rPr lang="ru-RU" sz="1100" b="1" kern="1200" cap="all" spc="150" dirty="0" smtClean="0">
+                        <a:rPr lang="ru-RU" sz="1100" b="1" kern="1200" cap="all" spc="150" dirty="0">
                           <a:solidFill>
                             <a:srgbClr val="D10A11"/>
                           </a:solidFill>
@@ -14033,7 +14701,7 @@
                         <a:t>  </a:t>
                       </a:r>
                       <a:r>
-                        <a:rPr lang="en-US" sz="1100" b="1" kern="1200" cap="all" spc="150" dirty="0" smtClean="0">
+                        <a:rPr lang="en-US" sz="1100" b="1" kern="1200" cap="all" spc="150" dirty="0">
                           <a:solidFill>
                             <a:srgbClr val="D10A11"/>
                           </a:solidFill>
@@ -14045,7 +14713,7 @@
                         <a:t>📧</a:t>
                       </a:r>
                       <a:r>
-                        <a:rPr lang="ru-RU" sz="1100" b="1" kern="1200" cap="all" spc="150" dirty="0" smtClean="0">
+                        <a:rPr lang="ru-RU" sz="1100" b="1" kern="1200" cap="all" spc="150" dirty="0">
                           <a:solidFill>
                             <a:srgbClr val="D10A11"/>
                           </a:solidFill>
@@ -14057,7 +14725,7 @@
                         <a:t> </a:t>
                       </a:r>
                       <a:r>
-                        <a:rPr lang="en-US" sz="1100" b="1" kern="1200" cap="all" spc="150" dirty="0" err="1" smtClean="0">
+                        <a:rPr lang="en-US" sz="1100" b="1" kern="1200" cap="all" spc="150" dirty="0" err="1">
                           <a:solidFill>
                             <a:srgbClr val="D10A11"/>
                           </a:solidFill>
@@ -14065,10 +14733,10 @@
                           <a:latin typeface="Arial" panose="020B0604020202020204" pitchFamily="34" charset="0"/>
                           <a:ea typeface="+mn-ea"/>
                           <a:cs typeface="Arial" panose="020B0604020202020204" pitchFamily="34" charset="0"/>
-                          <a:hlinkClick r:id="rId6">
+                          <a:hlinkClick r:id="rId7">
                             <a:extLst>
                               <a:ext uri="{A12FA001-AC4F-418D-AE19-62706E023703}">
-                                <ahyp:hlinkClr xmlns="" xmlns:ahyp="http://schemas.microsoft.com/office/drawing/2018/hyperlinkcolor" xmlns:lc="http://schemas.openxmlformats.org/drawingml/2006/lockedCanvas" val="tx"/>
+                                <ahyp:hlinkClr xmlns:ahyp="http://schemas.microsoft.com/office/drawing/2018/hyperlinkcolor" val="tx"/>
                               </a:ext>
                             </a:extLst>
                           </a:hlinkClick>
@@ -14076,7 +14744,7 @@
                         <a:t>mvn</a:t>
                       </a:r>
                       <a:r>
-                        <a:rPr lang="ru-RU" sz="1100" b="1" kern="1200" cap="all" spc="150" dirty="0" smtClean="0">
+                        <a:rPr lang="ru-RU" sz="1100" b="1" kern="1200" cap="all" spc="150" dirty="0">
                           <a:solidFill>
                             <a:srgbClr val="D10A11"/>
                           </a:solidFill>
@@ -14084,10 +14752,10 @@
                           <a:latin typeface="Arial" panose="020B0604020202020204" pitchFamily="34" charset="0"/>
                           <a:ea typeface="+mn-ea"/>
                           <a:cs typeface="Arial" panose="020B0604020202020204" pitchFamily="34" charset="0"/>
-                          <a:hlinkClick r:id="rId6">
+                          <a:hlinkClick r:id="rId7">
                             <a:extLst>
                               <a:ext uri="{A12FA001-AC4F-418D-AE19-62706E023703}">
-                                <ahyp:hlinkClr xmlns="" xmlns:ahyp="http://schemas.microsoft.com/office/drawing/2018/hyperlinkcolor" xmlns:lc="http://schemas.openxmlformats.org/drawingml/2006/lockedCanvas" val="tx"/>
+                                <ahyp:hlinkClr xmlns:ahyp="http://schemas.microsoft.com/office/drawing/2018/hyperlinkcolor" val="tx"/>
                               </a:ext>
                             </a:extLst>
                           </a:hlinkClick>
@@ -14095,7 +14763,7 @@
                         <a:t>2004@</a:t>
                       </a:r>
                       <a:r>
-                        <a:rPr lang="en-US" sz="1100" b="1" kern="1200" cap="all" spc="150" dirty="0" smtClean="0">
+                        <a:rPr lang="en-US" sz="1100" b="1" kern="1200" cap="all" spc="150" dirty="0">
                           <a:solidFill>
                             <a:srgbClr val="D10A11"/>
                           </a:solidFill>
@@ -14103,10 +14771,10 @@
                           <a:latin typeface="Arial" panose="020B0604020202020204" pitchFamily="34" charset="0"/>
                           <a:ea typeface="+mn-ea"/>
                           <a:cs typeface="Arial" panose="020B0604020202020204" pitchFamily="34" charset="0"/>
-                          <a:hlinkClick r:id="rId6">
+                          <a:hlinkClick r:id="rId7">
                             <a:extLst>
                               <a:ext uri="{A12FA001-AC4F-418D-AE19-62706E023703}">
-                                <ahyp:hlinkClr xmlns="" xmlns:ahyp="http://schemas.microsoft.com/office/drawing/2018/hyperlinkcolor" xmlns:lc="http://schemas.openxmlformats.org/drawingml/2006/lockedCanvas" val="tx"/>
+                                <ahyp:hlinkClr xmlns:ahyp="http://schemas.microsoft.com/office/drawing/2018/hyperlinkcolor" val="tx"/>
                               </a:ext>
                             </a:extLst>
                           </a:hlinkClick>
@@ -14114,7 +14782,7 @@
                         <a:t>mail</a:t>
                       </a:r>
                       <a:r>
-                        <a:rPr lang="ru-RU" sz="1100" b="1" kern="1200" cap="all" spc="150" dirty="0" smtClean="0">
+                        <a:rPr lang="ru-RU" sz="1100" b="1" kern="1200" cap="all" spc="150" dirty="0">
                           <a:solidFill>
                             <a:srgbClr val="D10A11"/>
                           </a:solidFill>
@@ -14122,10 +14790,10 @@
                           <a:latin typeface="Arial" panose="020B0604020202020204" pitchFamily="34" charset="0"/>
                           <a:ea typeface="+mn-ea"/>
                           <a:cs typeface="Arial" panose="020B0604020202020204" pitchFamily="34" charset="0"/>
-                          <a:hlinkClick r:id="rId6">
+                          <a:hlinkClick r:id="rId7">
                             <a:extLst>
                               <a:ext uri="{A12FA001-AC4F-418D-AE19-62706E023703}">
-                                <ahyp:hlinkClr xmlns="" xmlns:ahyp="http://schemas.microsoft.com/office/drawing/2018/hyperlinkcolor" xmlns:lc="http://schemas.openxmlformats.org/drawingml/2006/lockedCanvas" val="tx"/>
+                                <ahyp:hlinkClr xmlns:ahyp="http://schemas.microsoft.com/office/drawing/2018/hyperlinkcolor" val="tx"/>
                               </a:ext>
                             </a:extLst>
                           </a:hlinkClick>
@@ -14133,7 +14801,7 @@
                         <a:t>.</a:t>
                       </a:r>
                       <a:r>
-                        <a:rPr lang="en-US" sz="1100" b="1" kern="1200" cap="all" spc="150" dirty="0" err="1" smtClean="0">
+                        <a:rPr lang="en-US" sz="1100" b="1" kern="1200" cap="all" spc="150" dirty="0" err="1">
                           <a:solidFill>
                             <a:srgbClr val="D10A11"/>
                           </a:solidFill>
@@ -14141,10 +14809,10 @@
                           <a:latin typeface="Arial" panose="020B0604020202020204" pitchFamily="34" charset="0"/>
                           <a:ea typeface="+mn-ea"/>
                           <a:cs typeface="Arial" panose="020B0604020202020204" pitchFamily="34" charset="0"/>
-                          <a:hlinkClick r:id="rId6">
+                          <a:hlinkClick r:id="rId7">
                             <a:extLst>
                               <a:ext uri="{A12FA001-AC4F-418D-AE19-62706E023703}">
-                                <ahyp:hlinkClr xmlns="" xmlns:ahyp="http://schemas.microsoft.com/office/drawing/2018/hyperlinkcolor" xmlns:lc="http://schemas.openxmlformats.org/drawingml/2006/lockedCanvas" val="tx"/>
+                                <ahyp:hlinkClr xmlns:ahyp="http://schemas.microsoft.com/office/drawing/2018/hyperlinkcolor" val="tx"/>
                               </a:ext>
                             </a:extLst>
                           </a:hlinkClick>
@@ -14168,7 +14836,7 @@
                 </a:tc>
                 <a:extLst>
                   <a:ext uri="{0D108BD9-81ED-4DB2-BD59-A6C34878D82A}">
-                    <a16:rowId xmlns:a16="http://schemas.microsoft.com/office/drawing/2014/main" xmlns="" val="2829935568"/>
+                    <a16:rowId xmlns:a16="http://schemas.microsoft.com/office/drawing/2014/main" val="2829935568"/>
                   </a:ext>
                 </a:extLst>
               </a:tr>
@@ -14178,10 +14846,10 @@
       </p:graphicFrame>
       <p:pic>
         <p:nvPicPr>
-          <p:cNvPr id="10" name="Рисунок 1" descr="skype-logo-png-5a3a1a4934c5d5">
+          <p:cNvPr id="15" name="Рисунок 1" descr="skype-logo-png-5a3a1a4934c5d5">
             <a:extLst>
               <a:ext uri="{FF2B5EF4-FFF2-40B4-BE49-F238E27FC236}">
-                <a16:creationId xmlns:a16="http://schemas.microsoft.com/office/drawing/2014/main" xmlns="" id="{EE91CBE2-D7CD-4129-9E2C-B07DDA38AF84}"/>
+                <a16:creationId xmlns:a16="http://schemas.microsoft.com/office/drawing/2014/main" id="{4D37A18D-A674-489D-A300-8E042E582472}"/>
               </a:ext>
             </a:extLst>
           </p:cNvPr>
@@ -14191,7 +14859,7 @@
           <p:nvPr/>
         </p:nvPicPr>
         <p:blipFill>
-          <a:blip r:embed="rId7">
+          <a:blip r:embed="rId8">
             <a:extLst>
               <a:ext uri="{28A0092B-C50C-407E-A947-70E740481C1C}">
                 <a14:useLocalDpi xmlns:a14="http://schemas.microsoft.com/office/drawing/2010/main" val="0"/>
@@ -14205,7 +14873,7 @@
         </p:blipFill>
         <p:spPr bwMode="auto">
           <a:xfrm>
-            <a:off x="6767950" y="6509219"/>
+            <a:off x="6785355" y="6509219"/>
             <a:ext cx="294735" cy="189158"/>
           </a:xfrm>
           <a:prstGeom prst="rect">
@@ -14223,42 +14891,6 @@
           </a:extLst>
         </p:spPr>
       </p:pic>
-      <p:pic>
-        <p:nvPicPr>
-          <p:cNvPr id="11" name="Рисунок 10">
-            <a:extLst>
-              <a:ext uri="{FF2B5EF4-FFF2-40B4-BE49-F238E27FC236}">
-                <a16:creationId xmlns:a16="http://schemas.microsoft.com/office/drawing/2014/main" xmlns="" id="{14388FA5-BC16-4D85-AAFF-C811168E0AC5}"/>
-              </a:ext>
-            </a:extLst>
-          </p:cNvPr>
-          <p:cNvPicPr>
-            <a:picLocks noChangeAspect="1"/>
-          </p:cNvPicPr>
-          <p:nvPr/>
-        </p:nvPicPr>
-        <p:blipFill>
-          <a:blip r:embed="rId8">
-            <a:extLst>
-              <a:ext uri="{28A0092B-C50C-407E-A947-70E740481C1C}">
-                <a14:useLocalDpi xmlns:a14="http://schemas.microsoft.com/office/drawing/2010/main" val="0"/>
-              </a:ext>
-            </a:extLst>
-          </a:blip>
-          <a:stretch>
-            <a:fillRect/>
-          </a:stretch>
-        </p:blipFill>
-        <p:spPr>
-          <a:xfrm>
-            <a:off x="653332" y="6329238"/>
-            <a:ext cx="544664" cy="544664"/>
-          </a:xfrm>
-          <a:prstGeom prst="rect">
-            <a:avLst/>
-          </a:prstGeom>
-        </p:spPr>
-      </p:pic>
     </p:spTree>
     <p:extLst>
       <p:ext uri="{BB962C8B-B14F-4D97-AF65-F5344CB8AC3E}">
@@ -14269,6 +14901,135 @@
   <p:clrMapOvr>
     <a:masterClrMapping/>
   </p:clrMapOvr>
+  <p:timing>
+    <p:tnLst>
+      <p:par>
+        <p:cTn id="1" dur="indefinite" restart="never" nodeType="tmRoot">
+          <p:childTnLst>
+            <p:seq concurrent="1" nextAc="seek">
+              <p:cTn id="2" dur="indefinite" nodeType="mainSeq">
+                <p:childTnLst>
+                  <p:par>
+                    <p:cTn id="3" fill="hold">
+                      <p:stCondLst>
+                        <p:cond delay="indefinite"/>
+                      </p:stCondLst>
+                      <p:childTnLst>
+                        <p:par>
+                          <p:cTn id="4" fill="hold">
+                            <p:stCondLst>
+                              <p:cond delay="0"/>
+                            </p:stCondLst>
+                            <p:childTnLst>
+                              <p:par>
+                                <p:cTn id="5" presetID="45" presetClass="entr" presetSubtype="0" fill="hold" nodeType="clickEffect">
+                                  <p:stCondLst>
+                                    <p:cond delay="0"/>
+                                  </p:stCondLst>
+                                  <p:childTnLst>
+                                    <p:set>
+                                      <p:cBhvr>
+                                        <p:cTn id="6" dur="1" fill="hold">
+                                          <p:stCondLst>
+                                            <p:cond delay="0"/>
+                                          </p:stCondLst>
+                                        </p:cTn>
+                                        <p:tgtEl>
+                                          <p:spTgt spid="12"/>
+                                        </p:tgtEl>
+                                        <p:attrNameLst>
+                                          <p:attrName>style.visibility</p:attrName>
+                                        </p:attrNameLst>
+                                      </p:cBhvr>
+                                      <p:to>
+                                        <p:strVal val="visible"/>
+                                      </p:to>
+                                    </p:set>
+                                    <p:animEffect transition="in" filter="fade">
+                                      <p:cBhvr>
+                                        <p:cTn id="7" dur="2000"/>
+                                        <p:tgtEl>
+                                          <p:spTgt spid="12"/>
+                                        </p:tgtEl>
+                                      </p:cBhvr>
+                                    </p:animEffect>
+                                    <p:anim calcmode="lin" valueType="num">
+                                      <p:cBhvr>
+                                        <p:cTn id="8" dur="2000" fill="hold"/>
+                                        <p:tgtEl>
+                                          <p:spTgt spid="12"/>
+                                        </p:tgtEl>
+                                        <p:attrNameLst>
+                                          <p:attrName>ppt_w</p:attrName>
+                                        </p:attrNameLst>
+                                      </p:cBhvr>
+                                      <p:tavLst>
+                                        <p:tav tm="0" fmla="#ppt_w*sin(2.5*pi*$)">
+                                          <p:val>
+                                            <p:fltVal val="0"/>
+                                          </p:val>
+                                        </p:tav>
+                                        <p:tav tm="100000">
+                                          <p:val>
+                                            <p:fltVal val="1"/>
+                                          </p:val>
+                                        </p:tav>
+                                      </p:tavLst>
+                                    </p:anim>
+                                    <p:anim calcmode="lin" valueType="num">
+                                      <p:cBhvr>
+                                        <p:cTn id="9" dur="2000" fill="hold"/>
+                                        <p:tgtEl>
+                                          <p:spTgt spid="12"/>
+                                        </p:tgtEl>
+                                        <p:attrNameLst>
+                                          <p:attrName>ppt_h</p:attrName>
+                                        </p:attrNameLst>
+                                      </p:cBhvr>
+                                      <p:tavLst>
+                                        <p:tav tm="0">
+                                          <p:val>
+                                            <p:strVal val="#ppt_h"/>
+                                          </p:val>
+                                        </p:tav>
+                                        <p:tav tm="100000">
+                                          <p:val>
+                                            <p:strVal val="#ppt_h"/>
+                                          </p:val>
+                                        </p:tav>
+                                      </p:tavLst>
+                                    </p:anim>
+                                  </p:childTnLst>
+                                </p:cTn>
+                              </p:par>
+                            </p:childTnLst>
+                          </p:cTn>
+                        </p:par>
+                      </p:childTnLst>
+                    </p:cTn>
+                  </p:par>
+                </p:childTnLst>
+              </p:cTn>
+              <p:prevCondLst>
+                <p:cond evt="onPrev" delay="0">
+                  <p:tgtEl>
+                    <p:sldTgt/>
+                  </p:tgtEl>
+                </p:cond>
+              </p:prevCondLst>
+              <p:nextCondLst>
+                <p:cond evt="onNext" delay="0">
+                  <p:tgtEl>
+                    <p:sldTgt/>
+                  </p:tgtEl>
+                </p:cond>
+              </p:nextCondLst>
+            </p:seq>
+          </p:childTnLst>
+        </p:cTn>
+      </p:par>
+    </p:tnLst>
+  </p:timing>
 </p:sld>
 </file>
 
@@ -14294,7 +15055,7 @@
           <p:cNvPr id="2" name="Заголовок 1">
             <a:extLst>
               <a:ext uri="{FF2B5EF4-FFF2-40B4-BE49-F238E27FC236}">
-                <a16:creationId xmlns:a16="http://schemas.microsoft.com/office/drawing/2014/main" xmlns="" id="{25F692A8-803A-41A1-AB91-078148637459}"/>
+                <a16:creationId xmlns:a16="http://schemas.microsoft.com/office/drawing/2014/main" id="{25F692A8-803A-41A1-AB91-078148637459}"/>
               </a:ext>
             </a:extLst>
           </p:cNvPr>
@@ -14336,7 +15097,7 @@
           <p:cNvPr id="5" name="Объект 4">
             <a:extLst>
               <a:ext uri="{FF2B5EF4-FFF2-40B4-BE49-F238E27FC236}">
-                <a16:creationId xmlns:a16="http://schemas.microsoft.com/office/drawing/2014/main" xmlns="" id="{22A8E864-5F8E-48AD-BCBD-1533E62310C2}"/>
+                <a16:creationId xmlns:a16="http://schemas.microsoft.com/office/drawing/2014/main" id="{22A8E864-5F8E-48AD-BCBD-1533E62310C2}"/>
               </a:ext>
             </a:extLst>
           </p:cNvPr>
@@ -14367,7 +15128,7 @@
           <p:cNvPr id="4" name="Рисунок 3">
             <a:extLst>
               <a:ext uri="{FF2B5EF4-FFF2-40B4-BE49-F238E27FC236}">
-                <a16:creationId xmlns:a16="http://schemas.microsoft.com/office/drawing/2014/main" xmlns="" id="{DB18C982-9DB4-48A0-8AAB-D33C932E7140}"/>
+                <a16:creationId xmlns:a16="http://schemas.microsoft.com/office/drawing/2014/main" id="{DB18C982-9DB4-48A0-8AAB-D33C932E7140}"/>
               </a:ext>
             </a:extLst>
           </p:cNvPr>
@@ -14403,7 +15164,7 @@
           <p:cNvPr id="6" name="Рисунок 5">
             <a:extLst>
               <a:ext uri="{FF2B5EF4-FFF2-40B4-BE49-F238E27FC236}">
-                <a16:creationId xmlns:a16="http://schemas.microsoft.com/office/drawing/2014/main" xmlns="" id="{68E2C515-0C58-44CD-8521-E0149E4D2268}"/>
+                <a16:creationId xmlns:a16="http://schemas.microsoft.com/office/drawing/2014/main" id="{68E2C515-0C58-44CD-8521-E0149E4D2268}"/>
               </a:ext>
             </a:extLst>
           </p:cNvPr>
@@ -14434,12 +15195,48 @@
           </a:prstGeom>
         </p:spPr>
       </p:pic>
+      <p:pic>
+        <p:nvPicPr>
+          <p:cNvPr id="11" name="Рисунок 10">
+            <a:extLst>
+              <a:ext uri="{FF2B5EF4-FFF2-40B4-BE49-F238E27FC236}">
+                <a16:creationId xmlns:a16="http://schemas.microsoft.com/office/drawing/2014/main" id="{5094FE3A-7282-4C0E-ABC3-1CF390964A21}"/>
+              </a:ext>
+            </a:extLst>
+          </p:cNvPr>
+          <p:cNvPicPr>
+            <a:picLocks noChangeAspect="1"/>
+          </p:cNvPicPr>
+          <p:nvPr/>
+        </p:nvPicPr>
+        <p:blipFill>
+          <a:blip r:embed="rId9">
+            <a:extLst>
+              <a:ext uri="{28A0092B-C50C-407E-A947-70E740481C1C}">
+                <a14:useLocalDpi xmlns:a14="http://schemas.microsoft.com/office/drawing/2010/main" val="0"/>
+              </a:ext>
+            </a:extLst>
+          </a:blip>
+          <a:stretch>
+            <a:fillRect/>
+          </a:stretch>
+        </p:blipFill>
+        <p:spPr>
+          <a:xfrm>
+            <a:off x="11303935" y="278699"/>
+            <a:ext cx="544664" cy="544664"/>
+          </a:xfrm>
+          <a:prstGeom prst="rect">
+            <a:avLst/>
+          </a:prstGeom>
+        </p:spPr>
+      </p:pic>
       <p:graphicFrame>
         <p:nvGraphicFramePr>
-          <p:cNvPr id="7" name="Таблица 6">
+          <p:cNvPr id="13" name="Таблица 12">
             <a:extLst>
               <a:ext uri="{FF2B5EF4-FFF2-40B4-BE49-F238E27FC236}">
-                <a16:creationId xmlns:a16="http://schemas.microsoft.com/office/drawing/2014/main" xmlns="" id="{00CB1236-4BF2-45F4-8654-78E3918E8CA1}"/>
+                <a16:creationId xmlns:a16="http://schemas.microsoft.com/office/drawing/2014/main" id="{62CBBD36-8C81-46D6-8907-6D847186B94A}"/>
               </a:ext>
             </a:extLst>
           </p:cNvPr>
@@ -14449,14 +15246,14 @@
           <p:nvPr>
             <p:extLst>
               <p:ext uri="{D42A27DB-BD31-4B8C-83A1-F6EECF244321}">
-                <p14:modId xmlns:p14="http://schemas.microsoft.com/office/powerpoint/2010/main" val="2370180676"/>
+                <p14:modId xmlns:p14="http://schemas.microsoft.com/office/powerpoint/2010/main" val="688727512"/>
               </p:ext>
             </p:extLst>
           </p:nvPr>
         </p:nvGraphicFramePr>
         <p:xfrm>
-          <a:off x="653332" y="6329045"/>
-          <a:ext cx="10430786" cy="527495"/>
+          <a:off x="0" y="6329045"/>
+          <a:ext cx="12192000" cy="528955"/>
         </p:xfrm>
         <a:graphic>
           <a:graphicData uri="http://schemas.openxmlformats.org/drawingml/2006/table">
@@ -14465,10 +15262,10 @@
                 <a:tableStyleId>{5C22544A-7EE6-4342-B048-85BDC9FD1C3A}</a:tableStyleId>
               </a:tblPr>
               <a:tblGrid>
-                <a:gridCol w="10430786">
+                <a:gridCol w="12192000">
                   <a:extLst>
                     <a:ext uri="{9D8B030D-6E8A-4147-A177-3AD203B41FA5}">
-                      <a16:colId xmlns:a16="http://schemas.microsoft.com/office/drawing/2014/main" xmlns="" val="3945925805"/>
+                      <a16:colId xmlns:a16="http://schemas.microsoft.com/office/drawing/2014/main" val="3945925805"/>
                     </a:ext>
                   </a:extLst>
                 </a:gridCol>
@@ -14479,7 +15276,7 @@
                     <a:bodyPr/>
                     <a:lstStyle/>
                     <a:p>
-                      <a:pPr lvl="1" algn="ctr">
+                      <a:pPr lvl="0" algn="ctr">
                         <a:lnSpc>
                           <a:spcPct val="250000"/>
                         </a:lnSpc>
@@ -14488,7 +15285,7 @@
                         </a:spcAft>
                       </a:pPr>
                       <a:r>
-                        <a:rPr lang="ru-RU" sz="1100" b="1" cap="all" spc="150" dirty="0" smtClean="0">
+                        <a:rPr lang="ru-RU" sz="1100" b="1" cap="all" spc="150" dirty="0">
                           <a:solidFill>
                             <a:srgbClr val="D10A11"/>
                           </a:solidFill>
@@ -14499,17 +15296,17 @@
                         <a:t>🌍 г. Харьков, ул. Пермская, 15/56  ☎</a:t>
                       </a:r>
                       <a:r>
-                        <a:rPr lang="ru-RU" sz="1100" b="1" u="sng" cap="all" spc="150" dirty="0" smtClean="0">
+                        <a:rPr lang="ru-RU" sz="1100" b="1" u="sng" cap="all" spc="150" dirty="0">
                           <a:solidFill>
                             <a:srgbClr val="D10A11"/>
                           </a:solidFill>
                           <a:effectLst/>
                           <a:latin typeface="Arial" panose="020B0604020202020204" pitchFamily="34" charset="0"/>
                           <a:cs typeface="Arial" panose="020B0604020202020204" pitchFamily="34" charset="0"/>
-                          <a:hlinkClick r:id="rId9">
+                          <a:hlinkClick r:id="rId10">
                             <a:extLst>
                               <a:ext uri="{A12FA001-AC4F-418D-AE19-62706E023703}">
-                                <ahyp:hlinkClr xmlns="" xmlns:ahyp="http://schemas.microsoft.com/office/drawing/2018/hyperlinkcolor" xmlns:lc="http://schemas.openxmlformats.org/drawingml/2006/lockedCanvas" val="tx"/>
+                                <ahyp:hlinkClr xmlns:ahyp="http://schemas.microsoft.com/office/drawing/2018/hyperlinkcolor" val="tx"/>
                               </a:ext>
                             </a:extLst>
                           </a:hlinkClick>
@@ -14517,7 +15314,7 @@
                         <a:t>+</a:t>
                       </a:r>
                       <a:r>
-                        <a:rPr lang="ru-RU" sz="1100" b="1" kern="1200" cap="all" spc="150" dirty="0" smtClean="0">
+                        <a:rPr lang="ru-RU" sz="1100" b="1" kern="1200" cap="all" spc="150" dirty="0">
                           <a:solidFill>
                             <a:srgbClr val="D10A11"/>
                           </a:solidFill>
@@ -14525,10 +15322,10 @@
                           <a:latin typeface="Arial" panose="020B0604020202020204" pitchFamily="34" charset="0"/>
                           <a:ea typeface="+mn-ea"/>
                           <a:cs typeface="Arial" panose="020B0604020202020204" pitchFamily="34" charset="0"/>
-                          <a:hlinkClick r:id="rId9">
+                          <a:hlinkClick r:id="rId10">
                             <a:extLst>
                               <a:ext uri="{A12FA001-AC4F-418D-AE19-62706E023703}">
-                                <ahyp:hlinkClr xmlns="" xmlns:ahyp="http://schemas.microsoft.com/office/drawing/2018/hyperlinkcolor" xmlns:lc="http://schemas.openxmlformats.org/drawingml/2006/lockedCanvas" val="tx"/>
+                                <ahyp:hlinkClr xmlns:ahyp="http://schemas.microsoft.com/office/drawing/2018/hyperlinkcolor" val="tx"/>
                               </a:ext>
                             </a:extLst>
                           </a:hlinkClick>
@@ -14536,7 +15333,7 @@
                         <a:t>38(093)5820327</a:t>
                       </a:r>
                       <a:r>
-                        <a:rPr lang="ru-RU" sz="1100" b="1" kern="1200" cap="all" spc="150" dirty="0" smtClean="0">
+                        <a:rPr lang="ru-RU" sz="1100" b="1" kern="1200" cap="all" spc="150" dirty="0">
                           <a:solidFill>
                             <a:srgbClr val="D10A11"/>
                           </a:solidFill>
@@ -14548,7 +15345,7 @@
                         <a:t>        </a:t>
                       </a:r>
                       <a:r>
-                        <a:rPr lang="en-US" sz="1100" b="1" kern="1200" cap="all" spc="150" dirty="0" err="1" smtClean="0">
+                        <a:rPr lang="en-US" sz="1100" b="1" kern="1200" cap="all" spc="150" dirty="0" err="1">
                           <a:solidFill>
                             <a:srgbClr val="D10A11"/>
                           </a:solidFill>
@@ -14556,10 +15353,10 @@
                           <a:latin typeface="Arial" panose="020B0604020202020204" pitchFamily="34" charset="0"/>
                           <a:ea typeface="+mn-ea"/>
                           <a:cs typeface="Arial" panose="020B0604020202020204" pitchFamily="34" charset="0"/>
-                          <a:hlinkClick r:id="rId10">
+                          <a:hlinkClick r:id="rId11">
                             <a:extLst>
                               <a:ext uri="{A12FA001-AC4F-418D-AE19-62706E023703}">
-                                <ahyp:hlinkClr xmlns="" xmlns:ahyp="http://schemas.microsoft.com/office/drawing/2018/hyperlinkcolor" xmlns:lc="http://schemas.openxmlformats.org/drawingml/2006/lockedCanvas" val="tx"/>
+                                <ahyp:hlinkClr xmlns:ahyp="http://schemas.microsoft.com/office/drawing/2018/hyperlinkcolor" val="tx"/>
                               </a:ext>
                             </a:extLst>
                           </a:hlinkClick>
@@ -14567,7 +15364,7 @@
                         <a:t>valery</a:t>
                       </a:r>
                       <a:r>
-                        <a:rPr lang="ru-RU" sz="1100" b="1" kern="1200" cap="all" spc="150" dirty="0" smtClean="0">
+                        <a:rPr lang="ru-RU" sz="1100" b="1" kern="1200" cap="all" spc="150" dirty="0">
                           <a:solidFill>
                             <a:srgbClr val="D10A11"/>
                           </a:solidFill>
@@ -14575,10 +15372,10 @@
                           <a:latin typeface="Arial" panose="020B0604020202020204" pitchFamily="34" charset="0"/>
                           <a:ea typeface="+mn-ea"/>
                           <a:cs typeface="Arial" panose="020B0604020202020204" pitchFamily="34" charset="0"/>
-                          <a:hlinkClick r:id="rId10">
+                          <a:hlinkClick r:id="rId11">
                             <a:extLst>
                               <a:ext uri="{A12FA001-AC4F-418D-AE19-62706E023703}">
-                                <ahyp:hlinkClr xmlns="" xmlns:ahyp="http://schemas.microsoft.com/office/drawing/2018/hyperlinkcolor" xmlns:lc="http://schemas.openxmlformats.org/drawingml/2006/lockedCanvas" val="tx"/>
+                                <ahyp:hlinkClr xmlns:ahyp="http://schemas.microsoft.com/office/drawing/2018/hyperlinkcolor" val="tx"/>
                               </a:ext>
                             </a:extLst>
                           </a:hlinkClick>
@@ -14586,7 +15383,7 @@
                         <a:t>_</a:t>
                       </a:r>
                       <a:r>
-                        <a:rPr lang="en-US" sz="1100" b="1" kern="1200" cap="all" spc="150" dirty="0" err="1" smtClean="0">
+                        <a:rPr lang="en-US" sz="1100" b="1" kern="1200" cap="all" spc="150" dirty="0" err="1">
                           <a:solidFill>
                             <a:srgbClr val="D10A11"/>
                           </a:solidFill>
@@ -14594,10 +15391,10 @@
                           <a:latin typeface="Arial" panose="020B0604020202020204" pitchFamily="34" charset="0"/>
                           <a:ea typeface="+mn-ea"/>
                           <a:cs typeface="Arial" panose="020B0604020202020204" pitchFamily="34" charset="0"/>
-                          <a:hlinkClick r:id="rId10">
+                          <a:hlinkClick r:id="rId11">
                             <a:extLst>
                               <a:ext uri="{A12FA001-AC4F-418D-AE19-62706E023703}">
-                                <ahyp:hlinkClr xmlns="" xmlns:ahyp="http://schemas.microsoft.com/office/drawing/2018/hyperlinkcolor" xmlns:lc="http://schemas.openxmlformats.org/drawingml/2006/lockedCanvas" val="tx"/>
+                                <ahyp:hlinkClr xmlns:ahyp="http://schemas.microsoft.com/office/drawing/2018/hyperlinkcolor" val="tx"/>
                               </a:ext>
                             </a:extLst>
                           </a:hlinkClick>
@@ -14605,7 +15402,7 @@
                         <a:t>mobil</a:t>
                       </a:r>
                       <a:r>
-                        <a:rPr lang="en-US" sz="1100" b="1" kern="1200" cap="all" spc="150" dirty="0" smtClean="0">
+                        <a:rPr lang="en-US" sz="1100" b="1" kern="1200" cap="all" spc="150" dirty="0">
                           <a:solidFill>
                             <a:srgbClr val="D10A11"/>
                           </a:solidFill>
@@ -14617,7 +15414,7 @@
                         <a:t> </a:t>
                       </a:r>
                       <a:r>
-                        <a:rPr lang="ru-RU" sz="1100" b="1" kern="1200" cap="all" spc="150" dirty="0" smtClean="0">
+                        <a:rPr lang="ru-RU" sz="1100" b="1" kern="1200" cap="all" spc="150" dirty="0">
                           <a:solidFill>
                             <a:srgbClr val="D10A11"/>
                           </a:solidFill>
@@ -14629,7 +15426,7 @@
                         <a:t>  </a:t>
                       </a:r>
                       <a:r>
-                        <a:rPr lang="en-US" sz="1100" b="1" kern="1200" cap="all" spc="150" dirty="0" smtClean="0">
+                        <a:rPr lang="en-US" sz="1100" b="1" kern="1200" cap="all" spc="150" dirty="0">
                           <a:solidFill>
                             <a:srgbClr val="D10A11"/>
                           </a:solidFill>
@@ -14641,7 +15438,7 @@
                         <a:t>📧</a:t>
                       </a:r>
                       <a:r>
-                        <a:rPr lang="ru-RU" sz="1100" b="1" kern="1200" cap="all" spc="150" dirty="0" smtClean="0">
+                        <a:rPr lang="ru-RU" sz="1100" b="1" kern="1200" cap="all" spc="150" dirty="0">
                           <a:solidFill>
                             <a:srgbClr val="D10A11"/>
                           </a:solidFill>
@@ -14653,7 +15450,7 @@
                         <a:t> </a:t>
                       </a:r>
                       <a:r>
-                        <a:rPr lang="en-US" sz="1100" b="1" kern="1200" cap="all" spc="150" dirty="0" err="1" smtClean="0">
+                        <a:rPr lang="en-US" sz="1100" b="1" kern="1200" cap="all" spc="150" dirty="0" err="1">
                           <a:solidFill>
                             <a:srgbClr val="D10A11"/>
                           </a:solidFill>
@@ -14661,10 +15458,10 @@
                           <a:latin typeface="Arial" panose="020B0604020202020204" pitchFamily="34" charset="0"/>
                           <a:ea typeface="+mn-ea"/>
                           <a:cs typeface="Arial" panose="020B0604020202020204" pitchFamily="34" charset="0"/>
-                          <a:hlinkClick r:id="rId11">
+                          <a:hlinkClick r:id="rId12">
                             <a:extLst>
                               <a:ext uri="{A12FA001-AC4F-418D-AE19-62706E023703}">
-                                <ahyp:hlinkClr xmlns="" xmlns:ahyp="http://schemas.microsoft.com/office/drawing/2018/hyperlinkcolor" xmlns:lc="http://schemas.openxmlformats.org/drawingml/2006/lockedCanvas" val="tx"/>
+                                <ahyp:hlinkClr xmlns:ahyp="http://schemas.microsoft.com/office/drawing/2018/hyperlinkcolor" val="tx"/>
                               </a:ext>
                             </a:extLst>
                           </a:hlinkClick>
@@ -14672,7 +15469,7 @@
                         <a:t>mvn</a:t>
                       </a:r>
                       <a:r>
-                        <a:rPr lang="ru-RU" sz="1100" b="1" kern="1200" cap="all" spc="150" dirty="0" smtClean="0">
+                        <a:rPr lang="ru-RU" sz="1100" b="1" kern="1200" cap="all" spc="150" dirty="0">
                           <a:solidFill>
                             <a:srgbClr val="D10A11"/>
                           </a:solidFill>
@@ -14680,10 +15477,10 @@
                           <a:latin typeface="Arial" panose="020B0604020202020204" pitchFamily="34" charset="0"/>
                           <a:ea typeface="+mn-ea"/>
                           <a:cs typeface="Arial" panose="020B0604020202020204" pitchFamily="34" charset="0"/>
-                          <a:hlinkClick r:id="rId11">
+                          <a:hlinkClick r:id="rId12">
                             <a:extLst>
                               <a:ext uri="{A12FA001-AC4F-418D-AE19-62706E023703}">
-                                <ahyp:hlinkClr xmlns="" xmlns:ahyp="http://schemas.microsoft.com/office/drawing/2018/hyperlinkcolor" xmlns:lc="http://schemas.openxmlformats.org/drawingml/2006/lockedCanvas" val="tx"/>
+                                <ahyp:hlinkClr xmlns:ahyp="http://schemas.microsoft.com/office/drawing/2018/hyperlinkcolor" val="tx"/>
                               </a:ext>
                             </a:extLst>
                           </a:hlinkClick>
@@ -14691,7 +15488,7 @@
                         <a:t>2004@</a:t>
                       </a:r>
                       <a:r>
-                        <a:rPr lang="en-US" sz="1100" b="1" kern="1200" cap="all" spc="150" dirty="0" smtClean="0">
+                        <a:rPr lang="en-US" sz="1100" b="1" kern="1200" cap="all" spc="150" dirty="0">
                           <a:solidFill>
                             <a:srgbClr val="D10A11"/>
                           </a:solidFill>
@@ -14699,10 +15496,10 @@
                           <a:latin typeface="Arial" panose="020B0604020202020204" pitchFamily="34" charset="0"/>
                           <a:ea typeface="+mn-ea"/>
                           <a:cs typeface="Arial" panose="020B0604020202020204" pitchFamily="34" charset="0"/>
-                          <a:hlinkClick r:id="rId11">
+                          <a:hlinkClick r:id="rId12">
                             <a:extLst>
                               <a:ext uri="{A12FA001-AC4F-418D-AE19-62706E023703}">
-                                <ahyp:hlinkClr xmlns="" xmlns:ahyp="http://schemas.microsoft.com/office/drawing/2018/hyperlinkcolor" xmlns:lc="http://schemas.openxmlformats.org/drawingml/2006/lockedCanvas" val="tx"/>
+                                <ahyp:hlinkClr xmlns:ahyp="http://schemas.microsoft.com/office/drawing/2018/hyperlinkcolor" val="tx"/>
                               </a:ext>
                             </a:extLst>
                           </a:hlinkClick>
@@ -14710,7 +15507,7 @@
                         <a:t>mail</a:t>
                       </a:r>
                       <a:r>
-                        <a:rPr lang="ru-RU" sz="1100" b="1" kern="1200" cap="all" spc="150" dirty="0" smtClean="0">
+                        <a:rPr lang="ru-RU" sz="1100" b="1" kern="1200" cap="all" spc="150" dirty="0">
                           <a:solidFill>
                             <a:srgbClr val="D10A11"/>
                           </a:solidFill>
@@ -14718,10 +15515,10 @@
                           <a:latin typeface="Arial" panose="020B0604020202020204" pitchFamily="34" charset="0"/>
                           <a:ea typeface="+mn-ea"/>
                           <a:cs typeface="Arial" panose="020B0604020202020204" pitchFamily="34" charset="0"/>
-                          <a:hlinkClick r:id="rId11">
+                          <a:hlinkClick r:id="rId12">
                             <a:extLst>
                               <a:ext uri="{A12FA001-AC4F-418D-AE19-62706E023703}">
-                                <ahyp:hlinkClr xmlns="" xmlns:ahyp="http://schemas.microsoft.com/office/drawing/2018/hyperlinkcolor" xmlns:lc="http://schemas.openxmlformats.org/drawingml/2006/lockedCanvas" val="tx"/>
+                                <ahyp:hlinkClr xmlns:ahyp="http://schemas.microsoft.com/office/drawing/2018/hyperlinkcolor" val="tx"/>
                               </a:ext>
                             </a:extLst>
                           </a:hlinkClick>
@@ -14729,7 +15526,7 @@
                         <a:t>.</a:t>
                       </a:r>
                       <a:r>
-                        <a:rPr lang="en-US" sz="1100" b="1" kern="1200" cap="all" spc="150" dirty="0" err="1" smtClean="0">
+                        <a:rPr lang="en-US" sz="1100" b="1" kern="1200" cap="all" spc="150" dirty="0" err="1">
                           <a:solidFill>
                             <a:srgbClr val="D10A11"/>
                           </a:solidFill>
@@ -14737,10 +15534,10 @@
                           <a:latin typeface="Arial" panose="020B0604020202020204" pitchFamily="34" charset="0"/>
                           <a:ea typeface="+mn-ea"/>
                           <a:cs typeface="Arial" panose="020B0604020202020204" pitchFamily="34" charset="0"/>
-                          <a:hlinkClick r:id="rId11">
+                          <a:hlinkClick r:id="rId12">
                             <a:extLst>
                               <a:ext uri="{A12FA001-AC4F-418D-AE19-62706E023703}">
-                                <ahyp:hlinkClr xmlns="" xmlns:ahyp="http://schemas.microsoft.com/office/drawing/2018/hyperlinkcolor" xmlns:lc="http://schemas.openxmlformats.org/drawingml/2006/lockedCanvas" val="tx"/>
+                                <ahyp:hlinkClr xmlns:ahyp="http://schemas.microsoft.com/office/drawing/2018/hyperlinkcolor" val="tx"/>
                               </a:ext>
                             </a:extLst>
                           </a:hlinkClick>
@@ -14764,7 +15561,7 @@
                 </a:tc>
                 <a:extLst>
                   <a:ext uri="{0D108BD9-81ED-4DB2-BD59-A6C34878D82A}">
-                    <a16:rowId xmlns:a16="http://schemas.microsoft.com/office/drawing/2014/main" xmlns="" val="2829935568"/>
+                    <a16:rowId xmlns:a16="http://schemas.microsoft.com/office/drawing/2014/main" val="2829935568"/>
                   </a:ext>
                 </a:extLst>
               </a:tr>
@@ -14774,10 +15571,10 @@
       </p:graphicFrame>
       <p:pic>
         <p:nvPicPr>
-          <p:cNvPr id="8" name="Рисунок 1" descr="skype-logo-png-5a3a1a4934c5d5">
+          <p:cNvPr id="14" name="Рисунок 1" descr="skype-logo-png-5a3a1a4934c5d5">
             <a:extLst>
               <a:ext uri="{FF2B5EF4-FFF2-40B4-BE49-F238E27FC236}">
-                <a16:creationId xmlns:a16="http://schemas.microsoft.com/office/drawing/2014/main" xmlns="" id="{BAD04BC7-7785-4F55-A8F4-59A0B356E52B}"/>
+                <a16:creationId xmlns:a16="http://schemas.microsoft.com/office/drawing/2014/main" id="{21279A81-D51D-431D-8FD9-517FCDF216B9}"/>
               </a:ext>
             </a:extLst>
           </p:cNvPr>
@@ -14787,7 +15584,7 @@
           <p:nvPr/>
         </p:nvPicPr>
         <p:blipFill>
-          <a:blip r:embed="rId12">
+          <a:blip r:embed="rId13">
             <a:extLst>
               <a:ext uri="{28A0092B-C50C-407E-A947-70E740481C1C}">
                 <a14:useLocalDpi xmlns:a14="http://schemas.microsoft.com/office/drawing/2010/main" val="0"/>
@@ -14801,7 +15598,7 @@
         </p:blipFill>
         <p:spPr bwMode="auto">
           <a:xfrm>
-            <a:off x="6767950" y="6509219"/>
+            <a:off x="6785355" y="6509219"/>
             <a:ext cx="294735" cy="189158"/>
           </a:xfrm>
           <a:prstGeom prst="rect">
@@ -14819,42 +15616,6 @@
           </a:extLst>
         </p:spPr>
       </p:pic>
-      <p:pic>
-        <p:nvPicPr>
-          <p:cNvPr id="9" name="Рисунок 8">
-            <a:extLst>
-              <a:ext uri="{FF2B5EF4-FFF2-40B4-BE49-F238E27FC236}">
-                <a16:creationId xmlns:a16="http://schemas.microsoft.com/office/drawing/2014/main" xmlns="" id="{4A269E61-8200-42CB-BA6A-C49DBE96CA1F}"/>
-              </a:ext>
-            </a:extLst>
-          </p:cNvPr>
-          <p:cNvPicPr>
-            <a:picLocks noChangeAspect="1"/>
-          </p:cNvPicPr>
-          <p:nvPr/>
-        </p:nvPicPr>
-        <p:blipFill>
-          <a:blip r:embed="rId13">
-            <a:extLst>
-              <a:ext uri="{28A0092B-C50C-407E-A947-70E740481C1C}">
-                <a14:useLocalDpi xmlns:a14="http://schemas.microsoft.com/office/drawing/2010/main" val="0"/>
-              </a:ext>
-            </a:extLst>
-          </a:blip>
-          <a:stretch>
-            <a:fillRect/>
-          </a:stretch>
-        </p:blipFill>
-        <p:spPr>
-          <a:xfrm>
-            <a:off x="653332" y="6329238"/>
-            <a:ext cx="544664" cy="544664"/>
-          </a:xfrm>
-          <a:prstGeom prst="rect">
-            <a:avLst/>
-          </a:prstGeom>
-        </p:spPr>
-      </p:pic>
     </p:spTree>
     <p:extLst>
       <p:ext uri="{BB962C8B-B14F-4D97-AF65-F5344CB8AC3E}">
@@ -14865,6 +15626,135 @@
   <p:clrMapOvr>
     <a:masterClrMapping/>
   </p:clrMapOvr>
+  <p:timing>
+    <p:tnLst>
+      <p:par>
+        <p:cTn id="1" dur="indefinite" restart="never" nodeType="tmRoot">
+          <p:childTnLst>
+            <p:seq concurrent="1" nextAc="seek">
+              <p:cTn id="2" dur="indefinite" nodeType="mainSeq">
+                <p:childTnLst>
+                  <p:par>
+                    <p:cTn id="3" fill="hold">
+                      <p:stCondLst>
+                        <p:cond delay="indefinite"/>
+                      </p:stCondLst>
+                      <p:childTnLst>
+                        <p:par>
+                          <p:cTn id="4" fill="hold">
+                            <p:stCondLst>
+                              <p:cond delay="0"/>
+                            </p:stCondLst>
+                            <p:childTnLst>
+                              <p:par>
+                                <p:cTn id="5" presetID="45" presetClass="entr" presetSubtype="0" fill="hold" nodeType="clickEffect">
+                                  <p:stCondLst>
+                                    <p:cond delay="0"/>
+                                  </p:stCondLst>
+                                  <p:childTnLst>
+                                    <p:set>
+                                      <p:cBhvr>
+                                        <p:cTn id="6" dur="1" fill="hold">
+                                          <p:stCondLst>
+                                            <p:cond delay="0"/>
+                                          </p:stCondLst>
+                                        </p:cTn>
+                                        <p:tgtEl>
+                                          <p:spTgt spid="11"/>
+                                        </p:tgtEl>
+                                        <p:attrNameLst>
+                                          <p:attrName>style.visibility</p:attrName>
+                                        </p:attrNameLst>
+                                      </p:cBhvr>
+                                      <p:to>
+                                        <p:strVal val="visible"/>
+                                      </p:to>
+                                    </p:set>
+                                    <p:animEffect transition="in" filter="fade">
+                                      <p:cBhvr>
+                                        <p:cTn id="7" dur="2000"/>
+                                        <p:tgtEl>
+                                          <p:spTgt spid="11"/>
+                                        </p:tgtEl>
+                                      </p:cBhvr>
+                                    </p:animEffect>
+                                    <p:anim calcmode="lin" valueType="num">
+                                      <p:cBhvr>
+                                        <p:cTn id="8" dur="2000" fill="hold"/>
+                                        <p:tgtEl>
+                                          <p:spTgt spid="11"/>
+                                        </p:tgtEl>
+                                        <p:attrNameLst>
+                                          <p:attrName>ppt_w</p:attrName>
+                                        </p:attrNameLst>
+                                      </p:cBhvr>
+                                      <p:tavLst>
+                                        <p:tav tm="0" fmla="#ppt_w*sin(2.5*pi*$)">
+                                          <p:val>
+                                            <p:fltVal val="0"/>
+                                          </p:val>
+                                        </p:tav>
+                                        <p:tav tm="100000">
+                                          <p:val>
+                                            <p:fltVal val="1"/>
+                                          </p:val>
+                                        </p:tav>
+                                      </p:tavLst>
+                                    </p:anim>
+                                    <p:anim calcmode="lin" valueType="num">
+                                      <p:cBhvr>
+                                        <p:cTn id="9" dur="2000" fill="hold"/>
+                                        <p:tgtEl>
+                                          <p:spTgt spid="11"/>
+                                        </p:tgtEl>
+                                        <p:attrNameLst>
+                                          <p:attrName>ppt_h</p:attrName>
+                                        </p:attrNameLst>
+                                      </p:cBhvr>
+                                      <p:tavLst>
+                                        <p:tav tm="0">
+                                          <p:val>
+                                            <p:strVal val="#ppt_h"/>
+                                          </p:val>
+                                        </p:tav>
+                                        <p:tav tm="100000">
+                                          <p:val>
+                                            <p:strVal val="#ppt_h"/>
+                                          </p:val>
+                                        </p:tav>
+                                      </p:tavLst>
+                                    </p:anim>
+                                  </p:childTnLst>
+                                </p:cTn>
+                              </p:par>
+                            </p:childTnLst>
+                          </p:cTn>
+                        </p:par>
+                      </p:childTnLst>
+                    </p:cTn>
+                  </p:par>
+                </p:childTnLst>
+              </p:cTn>
+              <p:prevCondLst>
+                <p:cond evt="onPrev" delay="0">
+                  <p:tgtEl>
+                    <p:sldTgt/>
+                  </p:tgtEl>
+                </p:cond>
+              </p:prevCondLst>
+              <p:nextCondLst>
+                <p:cond evt="onNext" delay="0">
+                  <p:tgtEl>
+                    <p:sldTgt/>
+                  </p:tgtEl>
+                </p:cond>
+              </p:nextCondLst>
+            </p:seq>
+          </p:childTnLst>
+        </p:cTn>
+      </p:par>
+    </p:tnLst>
+  </p:timing>
 </p:sld>
 </file>
 
@@ -15157,7 +16047,7 @@
   <a:extraClrSchemeLst/>
   <a:extLst>
     <a:ext uri="{05A4C25C-085E-4340-85A3-A5531E510DB2}">
-      <thm15:themeFamily xmlns:thm15="http://schemas.microsoft.com/office/thememl/2012/main" xmlns="" name="Office Theme" id="{62F939B6-93AF-4DB8-9C6B-D6C7DFDC589F}" vid="{4A3C46E8-61CC-4603-A589-7422A47A8E4A}"/>
+      <thm15:themeFamily xmlns:thm15="http://schemas.microsoft.com/office/thememl/2012/main" name="Office Theme" id="{62F939B6-93AF-4DB8-9C6B-D6C7DFDC589F}" vid="{4A3C46E8-61CC-4603-A589-7422A47A8E4A}"/>
     </a:ext>
   </a:extLst>
 </a:theme>

--- a/files/Development1CMedstar.pptx
+++ b/files/Development1CMedstar.pptx
@@ -11612,7 +11612,7 @@
           <a:p>
             <a:pPr algn="r"/>
             <a:r>
-              <a:rPr lang="ru-RU" b="1" dirty="0">
+              <a:rPr lang="ru-RU" sz="3600" b="1" dirty="0">
                 <a:solidFill>
                   <a:srgbClr val="D10A11"/>
                 </a:solidFill>
@@ -11621,7 +11621,7 @@
               </a:rPr>
               <a:t>ДСКН</a:t>
             </a:r>
-            <a:endParaRPr lang="ru-RU" b="1" dirty="0">
+            <a:endParaRPr lang="ru-RU" sz="3600" b="1" dirty="0">
               <a:solidFill>
                 <a:srgbClr val="D10A11"/>
               </a:solidFill>
@@ -12303,12 +12303,14 @@
           </a:xfrm>
         </p:spPr>
         <p:txBody>
-          <a:bodyPr/>
+          <a:bodyPr>
+            <a:normAutofit/>
+          </a:bodyPr>
           <a:lstStyle/>
           <a:p>
             <a:pPr algn="r"/>
             <a:r>
-              <a:rPr lang="ru-RU" b="1" dirty="0">
+              <a:rPr lang="ru-RU" sz="3600" b="1" dirty="0">
                 <a:solidFill>
                   <a:srgbClr val="D10A11"/>
                 </a:solidFill>

--- a/files/Development1CMedstar.pptx
+++ b/files/Development1CMedstar.pptx
@@ -1984,7 +1984,64 @@
     </dgm:pt>
     <dgm:pt modelId="{45F98D66-9802-47DF-A22E-EA0CE47FD900}">
       <dgm:prSet phldrT="[Текст]" custT="1"/>
-      <dgm:spPr/>
+      <dgm:spPr>
+        <a:gradFill flip="none" rotWithShape="0">
+          <a:gsLst>
+            <a:gs pos="0">
+              <a:schemeClr val="accent2">
+                <a:hueOff val="0"/>
+                <a:satOff val="0"/>
+                <a:lumOff val="0"/>
+                <a:shade val="30000"/>
+                <a:satMod val="115000"/>
+              </a:schemeClr>
+            </a:gs>
+            <a:gs pos="50000">
+              <a:schemeClr val="accent2">
+                <a:hueOff val="0"/>
+                <a:satOff val="0"/>
+                <a:lumOff val="0"/>
+                <a:shade val="67500"/>
+                <a:satMod val="115000"/>
+              </a:schemeClr>
+            </a:gs>
+            <a:gs pos="100000">
+              <a:schemeClr val="accent2">
+                <a:hueOff val="0"/>
+                <a:satOff val="0"/>
+                <a:lumOff val="0"/>
+                <a:shade val="100000"/>
+                <a:satMod val="115000"/>
+              </a:schemeClr>
+            </a:gs>
+          </a:gsLst>
+          <a:path path="circle">
+            <a:fillToRect t="100000" r="100000"/>
+          </a:path>
+          <a:tileRect l="-100000" b="-100000"/>
+        </a:gradFill>
+        <a:ln>
+          <a:noFill/>
+        </a:ln>
+        <a:effectLst>
+          <a:outerShdw blurRad="149987" dist="250190" dir="8460000" algn="ctr">
+            <a:srgbClr val="000000">
+              <a:alpha val="28000"/>
+            </a:srgbClr>
+          </a:outerShdw>
+        </a:effectLst>
+        <a:scene3d>
+          <a:camera prst="orthographicFront">
+            <a:rot lat="0" lon="0" rev="0"/>
+          </a:camera>
+          <a:lightRig rig="contrasting" dir="t">
+            <a:rot lat="0" lon="0" rev="1500000"/>
+          </a:lightRig>
+        </a:scene3d>
+        <a:sp3d prstMaterial="metal">
+          <a:bevelT w="88900" h="88900"/>
+        </a:sp3d>
+      </dgm:spPr>
       <dgm:t>
         <a:bodyPr/>
         <a:lstStyle/>
@@ -2023,7 +2080,64 @@
     </dgm:pt>
     <dgm:pt modelId="{80C85C55-B790-449F-BDE8-6365A6A5725A}">
       <dgm:prSet phldrT="[Текст]" custT="1"/>
-      <dgm:spPr/>
+      <dgm:spPr>
+        <a:gradFill flip="none" rotWithShape="0">
+          <a:gsLst>
+            <a:gs pos="0">
+              <a:schemeClr val="accent3">
+                <a:hueOff val="0"/>
+                <a:satOff val="0"/>
+                <a:lumOff val="0"/>
+                <a:shade val="30000"/>
+                <a:satMod val="115000"/>
+              </a:schemeClr>
+            </a:gs>
+            <a:gs pos="50000">
+              <a:schemeClr val="accent3">
+                <a:hueOff val="0"/>
+                <a:satOff val="0"/>
+                <a:lumOff val="0"/>
+                <a:shade val="67500"/>
+                <a:satMod val="115000"/>
+              </a:schemeClr>
+            </a:gs>
+            <a:gs pos="100000">
+              <a:schemeClr val="accent3">
+                <a:hueOff val="0"/>
+                <a:satOff val="0"/>
+                <a:lumOff val="0"/>
+                <a:shade val="100000"/>
+                <a:satMod val="115000"/>
+              </a:schemeClr>
+            </a:gs>
+          </a:gsLst>
+          <a:path path="circle">
+            <a:fillToRect t="100000" r="100000"/>
+          </a:path>
+          <a:tileRect l="-100000" b="-100000"/>
+        </a:gradFill>
+        <a:ln>
+          <a:noFill/>
+        </a:ln>
+        <a:effectLst>
+          <a:outerShdw blurRad="149987" dist="250190" dir="8460000" algn="ctr">
+            <a:srgbClr val="000000">
+              <a:alpha val="28000"/>
+            </a:srgbClr>
+          </a:outerShdw>
+        </a:effectLst>
+        <a:scene3d>
+          <a:camera prst="orthographicFront">
+            <a:rot lat="0" lon="0" rev="0"/>
+          </a:camera>
+          <a:lightRig rig="contrasting" dir="t">
+            <a:rot lat="0" lon="0" rev="1500000"/>
+          </a:lightRig>
+        </a:scene3d>
+        <a:sp3d prstMaterial="metal">
+          <a:bevelT w="88900" h="88900"/>
+        </a:sp3d>
+      </dgm:spPr>
       <dgm:t>
         <a:bodyPr/>
         <a:lstStyle/>
@@ -2062,7 +2176,64 @@
     </dgm:pt>
     <dgm:pt modelId="{DAD11457-03D3-4C9D-BE27-E354FDD1E2E8}">
       <dgm:prSet phldrT="[Текст]" custT="1"/>
-      <dgm:spPr/>
+      <dgm:spPr>
+        <a:gradFill flip="none" rotWithShape="0">
+          <a:gsLst>
+            <a:gs pos="0">
+              <a:schemeClr val="accent4">
+                <a:hueOff val="0"/>
+                <a:satOff val="0"/>
+                <a:lumOff val="0"/>
+                <a:shade val="30000"/>
+                <a:satMod val="115000"/>
+              </a:schemeClr>
+            </a:gs>
+            <a:gs pos="50000">
+              <a:schemeClr val="accent4">
+                <a:hueOff val="0"/>
+                <a:satOff val="0"/>
+                <a:lumOff val="0"/>
+                <a:shade val="67500"/>
+                <a:satMod val="115000"/>
+              </a:schemeClr>
+            </a:gs>
+            <a:gs pos="100000">
+              <a:schemeClr val="accent4">
+                <a:hueOff val="0"/>
+                <a:satOff val="0"/>
+                <a:lumOff val="0"/>
+                <a:shade val="100000"/>
+                <a:satMod val="115000"/>
+              </a:schemeClr>
+            </a:gs>
+          </a:gsLst>
+          <a:path path="circle">
+            <a:fillToRect t="100000" r="100000"/>
+          </a:path>
+          <a:tileRect l="-100000" b="-100000"/>
+        </a:gradFill>
+        <a:ln>
+          <a:noFill/>
+        </a:ln>
+        <a:effectLst>
+          <a:outerShdw blurRad="149987" dist="250190" dir="8460000" algn="ctr">
+            <a:srgbClr val="000000">
+              <a:alpha val="28000"/>
+            </a:srgbClr>
+          </a:outerShdw>
+        </a:effectLst>
+        <a:scene3d>
+          <a:camera prst="orthographicFront">
+            <a:rot lat="0" lon="0" rev="0"/>
+          </a:camera>
+          <a:lightRig rig="contrasting" dir="t">
+            <a:rot lat="0" lon="0" rev="1500000"/>
+          </a:lightRig>
+        </a:scene3d>
+        <a:sp3d prstMaterial="metal">
+          <a:bevelT w="88900" h="88900"/>
+        </a:sp3d>
+      </dgm:spPr>
       <dgm:t>
         <a:bodyPr/>
         <a:lstStyle/>
@@ -2101,7 +2272,64 @@
     </dgm:pt>
     <dgm:pt modelId="{C0C1A9F8-7A16-4150-B46D-D92389F35EA0}">
       <dgm:prSet phldrT="[Текст]" custT="1"/>
-      <dgm:spPr/>
+      <dgm:spPr>
+        <a:gradFill flip="none" rotWithShape="0">
+          <a:gsLst>
+            <a:gs pos="0">
+              <a:schemeClr val="accent5">
+                <a:hueOff val="0"/>
+                <a:satOff val="0"/>
+                <a:lumOff val="0"/>
+                <a:shade val="30000"/>
+                <a:satMod val="115000"/>
+              </a:schemeClr>
+            </a:gs>
+            <a:gs pos="50000">
+              <a:schemeClr val="accent5">
+                <a:hueOff val="0"/>
+                <a:satOff val="0"/>
+                <a:lumOff val="0"/>
+                <a:shade val="67500"/>
+                <a:satMod val="115000"/>
+              </a:schemeClr>
+            </a:gs>
+            <a:gs pos="100000">
+              <a:schemeClr val="accent5">
+                <a:hueOff val="0"/>
+                <a:satOff val="0"/>
+                <a:lumOff val="0"/>
+                <a:shade val="100000"/>
+                <a:satMod val="115000"/>
+              </a:schemeClr>
+            </a:gs>
+          </a:gsLst>
+          <a:path path="circle">
+            <a:fillToRect t="100000" r="100000"/>
+          </a:path>
+          <a:tileRect l="-100000" b="-100000"/>
+        </a:gradFill>
+        <a:ln>
+          <a:noFill/>
+        </a:ln>
+        <a:effectLst>
+          <a:outerShdw blurRad="149987" dist="250190" dir="8460000" algn="ctr">
+            <a:srgbClr val="000000">
+              <a:alpha val="28000"/>
+            </a:srgbClr>
+          </a:outerShdw>
+        </a:effectLst>
+        <a:scene3d>
+          <a:camera prst="orthographicFront">
+            <a:rot lat="0" lon="0" rev="0"/>
+          </a:camera>
+          <a:lightRig rig="contrasting" dir="t">
+            <a:rot lat="0" lon="0" rev="1500000"/>
+          </a:lightRig>
+        </a:scene3d>
+        <a:sp3d prstMaterial="metal">
+          <a:bevelT w="88900" h="88900"/>
+        </a:sp3d>
+      </dgm:spPr>
       <dgm:t>
         <a:bodyPr/>
         <a:lstStyle/>
@@ -2144,7 +2372,64 @@
     </dgm:pt>
     <dgm:pt modelId="{7143FC7C-1A6B-4071-80B5-883473B5C7D0}">
       <dgm:prSet phldrT="[Текст]" custT="1"/>
-      <dgm:spPr/>
+      <dgm:spPr>
+        <a:gradFill flip="none" rotWithShape="0">
+          <a:gsLst>
+            <a:gs pos="0">
+              <a:schemeClr val="accent6">
+                <a:hueOff val="0"/>
+                <a:satOff val="0"/>
+                <a:lumOff val="0"/>
+                <a:shade val="30000"/>
+                <a:satMod val="115000"/>
+              </a:schemeClr>
+            </a:gs>
+            <a:gs pos="50000">
+              <a:schemeClr val="accent6">
+                <a:hueOff val="0"/>
+                <a:satOff val="0"/>
+                <a:lumOff val="0"/>
+                <a:shade val="67500"/>
+                <a:satMod val="115000"/>
+              </a:schemeClr>
+            </a:gs>
+            <a:gs pos="100000">
+              <a:schemeClr val="accent6">
+                <a:hueOff val="0"/>
+                <a:satOff val="0"/>
+                <a:lumOff val="0"/>
+                <a:shade val="100000"/>
+                <a:satMod val="115000"/>
+              </a:schemeClr>
+            </a:gs>
+          </a:gsLst>
+          <a:path path="circle">
+            <a:fillToRect t="100000" r="100000"/>
+          </a:path>
+          <a:tileRect l="-100000" b="-100000"/>
+        </a:gradFill>
+        <a:ln>
+          <a:noFill/>
+        </a:ln>
+        <a:effectLst>
+          <a:outerShdw blurRad="149987" dist="250190" dir="8460000" algn="ctr">
+            <a:srgbClr val="000000">
+              <a:alpha val="28000"/>
+            </a:srgbClr>
+          </a:outerShdw>
+        </a:effectLst>
+        <a:scene3d>
+          <a:camera prst="orthographicFront">
+            <a:rot lat="0" lon="0" rev="0"/>
+          </a:camera>
+          <a:lightRig rig="contrasting" dir="t">
+            <a:rot lat="0" lon="0" rev="1500000"/>
+          </a:lightRig>
+        </a:scene3d>
+        <a:sp3d prstMaterial="metal">
+          <a:bevelT w="88900" h="88900"/>
+        </a:sp3d>
+      </dgm:spPr>
       <dgm:t>
         <a:bodyPr/>
         <a:lstStyle/>
@@ -2304,7 +2589,55 @@
     </dgm:pt>
     <dgm:pt modelId="{ED91F051-8592-47BE-8DBC-C7B3E3D4EC85}">
       <dgm:prSet phldrT="[Текст]"/>
-      <dgm:spPr/>
+      <dgm:spPr>
+        <a:gradFill flip="none" rotWithShape="0">
+          <a:gsLst>
+            <a:gs pos="0">
+              <a:srgbClr val="C00000">
+                <a:shade val="30000"/>
+                <a:satMod val="115000"/>
+              </a:srgbClr>
+            </a:gs>
+            <a:gs pos="50000">
+              <a:srgbClr val="C00000">
+                <a:shade val="67500"/>
+                <a:satMod val="115000"/>
+              </a:srgbClr>
+            </a:gs>
+            <a:gs pos="100000">
+              <a:srgbClr val="C00000">
+                <a:shade val="100000"/>
+                <a:satMod val="115000"/>
+              </a:srgbClr>
+            </a:gs>
+          </a:gsLst>
+          <a:path path="circle">
+            <a:fillToRect t="100000" r="100000"/>
+          </a:path>
+          <a:tileRect l="-100000" b="-100000"/>
+        </a:gradFill>
+        <a:ln>
+          <a:noFill/>
+        </a:ln>
+        <a:effectLst>
+          <a:outerShdw blurRad="149987" dist="250190" dir="8460000" algn="ctr">
+            <a:srgbClr val="000000">
+              <a:alpha val="28000"/>
+            </a:srgbClr>
+          </a:outerShdw>
+        </a:effectLst>
+        <a:scene3d>
+          <a:camera prst="orthographicFront">
+            <a:rot lat="0" lon="0" rev="0"/>
+          </a:camera>
+          <a:lightRig rig="contrasting" dir="t">
+            <a:rot lat="0" lon="0" rev="1500000"/>
+          </a:lightRig>
+        </a:scene3d>
+        <a:sp3d prstMaterial="metal">
+          <a:bevelT w="88900" h="88900"/>
+        </a:sp3d>
+      </dgm:spPr>
       <dgm:t>
         <a:bodyPr/>
         <a:lstStyle/>
@@ -2332,7 +2665,55 @@
     </dgm:pt>
     <dgm:pt modelId="{745EC707-1B17-492F-9A4C-3DFA39AFEDE0}" type="sibTrans" cxnId="{3808E39E-74B7-4C23-AFE4-63041415536B}">
       <dgm:prSet/>
-      <dgm:spPr/>
+      <dgm:spPr>
+        <a:gradFill flip="none" rotWithShape="0">
+          <a:gsLst>
+            <a:gs pos="0">
+              <a:srgbClr val="C00000">
+                <a:shade val="30000"/>
+                <a:satMod val="115000"/>
+              </a:srgbClr>
+            </a:gs>
+            <a:gs pos="50000">
+              <a:srgbClr val="C00000">
+                <a:shade val="67500"/>
+                <a:satMod val="115000"/>
+              </a:srgbClr>
+            </a:gs>
+            <a:gs pos="100000">
+              <a:srgbClr val="C00000">
+                <a:shade val="100000"/>
+                <a:satMod val="115000"/>
+              </a:srgbClr>
+            </a:gs>
+          </a:gsLst>
+          <a:path path="circle">
+            <a:fillToRect t="100000" r="100000"/>
+          </a:path>
+          <a:tileRect l="-100000" b="-100000"/>
+        </a:gradFill>
+        <a:ln>
+          <a:noFill/>
+        </a:ln>
+        <a:effectLst>
+          <a:outerShdw blurRad="149987" dist="250190" dir="8460000" algn="ctr">
+            <a:srgbClr val="000000">
+              <a:alpha val="28000"/>
+            </a:srgbClr>
+          </a:outerShdw>
+        </a:effectLst>
+        <a:scene3d>
+          <a:camera prst="orthographicFront">
+            <a:rot lat="0" lon="0" rev="0"/>
+          </a:camera>
+          <a:lightRig rig="contrasting" dir="t">
+            <a:rot lat="0" lon="0" rev="1500000"/>
+          </a:lightRig>
+        </a:scene3d>
+        <a:sp3d prstMaterial="metal">
+          <a:bevelT w="88900" h="88900"/>
+        </a:sp3d>
+      </dgm:spPr>
       <dgm:t>
         <a:bodyPr/>
         <a:lstStyle/>
@@ -2343,7 +2724,55 @@
     </dgm:pt>
     <dgm:pt modelId="{2D47AA27-BC66-4035-9695-D35FAF8FF36A}">
       <dgm:prSet phldrT="[Текст]"/>
-      <dgm:spPr/>
+      <dgm:spPr>
+        <a:gradFill flip="none" rotWithShape="0">
+          <a:gsLst>
+            <a:gs pos="0">
+              <a:srgbClr val="FF0000">
+                <a:shade val="30000"/>
+                <a:satMod val="115000"/>
+              </a:srgbClr>
+            </a:gs>
+            <a:gs pos="50000">
+              <a:srgbClr val="FF0000">
+                <a:shade val="67500"/>
+                <a:satMod val="115000"/>
+              </a:srgbClr>
+            </a:gs>
+            <a:gs pos="100000">
+              <a:srgbClr val="FF0000">
+                <a:shade val="100000"/>
+                <a:satMod val="115000"/>
+              </a:srgbClr>
+            </a:gs>
+          </a:gsLst>
+          <a:path path="circle">
+            <a:fillToRect t="100000" r="100000"/>
+          </a:path>
+          <a:tileRect l="-100000" b="-100000"/>
+        </a:gradFill>
+        <a:ln>
+          <a:noFill/>
+        </a:ln>
+        <a:effectLst>
+          <a:outerShdw blurRad="149987" dist="250190" dir="8460000" algn="ctr">
+            <a:srgbClr val="000000">
+              <a:alpha val="28000"/>
+            </a:srgbClr>
+          </a:outerShdw>
+        </a:effectLst>
+        <a:scene3d>
+          <a:camera prst="orthographicFront">
+            <a:rot lat="0" lon="0" rev="0"/>
+          </a:camera>
+          <a:lightRig rig="contrasting" dir="t">
+            <a:rot lat="0" lon="0" rev="1500000"/>
+          </a:lightRig>
+        </a:scene3d>
+        <a:sp3d prstMaterial="metal">
+          <a:bevelT w="88900" h="88900"/>
+        </a:sp3d>
+      </dgm:spPr>
       <dgm:t>
         <a:bodyPr/>
         <a:lstStyle/>
@@ -2371,7 +2800,55 @@
     </dgm:pt>
     <dgm:pt modelId="{8A14D7F0-FA14-420F-8021-725688B3CB96}" type="sibTrans" cxnId="{F4D97FC6-D5C9-46BA-9DD5-BEF91642B43F}">
       <dgm:prSet/>
-      <dgm:spPr/>
+      <dgm:spPr>
+        <a:gradFill flip="none" rotWithShape="0">
+          <a:gsLst>
+            <a:gs pos="0">
+              <a:srgbClr val="FF0000">
+                <a:shade val="30000"/>
+                <a:satMod val="115000"/>
+              </a:srgbClr>
+            </a:gs>
+            <a:gs pos="50000">
+              <a:srgbClr val="FF0000">
+                <a:shade val="67500"/>
+                <a:satMod val="115000"/>
+              </a:srgbClr>
+            </a:gs>
+            <a:gs pos="100000">
+              <a:srgbClr val="FF0000">
+                <a:shade val="100000"/>
+                <a:satMod val="115000"/>
+              </a:srgbClr>
+            </a:gs>
+          </a:gsLst>
+          <a:path path="circle">
+            <a:fillToRect t="100000" r="100000"/>
+          </a:path>
+          <a:tileRect l="-100000" b="-100000"/>
+        </a:gradFill>
+        <a:ln>
+          <a:noFill/>
+        </a:ln>
+        <a:effectLst>
+          <a:outerShdw blurRad="149987" dist="250190" dir="8460000" algn="ctr">
+            <a:srgbClr val="000000">
+              <a:alpha val="28000"/>
+            </a:srgbClr>
+          </a:outerShdw>
+        </a:effectLst>
+        <a:scene3d>
+          <a:camera prst="orthographicFront">
+            <a:rot lat="0" lon="0" rev="0"/>
+          </a:camera>
+          <a:lightRig rig="contrasting" dir="t">
+            <a:rot lat="0" lon="0" rev="1500000"/>
+          </a:lightRig>
+        </a:scene3d>
+        <a:sp3d prstMaterial="metal">
+          <a:bevelT w="88900" h="88900"/>
+        </a:sp3d>
+      </dgm:spPr>
       <dgm:t>
         <a:bodyPr/>
         <a:lstStyle/>
@@ -2382,7 +2859,55 @@
     </dgm:pt>
     <dgm:pt modelId="{DFB03E44-D359-495B-8ADD-CA5961CD5FF3}">
       <dgm:prSet phldrT="[Текст]"/>
-      <dgm:spPr/>
+      <dgm:spPr>
+        <a:gradFill flip="none" rotWithShape="0">
+          <a:gsLst>
+            <a:gs pos="0">
+              <a:srgbClr val="FFC000">
+                <a:shade val="30000"/>
+                <a:satMod val="115000"/>
+              </a:srgbClr>
+            </a:gs>
+            <a:gs pos="50000">
+              <a:srgbClr val="FFC000">
+                <a:shade val="67500"/>
+                <a:satMod val="115000"/>
+              </a:srgbClr>
+            </a:gs>
+            <a:gs pos="100000">
+              <a:srgbClr val="FFC000">
+                <a:shade val="100000"/>
+                <a:satMod val="115000"/>
+              </a:srgbClr>
+            </a:gs>
+          </a:gsLst>
+          <a:path path="circle">
+            <a:fillToRect t="100000" r="100000"/>
+          </a:path>
+          <a:tileRect l="-100000" b="-100000"/>
+        </a:gradFill>
+        <a:ln>
+          <a:noFill/>
+        </a:ln>
+        <a:effectLst>
+          <a:outerShdw blurRad="149987" dist="250190" dir="8460000" algn="ctr">
+            <a:srgbClr val="000000">
+              <a:alpha val="28000"/>
+            </a:srgbClr>
+          </a:outerShdw>
+        </a:effectLst>
+        <a:scene3d>
+          <a:camera prst="orthographicFront">
+            <a:rot lat="0" lon="0" rev="0"/>
+          </a:camera>
+          <a:lightRig rig="contrasting" dir="t">
+            <a:rot lat="0" lon="0" rev="1500000"/>
+          </a:lightRig>
+        </a:scene3d>
+        <a:sp3d prstMaterial="metal">
+          <a:bevelT w="88900" h="88900"/>
+        </a:sp3d>
+      </dgm:spPr>
       <dgm:t>
         <a:bodyPr/>
         <a:lstStyle/>
@@ -2410,7 +2935,55 @@
     </dgm:pt>
     <dgm:pt modelId="{6860E388-4226-4065-AE40-B262A565B478}" type="sibTrans" cxnId="{E7FA14E2-FFAC-448C-A8B1-96F3B00787C1}">
       <dgm:prSet/>
-      <dgm:spPr/>
+      <dgm:spPr>
+        <a:gradFill flip="none" rotWithShape="0">
+          <a:gsLst>
+            <a:gs pos="0">
+              <a:srgbClr val="FFC000">
+                <a:shade val="30000"/>
+                <a:satMod val="115000"/>
+              </a:srgbClr>
+            </a:gs>
+            <a:gs pos="50000">
+              <a:srgbClr val="FFC000">
+                <a:shade val="67500"/>
+                <a:satMod val="115000"/>
+              </a:srgbClr>
+            </a:gs>
+            <a:gs pos="100000">
+              <a:srgbClr val="FFC000">
+                <a:shade val="100000"/>
+                <a:satMod val="115000"/>
+              </a:srgbClr>
+            </a:gs>
+          </a:gsLst>
+          <a:path path="circle">
+            <a:fillToRect t="100000" r="100000"/>
+          </a:path>
+          <a:tileRect l="-100000" b="-100000"/>
+        </a:gradFill>
+        <a:ln>
+          <a:noFill/>
+        </a:ln>
+        <a:effectLst>
+          <a:outerShdw blurRad="149987" dist="250190" dir="8460000" algn="ctr">
+            <a:srgbClr val="000000">
+              <a:alpha val="28000"/>
+            </a:srgbClr>
+          </a:outerShdw>
+        </a:effectLst>
+        <a:scene3d>
+          <a:camera prst="orthographicFront">
+            <a:rot lat="0" lon="0" rev="0"/>
+          </a:camera>
+          <a:lightRig rig="contrasting" dir="t">
+            <a:rot lat="0" lon="0" rev="1500000"/>
+          </a:lightRig>
+        </a:scene3d>
+        <a:sp3d prstMaterial="metal">
+          <a:bevelT w="88900" h="88900"/>
+        </a:sp3d>
+      </dgm:spPr>
       <dgm:t>
         <a:bodyPr/>
         <a:lstStyle/>
@@ -2421,7 +2994,55 @@
     </dgm:pt>
     <dgm:pt modelId="{2A36C5A1-A57F-429C-A987-9BEA472F4728}">
       <dgm:prSet phldrT="[Текст]"/>
-      <dgm:spPr/>
+      <dgm:spPr>
+        <a:gradFill flip="none" rotWithShape="0">
+          <a:gsLst>
+            <a:gs pos="0">
+              <a:srgbClr val="FFFF00">
+                <a:shade val="30000"/>
+                <a:satMod val="115000"/>
+              </a:srgbClr>
+            </a:gs>
+            <a:gs pos="50000">
+              <a:srgbClr val="FFFF00">
+                <a:shade val="67500"/>
+                <a:satMod val="115000"/>
+              </a:srgbClr>
+            </a:gs>
+            <a:gs pos="100000">
+              <a:srgbClr val="FFFF00">
+                <a:shade val="100000"/>
+                <a:satMod val="115000"/>
+              </a:srgbClr>
+            </a:gs>
+          </a:gsLst>
+          <a:path path="circle">
+            <a:fillToRect t="100000" r="100000"/>
+          </a:path>
+          <a:tileRect l="-100000" b="-100000"/>
+        </a:gradFill>
+        <a:ln>
+          <a:noFill/>
+        </a:ln>
+        <a:effectLst>
+          <a:outerShdw blurRad="149987" dist="250190" dir="8460000" algn="ctr">
+            <a:srgbClr val="000000">
+              <a:alpha val="28000"/>
+            </a:srgbClr>
+          </a:outerShdw>
+        </a:effectLst>
+        <a:scene3d>
+          <a:camera prst="orthographicFront">
+            <a:rot lat="0" lon="0" rev="0"/>
+          </a:camera>
+          <a:lightRig rig="contrasting" dir="t">
+            <a:rot lat="0" lon="0" rev="1500000"/>
+          </a:lightRig>
+        </a:scene3d>
+        <a:sp3d prstMaterial="metal">
+          <a:bevelT w="88900" h="88900"/>
+        </a:sp3d>
+      </dgm:spPr>
       <dgm:t>
         <a:bodyPr/>
         <a:lstStyle/>
@@ -2449,7 +3070,55 @@
     </dgm:pt>
     <dgm:pt modelId="{81F084DD-59C0-4051-A0A9-3F344E03F9F9}" type="sibTrans" cxnId="{69A2450F-E797-4DD8-8451-3F0D2EE9DE3F}">
       <dgm:prSet/>
-      <dgm:spPr/>
+      <dgm:spPr>
+        <a:gradFill flip="none" rotWithShape="0">
+          <a:gsLst>
+            <a:gs pos="0">
+              <a:srgbClr val="FFFF00">
+                <a:shade val="30000"/>
+                <a:satMod val="115000"/>
+              </a:srgbClr>
+            </a:gs>
+            <a:gs pos="50000">
+              <a:srgbClr val="FFFF00">
+                <a:shade val="67500"/>
+                <a:satMod val="115000"/>
+              </a:srgbClr>
+            </a:gs>
+            <a:gs pos="100000">
+              <a:srgbClr val="FFFF00">
+                <a:shade val="100000"/>
+                <a:satMod val="115000"/>
+              </a:srgbClr>
+            </a:gs>
+          </a:gsLst>
+          <a:path path="circle">
+            <a:fillToRect t="100000" r="100000"/>
+          </a:path>
+          <a:tileRect l="-100000" b="-100000"/>
+        </a:gradFill>
+        <a:ln>
+          <a:noFill/>
+        </a:ln>
+        <a:effectLst>
+          <a:outerShdw blurRad="149987" dist="250190" dir="8460000" algn="ctr">
+            <a:srgbClr val="000000">
+              <a:alpha val="28000"/>
+            </a:srgbClr>
+          </a:outerShdw>
+        </a:effectLst>
+        <a:scene3d>
+          <a:camera prst="orthographicFront">
+            <a:rot lat="0" lon="0" rev="0"/>
+          </a:camera>
+          <a:lightRig rig="contrasting" dir="t">
+            <a:rot lat="0" lon="0" rev="1500000"/>
+          </a:lightRig>
+        </a:scene3d>
+        <a:sp3d prstMaterial="metal">
+          <a:bevelT w="88900" h="88900"/>
+        </a:sp3d>
+      </dgm:spPr>
       <dgm:t>
         <a:bodyPr/>
         <a:lstStyle/>
@@ -2460,7 +3129,64 @@
     </dgm:pt>
     <dgm:pt modelId="{D426F72B-C302-4A4C-A828-2C4FF1ED2697}">
       <dgm:prSet phldrT="[Текст]"/>
-      <dgm:spPr/>
+      <dgm:spPr>
+        <a:gradFill flip="none" rotWithShape="1">
+          <a:gsLst>
+            <a:gs pos="0">
+              <a:schemeClr val="accent6">
+                <a:hueOff val="0"/>
+                <a:satOff val="0"/>
+                <a:lumOff val="0"/>
+                <a:shade val="30000"/>
+                <a:satMod val="115000"/>
+              </a:schemeClr>
+            </a:gs>
+            <a:gs pos="50000">
+              <a:schemeClr val="accent6">
+                <a:hueOff val="0"/>
+                <a:satOff val="0"/>
+                <a:lumOff val="0"/>
+                <a:shade val="67500"/>
+                <a:satMod val="115000"/>
+              </a:schemeClr>
+            </a:gs>
+            <a:gs pos="100000">
+              <a:schemeClr val="accent6">
+                <a:hueOff val="0"/>
+                <a:satOff val="0"/>
+                <a:lumOff val="0"/>
+                <a:shade val="100000"/>
+                <a:satMod val="115000"/>
+              </a:schemeClr>
+            </a:gs>
+          </a:gsLst>
+          <a:path path="circle">
+            <a:fillToRect t="100000" r="100000"/>
+          </a:path>
+          <a:tileRect l="-100000" b="-100000"/>
+        </a:gradFill>
+        <a:ln>
+          <a:noFill/>
+        </a:ln>
+        <a:effectLst>
+          <a:outerShdw blurRad="149987" dist="250190" dir="8460000" algn="ctr">
+            <a:srgbClr val="000000">
+              <a:alpha val="28000"/>
+            </a:srgbClr>
+          </a:outerShdw>
+        </a:effectLst>
+        <a:scene3d>
+          <a:camera prst="orthographicFront">
+            <a:rot lat="0" lon="0" rev="0"/>
+          </a:camera>
+          <a:lightRig rig="contrasting" dir="t">
+            <a:rot lat="0" lon="0" rev="1500000"/>
+          </a:lightRig>
+        </a:scene3d>
+        <a:sp3d prstMaterial="metal">
+          <a:bevelT w="88900" h="88900"/>
+        </a:sp3d>
+      </dgm:spPr>
       <dgm:t>
         <a:bodyPr/>
         <a:lstStyle/>
@@ -2488,7 +3214,64 @@
     </dgm:pt>
     <dgm:pt modelId="{88617056-1BC7-4D45-B5A8-2D79DD79B9BE}" type="sibTrans" cxnId="{A8D65FAF-ADC8-4F43-9D09-F1F5E31E88CB}">
       <dgm:prSet/>
-      <dgm:spPr/>
+      <dgm:spPr>
+        <a:gradFill flip="none" rotWithShape="1">
+          <a:gsLst>
+            <a:gs pos="0">
+              <a:schemeClr val="accent6">
+                <a:hueOff val="0"/>
+                <a:satOff val="0"/>
+                <a:lumOff val="0"/>
+                <a:shade val="30000"/>
+                <a:satMod val="115000"/>
+              </a:schemeClr>
+            </a:gs>
+            <a:gs pos="50000">
+              <a:schemeClr val="accent6">
+                <a:hueOff val="0"/>
+                <a:satOff val="0"/>
+                <a:lumOff val="0"/>
+                <a:shade val="67500"/>
+                <a:satMod val="115000"/>
+              </a:schemeClr>
+            </a:gs>
+            <a:gs pos="100000">
+              <a:schemeClr val="accent6">
+                <a:hueOff val="0"/>
+                <a:satOff val="0"/>
+                <a:lumOff val="0"/>
+                <a:shade val="100000"/>
+                <a:satMod val="115000"/>
+              </a:schemeClr>
+            </a:gs>
+          </a:gsLst>
+          <a:path path="circle">
+            <a:fillToRect t="100000" r="100000"/>
+          </a:path>
+          <a:tileRect l="-100000" b="-100000"/>
+        </a:gradFill>
+        <a:ln>
+          <a:noFill/>
+        </a:ln>
+        <a:effectLst>
+          <a:outerShdw blurRad="149987" dist="250190" dir="8460000" algn="ctr">
+            <a:srgbClr val="000000">
+              <a:alpha val="28000"/>
+            </a:srgbClr>
+          </a:outerShdw>
+        </a:effectLst>
+        <a:scene3d>
+          <a:camera prst="orthographicFront">
+            <a:rot lat="0" lon="0" rev="0"/>
+          </a:camera>
+          <a:lightRig rig="contrasting" dir="t">
+            <a:rot lat="0" lon="0" rev="1500000"/>
+          </a:lightRig>
+        </a:scene3d>
+        <a:sp3d prstMaterial="metal">
+          <a:bevelT w="88900" h="88900"/>
+        </a:sp3d>
+      </dgm:spPr>
       <dgm:t>
         <a:bodyPr/>
         <a:lstStyle/>
@@ -2499,7 +3282,55 @@
     </dgm:pt>
     <dgm:pt modelId="{11682877-4C00-4D07-94CA-592F0FC92E53}">
       <dgm:prSet phldrT="[Текст]"/>
-      <dgm:spPr/>
+      <dgm:spPr>
+        <a:gradFill flip="none" rotWithShape="0">
+          <a:gsLst>
+            <a:gs pos="0">
+              <a:srgbClr val="00B050">
+                <a:shade val="30000"/>
+                <a:satMod val="115000"/>
+              </a:srgbClr>
+            </a:gs>
+            <a:gs pos="50000">
+              <a:srgbClr val="00B050">
+                <a:shade val="67500"/>
+                <a:satMod val="115000"/>
+              </a:srgbClr>
+            </a:gs>
+            <a:gs pos="100000">
+              <a:srgbClr val="00B050">
+                <a:shade val="100000"/>
+                <a:satMod val="115000"/>
+              </a:srgbClr>
+            </a:gs>
+          </a:gsLst>
+          <a:path path="circle">
+            <a:fillToRect t="100000" r="100000"/>
+          </a:path>
+          <a:tileRect l="-100000" b="-100000"/>
+        </a:gradFill>
+        <a:ln>
+          <a:noFill/>
+        </a:ln>
+        <a:effectLst>
+          <a:outerShdw blurRad="149987" dist="250190" dir="8460000" algn="ctr">
+            <a:srgbClr val="000000">
+              <a:alpha val="28000"/>
+            </a:srgbClr>
+          </a:outerShdw>
+        </a:effectLst>
+        <a:scene3d>
+          <a:camera prst="orthographicFront">
+            <a:rot lat="0" lon="0" rev="0"/>
+          </a:camera>
+          <a:lightRig rig="contrasting" dir="t">
+            <a:rot lat="0" lon="0" rev="1500000"/>
+          </a:lightRig>
+        </a:scene3d>
+        <a:sp3d prstMaterial="metal">
+          <a:bevelT w="88900" h="88900"/>
+        </a:sp3d>
+      </dgm:spPr>
       <dgm:t>
         <a:bodyPr/>
         <a:lstStyle/>
@@ -2527,7 +3358,55 @@
     </dgm:pt>
     <dgm:pt modelId="{9F7C795B-1608-41F0-88AB-664D9BA9DF50}" type="sibTrans" cxnId="{312A833E-F410-48EB-904E-CD8830546855}">
       <dgm:prSet/>
-      <dgm:spPr/>
+      <dgm:spPr>
+        <a:gradFill flip="none" rotWithShape="0">
+          <a:gsLst>
+            <a:gs pos="0">
+              <a:srgbClr val="00B050">
+                <a:shade val="30000"/>
+                <a:satMod val="115000"/>
+              </a:srgbClr>
+            </a:gs>
+            <a:gs pos="50000">
+              <a:srgbClr val="00B050">
+                <a:shade val="67500"/>
+                <a:satMod val="115000"/>
+              </a:srgbClr>
+            </a:gs>
+            <a:gs pos="100000">
+              <a:srgbClr val="00B050">
+                <a:shade val="100000"/>
+                <a:satMod val="115000"/>
+              </a:srgbClr>
+            </a:gs>
+          </a:gsLst>
+          <a:path path="circle">
+            <a:fillToRect t="100000" r="100000"/>
+          </a:path>
+          <a:tileRect l="-100000" b="-100000"/>
+        </a:gradFill>
+        <a:ln>
+          <a:noFill/>
+        </a:ln>
+        <a:effectLst>
+          <a:outerShdw blurRad="149987" dist="250190" dir="8460000" algn="ctr">
+            <a:srgbClr val="000000">
+              <a:alpha val="28000"/>
+            </a:srgbClr>
+          </a:outerShdw>
+        </a:effectLst>
+        <a:scene3d>
+          <a:camera prst="orthographicFront">
+            <a:rot lat="0" lon="0" rev="0"/>
+          </a:camera>
+          <a:lightRig rig="contrasting" dir="t">
+            <a:rot lat="0" lon="0" rev="1500000"/>
+          </a:lightRig>
+        </a:scene3d>
+        <a:sp3d prstMaterial="metal">
+          <a:bevelT w="88900" h="88900"/>
+        </a:sp3d>
+      </dgm:spPr>
       <dgm:t>
         <a:bodyPr/>
         <a:lstStyle/>
@@ -2538,7 +3417,55 @@
     </dgm:pt>
     <dgm:pt modelId="{06AB3622-27DD-4776-8657-2A003A8E2725}">
       <dgm:prSet phldrT="[Текст]"/>
-      <dgm:spPr/>
+      <dgm:spPr>
+        <a:gradFill flip="none" rotWithShape="0">
+          <a:gsLst>
+            <a:gs pos="0">
+              <a:srgbClr val="00B0F0">
+                <a:shade val="30000"/>
+                <a:satMod val="115000"/>
+              </a:srgbClr>
+            </a:gs>
+            <a:gs pos="50000">
+              <a:srgbClr val="00B0F0">
+                <a:shade val="67500"/>
+                <a:satMod val="115000"/>
+              </a:srgbClr>
+            </a:gs>
+            <a:gs pos="100000">
+              <a:srgbClr val="00B0F0">
+                <a:shade val="100000"/>
+                <a:satMod val="115000"/>
+              </a:srgbClr>
+            </a:gs>
+          </a:gsLst>
+          <a:path path="circle">
+            <a:fillToRect t="100000" r="100000"/>
+          </a:path>
+          <a:tileRect l="-100000" b="-100000"/>
+        </a:gradFill>
+        <a:ln>
+          <a:noFill/>
+        </a:ln>
+        <a:effectLst>
+          <a:outerShdw blurRad="149987" dist="250190" dir="8460000" algn="ctr">
+            <a:srgbClr val="000000">
+              <a:alpha val="28000"/>
+            </a:srgbClr>
+          </a:outerShdw>
+        </a:effectLst>
+        <a:scene3d>
+          <a:camera prst="orthographicFront">
+            <a:rot lat="0" lon="0" rev="0"/>
+          </a:camera>
+          <a:lightRig rig="contrasting" dir="t">
+            <a:rot lat="0" lon="0" rev="1500000"/>
+          </a:lightRig>
+        </a:scene3d>
+        <a:sp3d prstMaterial="metal">
+          <a:bevelT w="88900" h="88900"/>
+        </a:sp3d>
+      </dgm:spPr>
       <dgm:t>
         <a:bodyPr/>
         <a:lstStyle/>
@@ -2566,7 +3493,55 @@
     </dgm:pt>
     <dgm:pt modelId="{F7AC82E0-C433-47CF-9228-F1A9DBCF319B}" type="sibTrans" cxnId="{C9C189A9-A62A-4B09-8228-8251697B0F01}">
       <dgm:prSet/>
-      <dgm:spPr/>
+      <dgm:spPr>
+        <a:gradFill flip="none" rotWithShape="0">
+          <a:gsLst>
+            <a:gs pos="0">
+              <a:srgbClr val="00B0F0">
+                <a:shade val="30000"/>
+                <a:satMod val="115000"/>
+              </a:srgbClr>
+            </a:gs>
+            <a:gs pos="50000">
+              <a:srgbClr val="00B0F0">
+                <a:shade val="67500"/>
+                <a:satMod val="115000"/>
+              </a:srgbClr>
+            </a:gs>
+            <a:gs pos="100000">
+              <a:srgbClr val="00B0F0">
+                <a:shade val="100000"/>
+                <a:satMod val="115000"/>
+              </a:srgbClr>
+            </a:gs>
+          </a:gsLst>
+          <a:path path="circle">
+            <a:fillToRect t="100000" r="100000"/>
+          </a:path>
+          <a:tileRect l="-100000" b="-100000"/>
+        </a:gradFill>
+        <a:ln>
+          <a:noFill/>
+        </a:ln>
+        <a:effectLst>
+          <a:outerShdw blurRad="149987" dist="250190" dir="8460000" algn="ctr">
+            <a:srgbClr val="000000">
+              <a:alpha val="28000"/>
+            </a:srgbClr>
+          </a:outerShdw>
+        </a:effectLst>
+        <a:scene3d>
+          <a:camera prst="orthographicFront">
+            <a:rot lat="0" lon="0" rev="0"/>
+          </a:camera>
+          <a:lightRig rig="contrasting" dir="t">
+            <a:rot lat="0" lon="0" rev="1500000"/>
+          </a:lightRig>
+        </a:scene3d>
+        <a:sp3d prstMaterial="metal">
+          <a:bevelT w="88900" h="88900"/>
+        </a:sp3d>
+      </dgm:spPr>
       <dgm:t>
         <a:bodyPr/>
         <a:lstStyle/>
@@ -2577,7 +3552,55 @@
     </dgm:pt>
     <dgm:pt modelId="{8CBFFA8B-90AF-4380-889D-7AE8992E6521}">
       <dgm:prSet phldrT="[Текст]"/>
-      <dgm:spPr/>
+      <dgm:spPr>
+        <a:gradFill flip="none" rotWithShape="0">
+          <a:gsLst>
+            <a:gs pos="0">
+              <a:srgbClr val="0070C0">
+                <a:shade val="30000"/>
+                <a:satMod val="115000"/>
+              </a:srgbClr>
+            </a:gs>
+            <a:gs pos="50000">
+              <a:srgbClr val="0070C0">
+                <a:shade val="67500"/>
+                <a:satMod val="115000"/>
+              </a:srgbClr>
+            </a:gs>
+            <a:gs pos="100000">
+              <a:srgbClr val="0070C0">
+                <a:shade val="100000"/>
+                <a:satMod val="115000"/>
+              </a:srgbClr>
+            </a:gs>
+          </a:gsLst>
+          <a:path path="circle">
+            <a:fillToRect t="100000" r="100000"/>
+          </a:path>
+          <a:tileRect l="-100000" b="-100000"/>
+        </a:gradFill>
+        <a:ln>
+          <a:noFill/>
+        </a:ln>
+        <a:effectLst>
+          <a:outerShdw blurRad="149987" dist="250190" dir="8460000" algn="ctr">
+            <a:srgbClr val="000000">
+              <a:alpha val="28000"/>
+            </a:srgbClr>
+          </a:outerShdw>
+        </a:effectLst>
+        <a:scene3d>
+          <a:camera prst="orthographicFront">
+            <a:rot lat="0" lon="0" rev="0"/>
+          </a:camera>
+          <a:lightRig rig="contrasting" dir="t">
+            <a:rot lat="0" lon="0" rev="1500000"/>
+          </a:lightRig>
+        </a:scene3d>
+        <a:sp3d prstMaterial="metal">
+          <a:bevelT w="88900" h="88900"/>
+        </a:sp3d>
+      </dgm:spPr>
       <dgm:t>
         <a:bodyPr/>
         <a:lstStyle/>
@@ -2605,7 +3628,55 @@
     </dgm:pt>
     <dgm:pt modelId="{0AA99090-DB50-40B9-AB6C-2DD42C8C827C}" type="sibTrans" cxnId="{9B285510-615D-484A-8AEF-5166E8A222D3}">
       <dgm:prSet/>
-      <dgm:spPr/>
+      <dgm:spPr>
+        <a:gradFill flip="none" rotWithShape="0">
+          <a:gsLst>
+            <a:gs pos="0">
+              <a:srgbClr val="0070C0">
+                <a:shade val="30000"/>
+                <a:satMod val="115000"/>
+              </a:srgbClr>
+            </a:gs>
+            <a:gs pos="50000">
+              <a:srgbClr val="0070C0">
+                <a:shade val="67500"/>
+                <a:satMod val="115000"/>
+              </a:srgbClr>
+            </a:gs>
+            <a:gs pos="100000">
+              <a:srgbClr val="0070C0">
+                <a:shade val="100000"/>
+                <a:satMod val="115000"/>
+              </a:srgbClr>
+            </a:gs>
+          </a:gsLst>
+          <a:path path="circle">
+            <a:fillToRect t="100000" r="100000"/>
+          </a:path>
+          <a:tileRect l="-100000" b="-100000"/>
+        </a:gradFill>
+        <a:ln>
+          <a:noFill/>
+        </a:ln>
+        <a:effectLst>
+          <a:outerShdw blurRad="149987" dist="250190" dir="8460000" algn="ctr">
+            <a:srgbClr val="000000">
+              <a:alpha val="28000"/>
+            </a:srgbClr>
+          </a:outerShdw>
+        </a:effectLst>
+        <a:scene3d>
+          <a:camera prst="orthographicFront">
+            <a:rot lat="0" lon="0" rev="0"/>
+          </a:camera>
+          <a:lightRig rig="contrasting" dir="t">
+            <a:rot lat="0" lon="0" rev="1500000"/>
+          </a:lightRig>
+        </a:scene3d>
+        <a:sp3d prstMaterial="metal">
+          <a:bevelT w="88900" h="88900"/>
+        </a:sp3d>
+      </dgm:spPr>
       <dgm:t>
         <a:bodyPr/>
         <a:lstStyle/>
@@ -2616,7 +3687,55 @@
     </dgm:pt>
     <dgm:pt modelId="{B2B07C10-D2A3-4A1B-8834-A8F4F2A1A26F}">
       <dgm:prSet phldrT="[Текст]"/>
-      <dgm:spPr/>
+      <dgm:spPr>
+        <a:gradFill flip="none" rotWithShape="0">
+          <a:gsLst>
+            <a:gs pos="0">
+              <a:srgbClr val="002060">
+                <a:tint val="66000"/>
+                <a:satMod val="160000"/>
+              </a:srgbClr>
+            </a:gs>
+            <a:gs pos="50000">
+              <a:srgbClr val="002060">
+                <a:tint val="44500"/>
+                <a:satMod val="160000"/>
+              </a:srgbClr>
+            </a:gs>
+            <a:gs pos="100000">
+              <a:srgbClr val="002060">
+                <a:tint val="23500"/>
+                <a:satMod val="160000"/>
+              </a:srgbClr>
+            </a:gs>
+          </a:gsLst>
+          <a:path path="circle">
+            <a:fillToRect t="100000" r="100000"/>
+          </a:path>
+          <a:tileRect l="-100000" b="-100000"/>
+        </a:gradFill>
+        <a:ln>
+          <a:noFill/>
+        </a:ln>
+        <a:effectLst>
+          <a:outerShdw blurRad="149987" dist="250190" dir="8460000" algn="ctr">
+            <a:srgbClr val="000000">
+              <a:alpha val="28000"/>
+            </a:srgbClr>
+          </a:outerShdw>
+        </a:effectLst>
+        <a:scene3d>
+          <a:camera prst="orthographicFront">
+            <a:rot lat="0" lon="0" rev="0"/>
+          </a:camera>
+          <a:lightRig rig="contrasting" dir="t">
+            <a:rot lat="0" lon="0" rev="1500000"/>
+          </a:lightRig>
+        </a:scene3d>
+        <a:sp3d prstMaterial="metal">
+          <a:bevelT w="88900" h="88900"/>
+        </a:sp3d>
+      </dgm:spPr>
       <dgm:t>
         <a:bodyPr/>
         <a:lstStyle/>
@@ -2626,19 +3745,8 @@
               <a:latin typeface="Arial" panose="020B0604020202020204" pitchFamily="34" charset="0"/>
               <a:cs typeface="Arial" panose="020B0604020202020204" pitchFamily="34" charset="0"/>
             </a:rPr>
-            <a:t>Бизнес-</a:t>
+            <a:t>Бизнес-процессы</a:t>
           </a:r>
-          <a:r>
-            <a:rPr lang="ru-RU" dirty="0" err="1">
-              <a:latin typeface="Arial" panose="020B0604020202020204" pitchFamily="34" charset="0"/>
-              <a:cs typeface="Arial" panose="020B0604020202020204" pitchFamily="34" charset="0"/>
-            </a:rPr>
-            <a:t>процесы</a:t>
-          </a:r>
-          <a:endParaRPr lang="ru-RU" dirty="0">
-            <a:latin typeface="Arial" panose="020B0604020202020204" pitchFamily="34" charset="0"/>
-            <a:cs typeface="Arial" panose="020B0604020202020204" pitchFamily="34" charset="0"/>
-          </a:endParaRPr>
         </a:p>
       </dgm:t>
     </dgm:pt>
@@ -2945,27 +4053,64 @@
         <a:prstGeom prst="rect">
           <a:avLst/>
         </a:prstGeom>
-        <a:solidFill>
-          <a:schemeClr val="accent2">
-            <a:hueOff val="0"/>
-            <a:satOff val="0"/>
-            <a:lumOff val="0"/>
-            <a:alphaOff val="0"/>
-          </a:schemeClr>
-        </a:solidFill>
+        <a:gradFill flip="none" rotWithShape="0">
+          <a:gsLst>
+            <a:gs pos="0">
+              <a:schemeClr val="accent2">
+                <a:hueOff val="0"/>
+                <a:satOff val="0"/>
+                <a:lumOff val="0"/>
+                <a:shade val="30000"/>
+                <a:satMod val="115000"/>
+              </a:schemeClr>
+            </a:gs>
+            <a:gs pos="50000">
+              <a:schemeClr val="accent2">
+                <a:hueOff val="0"/>
+                <a:satOff val="0"/>
+                <a:lumOff val="0"/>
+                <a:shade val="67500"/>
+                <a:satMod val="115000"/>
+              </a:schemeClr>
+            </a:gs>
+            <a:gs pos="100000">
+              <a:schemeClr val="accent2">
+                <a:hueOff val="0"/>
+                <a:satOff val="0"/>
+                <a:lumOff val="0"/>
+                <a:shade val="100000"/>
+                <a:satMod val="115000"/>
+              </a:schemeClr>
+            </a:gs>
+          </a:gsLst>
+          <a:path path="circle">
+            <a:fillToRect t="100000" r="100000"/>
+          </a:path>
+          <a:tileRect l="-100000" b="-100000"/>
+        </a:gradFill>
         <a:ln w="12700" cap="flat" cmpd="sng" algn="ctr">
-          <a:solidFill>
-            <a:schemeClr val="lt1">
-              <a:hueOff val="0"/>
-              <a:satOff val="0"/>
-              <a:lumOff val="0"/>
-              <a:alphaOff val="0"/>
-            </a:schemeClr>
-          </a:solidFill>
+          <a:noFill/>
           <a:prstDash val="solid"/>
           <a:miter lim="800000"/>
         </a:ln>
-        <a:effectLst/>
+        <a:effectLst>
+          <a:outerShdw blurRad="149987" dist="250190" dir="8460000" algn="ctr" rotWithShape="0">
+            <a:srgbClr val="000000">
+              <a:alpha val="28000"/>
+            </a:srgbClr>
+          </a:outerShdw>
+        </a:effectLst>
+        <a:scene3d>
+          <a:camera prst="orthographicFront">
+            <a:rot lat="0" lon="0" rev="0"/>
+          </a:camera>
+          <a:lightRig rig="contrasting" dir="t">
+            <a:rot lat="0" lon="0" rev="1500000"/>
+          </a:lightRig>
+        </a:scene3d>
+        <a:sp3d prstMaterial="metal">
+          <a:bevelT w="88900" h="88900"/>
+        </a:sp3d>
       </dsp:spPr>
       <dsp:style>
         <a:lnRef idx="2">
@@ -3026,27 +4171,64 @@
         <a:prstGeom prst="rect">
           <a:avLst/>
         </a:prstGeom>
-        <a:solidFill>
-          <a:schemeClr val="accent3">
-            <a:hueOff val="0"/>
-            <a:satOff val="0"/>
-            <a:lumOff val="0"/>
-            <a:alphaOff val="0"/>
-          </a:schemeClr>
-        </a:solidFill>
+        <a:gradFill flip="none" rotWithShape="0">
+          <a:gsLst>
+            <a:gs pos="0">
+              <a:schemeClr val="accent3">
+                <a:hueOff val="0"/>
+                <a:satOff val="0"/>
+                <a:lumOff val="0"/>
+                <a:shade val="30000"/>
+                <a:satMod val="115000"/>
+              </a:schemeClr>
+            </a:gs>
+            <a:gs pos="50000">
+              <a:schemeClr val="accent3">
+                <a:hueOff val="0"/>
+                <a:satOff val="0"/>
+                <a:lumOff val="0"/>
+                <a:shade val="67500"/>
+                <a:satMod val="115000"/>
+              </a:schemeClr>
+            </a:gs>
+            <a:gs pos="100000">
+              <a:schemeClr val="accent3">
+                <a:hueOff val="0"/>
+                <a:satOff val="0"/>
+                <a:lumOff val="0"/>
+                <a:shade val="100000"/>
+                <a:satMod val="115000"/>
+              </a:schemeClr>
+            </a:gs>
+          </a:gsLst>
+          <a:path path="circle">
+            <a:fillToRect t="100000" r="100000"/>
+          </a:path>
+          <a:tileRect l="-100000" b="-100000"/>
+        </a:gradFill>
         <a:ln w="12700" cap="flat" cmpd="sng" algn="ctr">
-          <a:solidFill>
-            <a:schemeClr val="lt1">
-              <a:hueOff val="0"/>
-              <a:satOff val="0"/>
-              <a:lumOff val="0"/>
-              <a:alphaOff val="0"/>
-            </a:schemeClr>
-          </a:solidFill>
+          <a:noFill/>
           <a:prstDash val="solid"/>
           <a:miter lim="800000"/>
         </a:ln>
-        <a:effectLst/>
+        <a:effectLst>
+          <a:outerShdw blurRad="149987" dist="250190" dir="8460000" algn="ctr" rotWithShape="0">
+            <a:srgbClr val="000000">
+              <a:alpha val="28000"/>
+            </a:srgbClr>
+          </a:outerShdw>
+        </a:effectLst>
+        <a:scene3d>
+          <a:camera prst="orthographicFront">
+            <a:rot lat="0" lon="0" rev="0"/>
+          </a:camera>
+          <a:lightRig rig="contrasting" dir="t">
+            <a:rot lat="0" lon="0" rev="1500000"/>
+          </a:lightRig>
+        </a:scene3d>
+        <a:sp3d prstMaterial="metal">
+          <a:bevelT w="88900" h="88900"/>
+        </a:sp3d>
       </dsp:spPr>
       <dsp:style>
         <a:lnRef idx="2">
@@ -3107,27 +4289,64 @@
         <a:prstGeom prst="rect">
           <a:avLst/>
         </a:prstGeom>
-        <a:solidFill>
-          <a:schemeClr val="accent4">
-            <a:hueOff val="0"/>
-            <a:satOff val="0"/>
-            <a:lumOff val="0"/>
-            <a:alphaOff val="0"/>
-          </a:schemeClr>
-        </a:solidFill>
+        <a:gradFill flip="none" rotWithShape="0">
+          <a:gsLst>
+            <a:gs pos="0">
+              <a:schemeClr val="accent4">
+                <a:hueOff val="0"/>
+                <a:satOff val="0"/>
+                <a:lumOff val="0"/>
+                <a:shade val="30000"/>
+                <a:satMod val="115000"/>
+              </a:schemeClr>
+            </a:gs>
+            <a:gs pos="50000">
+              <a:schemeClr val="accent4">
+                <a:hueOff val="0"/>
+                <a:satOff val="0"/>
+                <a:lumOff val="0"/>
+                <a:shade val="67500"/>
+                <a:satMod val="115000"/>
+              </a:schemeClr>
+            </a:gs>
+            <a:gs pos="100000">
+              <a:schemeClr val="accent4">
+                <a:hueOff val="0"/>
+                <a:satOff val="0"/>
+                <a:lumOff val="0"/>
+                <a:shade val="100000"/>
+                <a:satMod val="115000"/>
+              </a:schemeClr>
+            </a:gs>
+          </a:gsLst>
+          <a:path path="circle">
+            <a:fillToRect t="100000" r="100000"/>
+          </a:path>
+          <a:tileRect l="-100000" b="-100000"/>
+        </a:gradFill>
         <a:ln w="12700" cap="flat" cmpd="sng" algn="ctr">
-          <a:solidFill>
-            <a:schemeClr val="lt1">
-              <a:hueOff val="0"/>
-              <a:satOff val="0"/>
-              <a:lumOff val="0"/>
-              <a:alphaOff val="0"/>
-            </a:schemeClr>
-          </a:solidFill>
+          <a:noFill/>
           <a:prstDash val="solid"/>
           <a:miter lim="800000"/>
         </a:ln>
-        <a:effectLst/>
+        <a:effectLst>
+          <a:outerShdw blurRad="149987" dist="250190" dir="8460000" algn="ctr" rotWithShape="0">
+            <a:srgbClr val="000000">
+              <a:alpha val="28000"/>
+            </a:srgbClr>
+          </a:outerShdw>
+        </a:effectLst>
+        <a:scene3d>
+          <a:camera prst="orthographicFront">
+            <a:rot lat="0" lon="0" rev="0"/>
+          </a:camera>
+          <a:lightRig rig="contrasting" dir="t">
+            <a:rot lat="0" lon="0" rev="1500000"/>
+          </a:lightRig>
+        </a:scene3d>
+        <a:sp3d prstMaterial="metal">
+          <a:bevelT w="88900" h="88900"/>
+        </a:sp3d>
       </dsp:spPr>
       <dsp:style>
         <a:lnRef idx="2">
@@ -3188,27 +4407,64 @@
         <a:prstGeom prst="rect">
           <a:avLst/>
         </a:prstGeom>
-        <a:solidFill>
-          <a:schemeClr val="accent5">
-            <a:hueOff val="0"/>
-            <a:satOff val="0"/>
-            <a:lumOff val="0"/>
-            <a:alphaOff val="0"/>
-          </a:schemeClr>
-        </a:solidFill>
+        <a:gradFill flip="none" rotWithShape="0">
+          <a:gsLst>
+            <a:gs pos="0">
+              <a:schemeClr val="accent5">
+                <a:hueOff val="0"/>
+                <a:satOff val="0"/>
+                <a:lumOff val="0"/>
+                <a:shade val="30000"/>
+                <a:satMod val="115000"/>
+              </a:schemeClr>
+            </a:gs>
+            <a:gs pos="50000">
+              <a:schemeClr val="accent5">
+                <a:hueOff val="0"/>
+                <a:satOff val="0"/>
+                <a:lumOff val="0"/>
+                <a:shade val="67500"/>
+                <a:satMod val="115000"/>
+              </a:schemeClr>
+            </a:gs>
+            <a:gs pos="100000">
+              <a:schemeClr val="accent5">
+                <a:hueOff val="0"/>
+                <a:satOff val="0"/>
+                <a:lumOff val="0"/>
+                <a:shade val="100000"/>
+                <a:satMod val="115000"/>
+              </a:schemeClr>
+            </a:gs>
+          </a:gsLst>
+          <a:path path="circle">
+            <a:fillToRect t="100000" r="100000"/>
+          </a:path>
+          <a:tileRect l="-100000" b="-100000"/>
+        </a:gradFill>
         <a:ln w="12700" cap="flat" cmpd="sng" algn="ctr">
-          <a:solidFill>
-            <a:schemeClr val="lt1">
-              <a:hueOff val="0"/>
-              <a:satOff val="0"/>
-              <a:lumOff val="0"/>
-              <a:alphaOff val="0"/>
-            </a:schemeClr>
-          </a:solidFill>
+          <a:noFill/>
           <a:prstDash val="solid"/>
           <a:miter lim="800000"/>
         </a:ln>
-        <a:effectLst/>
+        <a:effectLst>
+          <a:outerShdw blurRad="149987" dist="250190" dir="8460000" algn="ctr" rotWithShape="0">
+            <a:srgbClr val="000000">
+              <a:alpha val="28000"/>
+            </a:srgbClr>
+          </a:outerShdw>
+        </a:effectLst>
+        <a:scene3d>
+          <a:camera prst="orthographicFront">
+            <a:rot lat="0" lon="0" rev="0"/>
+          </a:camera>
+          <a:lightRig rig="contrasting" dir="t">
+            <a:rot lat="0" lon="0" rev="1500000"/>
+          </a:lightRig>
+        </a:scene3d>
+        <a:sp3d prstMaterial="metal">
+          <a:bevelT w="88900" h="88900"/>
+        </a:sp3d>
       </dsp:spPr>
       <dsp:style>
         <a:lnRef idx="2">
@@ -3273,27 +4529,64 @@
         <a:prstGeom prst="rect">
           <a:avLst/>
         </a:prstGeom>
-        <a:solidFill>
-          <a:schemeClr val="accent6">
-            <a:hueOff val="0"/>
-            <a:satOff val="0"/>
-            <a:lumOff val="0"/>
-            <a:alphaOff val="0"/>
-          </a:schemeClr>
-        </a:solidFill>
+        <a:gradFill flip="none" rotWithShape="0">
+          <a:gsLst>
+            <a:gs pos="0">
+              <a:schemeClr val="accent6">
+                <a:hueOff val="0"/>
+                <a:satOff val="0"/>
+                <a:lumOff val="0"/>
+                <a:shade val="30000"/>
+                <a:satMod val="115000"/>
+              </a:schemeClr>
+            </a:gs>
+            <a:gs pos="50000">
+              <a:schemeClr val="accent6">
+                <a:hueOff val="0"/>
+                <a:satOff val="0"/>
+                <a:lumOff val="0"/>
+                <a:shade val="67500"/>
+                <a:satMod val="115000"/>
+              </a:schemeClr>
+            </a:gs>
+            <a:gs pos="100000">
+              <a:schemeClr val="accent6">
+                <a:hueOff val="0"/>
+                <a:satOff val="0"/>
+                <a:lumOff val="0"/>
+                <a:shade val="100000"/>
+                <a:satMod val="115000"/>
+              </a:schemeClr>
+            </a:gs>
+          </a:gsLst>
+          <a:path path="circle">
+            <a:fillToRect t="100000" r="100000"/>
+          </a:path>
+          <a:tileRect l="-100000" b="-100000"/>
+        </a:gradFill>
         <a:ln w="12700" cap="flat" cmpd="sng" algn="ctr">
-          <a:solidFill>
-            <a:schemeClr val="lt1">
-              <a:hueOff val="0"/>
-              <a:satOff val="0"/>
-              <a:lumOff val="0"/>
-              <a:alphaOff val="0"/>
-            </a:schemeClr>
-          </a:solidFill>
+          <a:noFill/>
           <a:prstDash val="solid"/>
           <a:miter lim="800000"/>
         </a:ln>
-        <a:effectLst/>
+        <a:effectLst>
+          <a:outerShdw blurRad="149987" dist="250190" dir="8460000" algn="ctr" rotWithShape="0">
+            <a:srgbClr val="000000">
+              <a:alpha val="28000"/>
+            </a:srgbClr>
+          </a:outerShdw>
+        </a:effectLst>
+        <a:scene3d>
+          <a:camera prst="orthographicFront">
+            <a:rot lat="0" lon="0" rev="0"/>
+          </a:camera>
+          <a:lightRig rig="contrasting" dir="t">
+            <a:rot lat="0" lon="0" rev="1500000"/>
+          </a:lightRig>
+        </a:scene3d>
+        <a:sp3d prstMaterial="metal">
+          <a:bevelT w="88900" h="88900"/>
+        </a:sp3d>
       </dsp:spPr>
       <dsp:style>
         <a:lnRef idx="2">
@@ -3387,18 +4680,53 @@
         <a:prstGeom prst="rect">
           <a:avLst/>
         </a:prstGeom>
-        <a:solidFill>
-          <a:schemeClr val="accent2">
-            <a:hueOff val="0"/>
-            <a:satOff val="0"/>
-            <a:lumOff val="0"/>
-            <a:alphaOff val="0"/>
-          </a:schemeClr>
-        </a:solidFill>
+        <a:gradFill flip="none" rotWithShape="0">
+          <a:gsLst>
+            <a:gs pos="0">
+              <a:srgbClr val="C00000">
+                <a:shade val="30000"/>
+                <a:satMod val="115000"/>
+              </a:srgbClr>
+            </a:gs>
+            <a:gs pos="50000">
+              <a:srgbClr val="C00000">
+                <a:shade val="67500"/>
+                <a:satMod val="115000"/>
+              </a:srgbClr>
+            </a:gs>
+            <a:gs pos="100000">
+              <a:srgbClr val="C00000">
+                <a:shade val="100000"/>
+                <a:satMod val="115000"/>
+              </a:srgbClr>
+            </a:gs>
+          </a:gsLst>
+          <a:path path="circle">
+            <a:fillToRect t="100000" r="100000"/>
+          </a:path>
+          <a:tileRect l="-100000" b="-100000"/>
+        </a:gradFill>
         <a:ln>
           <a:noFill/>
         </a:ln>
-        <a:effectLst/>
+        <a:effectLst>
+          <a:outerShdw blurRad="149987" dist="250190" dir="8460000" algn="ctr" rotWithShape="0">
+            <a:srgbClr val="000000">
+              <a:alpha val="28000"/>
+            </a:srgbClr>
+          </a:outerShdw>
+        </a:effectLst>
+        <a:scene3d>
+          <a:camera prst="orthographicFront">
+            <a:rot lat="0" lon="0" rev="0"/>
+          </a:camera>
+          <a:lightRig rig="contrasting" dir="t">
+            <a:rot lat="0" lon="0" rev="1500000"/>
+          </a:lightRig>
+        </a:scene3d>
+        <a:sp3d prstMaterial="metal">
+          <a:bevelT w="88900" h="88900"/>
+        </a:sp3d>
       </dsp:spPr>
       <dsp:style>
         <a:lnRef idx="0">
@@ -3430,27 +4758,55 @@
             <a:gd name="adj" fmla="val 10000"/>
           </a:avLst>
         </a:prstGeom>
-        <a:solidFill>
-          <a:schemeClr val="accent2">
-            <a:hueOff val="0"/>
-            <a:satOff val="0"/>
-            <a:lumOff val="0"/>
-            <a:alphaOff val="0"/>
-          </a:schemeClr>
-        </a:solidFill>
+        <a:gradFill flip="none" rotWithShape="0">
+          <a:gsLst>
+            <a:gs pos="0">
+              <a:srgbClr val="C00000">
+                <a:shade val="30000"/>
+                <a:satMod val="115000"/>
+              </a:srgbClr>
+            </a:gs>
+            <a:gs pos="50000">
+              <a:srgbClr val="C00000">
+                <a:shade val="67500"/>
+                <a:satMod val="115000"/>
+              </a:srgbClr>
+            </a:gs>
+            <a:gs pos="100000">
+              <a:srgbClr val="C00000">
+                <a:shade val="100000"/>
+                <a:satMod val="115000"/>
+              </a:srgbClr>
+            </a:gs>
+          </a:gsLst>
+          <a:path path="circle">
+            <a:fillToRect t="100000" r="100000"/>
+          </a:path>
+          <a:tileRect l="-100000" b="-100000"/>
+        </a:gradFill>
         <a:ln w="12700" cap="flat" cmpd="sng" algn="ctr">
-          <a:solidFill>
-            <a:schemeClr val="lt1">
-              <a:hueOff val="0"/>
-              <a:satOff val="0"/>
-              <a:lumOff val="0"/>
-              <a:alphaOff val="0"/>
-            </a:schemeClr>
-          </a:solidFill>
+          <a:noFill/>
           <a:prstDash val="solid"/>
           <a:miter lim="800000"/>
         </a:ln>
-        <a:effectLst/>
+        <a:effectLst>
+          <a:outerShdw blurRad="149987" dist="250190" dir="8460000" algn="ctr" rotWithShape="0">
+            <a:srgbClr val="000000">
+              <a:alpha val="28000"/>
+            </a:srgbClr>
+          </a:outerShdw>
+        </a:effectLst>
+        <a:scene3d>
+          <a:camera prst="orthographicFront">
+            <a:rot lat="0" lon="0" rev="0"/>
+          </a:camera>
+          <a:lightRig rig="contrasting" dir="t">
+            <a:rot lat="0" lon="0" rev="1500000"/>
+          </a:lightRig>
+        </a:scene3d>
+        <a:sp3d prstMaterial="metal">
+          <a:bevelT w="88900" h="88900"/>
+        </a:sp3d>
       </dsp:spPr>
       <dsp:style>
         <a:lnRef idx="2">
@@ -3511,18 +4867,53 @@
         <a:prstGeom prst="rect">
           <a:avLst/>
         </a:prstGeom>
-        <a:solidFill>
-          <a:schemeClr val="accent3">
-            <a:hueOff val="0"/>
-            <a:satOff val="0"/>
-            <a:lumOff val="0"/>
-            <a:alphaOff val="0"/>
-          </a:schemeClr>
-        </a:solidFill>
+        <a:gradFill flip="none" rotWithShape="0">
+          <a:gsLst>
+            <a:gs pos="0">
+              <a:srgbClr val="FF0000">
+                <a:shade val="30000"/>
+                <a:satMod val="115000"/>
+              </a:srgbClr>
+            </a:gs>
+            <a:gs pos="50000">
+              <a:srgbClr val="FF0000">
+                <a:shade val="67500"/>
+                <a:satMod val="115000"/>
+              </a:srgbClr>
+            </a:gs>
+            <a:gs pos="100000">
+              <a:srgbClr val="FF0000">
+                <a:shade val="100000"/>
+                <a:satMod val="115000"/>
+              </a:srgbClr>
+            </a:gs>
+          </a:gsLst>
+          <a:path path="circle">
+            <a:fillToRect t="100000" r="100000"/>
+          </a:path>
+          <a:tileRect l="-100000" b="-100000"/>
+        </a:gradFill>
         <a:ln>
           <a:noFill/>
         </a:ln>
-        <a:effectLst/>
+        <a:effectLst>
+          <a:outerShdw blurRad="149987" dist="250190" dir="8460000" algn="ctr" rotWithShape="0">
+            <a:srgbClr val="000000">
+              <a:alpha val="28000"/>
+            </a:srgbClr>
+          </a:outerShdw>
+        </a:effectLst>
+        <a:scene3d>
+          <a:camera prst="orthographicFront">
+            <a:rot lat="0" lon="0" rev="0"/>
+          </a:camera>
+          <a:lightRig rig="contrasting" dir="t">
+            <a:rot lat="0" lon="0" rev="1500000"/>
+          </a:lightRig>
+        </a:scene3d>
+        <a:sp3d prstMaterial="metal">
+          <a:bevelT w="88900" h="88900"/>
+        </a:sp3d>
       </dsp:spPr>
       <dsp:style>
         <a:lnRef idx="0">
@@ -3554,27 +4945,55 @@
             <a:gd name="adj" fmla="val 10000"/>
           </a:avLst>
         </a:prstGeom>
-        <a:solidFill>
-          <a:schemeClr val="accent3">
-            <a:hueOff val="0"/>
-            <a:satOff val="0"/>
-            <a:lumOff val="0"/>
-            <a:alphaOff val="0"/>
-          </a:schemeClr>
-        </a:solidFill>
+        <a:gradFill flip="none" rotWithShape="0">
+          <a:gsLst>
+            <a:gs pos="0">
+              <a:srgbClr val="FF0000">
+                <a:shade val="30000"/>
+                <a:satMod val="115000"/>
+              </a:srgbClr>
+            </a:gs>
+            <a:gs pos="50000">
+              <a:srgbClr val="FF0000">
+                <a:shade val="67500"/>
+                <a:satMod val="115000"/>
+              </a:srgbClr>
+            </a:gs>
+            <a:gs pos="100000">
+              <a:srgbClr val="FF0000">
+                <a:shade val="100000"/>
+                <a:satMod val="115000"/>
+              </a:srgbClr>
+            </a:gs>
+          </a:gsLst>
+          <a:path path="circle">
+            <a:fillToRect t="100000" r="100000"/>
+          </a:path>
+          <a:tileRect l="-100000" b="-100000"/>
+        </a:gradFill>
         <a:ln w="12700" cap="flat" cmpd="sng" algn="ctr">
-          <a:solidFill>
-            <a:schemeClr val="lt1">
-              <a:hueOff val="0"/>
-              <a:satOff val="0"/>
-              <a:lumOff val="0"/>
-              <a:alphaOff val="0"/>
-            </a:schemeClr>
-          </a:solidFill>
+          <a:noFill/>
           <a:prstDash val="solid"/>
           <a:miter lim="800000"/>
         </a:ln>
-        <a:effectLst/>
+        <a:effectLst>
+          <a:outerShdw blurRad="149987" dist="250190" dir="8460000" algn="ctr" rotWithShape="0">
+            <a:srgbClr val="000000">
+              <a:alpha val="28000"/>
+            </a:srgbClr>
+          </a:outerShdw>
+        </a:effectLst>
+        <a:scene3d>
+          <a:camera prst="orthographicFront">
+            <a:rot lat="0" lon="0" rev="0"/>
+          </a:camera>
+          <a:lightRig rig="contrasting" dir="t">
+            <a:rot lat="0" lon="0" rev="1500000"/>
+          </a:lightRig>
+        </a:scene3d>
+        <a:sp3d prstMaterial="metal">
+          <a:bevelT w="88900" h="88900"/>
+        </a:sp3d>
       </dsp:spPr>
       <dsp:style>
         <a:lnRef idx="2">
@@ -3635,18 +5054,53 @@
         <a:prstGeom prst="rect">
           <a:avLst/>
         </a:prstGeom>
-        <a:solidFill>
-          <a:schemeClr val="accent4">
-            <a:hueOff val="0"/>
-            <a:satOff val="0"/>
-            <a:lumOff val="0"/>
-            <a:alphaOff val="0"/>
-          </a:schemeClr>
-        </a:solidFill>
+        <a:gradFill flip="none" rotWithShape="0">
+          <a:gsLst>
+            <a:gs pos="0">
+              <a:srgbClr val="FFC000">
+                <a:shade val="30000"/>
+                <a:satMod val="115000"/>
+              </a:srgbClr>
+            </a:gs>
+            <a:gs pos="50000">
+              <a:srgbClr val="FFC000">
+                <a:shade val="67500"/>
+                <a:satMod val="115000"/>
+              </a:srgbClr>
+            </a:gs>
+            <a:gs pos="100000">
+              <a:srgbClr val="FFC000">
+                <a:shade val="100000"/>
+                <a:satMod val="115000"/>
+              </a:srgbClr>
+            </a:gs>
+          </a:gsLst>
+          <a:path path="circle">
+            <a:fillToRect t="100000" r="100000"/>
+          </a:path>
+          <a:tileRect l="-100000" b="-100000"/>
+        </a:gradFill>
         <a:ln>
           <a:noFill/>
         </a:ln>
-        <a:effectLst/>
+        <a:effectLst>
+          <a:outerShdw blurRad="149987" dist="250190" dir="8460000" algn="ctr" rotWithShape="0">
+            <a:srgbClr val="000000">
+              <a:alpha val="28000"/>
+            </a:srgbClr>
+          </a:outerShdw>
+        </a:effectLst>
+        <a:scene3d>
+          <a:camera prst="orthographicFront">
+            <a:rot lat="0" lon="0" rev="0"/>
+          </a:camera>
+          <a:lightRig rig="contrasting" dir="t">
+            <a:rot lat="0" lon="0" rev="1500000"/>
+          </a:lightRig>
+        </a:scene3d>
+        <a:sp3d prstMaterial="metal">
+          <a:bevelT w="88900" h="88900"/>
+        </a:sp3d>
       </dsp:spPr>
       <dsp:style>
         <a:lnRef idx="0">
@@ -3678,27 +5132,55 @@
             <a:gd name="adj" fmla="val 10000"/>
           </a:avLst>
         </a:prstGeom>
-        <a:solidFill>
-          <a:schemeClr val="accent4">
-            <a:hueOff val="0"/>
-            <a:satOff val="0"/>
-            <a:lumOff val="0"/>
-            <a:alphaOff val="0"/>
-          </a:schemeClr>
-        </a:solidFill>
+        <a:gradFill flip="none" rotWithShape="0">
+          <a:gsLst>
+            <a:gs pos="0">
+              <a:srgbClr val="FFC000">
+                <a:shade val="30000"/>
+                <a:satMod val="115000"/>
+              </a:srgbClr>
+            </a:gs>
+            <a:gs pos="50000">
+              <a:srgbClr val="FFC000">
+                <a:shade val="67500"/>
+                <a:satMod val="115000"/>
+              </a:srgbClr>
+            </a:gs>
+            <a:gs pos="100000">
+              <a:srgbClr val="FFC000">
+                <a:shade val="100000"/>
+                <a:satMod val="115000"/>
+              </a:srgbClr>
+            </a:gs>
+          </a:gsLst>
+          <a:path path="circle">
+            <a:fillToRect t="100000" r="100000"/>
+          </a:path>
+          <a:tileRect l="-100000" b="-100000"/>
+        </a:gradFill>
         <a:ln w="12700" cap="flat" cmpd="sng" algn="ctr">
-          <a:solidFill>
-            <a:schemeClr val="lt1">
-              <a:hueOff val="0"/>
-              <a:satOff val="0"/>
-              <a:lumOff val="0"/>
-              <a:alphaOff val="0"/>
-            </a:schemeClr>
-          </a:solidFill>
+          <a:noFill/>
           <a:prstDash val="solid"/>
           <a:miter lim="800000"/>
         </a:ln>
-        <a:effectLst/>
+        <a:effectLst>
+          <a:outerShdw blurRad="149987" dist="250190" dir="8460000" algn="ctr" rotWithShape="0">
+            <a:srgbClr val="000000">
+              <a:alpha val="28000"/>
+            </a:srgbClr>
+          </a:outerShdw>
+        </a:effectLst>
+        <a:scene3d>
+          <a:camera prst="orthographicFront">
+            <a:rot lat="0" lon="0" rev="0"/>
+          </a:camera>
+          <a:lightRig rig="contrasting" dir="t">
+            <a:rot lat="0" lon="0" rev="1500000"/>
+          </a:lightRig>
+        </a:scene3d>
+        <a:sp3d prstMaterial="metal">
+          <a:bevelT w="88900" h="88900"/>
+        </a:sp3d>
       </dsp:spPr>
       <dsp:style>
         <a:lnRef idx="2">
@@ -3759,18 +5241,53 @@
         <a:prstGeom prst="rect">
           <a:avLst/>
         </a:prstGeom>
-        <a:solidFill>
-          <a:schemeClr val="accent5">
-            <a:hueOff val="0"/>
-            <a:satOff val="0"/>
-            <a:lumOff val="0"/>
-            <a:alphaOff val="0"/>
-          </a:schemeClr>
-        </a:solidFill>
+        <a:gradFill flip="none" rotWithShape="0">
+          <a:gsLst>
+            <a:gs pos="0">
+              <a:srgbClr val="FFFF00">
+                <a:shade val="30000"/>
+                <a:satMod val="115000"/>
+              </a:srgbClr>
+            </a:gs>
+            <a:gs pos="50000">
+              <a:srgbClr val="FFFF00">
+                <a:shade val="67500"/>
+                <a:satMod val="115000"/>
+              </a:srgbClr>
+            </a:gs>
+            <a:gs pos="100000">
+              <a:srgbClr val="FFFF00">
+                <a:shade val="100000"/>
+                <a:satMod val="115000"/>
+              </a:srgbClr>
+            </a:gs>
+          </a:gsLst>
+          <a:path path="circle">
+            <a:fillToRect t="100000" r="100000"/>
+          </a:path>
+          <a:tileRect l="-100000" b="-100000"/>
+        </a:gradFill>
         <a:ln>
           <a:noFill/>
         </a:ln>
-        <a:effectLst/>
+        <a:effectLst>
+          <a:outerShdw blurRad="149987" dist="250190" dir="8460000" algn="ctr" rotWithShape="0">
+            <a:srgbClr val="000000">
+              <a:alpha val="28000"/>
+            </a:srgbClr>
+          </a:outerShdw>
+        </a:effectLst>
+        <a:scene3d>
+          <a:camera prst="orthographicFront">
+            <a:rot lat="0" lon="0" rev="0"/>
+          </a:camera>
+          <a:lightRig rig="contrasting" dir="t">
+            <a:rot lat="0" lon="0" rev="1500000"/>
+          </a:lightRig>
+        </a:scene3d>
+        <a:sp3d prstMaterial="metal">
+          <a:bevelT w="88900" h="88900"/>
+        </a:sp3d>
       </dsp:spPr>
       <dsp:style>
         <a:lnRef idx="0">
@@ -3802,27 +5319,55 @@
             <a:gd name="adj" fmla="val 10000"/>
           </a:avLst>
         </a:prstGeom>
-        <a:solidFill>
-          <a:schemeClr val="accent5">
-            <a:hueOff val="0"/>
-            <a:satOff val="0"/>
-            <a:lumOff val="0"/>
-            <a:alphaOff val="0"/>
-          </a:schemeClr>
-        </a:solidFill>
+        <a:gradFill flip="none" rotWithShape="0">
+          <a:gsLst>
+            <a:gs pos="0">
+              <a:srgbClr val="FFFF00">
+                <a:shade val="30000"/>
+                <a:satMod val="115000"/>
+              </a:srgbClr>
+            </a:gs>
+            <a:gs pos="50000">
+              <a:srgbClr val="FFFF00">
+                <a:shade val="67500"/>
+                <a:satMod val="115000"/>
+              </a:srgbClr>
+            </a:gs>
+            <a:gs pos="100000">
+              <a:srgbClr val="FFFF00">
+                <a:shade val="100000"/>
+                <a:satMod val="115000"/>
+              </a:srgbClr>
+            </a:gs>
+          </a:gsLst>
+          <a:path path="circle">
+            <a:fillToRect t="100000" r="100000"/>
+          </a:path>
+          <a:tileRect l="-100000" b="-100000"/>
+        </a:gradFill>
         <a:ln w="12700" cap="flat" cmpd="sng" algn="ctr">
-          <a:solidFill>
-            <a:schemeClr val="lt1">
-              <a:hueOff val="0"/>
-              <a:satOff val="0"/>
-              <a:lumOff val="0"/>
-              <a:alphaOff val="0"/>
-            </a:schemeClr>
-          </a:solidFill>
+          <a:noFill/>
           <a:prstDash val="solid"/>
           <a:miter lim="800000"/>
         </a:ln>
-        <a:effectLst/>
+        <a:effectLst>
+          <a:outerShdw blurRad="149987" dist="250190" dir="8460000" algn="ctr" rotWithShape="0">
+            <a:srgbClr val="000000">
+              <a:alpha val="28000"/>
+            </a:srgbClr>
+          </a:outerShdw>
+        </a:effectLst>
+        <a:scene3d>
+          <a:camera prst="orthographicFront">
+            <a:rot lat="0" lon="0" rev="0"/>
+          </a:camera>
+          <a:lightRig rig="contrasting" dir="t">
+            <a:rot lat="0" lon="0" rev="1500000"/>
+          </a:lightRig>
+        </a:scene3d>
+        <a:sp3d prstMaterial="metal">
+          <a:bevelT w="88900" h="88900"/>
+        </a:sp3d>
       </dsp:spPr>
       <dsp:style>
         <a:lnRef idx="2">
@@ -3883,18 +5428,62 @@
         <a:prstGeom prst="rect">
           <a:avLst/>
         </a:prstGeom>
-        <a:solidFill>
-          <a:schemeClr val="accent6">
-            <a:hueOff val="0"/>
-            <a:satOff val="0"/>
-            <a:lumOff val="0"/>
-            <a:alphaOff val="0"/>
-          </a:schemeClr>
-        </a:solidFill>
+        <a:gradFill flip="none" rotWithShape="1">
+          <a:gsLst>
+            <a:gs pos="0">
+              <a:schemeClr val="accent6">
+                <a:hueOff val="0"/>
+                <a:satOff val="0"/>
+                <a:lumOff val="0"/>
+                <a:shade val="30000"/>
+                <a:satMod val="115000"/>
+              </a:schemeClr>
+            </a:gs>
+            <a:gs pos="50000">
+              <a:schemeClr val="accent6">
+                <a:hueOff val="0"/>
+                <a:satOff val="0"/>
+                <a:lumOff val="0"/>
+                <a:shade val="67500"/>
+                <a:satMod val="115000"/>
+              </a:schemeClr>
+            </a:gs>
+            <a:gs pos="100000">
+              <a:schemeClr val="accent6">
+                <a:hueOff val="0"/>
+                <a:satOff val="0"/>
+                <a:lumOff val="0"/>
+                <a:shade val="100000"/>
+                <a:satMod val="115000"/>
+              </a:schemeClr>
+            </a:gs>
+          </a:gsLst>
+          <a:path path="circle">
+            <a:fillToRect t="100000" r="100000"/>
+          </a:path>
+          <a:tileRect l="-100000" b="-100000"/>
+        </a:gradFill>
         <a:ln>
           <a:noFill/>
         </a:ln>
-        <a:effectLst/>
+        <a:effectLst>
+          <a:outerShdw blurRad="149987" dist="250190" dir="8460000" algn="ctr" rotWithShape="0">
+            <a:srgbClr val="000000">
+              <a:alpha val="28000"/>
+            </a:srgbClr>
+          </a:outerShdw>
+        </a:effectLst>
+        <a:scene3d>
+          <a:camera prst="orthographicFront">
+            <a:rot lat="0" lon="0" rev="0"/>
+          </a:camera>
+          <a:lightRig rig="contrasting" dir="t">
+            <a:rot lat="0" lon="0" rev="1500000"/>
+          </a:lightRig>
+        </a:scene3d>
+        <a:sp3d prstMaterial="metal">
+          <a:bevelT w="88900" h="88900"/>
+        </a:sp3d>
       </dsp:spPr>
       <dsp:style>
         <a:lnRef idx="0">
@@ -3926,27 +5515,64 @@
             <a:gd name="adj" fmla="val 10000"/>
           </a:avLst>
         </a:prstGeom>
-        <a:solidFill>
-          <a:schemeClr val="accent6">
-            <a:hueOff val="0"/>
-            <a:satOff val="0"/>
-            <a:lumOff val="0"/>
-            <a:alphaOff val="0"/>
-          </a:schemeClr>
-        </a:solidFill>
+        <a:gradFill flip="none" rotWithShape="1">
+          <a:gsLst>
+            <a:gs pos="0">
+              <a:schemeClr val="accent6">
+                <a:hueOff val="0"/>
+                <a:satOff val="0"/>
+                <a:lumOff val="0"/>
+                <a:shade val="30000"/>
+                <a:satMod val="115000"/>
+              </a:schemeClr>
+            </a:gs>
+            <a:gs pos="50000">
+              <a:schemeClr val="accent6">
+                <a:hueOff val="0"/>
+                <a:satOff val="0"/>
+                <a:lumOff val="0"/>
+                <a:shade val="67500"/>
+                <a:satMod val="115000"/>
+              </a:schemeClr>
+            </a:gs>
+            <a:gs pos="100000">
+              <a:schemeClr val="accent6">
+                <a:hueOff val="0"/>
+                <a:satOff val="0"/>
+                <a:lumOff val="0"/>
+                <a:shade val="100000"/>
+                <a:satMod val="115000"/>
+              </a:schemeClr>
+            </a:gs>
+          </a:gsLst>
+          <a:path path="circle">
+            <a:fillToRect t="100000" r="100000"/>
+          </a:path>
+          <a:tileRect l="-100000" b="-100000"/>
+        </a:gradFill>
         <a:ln w="12700" cap="flat" cmpd="sng" algn="ctr">
-          <a:solidFill>
-            <a:schemeClr val="lt1">
-              <a:hueOff val="0"/>
-              <a:satOff val="0"/>
-              <a:lumOff val="0"/>
-              <a:alphaOff val="0"/>
-            </a:schemeClr>
-          </a:solidFill>
+          <a:noFill/>
           <a:prstDash val="solid"/>
           <a:miter lim="800000"/>
         </a:ln>
-        <a:effectLst/>
+        <a:effectLst>
+          <a:outerShdw blurRad="149987" dist="250190" dir="8460000" algn="ctr" rotWithShape="0">
+            <a:srgbClr val="000000">
+              <a:alpha val="28000"/>
+            </a:srgbClr>
+          </a:outerShdw>
+        </a:effectLst>
+        <a:scene3d>
+          <a:camera prst="orthographicFront">
+            <a:rot lat="0" lon="0" rev="0"/>
+          </a:camera>
+          <a:lightRig rig="contrasting" dir="t">
+            <a:rot lat="0" lon="0" rev="1500000"/>
+          </a:lightRig>
+        </a:scene3d>
+        <a:sp3d prstMaterial="metal">
+          <a:bevelT w="88900" h="88900"/>
+        </a:sp3d>
       </dsp:spPr>
       <dsp:style>
         <a:lnRef idx="2">
@@ -4007,18 +5633,53 @@
         <a:prstGeom prst="rect">
           <a:avLst/>
         </a:prstGeom>
-        <a:solidFill>
-          <a:schemeClr val="accent2">
-            <a:hueOff val="0"/>
-            <a:satOff val="0"/>
-            <a:lumOff val="0"/>
-            <a:alphaOff val="0"/>
-          </a:schemeClr>
-        </a:solidFill>
+        <a:gradFill flip="none" rotWithShape="0">
+          <a:gsLst>
+            <a:gs pos="0">
+              <a:srgbClr val="00B050">
+                <a:shade val="30000"/>
+                <a:satMod val="115000"/>
+              </a:srgbClr>
+            </a:gs>
+            <a:gs pos="50000">
+              <a:srgbClr val="00B050">
+                <a:shade val="67500"/>
+                <a:satMod val="115000"/>
+              </a:srgbClr>
+            </a:gs>
+            <a:gs pos="100000">
+              <a:srgbClr val="00B050">
+                <a:shade val="100000"/>
+                <a:satMod val="115000"/>
+              </a:srgbClr>
+            </a:gs>
+          </a:gsLst>
+          <a:path path="circle">
+            <a:fillToRect t="100000" r="100000"/>
+          </a:path>
+          <a:tileRect l="-100000" b="-100000"/>
+        </a:gradFill>
         <a:ln>
           <a:noFill/>
         </a:ln>
-        <a:effectLst/>
+        <a:effectLst>
+          <a:outerShdw blurRad="149987" dist="250190" dir="8460000" algn="ctr" rotWithShape="0">
+            <a:srgbClr val="000000">
+              <a:alpha val="28000"/>
+            </a:srgbClr>
+          </a:outerShdw>
+        </a:effectLst>
+        <a:scene3d>
+          <a:camera prst="orthographicFront">
+            <a:rot lat="0" lon="0" rev="0"/>
+          </a:camera>
+          <a:lightRig rig="contrasting" dir="t">
+            <a:rot lat="0" lon="0" rev="1500000"/>
+          </a:lightRig>
+        </a:scene3d>
+        <a:sp3d prstMaterial="metal">
+          <a:bevelT w="88900" h="88900"/>
+        </a:sp3d>
       </dsp:spPr>
       <dsp:style>
         <a:lnRef idx="0">
@@ -4050,27 +5711,55 @@
             <a:gd name="adj" fmla="val 10000"/>
           </a:avLst>
         </a:prstGeom>
-        <a:solidFill>
-          <a:schemeClr val="accent2">
-            <a:hueOff val="0"/>
-            <a:satOff val="0"/>
-            <a:lumOff val="0"/>
-            <a:alphaOff val="0"/>
-          </a:schemeClr>
-        </a:solidFill>
+        <a:gradFill flip="none" rotWithShape="0">
+          <a:gsLst>
+            <a:gs pos="0">
+              <a:srgbClr val="00B050">
+                <a:shade val="30000"/>
+                <a:satMod val="115000"/>
+              </a:srgbClr>
+            </a:gs>
+            <a:gs pos="50000">
+              <a:srgbClr val="00B050">
+                <a:shade val="67500"/>
+                <a:satMod val="115000"/>
+              </a:srgbClr>
+            </a:gs>
+            <a:gs pos="100000">
+              <a:srgbClr val="00B050">
+                <a:shade val="100000"/>
+                <a:satMod val="115000"/>
+              </a:srgbClr>
+            </a:gs>
+          </a:gsLst>
+          <a:path path="circle">
+            <a:fillToRect t="100000" r="100000"/>
+          </a:path>
+          <a:tileRect l="-100000" b="-100000"/>
+        </a:gradFill>
         <a:ln w="12700" cap="flat" cmpd="sng" algn="ctr">
-          <a:solidFill>
-            <a:schemeClr val="lt1">
-              <a:hueOff val="0"/>
-              <a:satOff val="0"/>
-              <a:lumOff val="0"/>
-              <a:alphaOff val="0"/>
-            </a:schemeClr>
-          </a:solidFill>
+          <a:noFill/>
           <a:prstDash val="solid"/>
           <a:miter lim="800000"/>
         </a:ln>
-        <a:effectLst/>
+        <a:effectLst>
+          <a:outerShdw blurRad="149987" dist="250190" dir="8460000" algn="ctr" rotWithShape="0">
+            <a:srgbClr val="000000">
+              <a:alpha val="28000"/>
+            </a:srgbClr>
+          </a:outerShdw>
+        </a:effectLst>
+        <a:scene3d>
+          <a:camera prst="orthographicFront">
+            <a:rot lat="0" lon="0" rev="0"/>
+          </a:camera>
+          <a:lightRig rig="contrasting" dir="t">
+            <a:rot lat="0" lon="0" rev="1500000"/>
+          </a:lightRig>
+        </a:scene3d>
+        <a:sp3d prstMaterial="metal">
+          <a:bevelT w="88900" h="88900"/>
+        </a:sp3d>
       </dsp:spPr>
       <dsp:style>
         <a:lnRef idx="2">
@@ -4131,18 +5820,53 @@
         <a:prstGeom prst="rect">
           <a:avLst/>
         </a:prstGeom>
-        <a:solidFill>
-          <a:schemeClr val="accent3">
-            <a:hueOff val="0"/>
-            <a:satOff val="0"/>
-            <a:lumOff val="0"/>
-            <a:alphaOff val="0"/>
-          </a:schemeClr>
-        </a:solidFill>
+        <a:gradFill flip="none" rotWithShape="0">
+          <a:gsLst>
+            <a:gs pos="0">
+              <a:srgbClr val="00B0F0">
+                <a:shade val="30000"/>
+                <a:satMod val="115000"/>
+              </a:srgbClr>
+            </a:gs>
+            <a:gs pos="50000">
+              <a:srgbClr val="00B0F0">
+                <a:shade val="67500"/>
+                <a:satMod val="115000"/>
+              </a:srgbClr>
+            </a:gs>
+            <a:gs pos="100000">
+              <a:srgbClr val="00B0F0">
+                <a:shade val="100000"/>
+                <a:satMod val="115000"/>
+              </a:srgbClr>
+            </a:gs>
+          </a:gsLst>
+          <a:path path="circle">
+            <a:fillToRect t="100000" r="100000"/>
+          </a:path>
+          <a:tileRect l="-100000" b="-100000"/>
+        </a:gradFill>
         <a:ln>
           <a:noFill/>
         </a:ln>
-        <a:effectLst/>
+        <a:effectLst>
+          <a:outerShdw blurRad="149987" dist="250190" dir="8460000" algn="ctr" rotWithShape="0">
+            <a:srgbClr val="000000">
+              <a:alpha val="28000"/>
+            </a:srgbClr>
+          </a:outerShdw>
+        </a:effectLst>
+        <a:scene3d>
+          <a:camera prst="orthographicFront">
+            <a:rot lat="0" lon="0" rev="0"/>
+          </a:camera>
+          <a:lightRig rig="contrasting" dir="t">
+            <a:rot lat="0" lon="0" rev="1500000"/>
+          </a:lightRig>
+        </a:scene3d>
+        <a:sp3d prstMaterial="metal">
+          <a:bevelT w="88900" h="88900"/>
+        </a:sp3d>
       </dsp:spPr>
       <dsp:style>
         <a:lnRef idx="0">
@@ -4174,27 +5898,55 @@
             <a:gd name="adj" fmla="val 10000"/>
           </a:avLst>
         </a:prstGeom>
-        <a:solidFill>
-          <a:schemeClr val="accent3">
-            <a:hueOff val="0"/>
-            <a:satOff val="0"/>
-            <a:lumOff val="0"/>
-            <a:alphaOff val="0"/>
-          </a:schemeClr>
-        </a:solidFill>
+        <a:gradFill flip="none" rotWithShape="0">
+          <a:gsLst>
+            <a:gs pos="0">
+              <a:srgbClr val="00B0F0">
+                <a:shade val="30000"/>
+                <a:satMod val="115000"/>
+              </a:srgbClr>
+            </a:gs>
+            <a:gs pos="50000">
+              <a:srgbClr val="00B0F0">
+                <a:shade val="67500"/>
+                <a:satMod val="115000"/>
+              </a:srgbClr>
+            </a:gs>
+            <a:gs pos="100000">
+              <a:srgbClr val="00B0F0">
+                <a:shade val="100000"/>
+                <a:satMod val="115000"/>
+              </a:srgbClr>
+            </a:gs>
+          </a:gsLst>
+          <a:path path="circle">
+            <a:fillToRect t="100000" r="100000"/>
+          </a:path>
+          <a:tileRect l="-100000" b="-100000"/>
+        </a:gradFill>
         <a:ln w="12700" cap="flat" cmpd="sng" algn="ctr">
-          <a:solidFill>
-            <a:schemeClr val="lt1">
-              <a:hueOff val="0"/>
-              <a:satOff val="0"/>
-              <a:lumOff val="0"/>
-              <a:alphaOff val="0"/>
-            </a:schemeClr>
-          </a:solidFill>
+          <a:noFill/>
           <a:prstDash val="solid"/>
           <a:miter lim="800000"/>
         </a:ln>
-        <a:effectLst/>
+        <a:effectLst>
+          <a:outerShdw blurRad="149987" dist="250190" dir="8460000" algn="ctr" rotWithShape="0">
+            <a:srgbClr val="000000">
+              <a:alpha val="28000"/>
+            </a:srgbClr>
+          </a:outerShdw>
+        </a:effectLst>
+        <a:scene3d>
+          <a:camera prst="orthographicFront">
+            <a:rot lat="0" lon="0" rev="0"/>
+          </a:camera>
+          <a:lightRig rig="contrasting" dir="t">
+            <a:rot lat="0" lon="0" rev="1500000"/>
+          </a:lightRig>
+        </a:scene3d>
+        <a:sp3d prstMaterial="metal">
+          <a:bevelT w="88900" h="88900"/>
+        </a:sp3d>
       </dsp:spPr>
       <dsp:style>
         <a:lnRef idx="2">
@@ -4255,18 +6007,53 @@
         <a:prstGeom prst="rect">
           <a:avLst/>
         </a:prstGeom>
-        <a:solidFill>
-          <a:schemeClr val="accent4">
-            <a:hueOff val="0"/>
-            <a:satOff val="0"/>
-            <a:lumOff val="0"/>
-            <a:alphaOff val="0"/>
-          </a:schemeClr>
-        </a:solidFill>
+        <a:gradFill flip="none" rotWithShape="0">
+          <a:gsLst>
+            <a:gs pos="0">
+              <a:srgbClr val="0070C0">
+                <a:shade val="30000"/>
+                <a:satMod val="115000"/>
+              </a:srgbClr>
+            </a:gs>
+            <a:gs pos="50000">
+              <a:srgbClr val="0070C0">
+                <a:shade val="67500"/>
+                <a:satMod val="115000"/>
+              </a:srgbClr>
+            </a:gs>
+            <a:gs pos="100000">
+              <a:srgbClr val="0070C0">
+                <a:shade val="100000"/>
+                <a:satMod val="115000"/>
+              </a:srgbClr>
+            </a:gs>
+          </a:gsLst>
+          <a:path path="circle">
+            <a:fillToRect t="100000" r="100000"/>
+          </a:path>
+          <a:tileRect l="-100000" b="-100000"/>
+        </a:gradFill>
         <a:ln>
           <a:noFill/>
         </a:ln>
-        <a:effectLst/>
+        <a:effectLst>
+          <a:outerShdw blurRad="149987" dist="250190" dir="8460000" algn="ctr" rotWithShape="0">
+            <a:srgbClr val="000000">
+              <a:alpha val="28000"/>
+            </a:srgbClr>
+          </a:outerShdw>
+        </a:effectLst>
+        <a:scene3d>
+          <a:camera prst="orthographicFront">
+            <a:rot lat="0" lon="0" rev="0"/>
+          </a:camera>
+          <a:lightRig rig="contrasting" dir="t">
+            <a:rot lat="0" lon="0" rev="1500000"/>
+          </a:lightRig>
+        </a:scene3d>
+        <a:sp3d prstMaterial="metal">
+          <a:bevelT w="88900" h="88900"/>
+        </a:sp3d>
       </dsp:spPr>
       <dsp:style>
         <a:lnRef idx="0">
@@ -4298,27 +6085,55 @@
             <a:gd name="adj" fmla="val 10000"/>
           </a:avLst>
         </a:prstGeom>
-        <a:solidFill>
-          <a:schemeClr val="accent4">
-            <a:hueOff val="0"/>
-            <a:satOff val="0"/>
-            <a:lumOff val="0"/>
-            <a:alphaOff val="0"/>
-          </a:schemeClr>
-        </a:solidFill>
+        <a:gradFill flip="none" rotWithShape="0">
+          <a:gsLst>
+            <a:gs pos="0">
+              <a:srgbClr val="0070C0">
+                <a:shade val="30000"/>
+                <a:satMod val="115000"/>
+              </a:srgbClr>
+            </a:gs>
+            <a:gs pos="50000">
+              <a:srgbClr val="0070C0">
+                <a:shade val="67500"/>
+                <a:satMod val="115000"/>
+              </a:srgbClr>
+            </a:gs>
+            <a:gs pos="100000">
+              <a:srgbClr val="0070C0">
+                <a:shade val="100000"/>
+                <a:satMod val="115000"/>
+              </a:srgbClr>
+            </a:gs>
+          </a:gsLst>
+          <a:path path="circle">
+            <a:fillToRect t="100000" r="100000"/>
+          </a:path>
+          <a:tileRect l="-100000" b="-100000"/>
+        </a:gradFill>
         <a:ln w="12700" cap="flat" cmpd="sng" algn="ctr">
-          <a:solidFill>
-            <a:schemeClr val="lt1">
-              <a:hueOff val="0"/>
-              <a:satOff val="0"/>
-              <a:lumOff val="0"/>
-              <a:alphaOff val="0"/>
-            </a:schemeClr>
-          </a:solidFill>
+          <a:noFill/>
           <a:prstDash val="solid"/>
           <a:miter lim="800000"/>
         </a:ln>
-        <a:effectLst/>
+        <a:effectLst>
+          <a:outerShdw blurRad="149987" dist="250190" dir="8460000" algn="ctr" rotWithShape="0">
+            <a:srgbClr val="000000">
+              <a:alpha val="28000"/>
+            </a:srgbClr>
+          </a:outerShdw>
+        </a:effectLst>
+        <a:scene3d>
+          <a:camera prst="orthographicFront">
+            <a:rot lat="0" lon="0" rev="0"/>
+          </a:camera>
+          <a:lightRig rig="contrasting" dir="t">
+            <a:rot lat="0" lon="0" rev="1500000"/>
+          </a:lightRig>
+        </a:scene3d>
+        <a:sp3d prstMaterial="metal">
+          <a:bevelT w="88900" h="88900"/>
+        </a:sp3d>
       </dsp:spPr>
       <dsp:style>
         <a:lnRef idx="2">
@@ -4381,27 +6196,55 @@
             <a:gd name="adj" fmla="val 10000"/>
           </a:avLst>
         </a:prstGeom>
-        <a:solidFill>
-          <a:schemeClr val="accent5">
-            <a:hueOff val="0"/>
-            <a:satOff val="0"/>
-            <a:lumOff val="0"/>
-            <a:alphaOff val="0"/>
-          </a:schemeClr>
-        </a:solidFill>
+        <a:gradFill flip="none" rotWithShape="0">
+          <a:gsLst>
+            <a:gs pos="0">
+              <a:srgbClr val="002060">
+                <a:tint val="66000"/>
+                <a:satMod val="160000"/>
+              </a:srgbClr>
+            </a:gs>
+            <a:gs pos="50000">
+              <a:srgbClr val="002060">
+                <a:tint val="44500"/>
+                <a:satMod val="160000"/>
+              </a:srgbClr>
+            </a:gs>
+            <a:gs pos="100000">
+              <a:srgbClr val="002060">
+                <a:tint val="23500"/>
+                <a:satMod val="160000"/>
+              </a:srgbClr>
+            </a:gs>
+          </a:gsLst>
+          <a:path path="circle">
+            <a:fillToRect t="100000" r="100000"/>
+          </a:path>
+          <a:tileRect l="-100000" b="-100000"/>
+        </a:gradFill>
         <a:ln w="12700" cap="flat" cmpd="sng" algn="ctr">
-          <a:solidFill>
-            <a:schemeClr val="lt1">
-              <a:hueOff val="0"/>
-              <a:satOff val="0"/>
-              <a:lumOff val="0"/>
-              <a:alphaOff val="0"/>
-            </a:schemeClr>
-          </a:solidFill>
+          <a:noFill/>
           <a:prstDash val="solid"/>
           <a:miter lim="800000"/>
         </a:ln>
-        <a:effectLst/>
+        <a:effectLst>
+          <a:outerShdw blurRad="149987" dist="250190" dir="8460000" algn="ctr" rotWithShape="0">
+            <a:srgbClr val="000000">
+              <a:alpha val="28000"/>
+            </a:srgbClr>
+          </a:outerShdw>
+        </a:effectLst>
+        <a:scene3d>
+          <a:camera prst="orthographicFront">
+            <a:rot lat="0" lon="0" rev="0"/>
+          </a:camera>
+          <a:lightRig rig="contrasting" dir="t">
+            <a:rot lat="0" lon="0" rev="1500000"/>
+          </a:lightRig>
+        </a:scene3d>
+        <a:sp3d prstMaterial="metal">
+          <a:bevelT w="88900" h="88900"/>
+        </a:sp3d>
       </dsp:spPr>
       <dsp:style>
         <a:lnRef idx="2">
@@ -4440,19 +6283,8 @@
               <a:latin typeface="Arial" panose="020B0604020202020204" pitchFamily="34" charset="0"/>
               <a:cs typeface="Arial" panose="020B0604020202020204" pitchFamily="34" charset="0"/>
             </a:rPr>
-            <a:t>Бизнес-</a:t>
+            <a:t>Бизнес-процессы</a:t>
           </a:r>
-          <a:r>
-            <a:rPr lang="ru-RU" sz="2500" kern="1200" dirty="0" err="1">
-              <a:latin typeface="Arial" panose="020B0604020202020204" pitchFamily="34" charset="0"/>
-              <a:cs typeface="Arial" panose="020B0604020202020204" pitchFamily="34" charset="0"/>
-            </a:rPr>
-            <a:t>процесы</a:t>
-          </a:r>
-          <a:endParaRPr lang="ru-RU" sz="2500" kern="1200" dirty="0">
-            <a:latin typeface="Arial" panose="020B0604020202020204" pitchFamily="34" charset="0"/>
-            <a:cs typeface="Arial" panose="020B0604020202020204" pitchFamily="34" charset="0"/>
-          </a:endParaRPr>
         </a:p>
       </dsp:txBody>
       <dsp:txXfrm>
@@ -7058,7 +8890,7 @@
           <a:p>
             <a:fld id="{ED21298E-1584-4BFF-A14E-BBA9BE444C70}" type="datetimeFigureOut">
               <a:rPr lang="ru-RU" smtClean="0"/>
-              <a:t>09.02.2020</a:t>
+              <a:t>04.08.2020</a:t>
             </a:fld>
             <a:endParaRPr lang="ru-RU"/>
           </a:p>
@@ -7256,7 +9088,7 @@
           <a:p>
             <a:fld id="{ED21298E-1584-4BFF-A14E-BBA9BE444C70}" type="datetimeFigureOut">
               <a:rPr lang="ru-RU" smtClean="0"/>
-              <a:t>09.02.2020</a:t>
+              <a:t>04.08.2020</a:t>
             </a:fld>
             <a:endParaRPr lang="ru-RU"/>
           </a:p>
@@ -7464,7 +9296,7 @@
           <a:p>
             <a:fld id="{ED21298E-1584-4BFF-A14E-BBA9BE444C70}" type="datetimeFigureOut">
               <a:rPr lang="ru-RU" smtClean="0"/>
-              <a:t>09.02.2020</a:t>
+              <a:t>04.08.2020</a:t>
             </a:fld>
             <a:endParaRPr lang="ru-RU"/>
           </a:p>
@@ -7662,7 +9494,7 @@
           <a:p>
             <a:fld id="{ED21298E-1584-4BFF-A14E-BBA9BE444C70}" type="datetimeFigureOut">
               <a:rPr lang="ru-RU" smtClean="0"/>
-              <a:t>09.02.2020</a:t>
+              <a:t>04.08.2020</a:t>
             </a:fld>
             <a:endParaRPr lang="ru-RU"/>
           </a:p>
@@ -7937,7 +9769,7 @@
           <a:p>
             <a:fld id="{ED21298E-1584-4BFF-A14E-BBA9BE444C70}" type="datetimeFigureOut">
               <a:rPr lang="ru-RU" smtClean="0"/>
-              <a:t>09.02.2020</a:t>
+              <a:t>04.08.2020</a:t>
             </a:fld>
             <a:endParaRPr lang="ru-RU"/>
           </a:p>
@@ -8202,7 +10034,7 @@
           <a:p>
             <a:fld id="{ED21298E-1584-4BFF-A14E-BBA9BE444C70}" type="datetimeFigureOut">
               <a:rPr lang="ru-RU" smtClean="0"/>
-              <a:t>09.02.2020</a:t>
+              <a:t>04.08.2020</a:t>
             </a:fld>
             <a:endParaRPr lang="ru-RU"/>
           </a:p>
@@ -8614,7 +10446,7 @@
           <a:p>
             <a:fld id="{ED21298E-1584-4BFF-A14E-BBA9BE444C70}" type="datetimeFigureOut">
               <a:rPr lang="ru-RU" smtClean="0"/>
-              <a:t>09.02.2020</a:t>
+              <a:t>04.08.2020</a:t>
             </a:fld>
             <a:endParaRPr lang="ru-RU"/>
           </a:p>
@@ -8755,7 +10587,7 @@
           <a:p>
             <a:fld id="{ED21298E-1584-4BFF-A14E-BBA9BE444C70}" type="datetimeFigureOut">
               <a:rPr lang="ru-RU" smtClean="0"/>
-              <a:t>09.02.2020</a:t>
+              <a:t>04.08.2020</a:t>
             </a:fld>
             <a:endParaRPr lang="ru-RU"/>
           </a:p>
@@ -8868,7 +10700,7 @@
           <a:p>
             <a:fld id="{ED21298E-1584-4BFF-A14E-BBA9BE444C70}" type="datetimeFigureOut">
               <a:rPr lang="ru-RU" smtClean="0"/>
-              <a:t>09.02.2020</a:t>
+              <a:t>04.08.2020</a:t>
             </a:fld>
             <a:endParaRPr lang="ru-RU"/>
           </a:p>
@@ -9179,7 +11011,7 @@
           <a:p>
             <a:fld id="{ED21298E-1584-4BFF-A14E-BBA9BE444C70}" type="datetimeFigureOut">
               <a:rPr lang="ru-RU" smtClean="0"/>
-              <a:t>09.02.2020</a:t>
+              <a:t>04.08.2020</a:t>
             </a:fld>
             <a:endParaRPr lang="ru-RU"/>
           </a:p>
@@ -9467,7 +11299,7 @@
           <a:p>
             <a:fld id="{ED21298E-1584-4BFF-A14E-BBA9BE444C70}" type="datetimeFigureOut">
               <a:rPr lang="ru-RU" smtClean="0"/>
-              <a:t>09.02.2020</a:t>
+              <a:t>04.08.2020</a:t>
             </a:fld>
             <a:endParaRPr lang="ru-RU"/>
           </a:p>
@@ -9708,7 +11540,7 @@
           <a:p>
             <a:fld id="{ED21298E-1584-4BFF-A14E-BBA9BE444C70}" type="datetimeFigureOut">
               <a:rPr lang="ru-RU" smtClean="0"/>
-              <a:t>09.02.2020</a:t>
+              <a:t>04.08.2020</a:t>
             </a:fld>
             <a:endParaRPr lang="ru-RU"/>
           </a:p>
@@ -10146,6 +11978,27 @@
             <a:off x="518160" y="1519719"/>
             <a:ext cx="11155680" cy="2387600"/>
           </a:xfrm>
+          <a:ln>
+            <a:noFill/>
+          </a:ln>
+          <a:effectLst>
+            <a:outerShdw blurRad="149987" dist="250190" dir="8460000" algn="ctr">
+              <a:srgbClr val="000000">
+                <a:alpha val="28000"/>
+              </a:srgbClr>
+            </a:outerShdw>
+          </a:effectLst>
+          <a:scene3d>
+            <a:camera prst="orthographicFront">
+              <a:rot lat="0" lon="0" rev="0"/>
+            </a:camera>
+            <a:lightRig rig="contrasting" dir="t">
+              <a:rot lat="0" lon="0" rev="1500000"/>
+            </a:lightRig>
+          </a:scene3d>
+          <a:sp3d prstMaterial="metal">
+            <a:bevelT w="88900" h="88900"/>
+          </a:sp3d>
         </p:spPr>
         <p:txBody>
           <a:bodyPr>
@@ -10156,7 +12009,7 @@
             <a:r>
               <a:rPr lang="ru-RU" sz="5400" b="1" dirty="0">
                 <a:solidFill>
-                  <a:srgbClr val="D10A11"/>
+                  <a:srgbClr val="00D4C8"/>
                 </a:solidFill>
                 <a:latin typeface="Arial" panose="020B0604020202020204" pitchFamily="34" charset="0"/>
                 <a:cs typeface="Arial" panose="020B0604020202020204" pitchFamily="34" charset="0"/>
@@ -10187,6 +12040,27 @@
             <a:off x="1524000" y="4448854"/>
             <a:ext cx="9144000" cy="465053"/>
           </a:xfrm>
+          <a:ln>
+            <a:noFill/>
+          </a:ln>
+          <a:effectLst>
+            <a:outerShdw blurRad="149987" dist="250190" dir="8460000" algn="ctr">
+              <a:srgbClr val="000000">
+                <a:alpha val="28000"/>
+              </a:srgbClr>
+            </a:outerShdw>
+          </a:effectLst>
+          <a:scene3d>
+            <a:camera prst="orthographicFront">
+              <a:rot lat="0" lon="0" rev="0"/>
+            </a:camera>
+            <a:lightRig rig="contrasting" dir="t">
+              <a:rot lat="0" lon="0" rev="1500000"/>
+            </a:lightRig>
+          </a:scene3d>
+          <a:sp3d prstMaterial="metal">
+            <a:bevelT w="88900" h="88900"/>
+          </a:sp3d>
         </p:spPr>
         <p:txBody>
           <a:bodyPr>
@@ -10288,7 +12162,7 @@
           <p:nvPr>
             <p:extLst>
               <p:ext uri="{D42A27DB-BD31-4B8C-83A1-F6EECF244321}">
-                <p14:modId xmlns:p14="http://schemas.microsoft.com/office/powerpoint/2010/main" val="3462395695"/>
+                <p14:modId xmlns:p14="http://schemas.microsoft.com/office/powerpoint/2010/main" val="3450329278"/>
               </p:ext>
             </p:extLst>
           </p:nvPr>
@@ -10329,7 +12203,7 @@
                       <a:r>
                         <a:rPr lang="ru-RU" sz="1100" b="1" cap="all" spc="150" dirty="0">
                           <a:solidFill>
-                            <a:srgbClr val="D10A11"/>
+                            <a:srgbClr val="00D4C8"/>
                           </a:solidFill>
                           <a:effectLst/>
                           <a:latin typeface="Arial" panose="020B0604020202020204" pitchFamily="34" charset="0"/>
@@ -10340,7 +12214,7 @@
                       <a:r>
                         <a:rPr lang="ru-RU" sz="1100" b="1" u="sng" cap="all" spc="150" dirty="0">
                           <a:solidFill>
-                            <a:srgbClr val="D10A11"/>
+                            <a:srgbClr val="00D4C8"/>
                           </a:solidFill>
                           <a:effectLst/>
                           <a:latin typeface="Arial" panose="020B0604020202020204" pitchFamily="34" charset="0"/>
@@ -10358,7 +12232,7 @@
                       <a:r>
                         <a:rPr lang="ru-RU" sz="1100" b="1" kern="1200" cap="all" spc="150" dirty="0">
                           <a:solidFill>
-                            <a:srgbClr val="D10A11"/>
+                            <a:srgbClr val="00D4C8"/>
                           </a:solidFill>
                           <a:effectLst/>
                           <a:latin typeface="Arial" panose="020B0604020202020204" pitchFamily="34" charset="0"/>
@@ -10377,7 +12251,7 @@
                       <a:r>
                         <a:rPr lang="ru-RU" sz="1100" b="1" kern="1200" cap="all" spc="150" dirty="0">
                           <a:solidFill>
-                            <a:srgbClr val="D10A11"/>
+                            <a:srgbClr val="00D4C8"/>
                           </a:solidFill>
                           <a:effectLst/>
                           <a:latin typeface="Arial" panose="020B0604020202020204" pitchFamily="34" charset="0"/>
@@ -10389,7 +12263,7 @@
                       <a:r>
                         <a:rPr lang="en-US" sz="1100" b="1" kern="1200" cap="all" spc="150" dirty="0" err="1">
                           <a:solidFill>
-                            <a:srgbClr val="D10A11"/>
+                            <a:srgbClr val="00D4C8"/>
                           </a:solidFill>
                           <a:effectLst/>
                           <a:latin typeface="Arial" panose="020B0604020202020204" pitchFamily="34" charset="0"/>
@@ -10408,7 +12282,7 @@
                       <a:r>
                         <a:rPr lang="ru-RU" sz="1100" b="1" kern="1200" cap="all" spc="150" dirty="0">
                           <a:solidFill>
-                            <a:srgbClr val="D10A11"/>
+                            <a:srgbClr val="00D4C8"/>
                           </a:solidFill>
                           <a:effectLst/>
                           <a:latin typeface="Arial" panose="020B0604020202020204" pitchFamily="34" charset="0"/>
@@ -10427,7 +12301,7 @@
                       <a:r>
                         <a:rPr lang="en-US" sz="1100" b="1" kern="1200" cap="all" spc="150" dirty="0" err="1">
                           <a:solidFill>
-                            <a:srgbClr val="D10A11"/>
+                            <a:srgbClr val="00D4C8"/>
                           </a:solidFill>
                           <a:effectLst/>
                           <a:latin typeface="Arial" panose="020B0604020202020204" pitchFamily="34" charset="0"/>
@@ -10446,7 +12320,7 @@
                       <a:r>
                         <a:rPr lang="en-US" sz="1100" b="1" kern="1200" cap="all" spc="150" dirty="0">
                           <a:solidFill>
-                            <a:srgbClr val="D10A11"/>
+                            <a:srgbClr val="00D4C8"/>
                           </a:solidFill>
                           <a:effectLst/>
                           <a:latin typeface="Arial" panose="020B0604020202020204" pitchFamily="34" charset="0"/>
@@ -10458,7 +12332,7 @@
                       <a:r>
                         <a:rPr lang="ru-RU" sz="1100" b="1" kern="1200" cap="all" spc="150" dirty="0">
                           <a:solidFill>
-                            <a:srgbClr val="D10A11"/>
+                            <a:srgbClr val="00D4C8"/>
                           </a:solidFill>
                           <a:effectLst/>
                           <a:latin typeface="Arial" panose="020B0604020202020204" pitchFamily="34" charset="0"/>
@@ -10470,7 +12344,7 @@
                       <a:r>
                         <a:rPr lang="en-US" sz="1100" b="1" kern="1200" cap="all" spc="150" dirty="0">
                           <a:solidFill>
-                            <a:srgbClr val="D10A11"/>
+                            <a:srgbClr val="00D4C8"/>
                           </a:solidFill>
                           <a:effectLst/>
                           <a:latin typeface="Arial" panose="020B0604020202020204" pitchFamily="34" charset="0"/>
@@ -10482,7 +12356,7 @@
                       <a:r>
                         <a:rPr lang="ru-RU" sz="1100" b="1" kern="1200" cap="all" spc="150" dirty="0">
                           <a:solidFill>
-                            <a:srgbClr val="D10A11"/>
+                            <a:srgbClr val="00D4C8"/>
                           </a:solidFill>
                           <a:effectLst/>
                           <a:latin typeface="Arial" panose="020B0604020202020204" pitchFamily="34" charset="0"/>
@@ -10494,7 +12368,7 @@
                       <a:r>
                         <a:rPr lang="en-US" sz="1100" b="1" kern="1200" cap="all" spc="150" dirty="0" err="1">
                           <a:solidFill>
-                            <a:srgbClr val="D10A11"/>
+                            <a:srgbClr val="00D4C8"/>
                           </a:solidFill>
                           <a:effectLst/>
                           <a:latin typeface="Arial" panose="020B0604020202020204" pitchFamily="34" charset="0"/>
@@ -10513,7 +12387,7 @@
                       <a:r>
                         <a:rPr lang="ru-RU" sz="1100" b="1" kern="1200" cap="all" spc="150" dirty="0">
                           <a:solidFill>
-                            <a:srgbClr val="D10A11"/>
+                            <a:srgbClr val="00D4C8"/>
                           </a:solidFill>
                           <a:effectLst/>
                           <a:latin typeface="Arial" panose="020B0604020202020204" pitchFamily="34" charset="0"/>
@@ -10532,7 +12406,7 @@
                       <a:r>
                         <a:rPr lang="en-US" sz="1100" b="1" kern="1200" cap="all" spc="150" dirty="0">
                           <a:solidFill>
-                            <a:srgbClr val="D10A11"/>
+                            <a:srgbClr val="00D4C8"/>
                           </a:solidFill>
                           <a:effectLst/>
                           <a:latin typeface="Arial" panose="020B0604020202020204" pitchFamily="34" charset="0"/>
@@ -10551,7 +12425,7 @@
                       <a:r>
                         <a:rPr lang="ru-RU" sz="1100" b="1" kern="1200" cap="all" spc="150" dirty="0">
                           <a:solidFill>
-                            <a:srgbClr val="D10A11"/>
+                            <a:srgbClr val="00D4C8"/>
                           </a:solidFill>
                           <a:effectLst/>
                           <a:latin typeface="Arial" panose="020B0604020202020204" pitchFamily="34" charset="0"/>
@@ -10570,7 +12444,7 @@
                       <a:r>
                         <a:rPr lang="en-US" sz="1100" b="1" kern="1200" cap="all" spc="150" dirty="0" err="1">
                           <a:solidFill>
-                            <a:srgbClr val="D10A11"/>
+                            <a:srgbClr val="00D4C8"/>
                           </a:solidFill>
                           <a:effectLst/>
                           <a:latin typeface="Arial" panose="020B0604020202020204" pitchFamily="34" charset="0"/>
@@ -10588,7 +12462,7 @@
                       </a:r>
                       <a:endParaRPr lang="ru-RU" sz="1100" b="1" kern="1200" cap="all" spc="150" dirty="0">
                         <a:solidFill>
-                          <a:srgbClr val="D10A11"/>
+                          <a:srgbClr val="00D4C8"/>
                         </a:solidFill>
                         <a:effectLst/>
                         <a:latin typeface="Arial" panose="020B0604020202020204" pitchFamily="34" charset="0"/>
@@ -10874,6 +12748,27 @@
             <a:off x="470263" y="802821"/>
             <a:ext cx="9544594" cy="2125526"/>
           </a:xfrm>
+          <a:ln>
+            <a:noFill/>
+          </a:ln>
+          <a:effectLst>
+            <a:outerShdw blurRad="149987" dist="250190" dir="8460000" algn="ctr">
+              <a:srgbClr val="000000">
+                <a:alpha val="28000"/>
+              </a:srgbClr>
+            </a:outerShdw>
+          </a:effectLst>
+          <a:scene3d>
+            <a:camera prst="orthographicFront">
+              <a:rot lat="0" lon="0" rev="0"/>
+            </a:camera>
+            <a:lightRig rig="contrasting" dir="t">
+              <a:rot lat="0" lon="0" rev="1500000"/>
+            </a:lightRig>
+          </a:scene3d>
+          <a:sp3d prstMaterial="metal">
+            <a:bevelT w="88900" h="88900"/>
+          </a:sp3d>
         </p:spPr>
         <p:txBody>
           <a:bodyPr>
@@ -10885,7 +12780,7 @@
             <a:r>
               <a:rPr lang="ru-RU" sz="4800" b="1" dirty="0">
                 <a:solidFill>
-                  <a:srgbClr val="D10A11"/>
+                  <a:srgbClr val="00D4C8"/>
                 </a:solidFill>
                 <a:latin typeface="Arial" panose="020B0604020202020204" pitchFamily="34" charset="0"/>
                 <a:cs typeface="Arial" panose="020B0604020202020204" pitchFamily="34" charset="0"/>
@@ -10894,7 +12789,7 @@
             </a:r>
             <a:endParaRPr lang="ru-RU" b="1" dirty="0">
               <a:solidFill>
-                <a:srgbClr val="D10A11"/>
+                <a:srgbClr val="00D4C8"/>
               </a:solidFill>
               <a:latin typeface="Arial" panose="020B0604020202020204" pitchFamily="34" charset="0"/>
               <a:cs typeface="Arial" panose="020B0604020202020204" pitchFamily="34" charset="0"/>
@@ -10915,7 +12810,7 @@
           <p:nvPr>
             <p:extLst>
               <p:ext uri="{D42A27DB-BD31-4B8C-83A1-F6EECF244321}">
-                <p14:modId xmlns:p14="http://schemas.microsoft.com/office/powerpoint/2010/main" val="1630803106"/>
+                <p14:modId xmlns:p14="http://schemas.microsoft.com/office/powerpoint/2010/main" val="3022955922"/>
               </p:ext>
             </p:extLst>
           </p:nvPr>
@@ -10964,6 +12859,27 @@
           <a:prstGeom prst="rect">
             <a:avLst/>
           </a:prstGeom>
+          <a:ln>
+            <a:noFill/>
+          </a:ln>
+          <a:effectLst>
+            <a:outerShdw blurRad="149987" dist="250190" dir="8460000" algn="ctr">
+              <a:srgbClr val="000000">
+                <a:alpha val="28000"/>
+              </a:srgbClr>
+            </a:outerShdw>
+          </a:effectLst>
+          <a:scene3d>
+            <a:camera prst="orthographicFront">
+              <a:rot lat="0" lon="0" rev="0"/>
+            </a:camera>
+            <a:lightRig rig="contrasting" dir="t">
+              <a:rot lat="0" lon="0" rev="1500000"/>
+            </a:lightRig>
+          </a:scene3d>
+          <a:sp3d prstMaterial="metal">
+            <a:bevelT w="88900" h="88900"/>
+          </a:sp3d>
         </p:spPr>
       </p:pic>
       <p:pic>
@@ -11053,7 +12969,7 @@
           <p:nvPr>
             <p:extLst>
               <p:ext uri="{D42A27DB-BD31-4B8C-83A1-F6EECF244321}">
-                <p14:modId xmlns:p14="http://schemas.microsoft.com/office/powerpoint/2010/main" val="688727512"/>
+                <p14:modId xmlns:p14="http://schemas.microsoft.com/office/powerpoint/2010/main" val="4030396622"/>
               </p:ext>
             </p:extLst>
           </p:nvPr>
@@ -11094,7 +13010,7 @@
                       <a:r>
                         <a:rPr lang="ru-RU" sz="1100" b="1" cap="all" spc="150" dirty="0">
                           <a:solidFill>
-                            <a:srgbClr val="D10A11"/>
+                            <a:srgbClr val="00D4C8"/>
                           </a:solidFill>
                           <a:effectLst/>
                           <a:latin typeface="Arial" panose="020B0604020202020204" pitchFamily="34" charset="0"/>
@@ -11105,7 +13021,7 @@
                       <a:r>
                         <a:rPr lang="ru-RU" sz="1100" b="1" u="sng" cap="all" spc="150" dirty="0">
                           <a:solidFill>
-                            <a:srgbClr val="D10A11"/>
+                            <a:srgbClr val="00D4C8"/>
                           </a:solidFill>
                           <a:effectLst/>
                           <a:latin typeface="Arial" panose="020B0604020202020204" pitchFamily="34" charset="0"/>
@@ -11123,7 +13039,7 @@
                       <a:r>
                         <a:rPr lang="ru-RU" sz="1100" b="1" kern="1200" cap="all" spc="150" dirty="0">
                           <a:solidFill>
-                            <a:srgbClr val="D10A11"/>
+                            <a:srgbClr val="00D4C8"/>
                           </a:solidFill>
                           <a:effectLst/>
                           <a:latin typeface="Arial" panose="020B0604020202020204" pitchFamily="34" charset="0"/>
@@ -11142,7 +13058,7 @@
                       <a:r>
                         <a:rPr lang="ru-RU" sz="1100" b="1" kern="1200" cap="all" spc="150" dirty="0">
                           <a:solidFill>
-                            <a:srgbClr val="D10A11"/>
+                            <a:srgbClr val="00D4C8"/>
                           </a:solidFill>
                           <a:effectLst/>
                           <a:latin typeface="Arial" panose="020B0604020202020204" pitchFamily="34" charset="0"/>
@@ -11154,7 +13070,7 @@
                       <a:r>
                         <a:rPr lang="en-US" sz="1100" b="1" kern="1200" cap="all" spc="150" dirty="0" err="1">
                           <a:solidFill>
-                            <a:srgbClr val="D10A11"/>
+                            <a:srgbClr val="00D4C8"/>
                           </a:solidFill>
                           <a:effectLst/>
                           <a:latin typeface="Arial" panose="020B0604020202020204" pitchFamily="34" charset="0"/>
@@ -11173,7 +13089,7 @@
                       <a:r>
                         <a:rPr lang="ru-RU" sz="1100" b="1" kern="1200" cap="all" spc="150" dirty="0">
                           <a:solidFill>
-                            <a:srgbClr val="D10A11"/>
+                            <a:srgbClr val="00D4C8"/>
                           </a:solidFill>
                           <a:effectLst/>
                           <a:latin typeface="Arial" panose="020B0604020202020204" pitchFamily="34" charset="0"/>
@@ -11192,7 +13108,7 @@
                       <a:r>
                         <a:rPr lang="en-US" sz="1100" b="1" kern="1200" cap="all" spc="150" dirty="0" err="1">
                           <a:solidFill>
-                            <a:srgbClr val="D10A11"/>
+                            <a:srgbClr val="00D4C8"/>
                           </a:solidFill>
                           <a:effectLst/>
                           <a:latin typeface="Arial" panose="020B0604020202020204" pitchFamily="34" charset="0"/>
@@ -11211,7 +13127,7 @@
                       <a:r>
                         <a:rPr lang="en-US" sz="1100" b="1" kern="1200" cap="all" spc="150" dirty="0">
                           <a:solidFill>
-                            <a:srgbClr val="D10A11"/>
+                            <a:srgbClr val="00D4C8"/>
                           </a:solidFill>
                           <a:effectLst/>
                           <a:latin typeface="Arial" panose="020B0604020202020204" pitchFamily="34" charset="0"/>
@@ -11223,7 +13139,7 @@
                       <a:r>
                         <a:rPr lang="ru-RU" sz="1100" b="1" kern="1200" cap="all" spc="150" dirty="0">
                           <a:solidFill>
-                            <a:srgbClr val="D10A11"/>
+                            <a:srgbClr val="00D4C8"/>
                           </a:solidFill>
                           <a:effectLst/>
                           <a:latin typeface="Arial" panose="020B0604020202020204" pitchFamily="34" charset="0"/>
@@ -11235,7 +13151,7 @@
                       <a:r>
                         <a:rPr lang="en-US" sz="1100" b="1" kern="1200" cap="all" spc="150" dirty="0">
                           <a:solidFill>
-                            <a:srgbClr val="D10A11"/>
+                            <a:srgbClr val="00D4C8"/>
                           </a:solidFill>
                           <a:effectLst/>
                           <a:latin typeface="Arial" panose="020B0604020202020204" pitchFamily="34" charset="0"/>
@@ -11247,7 +13163,7 @@
                       <a:r>
                         <a:rPr lang="ru-RU" sz="1100" b="1" kern="1200" cap="all" spc="150" dirty="0">
                           <a:solidFill>
-                            <a:srgbClr val="D10A11"/>
+                            <a:srgbClr val="00D4C8"/>
                           </a:solidFill>
                           <a:effectLst/>
                           <a:latin typeface="Arial" panose="020B0604020202020204" pitchFamily="34" charset="0"/>
@@ -11259,7 +13175,7 @@
                       <a:r>
                         <a:rPr lang="en-US" sz="1100" b="1" kern="1200" cap="all" spc="150" dirty="0" err="1">
                           <a:solidFill>
-                            <a:srgbClr val="D10A11"/>
+                            <a:srgbClr val="00D4C8"/>
                           </a:solidFill>
                           <a:effectLst/>
                           <a:latin typeface="Arial" panose="020B0604020202020204" pitchFamily="34" charset="0"/>
@@ -11278,7 +13194,7 @@
                       <a:r>
                         <a:rPr lang="ru-RU" sz="1100" b="1" kern="1200" cap="all" spc="150" dirty="0">
                           <a:solidFill>
-                            <a:srgbClr val="D10A11"/>
+                            <a:srgbClr val="00D4C8"/>
                           </a:solidFill>
                           <a:effectLst/>
                           <a:latin typeface="Arial" panose="020B0604020202020204" pitchFamily="34" charset="0"/>
@@ -11297,7 +13213,7 @@
                       <a:r>
                         <a:rPr lang="en-US" sz="1100" b="1" kern="1200" cap="all" spc="150" dirty="0">
                           <a:solidFill>
-                            <a:srgbClr val="D10A11"/>
+                            <a:srgbClr val="00D4C8"/>
                           </a:solidFill>
                           <a:effectLst/>
                           <a:latin typeface="Arial" panose="020B0604020202020204" pitchFamily="34" charset="0"/>
@@ -11316,7 +13232,7 @@
                       <a:r>
                         <a:rPr lang="ru-RU" sz="1100" b="1" kern="1200" cap="all" spc="150" dirty="0">
                           <a:solidFill>
-                            <a:srgbClr val="D10A11"/>
+                            <a:srgbClr val="00D4C8"/>
                           </a:solidFill>
                           <a:effectLst/>
                           <a:latin typeface="Arial" panose="020B0604020202020204" pitchFamily="34" charset="0"/>
@@ -11335,7 +13251,7 @@
                       <a:r>
                         <a:rPr lang="en-US" sz="1100" b="1" kern="1200" cap="all" spc="150" dirty="0" err="1">
                           <a:solidFill>
-                            <a:srgbClr val="D10A11"/>
+                            <a:srgbClr val="00D4C8"/>
                           </a:solidFill>
                           <a:effectLst/>
                           <a:latin typeface="Arial" panose="020B0604020202020204" pitchFamily="34" charset="0"/>
@@ -11353,7 +13269,7 @@
                       </a:r>
                       <a:endParaRPr lang="ru-RU" sz="1100" b="1" kern="1200" cap="all" spc="150" dirty="0">
                         <a:solidFill>
-                          <a:srgbClr val="D10A11"/>
+                          <a:srgbClr val="00D4C8"/>
                         </a:solidFill>
                         <a:effectLst/>
                         <a:latin typeface="Arial" panose="020B0604020202020204" pitchFamily="34" charset="0"/>
@@ -11603,6 +13519,27 @@
             <a:off x="5965371" y="365125"/>
             <a:ext cx="4806223" cy="880201"/>
           </a:xfrm>
+          <a:ln>
+            <a:noFill/>
+          </a:ln>
+          <a:effectLst>
+            <a:outerShdw blurRad="149987" dist="250190" dir="8460000" algn="ctr">
+              <a:srgbClr val="000000">
+                <a:alpha val="28000"/>
+              </a:srgbClr>
+            </a:outerShdw>
+          </a:effectLst>
+          <a:scene3d>
+            <a:camera prst="orthographicFront">
+              <a:rot lat="0" lon="0" rev="0"/>
+            </a:camera>
+            <a:lightRig rig="contrasting" dir="t">
+              <a:rot lat="0" lon="0" rev="1500000"/>
+            </a:lightRig>
+          </a:scene3d>
+          <a:sp3d prstMaterial="metal">
+            <a:bevelT w="88900" h="88900"/>
+          </a:sp3d>
         </p:spPr>
         <p:txBody>
           <a:bodyPr>
@@ -11614,7 +13551,7 @@
             <a:r>
               <a:rPr lang="ru-RU" sz="3600" b="1" dirty="0">
                 <a:solidFill>
-                  <a:srgbClr val="D10A11"/>
+                  <a:srgbClr val="00D4C8"/>
                 </a:solidFill>
                 <a:latin typeface="Arial" panose="020B0604020202020204" pitchFamily="34" charset="0"/>
                 <a:cs typeface="Arial" panose="020B0604020202020204" pitchFamily="34" charset="0"/>
@@ -11623,7 +13560,7 @@
             </a:r>
             <a:endParaRPr lang="ru-RU" sz="3600" b="1" dirty="0">
               <a:solidFill>
-                <a:srgbClr val="D10A11"/>
+                <a:srgbClr val="00D4C8"/>
               </a:solidFill>
             </a:endParaRPr>
           </a:p>
@@ -11662,6 +13599,27 @@
             <a:off x="1474583" y="1245327"/>
             <a:ext cx="9297012" cy="5104270"/>
           </a:xfrm>
+          <a:ln>
+            <a:noFill/>
+          </a:ln>
+          <a:effectLst>
+            <a:outerShdw blurRad="149987" dist="250190" dir="8460000" algn="ctr">
+              <a:srgbClr val="000000">
+                <a:alpha val="28000"/>
+              </a:srgbClr>
+            </a:outerShdw>
+          </a:effectLst>
+          <a:scene3d>
+            <a:camera prst="orthographicFront">
+              <a:rot lat="0" lon="0" rev="0"/>
+            </a:camera>
+            <a:lightRig rig="contrasting" dir="t">
+              <a:rot lat="0" lon="0" rev="1500000"/>
+            </a:lightRig>
+          </a:scene3d>
+          <a:sp3d prstMaterial="metal">
+            <a:bevelT w="88900" h="88900"/>
+          </a:sp3d>
         </p:spPr>
       </p:pic>
       <p:pic>
@@ -11751,7 +13709,7 @@
           <p:nvPr>
             <p:extLst>
               <p:ext uri="{D42A27DB-BD31-4B8C-83A1-F6EECF244321}">
-                <p14:modId xmlns:p14="http://schemas.microsoft.com/office/powerpoint/2010/main" val="688727512"/>
+                <p14:modId xmlns:p14="http://schemas.microsoft.com/office/powerpoint/2010/main" val="56119057"/>
               </p:ext>
             </p:extLst>
           </p:nvPr>
@@ -11792,7 +13750,7 @@
                       <a:r>
                         <a:rPr lang="ru-RU" sz="1100" b="1" cap="all" spc="150" dirty="0">
                           <a:solidFill>
-                            <a:srgbClr val="D10A11"/>
+                            <a:srgbClr val="00D4C8"/>
                           </a:solidFill>
                           <a:effectLst/>
                           <a:latin typeface="Arial" panose="020B0604020202020204" pitchFamily="34" charset="0"/>
@@ -11803,7 +13761,7 @@
                       <a:r>
                         <a:rPr lang="ru-RU" sz="1100" b="1" u="sng" cap="all" spc="150" dirty="0">
                           <a:solidFill>
-                            <a:srgbClr val="D10A11"/>
+                            <a:srgbClr val="00D4C8"/>
                           </a:solidFill>
                           <a:effectLst/>
                           <a:latin typeface="Arial" panose="020B0604020202020204" pitchFamily="34" charset="0"/>
@@ -11821,7 +13779,7 @@
                       <a:r>
                         <a:rPr lang="ru-RU" sz="1100" b="1" kern="1200" cap="all" spc="150" dirty="0">
                           <a:solidFill>
-                            <a:srgbClr val="D10A11"/>
+                            <a:srgbClr val="00D4C8"/>
                           </a:solidFill>
                           <a:effectLst/>
                           <a:latin typeface="Arial" panose="020B0604020202020204" pitchFamily="34" charset="0"/>
@@ -11840,7 +13798,7 @@
                       <a:r>
                         <a:rPr lang="ru-RU" sz="1100" b="1" kern="1200" cap="all" spc="150" dirty="0">
                           <a:solidFill>
-                            <a:srgbClr val="D10A11"/>
+                            <a:srgbClr val="00D4C8"/>
                           </a:solidFill>
                           <a:effectLst/>
                           <a:latin typeface="Arial" panose="020B0604020202020204" pitchFamily="34" charset="0"/>
@@ -11852,7 +13810,7 @@
                       <a:r>
                         <a:rPr lang="en-US" sz="1100" b="1" kern="1200" cap="all" spc="150" dirty="0" err="1">
                           <a:solidFill>
-                            <a:srgbClr val="D10A11"/>
+                            <a:srgbClr val="00D4C8"/>
                           </a:solidFill>
                           <a:effectLst/>
                           <a:latin typeface="Arial" panose="020B0604020202020204" pitchFamily="34" charset="0"/>
@@ -11871,7 +13829,7 @@
                       <a:r>
                         <a:rPr lang="ru-RU" sz="1100" b="1" kern="1200" cap="all" spc="150" dirty="0">
                           <a:solidFill>
-                            <a:srgbClr val="D10A11"/>
+                            <a:srgbClr val="00D4C8"/>
                           </a:solidFill>
                           <a:effectLst/>
                           <a:latin typeface="Arial" panose="020B0604020202020204" pitchFamily="34" charset="0"/>
@@ -11890,7 +13848,7 @@
                       <a:r>
                         <a:rPr lang="en-US" sz="1100" b="1" kern="1200" cap="all" spc="150" dirty="0" err="1">
                           <a:solidFill>
-                            <a:srgbClr val="D10A11"/>
+                            <a:srgbClr val="00D4C8"/>
                           </a:solidFill>
                           <a:effectLst/>
                           <a:latin typeface="Arial" panose="020B0604020202020204" pitchFamily="34" charset="0"/>
@@ -11909,7 +13867,7 @@
                       <a:r>
                         <a:rPr lang="en-US" sz="1100" b="1" kern="1200" cap="all" spc="150" dirty="0">
                           <a:solidFill>
-                            <a:srgbClr val="D10A11"/>
+                            <a:srgbClr val="00D4C8"/>
                           </a:solidFill>
                           <a:effectLst/>
                           <a:latin typeface="Arial" panose="020B0604020202020204" pitchFamily="34" charset="0"/>
@@ -11921,7 +13879,7 @@
                       <a:r>
                         <a:rPr lang="ru-RU" sz="1100" b="1" kern="1200" cap="all" spc="150" dirty="0">
                           <a:solidFill>
-                            <a:srgbClr val="D10A11"/>
+                            <a:srgbClr val="00D4C8"/>
                           </a:solidFill>
                           <a:effectLst/>
                           <a:latin typeface="Arial" panose="020B0604020202020204" pitchFamily="34" charset="0"/>
@@ -11933,7 +13891,7 @@
                       <a:r>
                         <a:rPr lang="en-US" sz="1100" b="1" kern="1200" cap="all" spc="150" dirty="0">
                           <a:solidFill>
-                            <a:srgbClr val="D10A11"/>
+                            <a:srgbClr val="00D4C8"/>
                           </a:solidFill>
                           <a:effectLst/>
                           <a:latin typeface="Arial" panose="020B0604020202020204" pitchFamily="34" charset="0"/>
@@ -11945,7 +13903,7 @@
                       <a:r>
                         <a:rPr lang="ru-RU" sz="1100" b="1" kern="1200" cap="all" spc="150" dirty="0">
                           <a:solidFill>
-                            <a:srgbClr val="D10A11"/>
+                            <a:srgbClr val="00D4C8"/>
                           </a:solidFill>
                           <a:effectLst/>
                           <a:latin typeface="Arial" panose="020B0604020202020204" pitchFamily="34" charset="0"/>
@@ -11957,7 +13915,7 @@
                       <a:r>
                         <a:rPr lang="en-US" sz="1100" b="1" kern="1200" cap="all" spc="150" dirty="0" err="1">
                           <a:solidFill>
-                            <a:srgbClr val="D10A11"/>
+                            <a:srgbClr val="00D4C8"/>
                           </a:solidFill>
                           <a:effectLst/>
                           <a:latin typeface="Arial" panose="020B0604020202020204" pitchFamily="34" charset="0"/>
@@ -11976,7 +13934,7 @@
                       <a:r>
                         <a:rPr lang="ru-RU" sz="1100" b="1" kern="1200" cap="all" spc="150" dirty="0">
                           <a:solidFill>
-                            <a:srgbClr val="D10A11"/>
+                            <a:srgbClr val="00D4C8"/>
                           </a:solidFill>
                           <a:effectLst/>
                           <a:latin typeface="Arial" panose="020B0604020202020204" pitchFamily="34" charset="0"/>
@@ -11995,7 +13953,7 @@
                       <a:r>
                         <a:rPr lang="en-US" sz="1100" b="1" kern="1200" cap="all" spc="150" dirty="0">
                           <a:solidFill>
-                            <a:srgbClr val="D10A11"/>
+                            <a:srgbClr val="00D4C8"/>
                           </a:solidFill>
                           <a:effectLst/>
                           <a:latin typeface="Arial" panose="020B0604020202020204" pitchFamily="34" charset="0"/>
@@ -12014,7 +13972,7 @@
                       <a:r>
                         <a:rPr lang="ru-RU" sz="1100" b="1" kern="1200" cap="all" spc="150" dirty="0">
                           <a:solidFill>
-                            <a:srgbClr val="D10A11"/>
+                            <a:srgbClr val="00D4C8"/>
                           </a:solidFill>
                           <a:effectLst/>
                           <a:latin typeface="Arial" panose="020B0604020202020204" pitchFamily="34" charset="0"/>
@@ -12033,7 +13991,7 @@
                       <a:r>
                         <a:rPr lang="en-US" sz="1100" b="1" kern="1200" cap="all" spc="150" dirty="0" err="1">
                           <a:solidFill>
-                            <a:srgbClr val="D10A11"/>
+                            <a:srgbClr val="00D4C8"/>
                           </a:solidFill>
                           <a:effectLst/>
                           <a:latin typeface="Arial" panose="020B0604020202020204" pitchFamily="34" charset="0"/>
@@ -12051,7 +14009,7 @@
                       </a:r>
                       <a:endParaRPr lang="ru-RU" sz="1100" b="1" kern="1200" cap="all" spc="150" dirty="0">
                         <a:solidFill>
-                          <a:srgbClr val="D10A11"/>
+                          <a:srgbClr val="00D4C8"/>
                         </a:solidFill>
                         <a:effectLst/>
                         <a:latin typeface="Arial" panose="020B0604020202020204" pitchFamily="34" charset="0"/>
@@ -12301,6 +14259,27 @@
             <a:off x="5965372" y="365125"/>
             <a:ext cx="4974971" cy="906327"/>
           </a:xfrm>
+          <a:ln>
+            <a:noFill/>
+          </a:ln>
+          <a:effectLst>
+            <a:outerShdw blurRad="149987" dist="250190" dir="8460000" algn="ctr">
+              <a:srgbClr val="000000">
+                <a:alpha val="28000"/>
+              </a:srgbClr>
+            </a:outerShdw>
+          </a:effectLst>
+          <a:scene3d>
+            <a:camera prst="orthographicFront">
+              <a:rot lat="0" lon="0" rev="0"/>
+            </a:camera>
+            <a:lightRig rig="contrasting" dir="t">
+              <a:rot lat="0" lon="0" rev="1500000"/>
+            </a:lightRig>
+          </a:scene3d>
+          <a:sp3d prstMaterial="metal">
+            <a:bevelT w="88900" h="88900"/>
+          </a:sp3d>
         </p:spPr>
         <p:txBody>
           <a:bodyPr>
@@ -12312,7 +14291,7 @@
             <a:r>
               <a:rPr lang="ru-RU" sz="3600" b="1" dirty="0">
                 <a:solidFill>
-                  <a:srgbClr val="D10A11"/>
+                  <a:srgbClr val="00D4C8"/>
                 </a:solidFill>
                 <a:latin typeface="Arial" panose="020B0604020202020204" pitchFamily="34" charset="0"/>
                 <a:cs typeface="Arial" panose="020B0604020202020204" pitchFamily="34" charset="0"/>
@@ -12355,6 +14334,27 @@
             <a:off x="1423809" y="1271452"/>
             <a:ext cx="9516534" cy="5057593"/>
           </a:xfrm>
+          <a:ln>
+            <a:noFill/>
+          </a:ln>
+          <a:effectLst>
+            <a:outerShdw blurRad="149987" dist="250190" dir="8460000" algn="ctr">
+              <a:srgbClr val="000000">
+                <a:alpha val="28000"/>
+              </a:srgbClr>
+            </a:outerShdw>
+          </a:effectLst>
+          <a:scene3d>
+            <a:camera prst="orthographicFront">
+              <a:rot lat="0" lon="0" rev="0"/>
+            </a:camera>
+            <a:lightRig rig="contrasting" dir="t">
+              <a:rot lat="0" lon="0" rev="1500000"/>
+            </a:lightRig>
+          </a:scene3d>
+          <a:sp3d prstMaterial="metal">
+            <a:bevelT w="88900" h="88900"/>
+          </a:sp3d>
         </p:spPr>
       </p:pic>
       <p:pic>
@@ -12444,7 +14444,7 @@
           <p:nvPr>
             <p:extLst>
               <p:ext uri="{D42A27DB-BD31-4B8C-83A1-F6EECF244321}">
-                <p14:modId xmlns:p14="http://schemas.microsoft.com/office/powerpoint/2010/main" val="688727512"/>
+                <p14:modId xmlns:p14="http://schemas.microsoft.com/office/powerpoint/2010/main" val="3618373161"/>
               </p:ext>
             </p:extLst>
           </p:nvPr>
@@ -12485,7 +14485,7 @@
                       <a:r>
                         <a:rPr lang="ru-RU" sz="1100" b="1" cap="all" spc="150" dirty="0">
                           <a:solidFill>
-                            <a:srgbClr val="D10A11"/>
+                            <a:srgbClr val="00D4C8"/>
                           </a:solidFill>
                           <a:effectLst/>
                           <a:latin typeface="Arial" panose="020B0604020202020204" pitchFamily="34" charset="0"/>
@@ -12496,7 +14496,7 @@
                       <a:r>
                         <a:rPr lang="ru-RU" sz="1100" b="1" u="sng" cap="all" spc="150" dirty="0">
                           <a:solidFill>
-                            <a:srgbClr val="D10A11"/>
+                            <a:srgbClr val="00D4C8"/>
                           </a:solidFill>
                           <a:effectLst/>
                           <a:latin typeface="Arial" panose="020B0604020202020204" pitchFamily="34" charset="0"/>
@@ -12514,7 +14514,7 @@
                       <a:r>
                         <a:rPr lang="ru-RU" sz="1100" b="1" kern="1200" cap="all" spc="150" dirty="0">
                           <a:solidFill>
-                            <a:srgbClr val="D10A11"/>
+                            <a:srgbClr val="00D4C8"/>
                           </a:solidFill>
                           <a:effectLst/>
                           <a:latin typeface="Arial" panose="020B0604020202020204" pitchFamily="34" charset="0"/>
@@ -12533,7 +14533,7 @@
                       <a:r>
                         <a:rPr lang="ru-RU" sz="1100" b="1" kern="1200" cap="all" spc="150" dirty="0">
                           <a:solidFill>
-                            <a:srgbClr val="D10A11"/>
+                            <a:srgbClr val="00D4C8"/>
                           </a:solidFill>
                           <a:effectLst/>
                           <a:latin typeface="Arial" panose="020B0604020202020204" pitchFamily="34" charset="0"/>
@@ -12545,7 +14545,7 @@
                       <a:r>
                         <a:rPr lang="en-US" sz="1100" b="1" kern="1200" cap="all" spc="150" dirty="0" err="1">
                           <a:solidFill>
-                            <a:srgbClr val="D10A11"/>
+                            <a:srgbClr val="00D4C8"/>
                           </a:solidFill>
                           <a:effectLst/>
                           <a:latin typeface="Arial" panose="020B0604020202020204" pitchFamily="34" charset="0"/>
@@ -12564,7 +14564,7 @@
                       <a:r>
                         <a:rPr lang="ru-RU" sz="1100" b="1" kern="1200" cap="all" spc="150" dirty="0">
                           <a:solidFill>
-                            <a:srgbClr val="D10A11"/>
+                            <a:srgbClr val="00D4C8"/>
                           </a:solidFill>
                           <a:effectLst/>
                           <a:latin typeface="Arial" panose="020B0604020202020204" pitchFamily="34" charset="0"/>
@@ -12583,7 +14583,7 @@
                       <a:r>
                         <a:rPr lang="en-US" sz="1100" b="1" kern="1200" cap="all" spc="150" dirty="0" err="1">
                           <a:solidFill>
-                            <a:srgbClr val="D10A11"/>
+                            <a:srgbClr val="00D4C8"/>
                           </a:solidFill>
                           <a:effectLst/>
                           <a:latin typeface="Arial" panose="020B0604020202020204" pitchFamily="34" charset="0"/>
@@ -12602,7 +14602,7 @@
                       <a:r>
                         <a:rPr lang="en-US" sz="1100" b="1" kern="1200" cap="all" spc="150" dirty="0">
                           <a:solidFill>
-                            <a:srgbClr val="D10A11"/>
+                            <a:srgbClr val="00D4C8"/>
                           </a:solidFill>
                           <a:effectLst/>
                           <a:latin typeface="Arial" panose="020B0604020202020204" pitchFamily="34" charset="0"/>
@@ -12614,7 +14614,7 @@
                       <a:r>
                         <a:rPr lang="ru-RU" sz="1100" b="1" kern="1200" cap="all" spc="150" dirty="0">
                           <a:solidFill>
-                            <a:srgbClr val="D10A11"/>
+                            <a:srgbClr val="00D4C8"/>
                           </a:solidFill>
                           <a:effectLst/>
                           <a:latin typeface="Arial" panose="020B0604020202020204" pitchFamily="34" charset="0"/>
@@ -12626,7 +14626,7 @@
                       <a:r>
                         <a:rPr lang="en-US" sz="1100" b="1" kern="1200" cap="all" spc="150" dirty="0">
                           <a:solidFill>
-                            <a:srgbClr val="D10A11"/>
+                            <a:srgbClr val="00D4C8"/>
                           </a:solidFill>
                           <a:effectLst/>
                           <a:latin typeface="Arial" panose="020B0604020202020204" pitchFamily="34" charset="0"/>
@@ -12638,7 +14638,7 @@
                       <a:r>
                         <a:rPr lang="ru-RU" sz="1100" b="1" kern="1200" cap="all" spc="150" dirty="0">
                           <a:solidFill>
-                            <a:srgbClr val="D10A11"/>
+                            <a:srgbClr val="00D4C8"/>
                           </a:solidFill>
                           <a:effectLst/>
                           <a:latin typeface="Arial" panose="020B0604020202020204" pitchFamily="34" charset="0"/>
@@ -12650,7 +14650,7 @@
                       <a:r>
                         <a:rPr lang="en-US" sz="1100" b="1" kern="1200" cap="all" spc="150" dirty="0" err="1">
                           <a:solidFill>
-                            <a:srgbClr val="D10A11"/>
+                            <a:srgbClr val="00D4C8"/>
                           </a:solidFill>
                           <a:effectLst/>
                           <a:latin typeface="Arial" panose="020B0604020202020204" pitchFamily="34" charset="0"/>
@@ -12669,7 +14669,7 @@
                       <a:r>
                         <a:rPr lang="ru-RU" sz="1100" b="1" kern="1200" cap="all" spc="150" dirty="0">
                           <a:solidFill>
-                            <a:srgbClr val="D10A11"/>
+                            <a:srgbClr val="00D4C8"/>
                           </a:solidFill>
                           <a:effectLst/>
                           <a:latin typeface="Arial" panose="020B0604020202020204" pitchFamily="34" charset="0"/>
@@ -12688,7 +14688,7 @@
                       <a:r>
                         <a:rPr lang="en-US" sz="1100" b="1" kern="1200" cap="all" spc="150" dirty="0">
                           <a:solidFill>
-                            <a:srgbClr val="D10A11"/>
+                            <a:srgbClr val="00D4C8"/>
                           </a:solidFill>
                           <a:effectLst/>
                           <a:latin typeface="Arial" panose="020B0604020202020204" pitchFamily="34" charset="0"/>
@@ -12707,7 +14707,7 @@
                       <a:r>
                         <a:rPr lang="ru-RU" sz="1100" b="1" kern="1200" cap="all" spc="150" dirty="0">
                           <a:solidFill>
-                            <a:srgbClr val="D10A11"/>
+                            <a:srgbClr val="00D4C8"/>
                           </a:solidFill>
                           <a:effectLst/>
                           <a:latin typeface="Arial" panose="020B0604020202020204" pitchFamily="34" charset="0"/>
@@ -12726,7 +14726,7 @@
                       <a:r>
                         <a:rPr lang="en-US" sz="1100" b="1" kern="1200" cap="all" spc="150" dirty="0" err="1">
                           <a:solidFill>
-                            <a:srgbClr val="D10A11"/>
+                            <a:srgbClr val="00D4C8"/>
                           </a:solidFill>
                           <a:effectLst/>
                           <a:latin typeface="Arial" panose="020B0604020202020204" pitchFamily="34" charset="0"/>
@@ -12744,7 +14744,7 @@
                       </a:r>
                       <a:endParaRPr lang="ru-RU" sz="1100" b="1" kern="1200" cap="all" spc="150" dirty="0">
                         <a:solidFill>
-                          <a:srgbClr val="D10A11"/>
+                          <a:srgbClr val="00D4C8"/>
                         </a:solidFill>
                         <a:effectLst/>
                         <a:latin typeface="Arial" panose="020B0604020202020204" pitchFamily="34" charset="0"/>
@@ -12994,6 +14994,27 @@
             <a:off x="5965372" y="365126"/>
             <a:ext cx="4598125" cy="836658"/>
           </a:xfrm>
+          <a:ln>
+            <a:noFill/>
+          </a:ln>
+          <a:effectLst>
+            <a:outerShdw blurRad="149987" dist="250190" dir="8460000" algn="ctr">
+              <a:srgbClr val="000000">
+                <a:alpha val="28000"/>
+              </a:srgbClr>
+            </a:outerShdw>
+          </a:effectLst>
+          <a:scene3d>
+            <a:camera prst="orthographicFront">
+              <a:rot lat="0" lon="0" rev="0"/>
+            </a:camera>
+            <a:lightRig rig="contrasting" dir="t">
+              <a:rot lat="0" lon="0" rev="1500000"/>
+            </a:lightRig>
+          </a:scene3d>
+          <a:sp3d prstMaterial="metal">
+            <a:bevelT w="88900" h="88900"/>
+          </a:sp3d>
         </p:spPr>
         <p:txBody>
           <a:bodyPr>
@@ -13005,7 +15026,7 @@
             <a:r>
               <a:rPr lang="ru-RU" sz="3600" b="1" dirty="0">
                 <a:solidFill>
-                  <a:srgbClr val="D10A11"/>
+                  <a:srgbClr val="00D4C8"/>
                 </a:solidFill>
                 <a:latin typeface="Arial" panose="020B0604020202020204" pitchFamily="34" charset="0"/>
                 <a:cs typeface="Arial" panose="020B0604020202020204" pitchFamily="34" charset="0"/>
@@ -13048,6 +15069,27 @@
             <a:off x="1582958" y="1201784"/>
             <a:ext cx="8980539" cy="5147812"/>
           </a:xfrm>
+          <a:ln>
+            <a:noFill/>
+          </a:ln>
+          <a:effectLst>
+            <a:outerShdw blurRad="149987" dist="250190" dir="8460000" algn="ctr">
+              <a:srgbClr val="000000">
+                <a:alpha val="28000"/>
+              </a:srgbClr>
+            </a:outerShdw>
+          </a:effectLst>
+          <a:scene3d>
+            <a:camera prst="orthographicFront">
+              <a:rot lat="0" lon="0" rev="0"/>
+            </a:camera>
+            <a:lightRig rig="contrasting" dir="t">
+              <a:rot lat="0" lon="0" rev="1500000"/>
+            </a:lightRig>
+          </a:scene3d>
+          <a:sp3d prstMaterial="metal">
+            <a:bevelT w="88900" h="88900"/>
+          </a:sp3d>
         </p:spPr>
       </p:pic>
       <p:pic>
@@ -13137,7 +15179,7 @@
           <p:nvPr>
             <p:extLst>
               <p:ext uri="{D42A27DB-BD31-4B8C-83A1-F6EECF244321}">
-                <p14:modId xmlns:p14="http://schemas.microsoft.com/office/powerpoint/2010/main" val="688727512"/>
+                <p14:modId xmlns:p14="http://schemas.microsoft.com/office/powerpoint/2010/main" val="2802330980"/>
               </p:ext>
             </p:extLst>
           </p:nvPr>
@@ -13178,7 +15220,7 @@
                       <a:r>
                         <a:rPr lang="ru-RU" sz="1100" b="1" cap="all" spc="150" dirty="0">
                           <a:solidFill>
-                            <a:srgbClr val="D10A11"/>
+                            <a:srgbClr val="00D4C8"/>
                           </a:solidFill>
                           <a:effectLst/>
                           <a:latin typeface="Arial" panose="020B0604020202020204" pitchFamily="34" charset="0"/>
@@ -13189,7 +15231,7 @@
                       <a:r>
                         <a:rPr lang="ru-RU" sz="1100" b="1" u="sng" cap="all" spc="150" dirty="0">
                           <a:solidFill>
-                            <a:srgbClr val="D10A11"/>
+                            <a:srgbClr val="00D4C8"/>
                           </a:solidFill>
                           <a:effectLst/>
                           <a:latin typeface="Arial" panose="020B0604020202020204" pitchFamily="34" charset="0"/>
@@ -13207,7 +15249,7 @@
                       <a:r>
                         <a:rPr lang="ru-RU" sz="1100" b="1" kern="1200" cap="all" spc="150" dirty="0">
                           <a:solidFill>
-                            <a:srgbClr val="D10A11"/>
+                            <a:srgbClr val="00D4C8"/>
                           </a:solidFill>
                           <a:effectLst/>
                           <a:latin typeface="Arial" panose="020B0604020202020204" pitchFamily="34" charset="0"/>
@@ -13226,7 +15268,7 @@
                       <a:r>
                         <a:rPr lang="ru-RU" sz="1100" b="1" kern="1200" cap="all" spc="150" dirty="0">
                           <a:solidFill>
-                            <a:srgbClr val="D10A11"/>
+                            <a:srgbClr val="00D4C8"/>
                           </a:solidFill>
                           <a:effectLst/>
                           <a:latin typeface="Arial" panose="020B0604020202020204" pitchFamily="34" charset="0"/>
@@ -13238,7 +15280,7 @@
                       <a:r>
                         <a:rPr lang="en-US" sz="1100" b="1" kern="1200" cap="all" spc="150" dirty="0" err="1">
                           <a:solidFill>
-                            <a:srgbClr val="D10A11"/>
+                            <a:srgbClr val="00D4C8"/>
                           </a:solidFill>
                           <a:effectLst/>
                           <a:latin typeface="Arial" panose="020B0604020202020204" pitchFamily="34" charset="0"/>
@@ -13257,7 +15299,7 @@
                       <a:r>
                         <a:rPr lang="ru-RU" sz="1100" b="1" kern="1200" cap="all" spc="150" dirty="0">
                           <a:solidFill>
-                            <a:srgbClr val="D10A11"/>
+                            <a:srgbClr val="00D4C8"/>
                           </a:solidFill>
                           <a:effectLst/>
                           <a:latin typeface="Arial" panose="020B0604020202020204" pitchFamily="34" charset="0"/>
@@ -13276,7 +15318,7 @@
                       <a:r>
                         <a:rPr lang="en-US" sz="1100" b="1" kern="1200" cap="all" spc="150" dirty="0" err="1">
                           <a:solidFill>
-                            <a:srgbClr val="D10A11"/>
+                            <a:srgbClr val="00D4C8"/>
                           </a:solidFill>
                           <a:effectLst/>
                           <a:latin typeface="Arial" panose="020B0604020202020204" pitchFamily="34" charset="0"/>
@@ -13295,7 +15337,7 @@
                       <a:r>
                         <a:rPr lang="en-US" sz="1100" b="1" kern="1200" cap="all" spc="150" dirty="0">
                           <a:solidFill>
-                            <a:srgbClr val="D10A11"/>
+                            <a:srgbClr val="00D4C8"/>
                           </a:solidFill>
                           <a:effectLst/>
                           <a:latin typeface="Arial" panose="020B0604020202020204" pitchFamily="34" charset="0"/>
@@ -13307,7 +15349,7 @@
                       <a:r>
                         <a:rPr lang="ru-RU" sz="1100" b="1" kern="1200" cap="all" spc="150" dirty="0">
                           <a:solidFill>
-                            <a:srgbClr val="D10A11"/>
+                            <a:srgbClr val="00D4C8"/>
                           </a:solidFill>
                           <a:effectLst/>
                           <a:latin typeface="Arial" panose="020B0604020202020204" pitchFamily="34" charset="0"/>
@@ -13319,7 +15361,7 @@
                       <a:r>
                         <a:rPr lang="en-US" sz="1100" b="1" kern="1200" cap="all" spc="150" dirty="0">
                           <a:solidFill>
-                            <a:srgbClr val="D10A11"/>
+                            <a:srgbClr val="00D4C8"/>
                           </a:solidFill>
                           <a:effectLst/>
                           <a:latin typeface="Arial" panose="020B0604020202020204" pitchFamily="34" charset="0"/>
@@ -13331,7 +15373,7 @@
                       <a:r>
                         <a:rPr lang="ru-RU" sz="1100" b="1" kern="1200" cap="all" spc="150" dirty="0">
                           <a:solidFill>
-                            <a:srgbClr val="D10A11"/>
+                            <a:srgbClr val="00D4C8"/>
                           </a:solidFill>
                           <a:effectLst/>
                           <a:latin typeface="Arial" panose="020B0604020202020204" pitchFamily="34" charset="0"/>
@@ -13343,7 +15385,7 @@
                       <a:r>
                         <a:rPr lang="en-US" sz="1100" b="1" kern="1200" cap="all" spc="150" dirty="0" err="1">
                           <a:solidFill>
-                            <a:srgbClr val="D10A11"/>
+                            <a:srgbClr val="00D4C8"/>
                           </a:solidFill>
                           <a:effectLst/>
                           <a:latin typeface="Arial" panose="020B0604020202020204" pitchFamily="34" charset="0"/>
@@ -13362,7 +15404,7 @@
                       <a:r>
                         <a:rPr lang="ru-RU" sz="1100" b="1" kern="1200" cap="all" spc="150" dirty="0">
                           <a:solidFill>
-                            <a:srgbClr val="D10A11"/>
+                            <a:srgbClr val="00D4C8"/>
                           </a:solidFill>
                           <a:effectLst/>
                           <a:latin typeface="Arial" panose="020B0604020202020204" pitchFamily="34" charset="0"/>
@@ -13381,7 +15423,7 @@
                       <a:r>
                         <a:rPr lang="en-US" sz="1100" b="1" kern="1200" cap="all" spc="150" dirty="0">
                           <a:solidFill>
-                            <a:srgbClr val="D10A11"/>
+                            <a:srgbClr val="00D4C8"/>
                           </a:solidFill>
                           <a:effectLst/>
                           <a:latin typeface="Arial" panose="020B0604020202020204" pitchFamily="34" charset="0"/>
@@ -13400,7 +15442,7 @@
                       <a:r>
                         <a:rPr lang="ru-RU" sz="1100" b="1" kern="1200" cap="all" spc="150" dirty="0">
                           <a:solidFill>
-                            <a:srgbClr val="D10A11"/>
+                            <a:srgbClr val="00D4C8"/>
                           </a:solidFill>
                           <a:effectLst/>
                           <a:latin typeface="Arial" panose="020B0604020202020204" pitchFamily="34" charset="0"/>
@@ -13419,7 +15461,7 @@
                       <a:r>
                         <a:rPr lang="en-US" sz="1100" b="1" kern="1200" cap="all" spc="150" dirty="0" err="1">
                           <a:solidFill>
-                            <a:srgbClr val="D10A11"/>
+                            <a:srgbClr val="00D4C8"/>
                           </a:solidFill>
                           <a:effectLst/>
                           <a:latin typeface="Arial" panose="020B0604020202020204" pitchFamily="34" charset="0"/>
@@ -13437,7 +15479,7 @@
                       </a:r>
                       <a:endParaRPr lang="ru-RU" sz="1100" b="1" kern="1200" cap="all" spc="150" dirty="0">
                         <a:solidFill>
-                          <a:srgbClr val="D10A11"/>
+                          <a:srgbClr val="00D4C8"/>
                         </a:solidFill>
                         <a:effectLst/>
                         <a:latin typeface="Arial" panose="020B0604020202020204" pitchFamily="34" charset="0"/>
@@ -13687,6 +15729,27 @@
             <a:off x="5965372" y="365126"/>
             <a:ext cx="4896110" cy="859376"/>
           </a:xfrm>
+          <a:ln>
+            <a:noFill/>
+          </a:ln>
+          <a:effectLst>
+            <a:outerShdw blurRad="149987" dist="250190" dir="8460000" algn="ctr">
+              <a:srgbClr val="000000">
+                <a:alpha val="28000"/>
+              </a:srgbClr>
+            </a:outerShdw>
+          </a:effectLst>
+          <a:scene3d>
+            <a:camera prst="orthographicFront">
+              <a:rot lat="0" lon="0" rev="0"/>
+            </a:camera>
+            <a:lightRig rig="contrasting" dir="t">
+              <a:rot lat="0" lon="0" rev="1500000"/>
+            </a:lightRig>
+          </a:scene3d>
+          <a:sp3d prstMaterial="metal">
+            <a:bevelT w="88900" h="88900"/>
+          </a:sp3d>
         </p:spPr>
         <p:txBody>
           <a:bodyPr>
@@ -13698,7 +15761,7 @@
             <a:r>
               <a:rPr lang="ru-RU" sz="3600" b="1" dirty="0">
                 <a:solidFill>
-                  <a:srgbClr val="D10A11"/>
+                  <a:srgbClr val="00D4C8"/>
                 </a:solidFill>
                 <a:latin typeface="Arial" panose="020B0604020202020204" pitchFamily="34" charset="0"/>
                 <a:cs typeface="Arial" panose="020B0604020202020204" pitchFamily="34" charset="0"/>
@@ -13741,6 +15804,27 @@
             <a:off x="1220967" y="1224501"/>
             <a:ext cx="9640515" cy="5125095"/>
           </a:xfrm>
+          <a:ln>
+            <a:noFill/>
+          </a:ln>
+          <a:effectLst>
+            <a:outerShdw blurRad="149987" dist="250190" dir="8460000" algn="ctr">
+              <a:srgbClr val="000000">
+                <a:alpha val="28000"/>
+              </a:srgbClr>
+            </a:outerShdw>
+          </a:effectLst>
+          <a:scene3d>
+            <a:camera prst="orthographicFront">
+              <a:rot lat="0" lon="0" rev="0"/>
+            </a:camera>
+            <a:lightRig rig="contrasting" dir="t">
+              <a:rot lat="0" lon="0" rev="1500000"/>
+            </a:lightRig>
+          </a:scene3d>
+          <a:sp3d prstMaterial="metal">
+            <a:bevelT w="88900" h="88900"/>
+          </a:sp3d>
         </p:spPr>
       </p:pic>
       <p:pic>
@@ -13830,7 +15914,7 @@
           <p:nvPr>
             <p:extLst>
               <p:ext uri="{D42A27DB-BD31-4B8C-83A1-F6EECF244321}">
-                <p14:modId xmlns:p14="http://schemas.microsoft.com/office/powerpoint/2010/main" val="688727512"/>
+                <p14:modId xmlns:p14="http://schemas.microsoft.com/office/powerpoint/2010/main" val="139598749"/>
               </p:ext>
             </p:extLst>
           </p:nvPr>
@@ -13871,7 +15955,7 @@
                       <a:r>
                         <a:rPr lang="ru-RU" sz="1100" b="1" cap="all" spc="150" dirty="0">
                           <a:solidFill>
-                            <a:srgbClr val="D10A11"/>
+                            <a:srgbClr val="00D4C8"/>
                           </a:solidFill>
                           <a:effectLst/>
                           <a:latin typeface="Arial" panose="020B0604020202020204" pitchFamily="34" charset="0"/>
@@ -13882,7 +15966,7 @@
                       <a:r>
                         <a:rPr lang="ru-RU" sz="1100" b="1" u="sng" cap="all" spc="150" dirty="0">
                           <a:solidFill>
-                            <a:srgbClr val="D10A11"/>
+                            <a:srgbClr val="00D4C8"/>
                           </a:solidFill>
                           <a:effectLst/>
                           <a:latin typeface="Arial" panose="020B0604020202020204" pitchFamily="34" charset="0"/>
@@ -13900,7 +15984,7 @@
                       <a:r>
                         <a:rPr lang="ru-RU" sz="1100" b="1" kern="1200" cap="all" spc="150" dirty="0">
                           <a:solidFill>
-                            <a:srgbClr val="D10A11"/>
+                            <a:srgbClr val="00D4C8"/>
                           </a:solidFill>
                           <a:effectLst/>
                           <a:latin typeface="Arial" panose="020B0604020202020204" pitchFamily="34" charset="0"/>
@@ -13919,7 +16003,7 @@
                       <a:r>
                         <a:rPr lang="ru-RU" sz="1100" b="1" kern="1200" cap="all" spc="150" dirty="0">
                           <a:solidFill>
-                            <a:srgbClr val="D10A11"/>
+                            <a:srgbClr val="00D4C8"/>
                           </a:solidFill>
                           <a:effectLst/>
                           <a:latin typeface="Arial" panose="020B0604020202020204" pitchFamily="34" charset="0"/>
@@ -13931,7 +16015,7 @@
                       <a:r>
                         <a:rPr lang="en-US" sz="1100" b="1" kern="1200" cap="all" spc="150" dirty="0" err="1">
                           <a:solidFill>
-                            <a:srgbClr val="D10A11"/>
+                            <a:srgbClr val="00D4C8"/>
                           </a:solidFill>
                           <a:effectLst/>
                           <a:latin typeface="Arial" panose="020B0604020202020204" pitchFamily="34" charset="0"/>
@@ -13950,7 +16034,7 @@
                       <a:r>
                         <a:rPr lang="ru-RU" sz="1100" b="1" kern="1200" cap="all" spc="150" dirty="0">
                           <a:solidFill>
-                            <a:srgbClr val="D10A11"/>
+                            <a:srgbClr val="00D4C8"/>
                           </a:solidFill>
                           <a:effectLst/>
                           <a:latin typeface="Arial" panose="020B0604020202020204" pitchFamily="34" charset="0"/>
@@ -13969,7 +16053,7 @@
                       <a:r>
                         <a:rPr lang="en-US" sz="1100" b="1" kern="1200" cap="all" spc="150" dirty="0" err="1">
                           <a:solidFill>
-                            <a:srgbClr val="D10A11"/>
+                            <a:srgbClr val="00D4C8"/>
                           </a:solidFill>
                           <a:effectLst/>
                           <a:latin typeface="Arial" panose="020B0604020202020204" pitchFamily="34" charset="0"/>
@@ -13988,7 +16072,7 @@
                       <a:r>
                         <a:rPr lang="en-US" sz="1100" b="1" kern="1200" cap="all" spc="150" dirty="0">
                           <a:solidFill>
-                            <a:srgbClr val="D10A11"/>
+                            <a:srgbClr val="00D4C8"/>
                           </a:solidFill>
                           <a:effectLst/>
                           <a:latin typeface="Arial" panose="020B0604020202020204" pitchFamily="34" charset="0"/>
@@ -14000,7 +16084,7 @@
                       <a:r>
                         <a:rPr lang="ru-RU" sz="1100" b="1" kern="1200" cap="all" spc="150" dirty="0">
                           <a:solidFill>
-                            <a:srgbClr val="D10A11"/>
+                            <a:srgbClr val="00D4C8"/>
                           </a:solidFill>
                           <a:effectLst/>
                           <a:latin typeface="Arial" panose="020B0604020202020204" pitchFamily="34" charset="0"/>
@@ -14012,7 +16096,7 @@
                       <a:r>
                         <a:rPr lang="en-US" sz="1100" b="1" kern="1200" cap="all" spc="150" dirty="0">
                           <a:solidFill>
-                            <a:srgbClr val="D10A11"/>
+                            <a:srgbClr val="00D4C8"/>
                           </a:solidFill>
                           <a:effectLst/>
                           <a:latin typeface="Arial" panose="020B0604020202020204" pitchFamily="34" charset="0"/>
@@ -14024,7 +16108,7 @@
                       <a:r>
                         <a:rPr lang="ru-RU" sz="1100" b="1" kern="1200" cap="all" spc="150" dirty="0">
                           <a:solidFill>
-                            <a:srgbClr val="D10A11"/>
+                            <a:srgbClr val="00D4C8"/>
                           </a:solidFill>
                           <a:effectLst/>
                           <a:latin typeface="Arial" panose="020B0604020202020204" pitchFamily="34" charset="0"/>
@@ -14036,7 +16120,7 @@
                       <a:r>
                         <a:rPr lang="en-US" sz="1100" b="1" kern="1200" cap="all" spc="150" dirty="0" err="1">
                           <a:solidFill>
-                            <a:srgbClr val="D10A11"/>
+                            <a:srgbClr val="00D4C8"/>
                           </a:solidFill>
                           <a:effectLst/>
                           <a:latin typeface="Arial" panose="020B0604020202020204" pitchFamily="34" charset="0"/>
@@ -14055,7 +16139,7 @@
                       <a:r>
                         <a:rPr lang="ru-RU" sz="1100" b="1" kern="1200" cap="all" spc="150" dirty="0">
                           <a:solidFill>
-                            <a:srgbClr val="D10A11"/>
+                            <a:srgbClr val="00D4C8"/>
                           </a:solidFill>
                           <a:effectLst/>
                           <a:latin typeface="Arial" panose="020B0604020202020204" pitchFamily="34" charset="0"/>
@@ -14074,7 +16158,7 @@
                       <a:r>
                         <a:rPr lang="en-US" sz="1100" b="1" kern="1200" cap="all" spc="150" dirty="0">
                           <a:solidFill>
-                            <a:srgbClr val="D10A11"/>
+                            <a:srgbClr val="00D4C8"/>
                           </a:solidFill>
                           <a:effectLst/>
                           <a:latin typeface="Arial" panose="020B0604020202020204" pitchFamily="34" charset="0"/>
@@ -14093,7 +16177,7 @@
                       <a:r>
                         <a:rPr lang="ru-RU" sz="1100" b="1" kern="1200" cap="all" spc="150" dirty="0">
                           <a:solidFill>
-                            <a:srgbClr val="D10A11"/>
+                            <a:srgbClr val="00D4C8"/>
                           </a:solidFill>
                           <a:effectLst/>
                           <a:latin typeface="Arial" panose="020B0604020202020204" pitchFamily="34" charset="0"/>
@@ -14112,7 +16196,7 @@
                       <a:r>
                         <a:rPr lang="en-US" sz="1100" b="1" kern="1200" cap="all" spc="150" dirty="0" err="1">
                           <a:solidFill>
-                            <a:srgbClr val="D10A11"/>
+                            <a:srgbClr val="00D4C8"/>
                           </a:solidFill>
                           <a:effectLst/>
                           <a:latin typeface="Arial" panose="020B0604020202020204" pitchFamily="34" charset="0"/>
@@ -14130,7 +16214,7 @@
                       </a:r>
                       <a:endParaRPr lang="ru-RU" sz="1100" b="1" kern="1200" cap="all" spc="150" dirty="0">
                         <a:solidFill>
-                          <a:srgbClr val="D10A11"/>
+                          <a:srgbClr val="00D4C8"/>
                         </a:solidFill>
                         <a:effectLst/>
                         <a:latin typeface="Arial" panose="020B0604020202020204" pitchFamily="34" charset="0"/>
@@ -14380,6 +16464,27 @@
             <a:off x="5965372" y="365125"/>
             <a:ext cx="4624126" cy="851425"/>
           </a:xfrm>
+          <a:ln>
+            <a:noFill/>
+          </a:ln>
+          <a:effectLst>
+            <a:outerShdw blurRad="149987" dist="250190" dir="8460000" algn="ctr">
+              <a:srgbClr val="000000">
+                <a:alpha val="28000"/>
+              </a:srgbClr>
+            </a:outerShdw>
+          </a:effectLst>
+          <a:scene3d>
+            <a:camera prst="orthographicFront">
+              <a:rot lat="0" lon="0" rev="0"/>
+            </a:camera>
+            <a:lightRig rig="contrasting" dir="t">
+              <a:rot lat="0" lon="0" rev="1500000"/>
+            </a:lightRig>
+          </a:scene3d>
+          <a:sp3d prstMaterial="metal">
+            <a:bevelT w="88900" h="88900"/>
+          </a:sp3d>
         </p:spPr>
         <p:txBody>
           <a:bodyPr>
@@ -14391,7 +16496,7 @@
             <a:r>
               <a:rPr lang="ru-RU" sz="3600" b="1" dirty="0">
                 <a:solidFill>
-                  <a:srgbClr val="D10A11"/>
+                  <a:srgbClr val="00D4C8"/>
                 </a:solidFill>
                 <a:latin typeface="Arial" panose="020B0604020202020204" pitchFamily="34" charset="0"/>
                 <a:cs typeface="Arial" panose="020B0604020202020204" pitchFamily="34" charset="0"/>
@@ -14434,6 +16539,27 @@
             <a:off x="1589683" y="1216550"/>
             <a:ext cx="8999815" cy="5112495"/>
           </a:xfrm>
+          <a:ln>
+            <a:noFill/>
+          </a:ln>
+          <a:effectLst>
+            <a:outerShdw blurRad="149987" dist="250190" dir="8460000" algn="ctr">
+              <a:srgbClr val="000000">
+                <a:alpha val="28000"/>
+              </a:srgbClr>
+            </a:outerShdw>
+          </a:effectLst>
+          <a:scene3d>
+            <a:camera prst="orthographicFront">
+              <a:rot lat="0" lon="0" rev="0"/>
+            </a:camera>
+            <a:lightRig rig="contrasting" dir="t">
+              <a:rot lat="0" lon="0" rev="1500000"/>
+            </a:lightRig>
+          </a:scene3d>
+          <a:sp3d prstMaterial="metal">
+            <a:bevelT w="88900" h="88900"/>
+          </a:sp3d>
         </p:spPr>
       </p:pic>
       <p:pic>
@@ -14523,7 +16649,7 @@
           <p:nvPr>
             <p:extLst>
               <p:ext uri="{D42A27DB-BD31-4B8C-83A1-F6EECF244321}">
-                <p14:modId xmlns:p14="http://schemas.microsoft.com/office/powerpoint/2010/main" val="688727512"/>
+                <p14:modId xmlns:p14="http://schemas.microsoft.com/office/powerpoint/2010/main" val="4267741279"/>
               </p:ext>
             </p:extLst>
           </p:nvPr>
@@ -14564,7 +16690,7 @@
                       <a:r>
                         <a:rPr lang="ru-RU" sz="1100" b="1" cap="all" spc="150" dirty="0">
                           <a:solidFill>
-                            <a:srgbClr val="D10A11"/>
+                            <a:srgbClr val="00D4C8"/>
                           </a:solidFill>
                           <a:effectLst/>
                           <a:latin typeface="Arial" panose="020B0604020202020204" pitchFamily="34" charset="0"/>
@@ -14575,7 +16701,7 @@
                       <a:r>
                         <a:rPr lang="ru-RU" sz="1100" b="1" u="sng" cap="all" spc="150" dirty="0">
                           <a:solidFill>
-                            <a:srgbClr val="D10A11"/>
+                            <a:srgbClr val="00D4C8"/>
                           </a:solidFill>
                           <a:effectLst/>
                           <a:latin typeface="Arial" panose="020B0604020202020204" pitchFamily="34" charset="0"/>
@@ -14593,7 +16719,7 @@
                       <a:r>
                         <a:rPr lang="ru-RU" sz="1100" b="1" kern="1200" cap="all" spc="150" dirty="0">
                           <a:solidFill>
-                            <a:srgbClr val="D10A11"/>
+                            <a:srgbClr val="00D4C8"/>
                           </a:solidFill>
                           <a:effectLst/>
                           <a:latin typeface="Arial" panose="020B0604020202020204" pitchFamily="34" charset="0"/>
@@ -14612,7 +16738,7 @@
                       <a:r>
                         <a:rPr lang="ru-RU" sz="1100" b="1" kern="1200" cap="all" spc="150" dirty="0">
                           <a:solidFill>
-                            <a:srgbClr val="D10A11"/>
+                            <a:srgbClr val="00D4C8"/>
                           </a:solidFill>
                           <a:effectLst/>
                           <a:latin typeface="Arial" panose="020B0604020202020204" pitchFamily="34" charset="0"/>
@@ -14624,7 +16750,7 @@
                       <a:r>
                         <a:rPr lang="en-US" sz="1100" b="1" kern="1200" cap="all" spc="150" dirty="0" err="1">
                           <a:solidFill>
-                            <a:srgbClr val="D10A11"/>
+                            <a:srgbClr val="00D4C8"/>
                           </a:solidFill>
                           <a:effectLst/>
                           <a:latin typeface="Arial" panose="020B0604020202020204" pitchFamily="34" charset="0"/>
@@ -14643,7 +16769,7 @@
                       <a:r>
                         <a:rPr lang="ru-RU" sz="1100" b="1" kern="1200" cap="all" spc="150" dirty="0">
                           <a:solidFill>
-                            <a:srgbClr val="D10A11"/>
+                            <a:srgbClr val="00D4C8"/>
                           </a:solidFill>
                           <a:effectLst/>
                           <a:latin typeface="Arial" panose="020B0604020202020204" pitchFamily="34" charset="0"/>
@@ -14662,7 +16788,7 @@
                       <a:r>
                         <a:rPr lang="en-US" sz="1100" b="1" kern="1200" cap="all" spc="150" dirty="0" err="1">
                           <a:solidFill>
-                            <a:srgbClr val="D10A11"/>
+                            <a:srgbClr val="00D4C8"/>
                           </a:solidFill>
                           <a:effectLst/>
                           <a:latin typeface="Arial" panose="020B0604020202020204" pitchFamily="34" charset="0"/>
@@ -14681,7 +16807,7 @@
                       <a:r>
                         <a:rPr lang="en-US" sz="1100" b="1" kern="1200" cap="all" spc="150" dirty="0">
                           <a:solidFill>
-                            <a:srgbClr val="D10A11"/>
+                            <a:srgbClr val="00D4C8"/>
                           </a:solidFill>
                           <a:effectLst/>
                           <a:latin typeface="Arial" panose="020B0604020202020204" pitchFamily="34" charset="0"/>
@@ -14693,7 +16819,7 @@
                       <a:r>
                         <a:rPr lang="ru-RU" sz="1100" b="1" kern="1200" cap="all" spc="150" dirty="0">
                           <a:solidFill>
-                            <a:srgbClr val="D10A11"/>
+                            <a:srgbClr val="00D4C8"/>
                           </a:solidFill>
                           <a:effectLst/>
                           <a:latin typeface="Arial" panose="020B0604020202020204" pitchFamily="34" charset="0"/>
@@ -14705,7 +16831,7 @@
                       <a:r>
                         <a:rPr lang="en-US" sz="1100" b="1" kern="1200" cap="all" spc="150" dirty="0">
                           <a:solidFill>
-                            <a:srgbClr val="D10A11"/>
+                            <a:srgbClr val="00D4C8"/>
                           </a:solidFill>
                           <a:effectLst/>
                           <a:latin typeface="Arial" panose="020B0604020202020204" pitchFamily="34" charset="0"/>
@@ -14717,7 +16843,7 @@
                       <a:r>
                         <a:rPr lang="ru-RU" sz="1100" b="1" kern="1200" cap="all" spc="150" dirty="0">
                           <a:solidFill>
-                            <a:srgbClr val="D10A11"/>
+                            <a:srgbClr val="00D4C8"/>
                           </a:solidFill>
                           <a:effectLst/>
                           <a:latin typeface="Arial" panose="020B0604020202020204" pitchFamily="34" charset="0"/>
@@ -14729,7 +16855,7 @@
                       <a:r>
                         <a:rPr lang="en-US" sz="1100" b="1" kern="1200" cap="all" spc="150" dirty="0" err="1">
                           <a:solidFill>
-                            <a:srgbClr val="D10A11"/>
+                            <a:srgbClr val="00D4C8"/>
                           </a:solidFill>
                           <a:effectLst/>
                           <a:latin typeface="Arial" panose="020B0604020202020204" pitchFamily="34" charset="0"/>
@@ -14748,7 +16874,7 @@
                       <a:r>
                         <a:rPr lang="ru-RU" sz="1100" b="1" kern="1200" cap="all" spc="150" dirty="0">
                           <a:solidFill>
-                            <a:srgbClr val="D10A11"/>
+                            <a:srgbClr val="00D4C8"/>
                           </a:solidFill>
                           <a:effectLst/>
                           <a:latin typeface="Arial" panose="020B0604020202020204" pitchFamily="34" charset="0"/>
@@ -14767,7 +16893,7 @@
                       <a:r>
                         <a:rPr lang="en-US" sz="1100" b="1" kern="1200" cap="all" spc="150" dirty="0">
                           <a:solidFill>
-                            <a:srgbClr val="D10A11"/>
+                            <a:srgbClr val="00D4C8"/>
                           </a:solidFill>
                           <a:effectLst/>
                           <a:latin typeface="Arial" panose="020B0604020202020204" pitchFamily="34" charset="0"/>
@@ -14786,7 +16912,7 @@
                       <a:r>
                         <a:rPr lang="ru-RU" sz="1100" b="1" kern="1200" cap="all" spc="150" dirty="0">
                           <a:solidFill>
-                            <a:srgbClr val="D10A11"/>
+                            <a:srgbClr val="00D4C8"/>
                           </a:solidFill>
                           <a:effectLst/>
                           <a:latin typeface="Arial" panose="020B0604020202020204" pitchFamily="34" charset="0"/>
@@ -14805,7 +16931,7 @@
                       <a:r>
                         <a:rPr lang="en-US" sz="1100" b="1" kern="1200" cap="all" spc="150" dirty="0" err="1">
                           <a:solidFill>
-                            <a:srgbClr val="D10A11"/>
+                            <a:srgbClr val="00D4C8"/>
                           </a:solidFill>
                           <a:effectLst/>
                           <a:latin typeface="Arial" panose="020B0604020202020204" pitchFamily="34" charset="0"/>
@@ -14823,7 +16949,7 @@
                       </a:r>
                       <a:endParaRPr lang="ru-RU" sz="1100" b="1" kern="1200" cap="all" spc="150" dirty="0">
                         <a:solidFill>
-                          <a:srgbClr val="D10A11"/>
+                          <a:srgbClr val="00D4C8"/>
                         </a:solidFill>
                         <a:effectLst/>
                         <a:latin typeface="Arial" panose="020B0604020202020204" pitchFamily="34" charset="0"/>
@@ -15073,6 +17199,27 @@
             <a:off x="5965372" y="365126"/>
             <a:ext cx="3544388" cy="883229"/>
           </a:xfrm>
+          <a:ln>
+            <a:noFill/>
+          </a:ln>
+          <a:effectLst>
+            <a:outerShdw blurRad="149987" dist="250190" dir="8460000" algn="ctr">
+              <a:srgbClr val="000000">
+                <a:alpha val="28000"/>
+              </a:srgbClr>
+            </a:outerShdw>
+          </a:effectLst>
+          <a:scene3d>
+            <a:camera prst="orthographicFront">
+              <a:rot lat="0" lon="0" rev="0"/>
+            </a:camera>
+            <a:lightRig rig="contrasting" dir="t">
+              <a:rot lat="0" lon="0" rev="1500000"/>
+            </a:lightRig>
+          </a:scene3d>
+          <a:sp3d prstMaterial="metal">
+            <a:bevelT w="88900" h="88900"/>
+          </a:sp3d>
         </p:spPr>
         <p:txBody>
           <a:bodyPr>
@@ -15084,7 +17231,7 @@
             <a:r>
               <a:rPr lang="ru-RU" sz="3600" b="1" dirty="0">
                 <a:solidFill>
-                  <a:srgbClr val="D10A11"/>
+                  <a:srgbClr val="00D4C8"/>
                 </a:solidFill>
                 <a:latin typeface="Arial" panose="020B0604020202020204" pitchFamily="34" charset="0"/>
                 <a:cs typeface="Arial" panose="020B0604020202020204" pitchFamily="34" charset="0"/>
@@ -15110,7 +17257,7 @@
             <p:ph idx="1"/>
             <p:extLst>
               <p:ext uri="{D42A27DB-BD31-4B8C-83A1-F6EECF244321}">
-                <p14:modId xmlns:p14="http://schemas.microsoft.com/office/powerpoint/2010/main" val="3690820846"/>
+                <p14:modId xmlns:p14="http://schemas.microsoft.com/office/powerpoint/2010/main" val="3618131248"/>
               </p:ext>
             </p:extLst>
           </p:nvPr>
@@ -15195,6 +17342,27 @@
           <a:prstGeom prst="rect">
             <a:avLst/>
           </a:prstGeom>
+          <a:ln>
+            <a:noFill/>
+          </a:ln>
+          <a:effectLst>
+            <a:outerShdw blurRad="149987" dist="250190" dir="8460000" algn="ctr">
+              <a:srgbClr val="000000">
+                <a:alpha val="28000"/>
+              </a:srgbClr>
+            </a:outerShdw>
+          </a:effectLst>
+          <a:scene3d>
+            <a:camera prst="orthographicFront">
+              <a:rot lat="0" lon="0" rev="0"/>
+            </a:camera>
+            <a:lightRig rig="contrasting" dir="t">
+              <a:rot lat="0" lon="0" rev="1500000"/>
+            </a:lightRig>
+          </a:scene3d>
+          <a:sp3d prstMaterial="metal">
+            <a:bevelT w="88900" h="88900"/>
+          </a:sp3d>
         </p:spPr>
       </p:pic>
       <p:pic>
@@ -15248,7 +17416,7 @@
           <p:nvPr>
             <p:extLst>
               <p:ext uri="{D42A27DB-BD31-4B8C-83A1-F6EECF244321}">
-                <p14:modId xmlns:p14="http://schemas.microsoft.com/office/powerpoint/2010/main" val="688727512"/>
+                <p14:modId xmlns:p14="http://schemas.microsoft.com/office/powerpoint/2010/main" val="1510769535"/>
               </p:ext>
             </p:extLst>
           </p:nvPr>
@@ -15289,7 +17457,7 @@
                       <a:r>
                         <a:rPr lang="ru-RU" sz="1100" b="1" cap="all" spc="150" dirty="0">
                           <a:solidFill>
-                            <a:srgbClr val="D10A11"/>
+                            <a:srgbClr val="00D4C8"/>
                           </a:solidFill>
                           <a:effectLst/>
                           <a:latin typeface="Arial" panose="020B0604020202020204" pitchFamily="34" charset="0"/>
@@ -15300,7 +17468,7 @@
                       <a:r>
                         <a:rPr lang="ru-RU" sz="1100" b="1" u="sng" cap="all" spc="150" dirty="0">
                           <a:solidFill>
-                            <a:srgbClr val="D10A11"/>
+                            <a:srgbClr val="00D4C8"/>
                           </a:solidFill>
                           <a:effectLst/>
                           <a:latin typeface="Arial" panose="020B0604020202020204" pitchFamily="34" charset="0"/>
@@ -15318,7 +17486,7 @@
                       <a:r>
                         <a:rPr lang="ru-RU" sz="1100" b="1" kern="1200" cap="all" spc="150" dirty="0">
                           <a:solidFill>
-                            <a:srgbClr val="D10A11"/>
+                            <a:srgbClr val="00D4C8"/>
                           </a:solidFill>
                           <a:effectLst/>
                           <a:latin typeface="Arial" panose="020B0604020202020204" pitchFamily="34" charset="0"/>
@@ -15337,7 +17505,7 @@
                       <a:r>
                         <a:rPr lang="ru-RU" sz="1100" b="1" kern="1200" cap="all" spc="150" dirty="0">
                           <a:solidFill>
-                            <a:srgbClr val="D10A11"/>
+                            <a:srgbClr val="00D4C8"/>
                           </a:solidFill>
                           <a:effectLst/>
                           <a:latin typeface="Arial" panose="020B0604020202020204" pitchFamily="34" charset="0"/>
@@ -15349,7 +17517,7 @@
                       <a:r>
                         <a:rPr lang="en-US" sz="1100" b="1" kern="1200" cap="all" spc="150" dirty="0" err="1">
                           <a:solidFill>
-                            <a:srgbClr val="D10A11"/>
+                            <a:srgbClr val="00D4C8"/>
                           </a:solidFill>
                           <a:effectLst/>
                           <a:latin typeface="Arial" panose="020B0604020202020204" pitchFamily="34" charset="0"/>
@@ -15368,7 +17536,7 @@
                       <a:r>
                         <a:rPr lang="ru-RU" sz="1100" b="1" kern="1200" cap="all" spc="150" dirty="0">
                           <a:solidFill>
-                            <a:srgbClr val="D10A11"/>
+                            <a:srgbClr val="00D4C8"/>
                           </a:solidFill>
                           <a:effectLst/>
                           <a:latin typeface="Arial" panose="020B0604020202020204" pitchFamily="34" charset="0"/>
@@ -15387,7 +17555,7 @@
                       <a:r>
                         <a:rPr lang="en-US" sz="1100" b="1" kern="1200" cap="all" spc="150" dirty="0" err="1">
                           <a:solidFill>
-                            <a:srgbClr val="D10A11"/>
+                            <a:srgbClr val="00D4C8"/>
                           </a:solidFill>
                           <a:effectLst/>
                           <a:latin typeface="Arial" panose="020B0604020202020204" pitchFamily="34" charset="0"/>
@@ -15406,7 +17574,7 @@
                       <a:r>
                         <a:rPr lang="en-US" sz="1100" b="1" kern="1200" cap="all" spc="150" dirty="0">
                           <a:solidFill>
-                            <a:srgbClr val="D10A11"/>
+                            <a:srgbClr val="00D4C8"/>
                           </a:solidFill>
                           <a:effectLst/>
                           <a:latin typeface="Arial" panose="020B0604020202020204" pitchFamily="34" charset="0"/>
@@ -15418,7 +17586,7 @@
                       <a:r>
                         <a:rPr lang="ru-RU" sz="1100" b="1" kern="1200" cap="all" spc="150" dirty="0">
                           <a:solidFill>
-                            <a:srgbClr val="D10A11"/>
+                            <a:srgbClr val="00D4C8"/>
                           </a:solidFill>
                           <a:effectLst/>
                           <a:latin typeface="Arial" panose="020B0604020202020204" pitchFamily="34" charset="0"/>
@@ -15430,7 +17598,7 @@
                       <a:r>
                         <a:rPr lang="en-US" sz="1100" b="1" kern="1200" cap="all" spc="150" dirty="0">
                           <a:solidFill>
-                            <a:srgbClr val="D10A11"/>
+                            <a:srgbClr val="00D4C8"/>
                           </a:solidFill>
                           <a:effectLst/>
                           <a:latin typeface="Arial" panose="020B0604020202020204" pitchFamily="34" charset="0"/>
@@ -15442,7 +17610,7 @@
                       <a:r>
                         <a:rPr lang="ru-RU" sz="1100" b="1" kern="1200" cap="all" spc="150" dirty="0">
                           <a:solidFill>
-                            <a:srgbClr val="D10A11"/>
+                            <a:srgbClr val="00D4C8"/>
                           </a:solidFill>
                           <a:effectLst/>
                           <a:latin typeface="Arial" panose="020B0604020202020204" pitchFamily="34" charset="0"/>
@@ -15454,7 +17622,7 @@
                       <a:r>
                         <a:rPr lang="en-US" sz="1100" b="1" kern="1200" cap="all" spc="150" dirty="0" err="1">
                           <a:solidFill>
-                            <a:srgbClr val="D10A11"/>
+                            <a:srgbClr val="00D4C8"/>
                           </a:solidFill>
                           <a:effectLst/>
                           <a:latin typeface="Arial" panose="020B0604020202020204" pitchFamily="34" charset="0"/>
@@ -15473,7 +17641,7 @@
                       <a:r>
                         <a:rPr lang="ru-RU" sz="1100" b="1" kern="1200" cap="all" spc="150" dirty="0">
                           <a:solidFill>
-                            <a:srgbClr val="D10A11"/>
+                            <a:srgbClr val="00D4C8"/>
                           </a:solidFill>
                           <a:effectLst/>
                           <a:latin typeface="Arial" panose="020B0604020202020204" pitchFamily="34" charset="0"/>
@@ -15492,7 +17660,7 @@
                       <a:r>
                         <a:rPr lang="en-US" sz="1100" b="1" kern="1200" cap="all" spc="150" dirty="0">
                           <a:solidFill>
-                            <a:srgbClr val="D10A11"/>
+                            <a:srgbClr val="00D4C8"/>
                           </a:solidFill>
                           <a:effectLst/>
                           <a:latin typeface="Arial" panose="020B0604020202020204" pitchFamily="34" charset="0"/>
@@ -15511,7 +17679,7 @@
                       <a:r>
                         <a:rPr lang="ru-RU" sz="1100" b="1" kern="1200" cap="all" spc="150" dirty="0">
                           <a:solidFill>
-                            <a:srgbClr val="D10A11"/>
+                            <a:srgbClr val="00D4C8"/>
                           </a:solidFill>
                           <a:effectLst/>
                           <a:latin typeface="Arial" panose="020B0604020202020204" pitchFamily="34" charset="0"/>
@@ -15530,7 +17698,7 @@
                       <a:r>
                         <a:rPr lang="en-US" sz="1100" b="1" kern="1200" cap="all" spc="150" dirty="0" err="1">
                           <a:solidFill>
-                            <a:srgbClr val="D10A11"/>
+                            <a:srgbClr val="00D4C8"/>
                           </a:solidFill>
                           <a:effectLst/>
                           <a:latin typeface="Arial" panose="020B0604020202020204" pitchFamily="34" charset="0"/>
@@ -15548,7 +17716,7 @@
                       </a:r>
                       <a:endParaRPr lang="ru-RU" sz="1100" b="1" kern="1200" cap="all" spc="150" dirty="0">
                         <a:solidFill>
-                          <a:srgbClr val="D10A11"/>
+                          <a:srgbClr val="00D4C8"/>
                         </a:solidFill>
                         <a:effectLst/>
                         <a:latin typeface="Arial" panose="020B0604020202020204" pitchFamily="34" charset="0"/>
